--- a/docs/Examples/Elements/BasicElements/makeFig_BasicElements.pptx
+++ b/docs/Examples/Elements/BasicElements/makeFig_BasicElements.pptx
@@ -5,19 +5,21 @@
     <p:sldMasterId id="2147483648" r:id="rId1"/>
   </p:sldMasterIdLst>
   <p:sldIdLst>
-    <p:sldId id="288" r:id="rId2"/>
-    <p:sldId id="289" r:id="rId3"/>
-    <p:sldId id="290" r:id="rId4"/>
-    <p:sldId id="291" r:id="rId5"/>
-    <p:sldId id="287" r:id="rId6"/>
-    <p:sldId id="283" r:id="rId7"/>
-    <p:sldId id="284" r:id="rId8"/>
-    <p:sldId id="285" r:id="rId9"/>
-    <p:sldId id="286" r:id="rId10"/>
-    <p:sldId id="282" r:id="rId11"/>
-    <p:sldId id="269" r:id="rId12"/>
-    <p:sldId id="265" r:id="rId13"/>
-    <p:sldId id="275" r:id="rId14"/>
+    <p:sldId id="292" r:id="rId2"/>
+    <p:sldId id="293" r:id="rId3"/>
+    <p:sldId id="288" r:id="rId4"/>
+    <p:sldId id="289" r:id="rId5"/>
+    <p:sldId id="290" r:id="rId6"/>
+    <p:sldId id="291" r:id="rId7"/>
+    <p:sldId id="287" r:id="rId8"/>
+    <p:sldId id="283" r:id="rId9"/>
+    <p:sldId id="284" r:id="rId10"/>
+    <p:sldId id="285" r:id="rId11"/>
+    <p:sldId id="286" r:id="rId12"/>
+    <p:sldId id="282" r:id="rId13"/>
+    <p:sldId id="269" r:id="rId14"/>
+    <p:sldId id="265" r:id="rId15"/>
+    <p:sldId id="275" r:id="rId16"/>
   </p:sldIdLst>
   <p:sldSz cx="12192000" cy="6858000"/>
   <p:notesSz cx="6858000" cy="9144000"/>
@@ -119,8 +121,11 @@
   <p:extLst>
     <p:ext uri="{521415D9-36F7-43E2-AB2F-B90AF26B5E84}">
       <p14:sectionLst xmlns:p14="http://schemas.microsoft.com/office/powerpoint/2010/main">
-        <p14:section name="タイトルなしのセクション" id="{7DAB9F9C-A6F9-43D9-9E37-995EAC421FE0}">
-          <p14:sldIdLst/>
+        <p14:section name="PistonCylinderIdealOttoMV00_ex03" id="{7DAB9F9C-A6F9-43D9-9E37-995EAC421FE0}">
+          <p14:sldIdLst>
+            <p14:sldId id="292"/>
+            <p14:sldId id="293"/>
+          </p14:sldIdLst>
         </p14:section>
         <p14:section name="NzlDefAeByFlowCharFixed01_ex03" id="{AF53A3C0-EE96-4719-AD70-0AE1D566ACD8}">
           <p14:sldIdLst>
@@ -161,6 +166,9 @@
         </p14:section>
       </p14:sectionLst>
     </p:ext>
+    <p:ext uri="{EFAFB233-063F-42B5-8137-9DF3F51BA10A}">
+      <p15:sldGuideLst xmlns:p15="http://schemas.microsoft.com/office/powerpoint/2012/main"/>
+    </p:ext>
   </p:extLst>
 </p:presentation>
 </file>
@@ -312,7 +320,7 @@
           <a:p>
             <a:fld id="{7A42870F-4E67-46E2-8F18-B2501CC1ED92}" type="datetimeFigureOut">
               <a:rPr kumimoji="1" lang="ja-JP" altLang="en-US" smtClean="0"/>
-              <a:t>2021/1/24</a:t>
+              <a:t>2021/2/2</a:t>
             </a:fld>
             <a:endParaRPr kumimoji="1" lang="ja-JP" altLang="en-US"/>
           </a:p>
@@ -542,7 +550,7 @@
           <a:p>
             <a:fld id="{7A42870F-4E67-46E2-8F18-B2501CC1ED92}" type="datetimeFigureOut">
               <a:rPr kumimoji="1" lang="ja-JP" altLang="en-US" smtClean="0"/>
-              <a:t>2021/1/24</a:t>
+              <a:t>2021/2/2</a:t>
             </a:fld>
             <a:endParaRPr kumimoji="1" lang="ja-JP" altLang="en-US"/>
           </a:p>
@@ -782,7 +790,7 @@
           <a:p>
             <a:fld id="{7A42870F-4E67-46E2-8F18-B2501CC1ED92}" type="datetimeFigureOut">
               <a:rPr kumimoji="1" lang="ja-JP" altLang="en-US" smtClean="0"/>
-              <a:t>2021/1/24</a:t>
+              <a:t>2021/2/2</a:t>
             </a:fld>
             <a:endParaRPr kumimoji="1" lang="ja-JP" altLang="en-US"/>
           </a:p>
@@ -1102,7 +1110,7 @@
           <a:p>
             <a:fld id="{7A42870F-4E67-46E2-8F18-B2501CC1ED92}" type="datetimeFigureOut">
               <a:rPr kumimoji="1" lang="ja-JP" altLang="en-US" smtClean="0"/>
-              <a:t>2021/1/24</a:t>
+              <a:t>2021/2/2</a:t>
             </a:fld>
             <a:endParaRPr kumimoji="1" lang="ja-JP" altLang="en-US"/>
           </a:p>
@@ -1377,7 +1385,7 @@
           <a:p>
             <a:fld id="{7A42870F-4E67-46E2-8F18-B2501CC1ED92}" type="datetimeFigureOut">
               <a:rPr kumimoji="1" lang="ja-JP" altLang="en-US" smtClean="0"/>
-              <a:t>2021/1/24</a:t>
+              <a:t>2021/2/2</a:t>
             </a:fld>
             <a:endParaRPr kumimoji="1" lang="ja-JP" altLang="en-US"/>
           </a:p>
@@ -1706,7 +1714,7 @@
           <a:p>
             <a:fld id="{7A42870F-4E67-46E2-8F18-B2501CC1ED92}" type="datetimeFigureOut">
               <a:rPr kumimoji="1" lang="ja-JP" altLang="en-US" smtClean="0"/>
-              <a:t>2021/1/24</a:t>
+              <a:t>2021/2/2</a:t>
             </a:fld>
             <a:endParaRPr kumimoji="1" lang="ja-JP" altLang="en-US"/>
           </a:p>
@@ -2182,7 +2190,7 @@
           <a:p>
             <a:fld id="{7A42870F-4E67-46E2-8F18-B2501CC1ED92}" type="datetimeFigureOut">
               <a:rPr kumimoji="1" lang="ja-JP" altLang="en-US" smtClean="0"/>
-              <a:t>2021/1/24</a:t>
+              <a:t>2021/2/2</a:t>
             </a:fld>
             <a:endParaRPr kumimoji="1" lang="ja-JP" altLang="en-US"/>
           </a:p>
@@ -2323,7 +2331,7 @@
           <a:p>
             <a:fld id="{7A42870F-4E67-46E2-8F18-B2501CC1ED92}" type="datetimeFigureOut">
               <a:rPr kumimoji="1" lang="ja-JP" altLang="en-US" smtClean="0"/>
-              <a:t>2021/1/24</a:t>
+              <a:t>2021/2/2</a:t>
             </a:fld>
             <a:endParaRPr kumimoji="1" lang="ja-JP" altLang="en-US"/>
           </a:p>
@@ -2436,7 +2444,7 @@
           <a:p>
             <a:fld id="{7A42870F-4E67-46E2-8F18-B2501CC1ED92}" type="datetimeFigureOut">
               <a:rPr kumimoji="1" lang="ja-JP" altLang="en-US" smtClean="0"/>
-              <a:t>2021/1/24</a:t>
+              <a:t>2021/2/2</a:t>
             </a:fld>
             <a:endParaRPr kumimoji="1" lang="ja-JP" altLang="en-US"/>
           </a:p>
@@ -2779,7 +2787,7 @@
           <a:p>
             <a:fld id="{7A42870F-4E67-46E2-8F18-B2501CC1ED92}" type="datetimeFigureOut">
               <a:rPr kumimoji="1" lang="ja-JP" altLang="en-US" smtClean="0"/>
-              <a:t>2021/1/24</a:t>
+              <a:t>2021/2/2</a:t>
             </a:fld>
             <a:endParaRPr kumimoji="1" lang="ja-JP" altLang="en-US"/>
           </a:p>
@@ -3067,7 +3075,7 @@
           <a:p>
             <a:fld id="{7A42870F-4E67-46E2-8F18-B2501CC1ED92}" type="datetimeFigureOut">
               <a:rPr kumimoji="1" lang="ja-JP" altLang="en-US" smtClean="0"/>
-              <a:t>2021/1/24</a:t>
+              <a:t>2021/2/2</a:t>
             </a:fld>
             <a:endParaRPr kumimoji="1" lang="ja-JP" altLang="en-US"/>
           </a:p>
@@ -3340,7 +3348,7 @@
           <a:p>
             <a:fld id="{7A42870F-4E67-46E2-8F18-B2501CC1ED92}" type="datetimeFigureOut">
               <a:rPr kumimoji="1" lang="ja-JP" altLang="en-US" smtClean="0"/>
-              <a:t>2021/1/24</a:t>
+              <a:t>2021/2/2</a:t>
             </a:fld>
             <a:endParaRPr kumimoji="1" lang="ja-JP" altLang="en-US"/>
           </a:p>
@@ -3760,7 +3768,13 @@
       </p:grpSpPr>
       <p:pic>
         <p:nvPicPr>
-          <p:cNvPr id="3" name="図 2"/>
+          <p:cNvPr id="3" name="図 2">
+            <a:extLst>
+              <a:ext uri="{FF2B5EF4-FFF2-40B4-BE49-F238E27FC236}">
+                <a16:creationId xmlns:a16="http://schemas.microsoft.com/office/drawing/2014/main" id="{CC3C43D7-3591-4EC0-8495-AE178F8DEE06}"/>
+              </a:ext>
+            </a:extLst>
+          </p:cNvPr>
           <p:cNvPicPr>
             <a:picLocks noChangeAspect="1"/>
           </p:cNvPicPr>
@@ -3774,110 +3788,20 @@
         </p:blipFill>
         <p:spPr>
           <a:xfrm>
-            <a:off x="3803416" y="72670"/>
-            <a:ext cx="4585169" cy="4177992"/>
+            <a:off x="2043619" y="576619"/>
+            <a:ext cx="8104762" cy="5704762"/>
           </a:xfrm>
           <a:prstGeom prst="rect">
             <a:avLst/>
           </a:prstGeom>
         </p:spPr>
       </p:pic>
-      <p:sp>
-        <p:nvSpPr>
-          <p:cNvPr id="4" name="テキスト ボックス 3"/>
-          <p:cNvSpPr txBox="1"/>
-          <p:nvPr/>
-        </p:nvSpPr>
-        <p:spPr>
-          <a:xfrm>
-            <a:off x="4035144" y="3429000"/>
-            <a:ext cx="2326712" cy="821662"/>
-          </a:xfrm>
-          <a:prstGeom prst="rect">
-            <a:avLst/>
-          </a:prstGeom>
-          <a:solidFill>
-            <a:srgbClr val="92D050">
-              <a:alpha val="40000"/>
-            </a:srgbClr>
-          </a:solidFill>
-          <a:ln>
-            <a:solidFill>
-              <a:schemeClr val="tx1"/>
-            </a:solidFill>
-          </a:ln>
-        </p:spPr>
-        <p:txBody>
-          <a:bodyPr wrap="square" rtlCol="0">
-            <a:noAutofit/>
-          </a:bodyPr>
-          <a:lstStyle/>
-          <a:p>
-            <a:r>
-              <a:rPr lang="en-US" altLang="ja-JP" sz="907" dirty="0">
-                <a:latin typeface="ＭＳ Ｐゴシック" panose="020B0600070205080204" charset="-128"/>
-                <a:ea typeface="ＭＳ Ｐゴシック" panose="020B0600070205080204" charset="-128"/>
-                <a:cs typeface="Arial" panose="020B0604020202020204" pitchFamily="34" charset="0"/>
-              </a:rPr>
-              <a:t> Nozzle throat mechanical cross sectional area is “actuatable” by multiplication factor after constraint period.</a:t>
-            </a:r>
-          </a:p>
-          <a:p>
-            <a:r>
-              <a:rPr lang="en-US" altLang="ja-JP" sz="907" dirty="0">
-                <a:latin typeface="ＭＳ Ｐゴシック" panose="020B0600070205080204" charset="-128"/>
-                <a:ea typeface="ＭＳ Ｐゴシック" panose="020B0600070205080204" charset="-128"/>
-                <a:cs typeface="Arial" panose="020B0604020202020204" pitchFamily="34" charset="0"/>
-              </a:rPr>
-              <a:t> The area multiplication factor is changed from 1.0 to 0.9 gradually in this example.</a:t>
-            </a:r>
-            <a:endParaRPr lang="ja-JP" altLang="en-US" sz="907" dirty="0">
-              <a:latin typeface="ＭＳ Ｐゴシック" panose="020B0600070205080204" charset="-128"/>
-              <a:ea typeface="ＭＳ Ｐゴシック" panose="020B0600070205080204" charset="-128"/>
-              <a:cs typeface="Arial" panose="020B0604020202020204" pitchFamily="34" charset="0"/>
-            </a:endParaRPr>
-          </a:p>
-        </p:txBody>
-      </p:sp>
-      <p:cxnSp>
-        <p:nvCxnSpPr>
-          <p:cNvPr id="5" name="直線矢印コネクタ 4"/>
-          <p:cNvCxnSpPr>
-            <a:stCxn id="4" idx="3"/>
-          </p:cNvCxnSpPr>
-          <p:nvPr/>
-        </p:nvCxnSpPr>
-        <p:spPr>
-          <a:xfrm flipV="1">
-            <a:off x="6361856" y="3264344"/>
-            <a:ext cx="845461" cy="575487"/>
-          </a:xfrm>
-          <a:prstGeom prst="straightConnector1">
-            <a:avLst/>
-          </a:prstGeom>
-          <a:ln w="12700">
-            <a:solidFill>
-              <a:schemeClr val="tx1"/>
-            </a:solidFill>
-            <a:tailEnd type="oval"/>
-          </a:ln>
-        </p:spPr>
-        <p:style>
-          <a:lnRef idx="1">
-            <a:schemeClr val="accent1"/>
-          </a:lnRef>
-          <a:fillRef idx="0">
-            <a:schemeClr val="accent1"/>
-          </a:fillRef>
-          <a:effectRef idx="0">
-            <a:schemeClr val="accent1"/>
-          </a:effectRef>
-          <a:fontRef idx="minor">
-            <a:schemeClr val="tx1"/>
-          </a:fontRef>
-        </p:style>
-      </p:cxnSp>
     </p:spTree>
+    <p:extLst>
+      <p:ext uri="{BB962C8B-B14F-4D97-AF65-F5344CB8AC3E}">
+        <p14:creationId xmlns:p14="http://schemas.microsoft.com/office/powerpoint/2010/main" val="3455510197"/>
+      </p:ext>
+    </p:extLst>
   </p:cSld>
   <p:clrMapOvr>
     <a:masterClrMapping/>
@@ -3904,7 +3828,7 @@
       </p:grpSpPr>
       <p:pic>
         <p:nvPicPr>
-          <p:cNvPr id="2" name="図 1"/>
+          <p:cNvPr id="3" name="図 2"/>
           <p:cNvPicPr>
             <a:picLocks noChangeAspect="1"/>
           </p:cNvPicPr>
@@ -3918,38 +3842,204 @@
         </p:blipFill>
         <p:spPr>
           <a:xfrm>
-            <a:off x="1523520" y="1"/>
-            <a:ext cx="4072260" cy="3852797"/>
+            <a:off x="2660629" y="935031"/>
+            <a:ext cx="6531709" cy="4727207"/>
           </a:xfrm>
           <a:prstGeom prst="rect">
             <a:avLst/>
           </a:prstGeom>
         </p:spPr>
       </p:pic>
-      <p:pic>
-        <p:nvPicPr>
-          <p:cNvPr id="3" name="図 2"/>
-          <p:cNvPicPr>
-            <a:picLocks noChangeAspect="1"/>
-          </p:cNvPicPr>
+      <p:sp>
+        <p:nvSpPr>
+          <p:cNvPr id="4" name="テキスト ボックス 3"/>
+          <p:cNvSpPr txBox="1"/>
           <p:nvPr/>
-        </p:nvPicPr>
-        <p:blipFill>
-          <a:blip r:embed="rId3"/>
-          <a:stretch>
-            <a:fillRect/>
-          </a:stretch>
-        </p:blipFill>
-        <p:spPr>
-          <a:xfrm>
-            <a:off x="5778102" y="2799793"/>
-            <a:ext cx="4818435" cy="3852797"/>
+        </p:nvSpPr>
+        <p:spPr>
+          <a:xfrm>
+            <a:off x="5505265" y="2811175"/>
+            <a:ext cx="1333373" cy="658838"/>
           </a:xfrm>
           <a:prstGeom prst="rect">
             <a:avLst/>
           </a:prstGeom>
-        </p:spPr>
-      </p:pic>
+          <a:solidFill>
+            <a:srgbClr val="FFFF00"/>
+          </a:solidFill>
+          <a:ln>
+            <a:solidFill>
+              <a:schemeClr val="tx1"/>
+            </a:solidFill>
+          </a:ln>
+        </p:spPr>
+        <p:txBody>
+          <a:bodyPr wrap="square" rtlCol="0">
+            <a:noAutofit/>
+          </a:bodyPr>
+          <a:lstStyle/>
+          <a:p>
+            <a:r>
+              <a:rPr lang="en-US" altLang="ja-JP" sz="726" dirty="0">
+                <a:latin typeface="Arial" panose="020B0604020202020204" pitchFamily="34" charset="0"/>
+                <a:cs typeface="Arial" panose="020B0604020202020204" pitchFamily="34" charset="0"/>
+              </a:rPr>
+              <a:t>Output: </a:t>
+            </a:r>
+          </a:p>
+          <a:p>
+            <a:r>
+              <a:rPr lang="en-US" altLang="ja-JP" sz="726" dirty="0">
+                <a:latin typeface="Arial" panose="020B0604020202020204" pitchFamily="34" charset="0"/>
+                <a:cs typeface="Arial" panose="020B0604020202020204" pitchFamily="34" charset="0"/>
+              </a:rPr>
+              <a:t> mass flow rate through nozzle.</a:t>
+            </a:r>
+          </a:p>
+          <a:p>
+            <a:r>
+              <a:rPr lang="en-US" altLang="ja-JP" sz="726" dirty="0">
+                <a:latin typeface="Arial" panose="020B0604020202020204" pitchFamily="34" charset="0"/>
+                <a:cs typeface="Arial" panose="020B0604020202020204" pitchFamily="34" charset="0"/>
+              </a:rPr>
+              <a:t> It is increased as nozzle pressure ratio rises.</a:t>
+            </a:r>
+          </a:p>
+        </p:txBody>
+      </p:sp>
+      <p:cxnSp>
+        <p:nvCxnSpPr>
+          <p:cNvPr id="5" name="直線矢印コネクタ 4"/>
+          <p:cNvCxnSpPr>
+            <a:stCxn id="7" idx="2"/>
+          </p:cNvCxnSpPr>
+          <p:nvPr/>
+        </p:nvCxnSpPr>
+        <p:spPr>
+          <a:xfrm flipH="1">
+            <a:off x="6546768" y="4708334"/>
+            <a:ext cx="374062" cy="576060"/>
+          </a:xfrm>
+          <a:prstGeom prst="straightConnector1">
+            <a:avLst/>
+          </a:prstGeom>
+          <a:ln w="12700">
+            <a:solidFill>
+              <a:schemeClr val="tx1"/>
+            </a:solidFill>
+            <a:tailEnd type="oval"/>
+          </a:ln>
+        </p:spPr>
+        <p:style>
+          <a:lnRef idx="1">
+            <a:schemeClr val="accent1"/>
+          </a:lnRef>
+          <a:fillRef idx="0">
+            <a:schemeClr val="accent1"/>
+          </a:fillRef>
+          <a:effectRef idx="0">
+            <a:schemeClr val="accent1"/>
+          </a:effectRef>
+          <a:fontRef idx="minor">
+            <a:schemeClr val="tx1"/>
+          </a:fontRef>
+        </p:style>
+      </p:cxnSp>
+      <p:sp>
+        <p:nvSpPr>
+          <p:cNvPr id="7" name="テキスト ボックス 6"/>
+          <p:cNvSpPr txBox="1"/>
+          <p:nvPr/>
+        </p:nvSpPr>
+        <p:spPr>
+          <a:xfrm>
+            <a:off x="5881624" y="3871127"/>
+            <a:ext cx="2078412" cy="837207"/>
+          </a:xfrm>
+          <a:prstGeom prst="rect">
+            <a:avLst/>
+          </a:prstGeom>
+          <a:solidFill>
+            <a:srgbClr val="FFFF00"/>
+          </a:solidFill>
+          <a:ln>
+            <a:solidFill>
+              <a:schemeClr val="tx1"/>
+            </a:solidFill>
+          </a:ln>
+        </p:spPr>
+        <p:txBody>
+          <a:bodyPr wrap="square" rtlCol="0">
+            <a:noAutofit/>
+          </a:bodyPr>
+          <a:lstStyle/>
+          <a:p>
+            <a:r>
+              <a:rPr lang="en-US" altLang="ja-JP" sz="726" dirty="0">
+                <a:latin typeface="Arial" panose="020B0604020202020204" pitchFamily="34" charset="0"/>
+                <a:cs typeface="Arial" panose="020B0604020202020204" pitchFamily="34" charset="0"/>
+              </a:rPr>
+              <a:t>Output: </a:t>
+            </a:r>
+          </a:p>
+          <a:p>
+            <a:r>
+              <a:rPr lang="en-US" altLang="ja-JP" sz="726" dirty="0">
+                <a:latin typeface="Arial" panose="020B0604020202020204" pitchFamily="34" charset="0"/>
+                <a:cs typeface="Arial" panose="020B0604020202020204" pitchFamily="34" charset="0"/>
+              </a:rPr>
+              <a:t> signal into constraint block which constrains mass flow rate.</a:t>
+            </a:r>
+          </a:p>
+          <a:p>
+            <a:r>
+              <a:rPr lang="en-US" altLang="ja-JP" sz="726" dirty="0">
+                <a:latin typeface="Arial" panose="020B0604020202020204" pitchFamily="34" charset="0"/>
+                <a:cs typeface="Arial" panose="020B0604020202020204" pitchFamily="34" charset="0"/>
+              </a:rPr>
+              <a:t> The value is fixed to 2 throughout the simulation, but does not affect on mass flow rate after constraint period.</a:t>
+            </a:r>
+          </a:p>
+        </p:txBody>
+      </p:sp>
+      <p:cxnSp>
+        <p:nvCxnSpPr>
+          <p:cNvPr id="10" name="直線矢印コネクタ 9"/>
+          <p:cNvCxnSpPr>
+            <a:stCxn id="4" idx="1"/>
+          </p:cNvCxnSpPr>
+          <p:nvPr/>
+        </p:nvCxnSpPr>
+        <p:spPr>
+          <a:xfrm flipH="1">
+            <a:off x="5025967" y="3140595"/>
+            <a:ext cx="479297" cy="299278"/>
+          </a:xfrm>
+          <a:prstGeom prst="straightConnector1">
+            <a:avLst/>
+          </a:prstGeom>
+          <a:ln w="12700">
+            <a:solidFill>
+              <a:schemeClr val="tx1"/>
+            </a:solidFill>
+            <a:tailEnd type="oval"/>
+          </a:ln>
+        </p:spPr>
+        <p:style>
+          <a:lnRef idx="1">
+            <a:schemeClr val="accent1"/>
+          </a:lnRef>
+          <a:fillRef idx="0">
+            <a:schemeClr val="accent1"/>
+          </a:fillRef>
+          <a:effectRef idx="0">
+            <a:schemeClr val="accent1"/>
+          </a:effectRef>
+          <a:fontRef idx="minor">
+            <a:schemeClr val="tx1"/>
+          </a:fontRef>
+        </p:style>
+      </p:cxnSp>
     </p:spTree>
   </p:cSld>
   <p:clrMapOvr>
@@ -3977,7 +4067,7 @@
       </p:grpSpPr>
       <p:pic>
         <p:nvPicPr>
-          <p:cNvPr id="2" name="図 1"/>
+          <p:cNvPr id="3" name="図 2"/>
           <p:cNvPicPr>
             <a:picLocks noChangeAspect="1"/>
           </p:cNvPicPr>
@@ -3991,38 +4081,118 @@
         </p:blipFill>
         <p:spPr>
           <a:xfrm>
-            <a:off x="1523520" y="1"/>
-            <a:ext cx="4147895" cy="5011230"/>
+            <a:off x="2972934" y="1181188"/>
+            <a:ext cx="6531709" cy="4701167"/>
           </a:xfrm>
           <a:prstGeom prst="rect">
             <a:avLst/>
           </a:prstGeom>
         </p:spPr>
       </p:pic>
-      <p:pic>
-        <p:nvPicPr>
-          <p:cNvPr id="3" name="図 2"/>
-          <p:cNvPicPr>
-            <a:picLocks noChangeAspect="1"/>
-          </p:cNvPicPr>
+      <p:cxnSp>
+        <p:nvCxnSpPr>
+          <p:cNvPr id="4" name="直線矢印コネクタ 3"/>
+          <p:cNvCxnSpPr>
+            <a:stCxn id="5" idx="2"/>
+          </p:cNvCxnSpPr>
           <p:nvPr/>
-        </p:nvPicPr>
-        <p:blipFill>
-          <a:blip r:embed="rId3"/>
-          <a:stretch>
-            <a:fillRect/>
-          </a:stretch>
-        </p:blipFill>
-        <p:spPr>
-          <a:xfrm>
-            <a:off x="5880937" y="2379051"/>
-            <a:ext cx="4673686" cy="4478949"/>
+        </p:nvCxnSpPr>
+        <p:spPr>
+          <a:xfrm flipH="1">
+            <a:off x="6300982" y="2849579"/>
+            <a:ext cx="374062" cy="476210"/>
+          </a:xfrm>
+          <a:prstGeom prst="straightConnector1">
+            <a:avLst/>
+          </a:prstGeom>
+          <a:ln w="12700">
+            <a:solidFill>
+              <a:schemeClr val="tx1"/>
+            </a:solidFill>
+            <a:tailEnd type="oval"/>
+          </a:ln>
+        </p:spPr>
+        <p:style>
+          <a:lnRef idx="1">
+            <a:schemeClr val="accent1"/>
+          </a:lnRef>
+          <a:fillRef idx="0">
+            <a:schemeClr val="accent1"/>
+          </a:fillRef>
+          <a:effectRef idx="0">
+            <a:schemeClr val="accent1"/>
+          </a:effectRef>
+          <a:fontRef idx="minor">
+            <a:schemeClr val="tx1"/>
+          </a:fontRef>
+        </p:style>
+      </p:cxnSp>
+      <p:sp>
+        <p:nvSpPr>
+          <p:cNvPr id="5" name="テキスト ボックス 4"/>
+          <p:cNvSpPr txBox="1"/>
+          <p:nvPr/>
+        </p:nvSpPr>
+        <p:spPr>
+          <a:xfrm>
+            <a:off x="5635838" y="1812671"/>
+            <a:ext cx="2078412" cy="1036908"/>
           </a:xfrm>
           <a:prstGeom prst="rect">
             <a:avLst/>
           </a:prstGeom>
-        </p:spPr>
-      </p:pic>
+          <a:solidFill>
+            <a:srgbClr val="FFFF00"/>
+          </a:solidFill>
+          <a:ln>
+            <a:solidFill>
+              <a:schemeClr val="tx1"/>
+            </a:solidFill>
+          </a:ln>
+        </p:spPr>
+        <p:txBody>
+          <a:bodyPr wrap="square" rtlCol="0">
+            <a:noAutofit/>
+          </a:bodyPr>
+          <a:lstStyle/>
+          <a:p>
+            <a:r>
+              <a:rPr lang="en-US" altLang="ja-JP" sz="726" dirty="0">
+                <a:latin typeface="Arial" panose="020B0604020202020204" pitchFamily="34" charset="0"/>
+                <a:cs typeface="Arial" panose="020B0604020202020204" pitchFamily="34" charset="0"/>
+              </a:rPr>
+              <a:t>Output: </a:t>
+            </a:r>
+          </a:p>
+          <a:p>
+            <a:r>
+              <a:rPr lang="en-US" altLang="ja-JP" sz="726" dirty="0">
+                <a:latin typeface="Arial" panose="020B0604020202020204" pitchFamily="34" charset="0"/>
+                <a:cs typeface="Arial" panose="020B0604020202020204" pitchFamily="34" charset="0"/>
+              </a:rPr>
+              <a:t> mechanical cross sectional area of nozzle throat.</a:t>
+            </a:r>
+          </a:p>
+          <a:p>
+            <a:r>
+              <a:rPr lang="en-US" altLang="ja-JP" sz="726" dirty="0">
+                <a:latin typeface="Arial" panose="020B0604020202020204" pitchFamily="34" charset="0"/>
+                <a:cs typeface="Arial" panose="020B0604020202020204" pitchFamily="34" charset="0"/>
+              </a:rPr>
+              <a:t> It is calculated as output in period of mass flow constraint, and referred as input after constraint period.</a:t>
+            </a:r>
+          </a:p>
+          <a:p>
+            <a:r>
+              <a:rPr lang="en-US" altLang="ja-JP" sz="726" dirty="0">
+                <a:latin typeface="Arial" panose="020B0604020202020204" pitchFamily="34" charset="0"/>
+                <a:cs typeface="Arial" panose="020B0604020202020204" pitchFamily="34" charset="0"/>
+              </a:rPr>
+              <a:t> Therefore, the value does not change when nozzle pressure ratio is increased. </a:t>
+            </a:r>
+          </a:p>
+        </p:txBody>
+      </p:sp>
     </p:spTree>
   </p:cSld>
   <p:clrMapOvr>
@@ -4064,8 +4234,8 @@
         </p:blipFill>
         <p:spPr>
           <a:xfrm>
-            <a:off x="1523521" y="1"/>
-            <a:ext cx="4130783" cy="4231101"/>
+            <a:off x="1523520" y="1"/>
+            <a:ext cx="4072260" cy="3852797"/>
           </a:xfrm>
           <a:prstGeom prst="rect">
             <a:avLst/>
@@ -4074,7 +4244,7 @@
       </p:pic>
       <p:pic>
         <p:nvPicPr>
-          <p:cNvPr id="4" name="図 3"/>
+          <p:cNvPr id="3" name="図 2"/>
           <p:cNvPicPr>
             <a:picLocks noChangeAspect="1"/>
           </p:cNvPicPr>
@@ -4088,8 +4258,8 @@
         </p:blipFill>
         <p:spPr>
           <a:xfrm>
-            <a:off x="5822300" y="3053059"/>
-            <a:ext cx="4703191" cy="3593780"/>
+            <a:off x="5778102" y="2799793"/>
+            <a:ext cx="4818435" cy="3852797"/>
           </a:xfrm>
           <a:prstGeom prst="rect">
             <a:avLst/>
@@ -4137,6 +4307,152 @@
         </p:blipFill>
         <p:spPr>
           <a:xfrm>
+            <a:off x="1523520" y="1"/>
+            <a:ext cx="4147895" cy="5011230"/>
+          </a:xfrm>
+          <a:prstGeom prst="rect">
+            <a:avLst/>
+          </a:prstGeom>
+        </p:spPr>
+      </p:pic>
+      <p:pic>
+        <p:nvPicPr>
+          <p:cNvPr id="3" name="図 2"/>
+          <p:cNvPicPr>
+            <a:picLocks noChangeAspect="1"/>
+          </p:cNvPicPr>
+          <p:nvPr/>
+        </p:nvPicPr>
+        <p:blipFill>
+          <a:blip r:embed="rId3"/>
+          <a:stretch>
+            <a:fillRect/>
+          </a:stretch>
+        </p:blipFill>
+        <p:spPr>
+          <a:xfrm>
+            <a:off x="5880937" y="2379051"/>
+            <a:ext cx="4673686" cy="4478949"/>
+          </a:xfrm>
+          <a:prstGeom prst="rect">
+            <a:avLst/>
+          </a:prstGeom>
+        </p:spPr>
+      </p:pic>
+    </p:spTree>
+  </p:cSld>
+  <p:clrMapOvr>
+    <a:masterClrMapping/>
+  </p:clrMapOvr>
+</p:sld>
+</file>
+
+<file path=ppt/slides/slide14.xml><?xml version="1.0" encoding="utf-8"?>
+<p:sld xmlns:a="http://schemas.openxmlformats.org/drawingml/2006/main" xmlns:r="http://schemas.openxmlformats.org/officeDocument/2006/relationships" xmlns:p="http://schemas.openxmlformats.org/presentationml/2006/main">
+  <p:cSld>
+    <p:spTree>
+      <p:nvGrpSpPr>
+        <p:cNvPr id="1" name=""/>
+        <p:cNvGrpSpPr/>
+        <p:nvPr/>
+      </p:nvGrpSpPr>
+      <p:grpSpPr>
+        <a:xfrm>
+          <a:off x="0" y="0"/>
+          <a:ext cx="0" cy="0"/>
+          <a:chOff x="0" y="0"/>
+          <a:chExt cx="0" cy="0"/>
+        </a:xfrm>
+      </p:grpSpPr>
+      <p:pic>
+        <p:nvPicPr>
+          <p:cNvPr id="2" name="図 1"/>
+          <p:cNvPicPr>
+            <a:picLocks noChangeAspect="1"/>
+          </p:cNvPicPr>
+          <p:nvPr/>
+        </p:nvPicPr>
+        <p:blipFill>
+          <a:blip r:embed="rId2"/>
+          <a:stretch>
+            <a:fillRect/>
+          </a:stretch>
+        </p:blipFill>
+        <p:spPr>
+          <a:xfrm>
+            <a:off x="1523521" y="1"/>
+            <a:ext cx="4130783" cy="4231101"/>
+          </a:xfrm>
+          <a:prstGeom prst="rect">
+            <a:avLst/>
+          </a:prstGeom>
+        </p:spPr>
+      </p:pic>
+      <p:pic>
+        <p:nvPicPr>
+          <p:cNvPr id="4" name="図 3"/>
+          <p:cNvPicPr>
+            <a:picLocks noChangeAspect="1"/>
+          </p:cNvPicPr>
+          <p:nvPr/>
+        </p:nvPicPr>
+        <p:blipFill>
+          <a:blip r:embed="rId3"/>
+          <a:stretch>
+            <a:fillRect/>
+          </a:stretch>
+        </p:blipFill>
+        <p:spPr>
+          <a:xfrm>
+            <a:off x="5822300" y="3053059"/>
+            <a:ext cx="4703191" cy="3593780"/>
+          </a:xfrm>
+          <a:prstGeom prst="rect">
+            <a:avLst/>
+          </a:prstGeom>
+        </p:spPr>
+      </p:pic>
+    </p:spTree>
+  </p:cSld>
+  <p:clrMapOvr>
+    <a:masterClrMapping/>
+  </p:clrMapOvr>
+</p:sld>
+</file>
+
+<file path=ppt/slides/slide15.xml><?xml version="1.0" encoding="utf-8"?>
+<p:sld xmlns:a="http://schemas.openxmlformats.org/drawingml/2006/main" xmlns:r="http://schemas.openxmlformats.org/officeDocument/2006/relationships" xmlns:p="http://schemas.openxmlformats.org/presentationml/2006/main">
+  <p:cSld>
+    <p:spTree>
+      <p:nvGrpSpPr>
+        <p:cNvPr id="1" name=""/>
+        <p:cNvGrpSpPr/>
+        <p:nvPr/>
+      </p:nvGrpSpPr>
+      <p:grpSpPr>
+        <a:xfrm>
+          <a:off x="0" y="0"/>
+          <a:ext cx="0" cy="0"/>
+          <a:chOff x="0" y="0"/>
+          <a:chExt cx="0" cy="0"/>
+        </a:xfrm>
+      </p:grpSpPr>
+      <p:pic>
+        <p:nvPicPr>
+          <p:cNvPr id="2" name="図 1"/>
+          <p:cNvPicPr>
+            <a:picLocks noChangeAspect="1"/>
+          </p:cNvPicPr>
+          <p:nvPr/>
+        </p:nvPicPr>
+        <p:blipFill>
+          <a:blip r:embed="rId2"/>
+          <a:stretch>
+            <a:fillRect/>
+          </a:stretch>
+        </p:blipFill>
+        <p:spPr>
+          <a:xfrm>
             <a:off x="1523521" y="0"/>
             <a:ext cx="4316106" cy="3862550"/>
           </a:xfrm>
@@ -4196,7 +4512,13 @@
       </p:grpSpPr>
       <p:pic>
         <p:nvPicPr>
-          <p:cNvPr id="3" name="図 2"/>
+          <p:cNvPr id="3" name="図 2">
+            <a:extLst>
+              <a:ext uri="{FF2B5EF4-FFF2-40B4-BE49-F238E27FC236}">
+                <a16:creationId xmlns:a16="http://schemas.microsoft.com/office/drawing/2014/main" id="{CC3C43D7-3591-4EC0-8495-AE178F8DEE06}"/>
+              </a:ext>
+            </a:extLst>
+          </p:cNvPr>
           <p:cNvPicPr>
             <a:picLocks noChangeAspect="1"/>
           </p:cNvPicPr>
@@ -4210,8 +4532,8 @@
         </p:blipFill>
         <p:spPr>
           <a:xfrm>
-            <a:off x="2293835" y="703882"/>
-            <a:ext cx="6531709" cy="4814424"/>
+            <a:off x="2043619" y="576619"/>
+            <a:ext cx="8104762" cy="5704762"/>
           </a:xfrm>
           <a:prstGeom prst="rect">
             <a:avLst/>
@@ -4220,23 +4542,28 @@
       </p:pic>
       <p:sp>
         <p:nvSpPr>
-          <p:cNvPr id="4" name="テキスト ボックス 3"/>
+          <p:cNvPr id="4" name="テキスト ボックス 3">
+            <a:extLst>
+              <a:ext uri="{FF2B5EF4-FFF2-40B4-BE49-F238E27FC236}">
+                <a16:creationId xmlns:a16="http://schemas.microsoft.com/office/drawing/2014/main" id="{B7F7D6CD-773B-4EFF-B3A9-03908D501608}"/>
+              </a:ext>
+            </a:extLst>
+          </p:cNvPr>
           <p:cNvSpPr txBox="1"/>
           <p:nvPr/>
         </p:nvSpPr>
         <p:spPr>
           <a:xfrm>
-            <a:off x="5227903" y="1493437"/>
-            <a:ext cx="1914473" cy="468529"/>
+            <a:off x="8399327" y="2439785"/>
+            <a:ext cx="2326712" cy="834131"/>
           </a:xfrm>
           <a:prstGeom prst="rect">
             <a:avLst/>
           </a:prstGeom>
           <a:solidFill>
-            <a:schemeClr val="accent5">
-              <a:lumMod val="40000"/>
-              <a:lumOff val="60000"/>
-            </a:schemeClr>
+            <a:srgbClr val="92D050">
+              <a:alpha val="40000"/>
+            </a:srgbClr>
           </a:solidFill>
           <a:ln>
             <a:solidFill>
@@ -4256,7 +4583,7 @@
                 <a:ea typeface="ＭＳ Ｐゴシック" panose="020B0600070205080204" charset="-128"/>
                 <a:cs typeface="Arial" panose="020B0604020202020204" pitchFamily="34" charset="0"/>
               </a:rPr>
-              <a:t>Input: </a:t>
+              <a:t> Pressure remaining at the end of exhaust pipe is free-expanded to ambient static pressure, which generates reaction force.</a:t>
             </a:r>
           </a:p>
           <a:p>
@@ -4266,7 +4593,7 @@
                 <a:ea typeface="ＭＳ Ｐゴシック" panose="020B0600070205080204" charset="-128"/>
                 <a:cs typeface="Arial" panose="020B0604020202020204" pitchFamily="34" charset="0"/>
               </a:rPr>
-              <a:t> nozzle pressure ratio is increased</a:t>
+              <a:t> It is assumed that discharge coefficient is 1. Choke-Non-Choke is not considered.</a:t>
             </a:r>
             <a:endParaRPr lang="ja-JP" altLang="en-US" sz="907" dirty="0">
               <a:latin typeface="ＭＳ Ｐゴシック" panose="020B0600070205080204" charset="-128"/>
@@ -4278,16 +4605,23 @@
       </p:sp>
       <p:cxnSp>
         <p:nvCxnSpPr>
-          <p:cNvPr id="5" name="直線矢印コネクタ 4"/>
+          <p:cNvPr id="6" name="直線矢印コネクタ 5">
+            <a:extLst>
+              <a:ext uri="{FF2B5EF4-FFF2-40B4-BE49-F238E27FC236}">
+                <a16:creationId xmlns:a16="http://schemas.microsoft.com/office/drawing/2014/main" id="{A75EA855-F541-4953-94E0-F20EDFE49E69}"/>
+              </a:ext>
+            </a:extLst>
+          </p:cNvPr>
           <p:cNvCxnSpPr>
-            <a:stCxn id="4" idx="2"/>
+            <a:cxnSpLocks/>
+            <a:stCxn id="4" idx="1"/>
           </p:cNvCxnSpPr>
           <p:nvPr/>
         </p:nvCxnSpPr>
         <p:spPr>
           <a:xfrm flipH="1">
-            <a:off x="5963027" y="1961967"/>
-            <a:ext cx="222113" cy="887613"/>
+            <a:off x="7855527" y="2856851"/>
+            <a:ext cx="543800" cy="800749"/>
           </a:xfrm>
           <a:prstGeom prst="straightConnector1">
             <a:avLst/>
@@ -4314,7 +4648,187 @@
           </a:fontRef>
         </p:style>
       </p:cxnSp>
+      <p:sp>
+        <p:nvSpPr>
+          <p:cNvPr id="15" name="テキスト ボックス 14">
+            <a:extLst>
+              <a:ext uri="{FF2B5EF4-FFF2-40B4-BE49-F238E27FC236}">
+                <a16:creationId xmlns:a16="http://schemas.microsoft.com/office/drawing/2014/main" id="{45056F98-CFBA-420A-8951-E4E37A32AF8D}"/>
+              </a:ext>
+            </a:extLst>
+          </p:cNvPr>
+          <p:cNvSpPr txBox="1"/>
+          <p:nvPr/>
+        </p:nvSpPr>
+        <p:spPr>
+          <a:xfrm>
+            <a:off x="173631" y="2856851"/>
+            <a:ext cx="1914473" cy="291783"/>
+          </a:xfrm>
+          <a:prstGeom prst="rect">
+            <a:avLst/>
+          </a:prstGeom>
+          <a:solidFill>
+            <a:srgbClr val="00B0F0">
+              <a:alpha val="40000"/>
+            </a:srgbClr>
+          </a:solidFill>
+          <a:ln>
+            <a:solidFill>
+              <a:schemeClr val="tx1"/>
+            </a:solidFill>
+          </a:ln>
+        </p:spPr>
+        <p:txBody>
+          <a:bodyPr wrap="square" rtlCol="0">
+            <a:noAutofit/>
+          </a:bodyPr>
+          <a:lstStyle/>
+          <a:p>
+            <a:r>
+              <a:rPr lang="en-US" altLang="ja-JP" sz="907" dirty="0">
+                <a:latin typeface="ＭＳ Ｐゴシック" panose="020B0600070205080204" charset="-128"/>
+                <a:ea typeface="ＭＳ Ｐゴシック" panose="020B0600070205080204" charset="-128"/>
+                <a:cs typeface="Arial" panose="020B0604020202020204" pitchFamily="34" charset="0"/>
+              </a:rPr>
+              <a:t> Input inlet fluid states, p and T.</a:t>
+            </a:r>
+            <a:endParaRPr lang="ja-JP" altLang="en-US" sz="907" dirty="0">
+              <a:latin typeface="ＭＳ Ｐゴシック" panose="020B0600070205080204" charset="-128"/>
+              <a:ea typeface="ＭＳ Ｐゴシック" panose="020B0600070205080204" charset="-128"/>
+              <a:cs typeface="Arial" panose="020B0604020202020204" pitchFamily="34" charset="0"/>
+            </a:endParaRPr>
+          </a:p>
+        </p:txBody>
+      </p:sp>
+      <p:sp>
+        <p:nvSpPr>
+          <p:cNvPr id="17" name="テキスト ボックス 16">
+            <a:extLst>
+              <a:ext uri="{FF2B5EF4-FFF2-40B4-BE49-F238E27FC236}">
+                <a16:creationId xmlns:a16="http://schemas.microsoft.com/office/drawing/2014/main" id="{75DF5446-8B98-4439-978B-A97A8E5D4D27}"/>
+              </a:ext>
+            </a:extLst>
+          </p:cNvPr>
+          <p:cNvSpPr txBox="1"/>
+          <p:nvPr/>
+        </p:nvSpPr>
+        <p:spPr>
+          <a:xfrm>
+            <a:off x="7101840" y="4696599"/>
+            <a:ext cx="1914473" cy="440483"/>
+          </a:xfrm>
+          <a:prstGeom prst="rect">
+            <a:avLst/>
+          </a:prstGeom>
+          <a:solidFill>
+            <a:srgbClr val="00B0F0">
+              <a:alpha val="40000"/>
+            </a:srgbClr>
+          </a:solidFill>
+          <a:ln>
+            <a:solidFill>
+              <a:schemeClr val="tx1"/>
+            </a:solidFill>
+          </a:ln>
+        </p:spPr>
+        <p:txBody>
+          <a:bodyPr wrap="square" rtlCol="0">
+            <a:noAutofit/>
+          </a:bodyPr>
+          <a:lstStyle/>
+          <a:p>
+            <a:r>
+              <a:rPr lang="en-US" altLang="ja-JP" sz="907" dirty="0">
+                <a:latin typeface="ＭＳ Ｐゴシック" panose="020B0600070205080204" charset="-128"/>
+                <a:ea typeface="ＭＳ Ｐゴシック" panose="020B0600070205080204" charset="-128"/>
+                <a:cs typeface="Arial" panose="020B0604020202020204" pitchFamily="34" charset="0"/>
+              </a:rPr>
+              <a:t> Constrain the shaft speed, then torque is output of </a:t>
+            </a:r>
+            <a:r>
+              <a:rPr lang="en-US" altLang="ja-JP" sz="907" dirty="0" err="1">
+                <a:latin typeface="ＭＳ Ｐゴシック" panose="020B0600070205080204" charset="-128"/>
+                <a:ea typeface="ＭＳ Ｐゴシック" panose="020B0600070205080204" charset="-128"/>
+                <a:cs typeface="Arial" panose="020B0604020202020204" pitchFamily="34" charset="0"/>
+              </a:rPr>
+              <a:t>PistonCylinder</a:t>
+            </a:r>
+            <a:r>
+              <a:rPr lang="en-US" altLang="ja-JP" sz="907" dirty="0">
+                <a:latin typeface="ＭＳ Ｐゴシック" panose="020B0600070205080204" charset="-128"/>
+                <a:ea typeface="ＭＳ Ｐゴシック" panose="020B0600070205080204" charset="-128"/>
+                <a:cs typeface="Arial" panose="020B0604020202020204" pitchFamily="34" charset="0"/>
+              </a:rPr>
+              <a:t>.</a:t>
+            </a:r>
+            <a:endParaRPr lang="ja-JP" altLang="en-US" sz="907" dirty="0">
+              <a:latin typeface="ＭＳ Ｐゴシック" panose="020B0600070205080204" charset="-128"/>
+              <a:ea typeface="ＭＳ Ｐゴシック" panose="020B0600070205080204" charset="-128"/>
+              <a:cs typeface="Arial" panose="020B0604020202020204" pitchFamily="34" charset="0"/>
+            </a:endParaRPr>
+          </a:p>
+        </p:txBody>
+      </p:sp>
+      <p:sp>
+        <p:nvSpPr>
+          <p:cNvPr id="18" name="テキスト ボックス 17">
+            <a:extLst>
+              <a:ext uri="{FF2B5EF4-FFF2-40B4-BE49-F238E27FC236}">
+                <a16:creationId xmlns:a16="http://schemas.microsoft.com/office/drawing/2014/main" id="{185E905E-A7D6-4B5F-BC4C-1E04C5EFB375}"/>
+              </a:ext>
+            </a:extLst>
+          </p:cNvPr>
+          <p:cNvSpPr txBox="1"/>
+          <p:nvPr/>
+        </p:nvSpPr>
+        <p:spPr>
+          <a:xfrm>
+            <a:off x="874671" y="4625057"/>
+            <a:ext cx="1914473" cy="379205"/>
+          </a:xfrm>
+          <a:prstGeom prst="rect">
+            <a:avLst/>
+          </a:prstGeom>
+          <a:solidFill>
+            <a:srgbClr val="00B0F0">
+              <a:alpha val="40000"/>
+            </a:srgbClr>
+          </a:solidFill>
+          <a:ln>
+            <a:solidFill>
+              <a:schemeClr val="tx1"/>
+            </a:solidFill>
+          </a:ln>
+        </p:spPr>
+        <p:txBody>
+          <a:bodyPr wrap="square" rtlCol="0">
+            <a:noAutofit/>
+          </a:bodyPr>
+          <a:lstStyle/>
+          <a:p>
+            <a:r>
+              <a:rPr lang="en-US" altLang="ja-JP" sz="907" dirty="0">
+                <a:latin typeface="ＭＳ Ｐゴシック" panose="020B0600070205080204" charset="-128"/>
+                <a:ea typeface="ＭＳ Ｐゴシック" panose="020B0600070205080204" charset="-128"/>
+                <a:cs typeface="Arial" panose="020B0604020202020204" pitchFamily="34" charset="0"/>
+              </a:rPr>
+              <a:t> Input the fraction of fuel in in-taken air fuel mixture.</a:t>
+            </a:r>
+            <a:endParaRPr lang="ja-JP" altLang="en-US" sz="907" dirty="0">
+              <a:latin typeface="ＭＳ Ｐゴシック" panose="020B0600070205080204" charset="-128"/>
+              <a:ea typeface="ＭＳ Ｐゴシック" panose="020B0600070205080204" charset="-128"/>
+              <a:cs typeface="Arial" panose="020B0604020202020204" pitchFamily="34" charset="0"/>
+            </a:endParaRPr>
+          </a:p>
+        </p:txBody>
+      </p:sp>
     </p:spTree>
+    <p:extLst>
+      <p:ext uri="{BB962C8B-B14F-4D97-AF65-F5344CB8AC3E}">
+        <p14:creationId xmlns:p14="http://schemas.microsoft.com/office/powerpoint/2010/main" val="3531754289"/>
+      </p:ext>
+    </p:extLst>
   </p:cSld>
   <p:clrMapOvr>
     <a:masterClrMapping/>
@@ -4355,26 +4869,83 @@
         </p:blipFill>
         <p:spPr>
           <a:xfrm>
-            <a:off x="2830146" y="786717"/>
-            <a:ext cx="6531709" cy="4739983"/>
+            <a:off x="3803416" y="72670"/>
+            <a:ext cx="4585169" cy="4177992"/>
           </a:xfrm>
           <a:prstGeom prst="rect">
             <a:avLst/>
           </a:prstGeom>
         </p:spPr>
       </p:pic>
+      <p:sp>
+        <p:nvSpPr>
+          <p:cNvPr id="4" name="テキスト ボックス 3"/>
+          <p:cNvSpPr txBox="1"/>
+          <p:nvPr/>
+        </p:nvSpPr>
+        <p:spPr>
+          <a:xfrm>
+            <a:off x="4035144" y="3429000"/>
+            <a:ext cx="2326712" cy="821662"/>
+          </a:xfrm>
+          <a:prstGeom prst="rect">
+            <a:avLst/>
+          </a:prstGeom>
+          <a:solidFill>
+            <a:srgbClr val="92D050">
+              <a:alpha val="40000"/>
+            </a:srgbClr>
+          </a:solidFill>
+          <a:ln>
+            <a:solidFill>
+              <a:schemeClr val="tx1"/>
+            </a:solidFill>
+          </a:ln>
+        </p:spPr>
+        <p:txBody>
+          <a:bodyPr wrap="square" rtlCol="0">
+            <a:noAutofit/>
+          </a:bodyPr>
+          <a:lstStyle/>
+          <a:p>
+            <a:r>
+              <a:rPr lang="en-US" altLang="ja-JP" sz="907" dirty="0">
+                <a:latin typeface="ＭＳ Ｐゴシック" panose="020B0600070205080204" charset="-128"/>
+                <a:ea typeface="ＭＳ Ｐゴシック" panose="020B0600070205080204" charset="-128"/>
+                <a:cs typeface="Arial" panose="020B0604020202020204" pitchFamily="34" charset="0"/>
+              </a:rPr>
+              <a:t> Nozzle throat mechanical cross sectional area is “actuatable” by multiplication factor after constraint period.</a:t>
+            </a:r>
+          </a:p>
+          <a:p>
+            <a:r>
+              <a:rPr lang="en-US" altLang="ja-JP" sz="907" dirty="0">
+                <a:latin typeface="ＭＳ Ｐゴシック" panose="020B0600070205080204" charset="-128"/>
+                <a:ea typeface="ＭＳ Ｐゴシック" panose="020B0600070205080204" charset="-128"/>
+                <a:cs typeface="Arial" panose="020B0604020202020204" pitchFamily="34" charset="0"/>
+              </a:rPr>
+              <a:t> The area multiplication factor is changed from 1.0 to 0.9 gradually in this example.</a:t>
+            </a:r>
+            <a:endParaRPr lang="ja-JP" altLang="en-US" sz="907" dirty="0">
+              <a:latin typeface="ＭＳ Ｐゴシック" panose="020B0600070205080204" charset="-128"/>
+              <a:ea typeface="ＭＳ Ｐゴシック" panose="020B0600070205080204" charset="-128"/>
+              <a:cs typeface="Arial" panose="020B0604020202020204" pitchFamily="34" charset="0"/>
+            </a:endParaRPr>
+          </a:p>
+        </p:txBody>
+      </p:sp>
       <p:cxnSp>
         <p:nvCxnSpPr>
-          <p:cNvPr id="4" name="直線矢印コネクタ 3"/>
+          <p:cNvPr id="5" name="直線矢印コネクタ 4"/>
           <p:cNvCxnSpPr>
-            <a:stCxn id="5" idx="0"/>
+            <a:stCxn id="4" idx="3"/>
           </p:cNvCxnSpPr>
           <p:nvPr/>
         </p:nvCxnSpPr>
         <p:spPr>
-          <a:xfrm flipH="1" flipV="1">
-            <a:off x="6500684" y="2081499"/>
-            <a:ext cx="243488" cy="606783"/>
+          <a:xfrm flipV="1">
+            <a:off x="6361856" y="3264344"/>
+            <a:ext cx="845461" cy="575487"/>
           </a:xfrm>
           <a:prstGeom prst="straightConnector1">
             <a:avLst/>
@@ -4401,63 +4972,6 @@
           </a:fontRef>
         </p:style>
       </p:cxnSp>
-      <p:sp>
-        <p:nvSpPr>
-          <p:cNvPr id="5" name="テキスト ボックス 4"/>
-          <p:cNvSpPr txBox="1"/>
-          <p:nvPr/>
-        </p:nvSpPr>
-        <p:spPr>
-          <a:xfrm>
-            <a:off x="5704965" y="2688283"/>
-            <a:ext cx="2078412" cy="576060"/>
-          </a:xfrm>
-          <a:prstGeom prst="rect">
-            <a:avLst/>
-          </a:prstGeom>
-          <a:solidFill>
-            <a:srgbClr val="FFFF00"/>
-          </a:solidFill>
-          <a:ln>
-            <a:solidFill>
-              <a:schemeClr val="tx1"/>
-            </a:solidFill>
-          </a:ln>
-        </p:spPr>
-        <p:txBody>
-          <a:bodyPr wrap="square" rtlCol="0">
-            <a:noAutofit/>
-          </a:bodyPr>
-          <a:lstStyle/>
-          <a:p>
-            <a:r>
-              <a:rPr lang="en-US" altLang="ja-JP" sz="726" dirty="0">
-                <a:latin typeface="Arial" panose="020B0604020202020204" pitchFamily="34" charset="0"/>
-                <a:cs typeface="Arial" panose="020B0604020202020204" pitchFamily="34" charset="0"/>
-              </a:rPr>
-              <a:t>Output: </a:t>
-            </a:r>
-          </a:p>
-          <a:p>
-            <a:r>
-              <a:rPr lang="en-US" altLang="ja-JP" sz="726" dirty="0">
-                <a:latin typeface="Arial" panose="020B0604020202020204" pitchFamily="34" charset="0"/>
-                <a:cs typeface="Arial" panose="020B0604020202020204" pitchFamily="34" charset="0"/>
-              </a:rPr>
-              <a:t> mass flow rate via nozzle.</a:t>
-            </a:r>
-          </a:p>
-          <a:p>
-            <a:r>
-              <a:rPr lang="en-US" altLang="ja-JP" sz="726" dirty="0">
-                <a:latin typeface="Arial" panose="020B0604020202020204" pitchFamily="34" charset="0"/>
-                <a:cs typeface="Arial" panose="020B0604020202020204" pitchFamily="34" charset="0"/>
-              </a:rPr>
-              <a:t> It decreases as throat area multiplication factor drops.</a:t>
-            </a:r>
-          </a:p>
-        </p:txBody>
-      </p:sp>
     </p:spTree>
   </p:cSld>
   <p:clrMapOvr>
@@ -4485,7 +4999,7 @@
       </p:grpSpPr>
       <p:pic>
         <p:nvPicPr>
-          <p:cNvPr id="5" name="図 4"/>
+          <p:cNvPr id="3" name="図 2"/>
           <p:cNvPicPr>
             <a:picLocks noChangeAspect="1"/>
           </p:cNvPicPr>
@@ -4499,26 +5013,84 @@
         </p:blipFill>
         <p:spPr>
           <a:xfrm>
-            <a:off x="2898385" y="488459"/>
-            <a:ext cx="6531709" cy="4803967"/>
+            <a:off x="2293835" y="703882"/>
+            <a:ext cx="6531709" cy="4814424"/>
           </a:xfrm>
           <a:prstGeom prst="rect">
             <a:avLst/>
           </a:prstGeom>
         </p:spPr>
       </p:pic>
+      <p:sp>
+        <p:nvSpPr>
+          <p:cNvPr id="4" name="テキスト ボックス 3"/>
+          <p:cNvSpPr txBox="1"/>
+          <p:nvPr/>
+        </p:nvSpPr>
+        <p:spPr>
+          <a:xfrm>
+            <a:off x="5227903" y="1493437"/>
+            <a:ext cx="1914473" cy="468529"/>
+          </a:xfrm>
+          <a:prstGeom prst="rect">
+            <a:avLst/>
+          </a:prstGeom>
+          <a:solidFill>
+            <a:schemeClr val="accent5">
+              <a:lumMod val="40000"/>
+              <a:lumOff val="60000"/>
+            </a:schemeClr>
+          </a:solidFill>
+          <a:ln>
+            <a:solidFill>
+              <a:schemeClr val="tx1"/>
+            </a:solidFill>
+          </a:ln>
+        </p:spPr>
+        <p:txBody>
+          <a:bodyPr wrap="square" rtlCol="0">
+            <a:noAutofit/>
+          </a:bodyPr>
+          <a:lstStyle/>
+          <a:p>
+            <a:r>
+              <a:rPr lang="en-US" altLang="ja-JP" sz="907" dirty="0">
+                <a:latin typeface="ＭＳ Ｐゴシック" panose="020B0600070205080204" charset="-128"/>
+                <a:ea typeface="ＭＳ Ｐゴシック" panose="020B0600070205080204" charset="-128"/>
+                <a:cs typeface="Arial" panose="020B0604020202020204" pitchFamily="34" charset="0"/>
+              </a:rPr>
+              <a:t>Input: </a:t>
+            </a:r>
+          </a:p>
+          <a:p>
+            <a:r>
+              <a:rPr lang="en-US" altLang="ja-JP" sz="907" dirty="0">
+                <a:latin typeface="ＭＳ Ｐゴシック" panose="020B0600070205080204" charset="-128"/>
+                <a:ea typeface="ＭＳ Ｐゴシック" panose="020B0600070205080204" charset="-128"/>
+                <a:cs typeface="Arial" panose="020B0604020202020204" pitchFamily="34" charset="0"/>
+              </a:rPr>
+              <a:t> nozzle pressure ratio is increased</a:t>
+            </a:r>
+            <a:endParaRPr lang="ja-JP" altLang="en-US" sz="907" dirty="0">
+              <a:latin typeface="ＭＳ Ｐゴシック" panose="020B0600070205080204" charset="-128"/>
+              <a:ea typeface="ＭＳ Ｐゴシック" panose="020B0600070205080204" charset="-128"/>
+              <a:cs typeface="Arial" panose="020B0604020202020204" pitchFamily="34" charset="0"/>
+            </a:endParaRPr>
+          </a:p>
+        </p:txBody>
+      </p:sp>
       <p:cxnSp>
         <p:nvCxnSpPr>
-          <p:cNvPr id="6" name="直線矢印コネクタ 5"/>
+          <p:cNvPr id="5" name="直線矢印コネクタ 4"/>
           <p:cNvCxnSpPr>
-            <a:stCxn id="7" idx="0"/>
+            <a:stCxn id="4" idx="2"/>
           </p:cNvCxnSpPr>
           <p:nvPr/>
         </p:nvCxnSpPr>
         <p:spPr>
-          <a:xfrm flipV="1">
-            <a:off x="5415393" y="2327285"/>
-            <a:ext cx="985440" cy="525655"/>
+          <a:xfrm flipH="1">
+            <a:off x="5963027" y="1961967"/>
+            <a:ext cx="222113" cy="887613"/>
           </a:xfrm>
           <a:prstGeom prst="straightConnector1">
             <a:avLst/>
@@ -4545,158 +5117,6 @@
           </a:fontRef>
         </p:style>
       </p:cxnSp>
-      <p:sp>
-        <p:nvSpPr>
-          <p:cNvPr id="7" name="テキスト ボックス 6"/>
-          <p:cNvSpPr txBox="1"/>
-          <p:nvPr/>
-        </p:nvSpPr>
-        <p:spPr>
-          <a:xfrm>
-            <a:off x="4376186" y="2852940"/>
-            <a:ext cx="2078412" cy="576060"/>
-          </a:xfrm>
-          <a:prstGeom prst="rect">
-            <a:avLst/>
-          </a:prstGeom>
-          <a:solidFill>
-            <a:srgbClr val="FFFF00"/>
-          </a:solidFill>
-          <a:ln>
-            <a:solidFill>
-              <a:schemeClr val="tx1"/>
-            </a:solidFill>
-          </a:ln>
-        </p:spPr>
-        <p:txBody>
-          <a:bodyPr wrap="square" rtlCol="0">
-            <a:noAutofit/>
-          </a:bodyPr>
-          <a:lstStyle/>
-          <a:p>
-            <a:r>
-              <a:rPr lang="en-US" altLang="ja-JP" sz="726" dirty="0">
-                <a:latin typeface="Arial" panose="020B0604020202020204" pitchFamily="34" charset="0"/>
-                <a:cs typeface="Arial" panose="020B0604020202020204" pitchFamily="34" charset="0"/>
-              </a:rPr>
-              <a:t>Output: </a:t>
-            </a:r>
-          </a:p>
-          <a:p>
-            <a:r>
-              <a:rPr lang="en-US" altLang="ja-JP" sz="726" dirty="0">
-                <a:latin typeface="Arial" panose="020B0604020202020204" pitchFamily="34" charset="0"/>
-                <a:cs typeface="Arial" panose="020B0604020202020204" pitchFamily="34" charset="0"/>
-              </a:rPr>
-              <a:t> throat mechanical cross sectional area.</a:t>
-            </a:r>
-          </a:p>
-          <a:p>
-            <a:r>
-              <a:rPr lang="en-US" altLang="ja-JP" sz="726" dirty="0">
-                <a:latin typeface="Arial" panose="020B0604020202020204" pitchFamily="34" charset="0"/>
-                <a:cs typeface="Arial" panose="020B0604020202020204" pitchFamily="34" charset="0"/>
-              </a:rPr>
-              <a:t> It decreases as throat area multiplication factor drops.</a:t>
-            </a:r>
-          </a:p>
-        </p:txBody>
-      </p:sp>
-      <p:cxnSp>
-        <p:nvCxnSpPr>
-          <p:cNvPr id="9" name="直線矢印コネクタ 8"/>
-          <p:cNvCxnSpPr>
-            <a:stCxn id="10" idx="0"/>
-          </p:cNvCxnSpPr>
-          <p:nvPr/>
-        </p:nvCxnSpPr>
-        <p:spPr>
-          <a:xfrm flipH="1" flipV="1">
-            <a:off x="8011509" y="1129079"/>
-            <a:ext cx="61443" cy="602461"/>
-          </a:xfrm>
-          <a:prstGeom prst="straightConnector1">
-            <a:avLst/>
-          </a:prstGeom>
-          <a:ln w="12700">
-            <a:solidFill>
-              <a:schemeClr val="tx1"/>
-            </a:solidFill>
-            <a:tailEnd type="oval"/>
-          </a:ln>
-        </p:spPr>
-        <p:style>
-          <a:lnRef idx="1">
-            <a:schemeClr val="accent1"/>
-          </a:lnRef>
-          <a:fillRef idx="0">
-            <a:schemeClr val="accent1"/>
-          </a:fillRef>
-          <a:effectRef idx="0">
-            <a:schemeClr val="accent1"/>
-          </a:effectRef>
-          <a:fontRef idx="minor">
-            <a:schemeClr val="tx1"/>
-          </a:fontRef>
-        </p:style>
-      </p:cxnSp>
-      <p:sp>
-        <p:nvSpPr>
-          <p:cNvPr id="10" name="テキスト ボックス 9"/>
-          <p:cNvSpPr txBox="1"/>
-          <p:nvPr/>
-        </p:nvSpPr>
-        <p:spPr>
-          <a:xfrm>
-            <a:off x="6972302" y="1731540"/>
-            <a:ext cx="2201301" cy="664872"/>
-          </a:xfrm>
-          <a:prstGeom prst="rect">
-            <a:avLst/>
-          </a:prstGeom>
-          <a:solidFill>
-            <a:srgbClr val="FFFF00"/>
-          </a:solidFill>
-          <a:ln>
-            <a:solidFill>
-              <a:schemeClr val="tx1"/>
-            </a:solidFill>
-          </a:ln>
-        </p:spPr>
-        <p:txBody>
-          <a:bodyPr wrap="square" rtlCol="0">
-            <a:noAutofit/>
-          </a:bodyPr>
-          <a:lstStyle/>
-          <a:p>
-            <a:r>
-              <a:rPr lang="en-US" altLang="ja-JP" sz="726" dirty="0">
-                <a:latin typeface="Arial" panose="020B0604020202020204" pitchFamily="34" charset="0"/>
-                <a:cs typeface="Arial" panose="020B0604020202020204" pitchFamily="34" charset="0"/>
-              </a:rPr>
-              <a:t>Output: </a:t>
-            </a:r>
-          </a:p>
-          <a:p>
-            <a:r>
-              <a:rPr lang="en-US" altLang="ja-JP" sz="726" dirty="0">
-                <a:latin typeface="Arial" panose="020B0604020202020204" pitchFamily="34" charset="0"/>
-                <a:cs typeface="Arial" panose="020B0604020202020204" pitchFamily="34" charset="0"/>
-              </a:rPr>
-              <a:t> “des” marked throat mechanical cross sectional area.</a:t>
-            </a:r>
-          </a:p>
-          <a:p>
-            <a:r>
-              <a:rPr lang="en-US" altLang="ja-JP" sz="726" dirty="0">
-                <a:latin typeface="Arial" panose="020B0604020202020204" pitchFamily="34" charset="0"/>
-                <a:cs typeface="Arial" panose="020B0604020202020204" pitchFamily="34" charset="0"/>
-              </a:rPr>
-              <a:t> It is kept constant while throat area multiplication factor is changed.</a:t>
-            </a:r>
-          </a:p>
-        </p:txBody>
-      </p:sp>
     </p:spTree>
   </p:cSld>
   <p:clrMapOvr>
@@ -4738,193 +5158,68 @@
         </p:blipFill>
         <p:spPr>
           <a:xfrm>
-            <a:off x="3151209" y="59299"/>
-            <a:ext cx="5712282" cy="4206317"/>
+            <a:off x="2830146" y="786717"/>
+            <a:ext cx="6531709" cy="4739983"/>
           </a:xfrm>
           <a:prstGeom prst="rect">
             <a:avLst/>
           </a:prstGeom>
         </p:spPr>
       </p:pic>
-      <p:pic>
-        <p:nvPicPr>
-          <p:cNvPr id="4" name="図 3"/>
-          <p:cNvPicPr>
-            <a:picLocks noChangeAspect="1"/>
-          </p:cNvPicPr>
+      <p:cxnSp>
+        <p:nvCxnSpPr>
+          <p:cNvPr id="4" name="直線矢印コネクタ 3"/>
+          <p:cNvCxnSpPr>
+            <a:stCxn id="5" idx="0"/>
+          </p:cNvCxnSpPr>
           <p:nvPr/>
-        </p:nvPicPr>
-        <p:blipFill rotWithShape="1">
-          <a:blip r:embed="rId3"/>
-          <a:srcRect l="40324" t="47469" r="38741"/>
-          <a:stretch>
-            <a:fillRect/>
-          </a:stretch>
-        </p:blipFill>
-        <p:spPr>
-          <a:xfrm>
-            <a:off x="4042824" y="4093871"/>
-            <a:ext cx="952420" cy="2460626"/>
-          </a:xfrm>
-          <a:prstGeom prst="rect">
+        </p:nvCxnSpPr>
+        <p:spPr>
+          <a:xfrm flipH="1" flipV="1">
+            <a:off x="6500684" y="2081499"/>
+            <a:ext cx="243488" cy="606783"/>
+          </a:xfrm>
+          <a:prstGeom prst="straightConnector1">
             <a:avLst/>
           </a:prstGeom>
-        </p:spPr>
-      </p:pic>
-      <p:sp>
-        <p:nvSpPr>
-          <p:cNvPr id="5" name="四角形: 角を丸くする 4"/>
-          <p:cNvSpPr/>
-          <p:nvPr/>
-        </p:nvSpPr>
-        <p:spPr>
-          <a:xfrm>
-            <a:off x="5525219" y="3010875"/>
-            <a:ext cx="990824" cy="906335"/>
-          </a:xfrm>
-          <a:prstGeom prst="roundRect">
-            <a:avLst>
-              <a:gd name="adj" fmla="val 29379"/>
-            </a:avLst>
-          </a:prstGeom>
-          <a:noFill/>
-          <a:ln>
+          <a:ln w="12700">
             <a:solidFill>
-              <a:srgbClr val="FF0000"/>
+              <a:schemeClr val="tx1"/>
             </a:solidFill>
+            <a:tailEnd type="oval"/>
           </a:ln>
         </p:spPr>
         <p:style>
-          <a:lnRef idx="2">
-            <a:schemeClr val="accent1">
-              <a:shade val="50000"/>
-            </a:schemeClr>
+          <a:lnRef idx="1">
+            <a:schemeClr val="accent1"/>
           </a:lnRef>
-          <a:fillRef idx="1">
+          <a:fillRef idx="0">
             <a:schemeClr val="accent1"/>
           </a:fillRef>
           <a:effectRef idx="0">
             <a:schemeClr val="accent1"/>
           </a:effectRef>
           <a:fontRef idx="minor">
-            <a:schemeClr val="lt1"/>
+            <a:schemeClr val="tx1"/>
           </a:fontRef>
         </p:style>
-        <p:txBody>
-          <a:bodyPr rtlCol="0" anchor="ctr"/>
-          <a:lstStyle/>
-          <a:p>
-            <a:pPr algn="ctr"/>
-            <a:endParaRPr lang="ja-JP" altLang="en-US" sz="1633"/>
-          </a:p>
-        </p:txBody>
-      </p:sp>
-      <p:sp>
-        <p:nvSpPr>
-          <p:cNvPr id="6" name="四角形: 角を丸くする 5"/>
-          <p:cNvSpPr/>
-          <p:nvPr/>
-        </p:nvSpPr>
-        <p:spPr>
-          <a:xfrm>
-            <a:off x="3900383" y="4035190"/>
-            <a:ext cx="1198897" cy="2519307"/>
-          </a:xfrm>
-          <a:prstGeom prst="roundRect">
-            <a:avLst>
-              <a:gd name="adj" fmla="val 29379"/>
-            </a:avLst>
-          </a:prstGeom>
-          <a:noFill/>
-          <a:ln>
-            <a:solidFill>
-              <a:srgbClr val="FF0000"/>
-            </a:solidFill>
-          </a:ln>
-        </p:spPr>
-        <p:style>
-          <a:lnRef idx="2">
-            <a:schemeClr val="accent1">
-              <a:shade val="50000"/>
-            </a:schemeClr>
-          </a:lnRef>
-          <a:fillRef idx="1">
-            <a:schemeClr val="accent1"/>
-          </a:fillRef>
-          <a:effectRef idx="0">
-            <a:schemeClr val="accent1"/>
-          </a:effectRef>
-          <a:fontRef idx="minor">
-            <a:schemeClr val="lt1"/>
-          </a:fontRef>
-        </p:style>
-        <p:txBody>
-          <a:bodyPr rtlCol="0" anchor="ctr"/>
-          <a:lstStyle/>
-          <a:p>
-            <a:pPr algn="ctr"/>
-            <a:endParaRPr lang="ja-JP" altLang="en-US" sz="1633"/>
-          </a:p>
-        </p:txBody>
-      </p:sp>
-      <p:sp>
-        <p:nvSpPr>
-          <p:cNvPr id="8" name="矢印: 右 7"/>
-          <p:cNvSpPr/>
-          <p:nvPr/>
-        </p:nvSpPr>
-        <p:spPr>
-          <a:xfrm rot="19336682">
-            <a:off x="5213434" y="4092798"/>
-            <a:ext cx="660551" cy="345636"/>
-          </a:xfrm>
-          <a:prstGeom prst="rightArrow">
-            <a:avLst/>
-          </a:prstGeom>
-        </p:spPr>
-        <p:style>
-          <a:lnRef idx="2">
-            <a:schemeClr val="accent2">
-              <a:shade val="50000"/>
-            </a:schemeClr>
-          </a:lnRef>
-          <a:fillRef idx="1">
-            <a:schemeClr val="accent2"/>
-          </a:fillRef>
-          <a:effectRef idx="0">
-            <a:schemeClr val="accent2"/>
-          </a:effectRef>
-          <a:fontRef idx="minor">
-            <a:schemeClr val="lt1"/>
-          </a:fontRef>
-        </p:style>
-        <p:txBody>
-          <a:bodyPr rtlCol="0" anchor="ctr"/>
-          <a:lstStyle/>
-          <a:p>
-            <a:pPr algn="ctr"/>
-            <a:endParaRPr lang="ja-JP" altLang="en-US" sz="1633"/>
-          </a:p>
-        </p:txBody>
-      </p:sp>
-      <p:sp>
-        <p:nvSpPr>
-          <p:cNvPr id="9" name="テキスト ボックス 8"/>
+      </p:cxnSp>
+      <p:sp>
+        <p:nvSpPr>
+          <p:cNvPr id="5" name="テキスト ボックス 4"/>
           <p:cNvSpPr txBox="1"/>
           <p:nvPr/>
         </p:nvSpPr>
         <p:spPr>
           <a:xfrm>
-            <a:off x="6021736" y="4608431"/>
-            <a:ext cx="1914474" cy="677540"/>
+            <a:off x="5704965" y="2688283"/>
+            <a:ext cx="2078412" cy="576060"/>
           </a:xfrm>
           <a:prstGeom prst="rect">
             <a:avLst/>
           </a:prstGeom>
           <a:solidFill>
-            <a:srgbClr val="92D050">
-              <a:alpha val="40000"/>
-            </a:srgbClr>
+            <a:srgbClr val="FFFF00"/>
           </a:solidFill>
           <a:ln>
             <a:solidFill>
@@ -4939,18 +5234,30 @@
           <a:lstStyle/>
           <a:p>
             <a:r>
-              <a:rPr lang="en-US" altLang="ja-JP" sz="907" dirty="0">
-                <a:latin typeface="ＭＳ Ｐゴシック" panose="020B0600070205080204" charset="-128"/>
-                <a:ea typeface="ＭＳ Ｐゴシック" panose="020B0600070205080204" charset="-128"/>
+              <a:rPr lang="en-US" altLang="ja-JP" sz="726" dirty="0">
+                <a:latin typeface="Arial" panose="020B0604020202020204" pitchFamily="34" charset="0"/>
                 <a:cs typeface="Arial" panose="020B0604020202020204" pitchFamily="34" charset="0"/>
               </a:rPr>
-              <a:t> Components for design point constraint of mass flow rate is integrated into single component for easier handling.</a:t>
-            </a:r>
-            <a:endParaRPr lang="ja-JP" altLang="en-US" sz="907" dirty="0">
-              <a:latin typeface="ＭＳ Ｐゴシック" panose="020B0600070205080204" charset="-128"/>
-              <a:ea typeface="ＭＳ Ｐゴシック" panose="020B0600070205080204" charset="-128"/>
-              <a:cs typeface="Arial" panose="020B0604020202020204" pitchFamily="34" charset="0"/>
-            </a:endParaRPr>
+              <a:t>Output: </a:t>
+            </a:r>
+          </a:p>
+          <a:p>
+            <a:r>
+              <a:rPr lang="en-US" altLang="ja-JP" sz="726" dirty="0">
+                <a:latin typeface="Arial" panose="020B0604020202020204" pitchFamily="34" charset="0"/>
+                <a:cs typeface="Arial" panose="020B0604020202020204" pitchFamily="34" charset="0"/>
+              </a:rPr>
+              <a:t> mass flow rate via nozzle.</a:t>
+            </a:r>
+          </a:p>
+          <a:p>
+            <a:r>
+              <a:rPr lang="en-US" altLang="ja-JP" sz="726" dirty="0">
+                <a:latin typeface="Arial" panose="020B0604020202020204" pitchFamily="34" charset="0"/>
+                <a:cs typeface="Arial" panose="020B0604020202020204" pitchFamily="34" charset="0"/>
+              </a:rPr>
+              <a:t> It decreases as throat area multiplication factor drops.</a:t>
+            </a:r>
           </a:p>
         </p:txBody>
       </p:sp>
@@ -4981,7 +5288,7 @@
       </p:grpSpPr>
       <p:pic>
         <p:nvPicPr>
-          <p:cNvPr id="3" name="図 2"/>
+          <p:cNvPr id="5" name="図 4"/>
           <p:cNvPicPr>
             <a:picLocks noChangeAspect="1"/>
           </p:cNvPicPr>
@@ -4995,83 +5302,26 @@
         </p:blipFill>
         <p:spPr>
           <a:xfrm>
-            <a:off x="3921131" y="549291"/>
-            <a:ext cx="4549439" cy="4684106"/>
+            <a:off x="2898385" y="488459"/>
+            <a:ext cx="6531709" cy="4803967"/>
           </a:xfrm>
           <a:prstGeom prst="rect">
             <a:avLst/>
           </a:prstGeom>
         </p:spPr>
       </p:pic>
-      <p:sp>
-        <p:nvSpPr>
-          <p:cNvPr id="4" name="テキスト ボックス 3"/>
-          <p:cNvSpPr txBox="1"/>
-          <p:nvPr/>
-        </p:nvSpPr>
-        <p:spPr>
-          <a:xfrm>
-            <a:off x="3487274" y="3997205"/>
-            <a:ext cx="1914474" cy="801624"/>
-          </a:xfrm>
-          <a:prstGeom prst="rect">
-            <a:avLst/>
-          </a:prstGeom>
-          <a:solidFill>
-            <a:srgbClr val="92D050">
-              <a:alpha val="40000"/>
-            </a:srgbClr>
-          </a:solidFill>
-          <a:ln>
-            <a:solidFill>
-              <a:schemeClr val="tx1"/>
-            </a:solidFill>
-          </a:ln>
-        </p:spPr>
-        <p:txBody>
-          <a:bodyPr wrap="square" rtlCol="0">
-            <a:noAutofit/>
-          </a:bodyPr>
-          <a:lstStyle/>
-          <a:p>
-            <a:r>
-              <a:rPr lang="en-US" altLang="ja-JP" sz="907" dirty="0">
-                <a:latin typeface="ＭＳ Ｐゴシック" panose="020B0600070205080204" charset="-128"/>
-                <a:ea typeface="ＭＳ Ｐゴシック" panose="020B0600070205080204" charset="-128"/>
-                <a:cs typeface="Arial" panose="020B0604020202020204" pitchFamily="34" charset="0"/>
-              </a:rPr>
-              <a:t> Mass flow rate signal is constrained to the value input as signal.</a:t>
-            </a:r>
-          </a:p>
-          <a:p>
-            <a:r>
-              <a:rPr lang="en-US" altLang="ja-JP" sz="907" dirty="0">
-                <a:latin typeface="ＭＳ Ｐゴシック" panose="020B0600070205080204" charset="-128"/>
-                <a:ea typeface="ＭＳ Ｐゴシック" panose="020B0600070205080204" charset="-128"/>
-                <a:cs typeface="Arial" panose="020B0604020202020204" pitchFamily="34" charset="0"/>
-              </a:rPr>
-              <a:t>Constraint is kept until the time which is defined by “environment” block.</a:t>
-            </a:r>
-            <a:endParaRPr lang="ja-JP" altLang="en-US" sz="907" dirty="0">
-              <a:latin typeface="ＭＳ Ｐゴシック" panose="020B0600070205080204" charset="-128"/>
-              <a:ea typeface="ＭＳ Ｐゴシック" panose="020B0600070205080204" charset="-128"/>
-              <a:cs typeface="Arial" panose="020B0604020202020204" pitchFamily="34" charset="0"/>
-            </a:endParaRPr>
-          </a:p>
-        </p:txBody>
-      </p:sp>
       <p:cxnSp>
         <p:nvCxnSpPr>
-          <p:cNvPr id="5" name="直線矢印コネクタ 4"/>
+          <p:cNvPr id="6" name="直線矢印コネクタ 5"/>
           <p:cNvCxnSpPr>
-            <a:stCxn id="4" idx="3"/>
+            <a:stCxn id="7" idx="0"/>
           </p:cNvCxnSpPr>
           <p:nvPr/>
         </p:nvCxnSpPr>
         <p:spPr>
           <a:xfrm flipV="1">
-            <a:off x="5401747" y="4186039"/>
-            <a:ext cx="607364" cy="211978"/>
+            <a:off x="5415393" y="2327285"/>
+            <a:ext cx="985440" cy="525655"/>
           </a:xfrm>
           <a:prstGeom prst="straightConnector1">
             <a:avLst/>
@@ -5100,22 +5350,20 @@
       </p:cxnSp>
       <p:sp>
         <p:nvSpPr>
-          <p:cNvPr id="12" name="テキスト ボックス 11"/>
+          <p:cNvPr id="7" name="テキスト ボックス 6"/>
           <p:cNvSpPr txBox="1"/>
           <p:nvPr/>
         </p:nvSpPr>
         <p:spPr>
           <a:xfrm>
-            <a:off x="3594805" y="1535620"/>
-            <a:ext cx="1914474" cy="801624"/>
+            <a:off x="4376186" y="2852940"/>
+            <a:ext cx="2078412" cy="576060"/>
           </a:xfrm>
           <a:prstGeom prst="rect">
             <a:avLst/>
           </a:prstGeom>
           <a:solidFill>
-            <a:srgbClr val="92D050">
-              <a:alpha val="40000"/>
-            </a:srgbClr>
+            <a:srgbClr val="FFFF00"/>
           </a:solidFill>
           <a:ln>
             <a:solidFill>
@@ -5130,33 +5378,45 @@
           <a:lstStyle/>
           <a:p>
             <a:r>
-              <a:rPr lang="en-US" altLang="ja-JP" sz="907" dirty="0">
-                <a:latin typeface="ＭＳ Ｐゴシック" panose="020B0600070205080204" charset="-128"/>
-                <a:ea typeface="ＭＳ Ｐゴシック" panose="020B0600070205080204" charset="-128"/>
+              <a:rPr lang="en-US" altLang="ja-JP" sz="726" dirty="0">
+                <a:latin typeface="Arial" panose="020B0604020202020204" pitchFamily="34" charset="0"/>
                 <a:cs typeface="Arial" panose="020B0604020202020204" pitchFamily="34" charset="0"/>
               </a:rPr>
-              <a:t> This component defines the time when mass flow rate constraint is removed and mechanical cross sectional area of nozzle throat turns from output to input.</a:t>
-            </a:r>
-            <a:endParaRPr lang="ja-JP" altLang="en-US" sz="907" dirty="0">
-              <a:latin typeface="ＭＳ Ｐゴシック" panose="020B0600070205080204" charset="-128"/>
-              <a:ea typeface="ＭＳ Ｐゴシック" panose="020B0600070205080204" charset="-128"/>
-              <a:cs typeface="Arial" panose="020B0604020202020204" pitchFamily="34" charset="0"/>
-            </a:endParaRPr>
+              <a:t>Output: </a:t>
+            </a:r>
+          </a:p>
+          <a:p>
+            <a:r>
+              <a:rPr lang="en-US" altLang="ja-JP" sz="726" dirty="0">
+                <a:latin typeface="Arial" panose="020B0604020202020204" pitchFamily="34" charset="0"/>
+                <a:cs typeface="Arial" panose="020B0604020202020204" pitchFamily="34" charset="0"/>
+              </a:rPr>
+              <a:t> throat mechanical cross sectional area.</a:t>
+            </a:r>
+          </a:p>
+          <a:p>
+            <a:r>
+              <a:rPr lang="en-US" altLang="ja-JP" sz="726" dirty="0">
+                <a:latin typeface="Arial" panose="020B0604020202020204" pitchFamily="34" charset="0"/>
+                <a:cs typeface="Arial" panose="020B0604020202020204" pitchFamily="34" charset="0"/>
+              </a:rPr>
+              <a:t> It decreases as throat area multiplication factor drops.</a:t>
+            </a:r>
           </a:p>
         </p:txBody>
       </p:sp>
       <p:cxnSp>
         <p:nvCxnSpPr>
-          <p:cNvPr id="13" name="直線矢印コネクタ 12"/>
+          <p:cNvPr id="9" name="直線矢印コネクタ 8"/>
           <p:cNvCxnSpPr>
-            <a:stCxn id="12" idx="0"/>
+            <a:stCxn id="10" idx="0"/>
           </p:cNvCxnSpPr>
           <p:nvPr/>
         </p:nvCxnSpPr>
         <p:spPr>
-          <a:xfrm flipV="1">
-            <a:off x="4552042" y="1205888"/>
-            <a:ext cx="619862" cy="329732"/>
+          <a:xfrm flipH="1" flipV="1">
+            <a:off x="8011509" y="1129079"/>
+            <a:ext cx="61443" cy="602461"/>
           </a:xfrm>
           <a:prstGeom prst="straightConnector1">
             <a:avLst/>
@@ -5185,22 +5445,20 @@
       </p:cxnSp>
       <p:sp>
         <p:nvSpPr>
-          <p:cNvPr id="17" name="テキスト ボックス 16"/>
+          <p:cNvPr id="10" name="テキスト ボックス 9"/>
           <p:cNvSpPr txBox="1"/>
           <p:nvPr/>
         </p:nvSpPr>
         <p:spPr>
           <a:xfrm>
-            <a:off x="7015298" y="3932574"/>
-            <a:ext cx="2326712" cy="1129079"/>
+            <a:off x="6972302" y="1731540"/>
+            <a:ext cx="2201301" cy="664872"/>
           </a:xfrm>
           <a:prstGeom prst="rect">
             <a:avLst/>
           </a:prstGeom>
           <a:solidFill>
-            <a:srgbClr val="92D050">
-              <a:alpha val="40000"/>
-            </a:srgbClr>
+            <a:srgbClr val="FFFF00"/>
           </a:solidFill>
           <a:ln>
             <a:solidFill>
@@ -5215,159 +5473,30 @@
           <a:lstStyle/>
           <a:p>
             <a:r>
-              <a:rPr lang="en-US" altLang="ja-JP" sz="907" dirty="0">
-                <a:latin typeface="ＭＳ Ｐゴシック" panose="020B0600070205080204" charset="-128"/>
-                <a:ea typeface="ＭＳ Ｐゴシック" panose="020B0600070205080204" charset="-128"/>
+              <a:rPr lang="en-US" altLang="ja-JP" sz="726" dirty="0">
+                <a:latin typeface="Arial" panose="020B0604020202020204" pitchFamily="34" charset="0"/>
                 <a:cs typeface="Arial" panose="020B0604020202020204" pitchFamily="34" charset="0"/>
               </a:rPr>
-              <a:t> Mechanical cross sectional area of throat is calculated variable when mass flow rate is constrained. “des” marked discrete variable stores that value.</a:t>
-            </a:r>
-          </a:p>
-          <a:p>
-            <a:r>
-              <a:rPr lang="ja-JP" altLang="en-US" sz="907" dirty="0">
-                <a:latin typeface="ＭＳ Ｐゴシック" panose="020B0600070205080204" charset="-128"/>
-                <a:ea typeface="ＭＳ Ｐゴシック" panose="020B0600070205080204" charset="-128"/>
+              <a:t>Output: </a:t>
+            </a:r>
+          </a:p>
+          <a:p>
+            <a:r>
+              <a:rPr lang="en-US" altLang="ja-JP" sz="726" dirty="0">
+                <a:latin typeface="Arial" panose="020B0604020202020204" pitchFamily="34" charset="0"/>
                 <a:cs typeface="Arial" panose="020B0604020202020204" pitchFamily="34" charset="0"/>
               </a:rPr>
-              <a:t> </a:t>
-            </a:r>
-            <a:r>
-              <a:rPr lang="en-US" altLang="ja-JP" sz="907" dirty="0">
-                <a:latin typeface="ＭＳ Ｐゴシック" panose="020B0600070205080204" charset="-128"/>
-                <a:ea typeface="ＭＳ Ｐゴシック" panose="020B0600070205080204" charset="-128"/>
+              <a:t> “des” marked throat mechanical cross sectional area.</a:t>
+            </a:r>
+          </a:p>
+          <a:p>
+            <a:r>
+              <a:rPr lang="en-US" altLang="ja-JP" sz="726" dirty="0">
+                <a:latin typeface="Arial" panose="020B0604020202020204" pitchFamily="34" charset="0"/>
                 <a:cs typeface="Arial" panose="020B0604020202020204" pitchFamily="34" charset="0"/>
               </a:rPr>
-              <a:t>After Mass flow rate constraint is removed, the value of mechanical cross sectional area is input and mass flow is calculated variable.</a:t>
-            </a:r>
-            <a:endParaRPr lang="ja-JP" altLang="en-US" sz="907" dirty="0">
-              <a:latin typeface="ＭＳ Ｐゴシック" panose="020B0600070205080204" charset="-128"/>
-              <a:ea typeface="ＭＳ Ｐゴシック" panose="020B0600070205080204" charset="-128"/>
-              <a:cs typeface="Arial" panose="020B0604020202020204" pitchFamily="34" charset="0"/>
-            </a:endParaRPr>
-          </a:p>
-        </p:txBody>
-      </p:sp>
-      <p:cxnSp>
-        <p:nvCxnSpPr>
-          <p:cNvPr id="18" name="直線矢印コネクタ 17"/>
-          <p:cNvCxnSpPr>
-            <a:stCxn id="17" idx="0"/>
-          </p:cNvCxnSpPr>
-          <p:nvPr/>
-        </p:nvCxnSpPr>
-        <p:spPr>
-          <a:xfrm flipH="1" flipV="1">
-            <a:off x="7506869" y="3539777"/>
-            <a:ext cx="671784" cy="392797"/>
-          </a:xfrm>
-          <a:prstGeom prst="straightConnector1">
-            <a:avLst/>
-          </a:prstGeom>
-          <a:ln w="12700">
-            <a:solidFill>
-              <a:schemeClr val="tx1"/>
-            </a:solidFill>
-            <a:tailEnd type="oval"/>
-          </a:ln>
-        </p:spPr>
-        <p:style>
-          <a:lnRef idx="1">
-            <a:schemeClr val="accent1"/>
-          </a:lnRef>
-          <a:fillRef idx="0">
-            <a:schemeClr val="accent1"/>
-          </a:fillRef>
-          <a:effectRef idx="0">
-            <a:schemeClr val="accent1"/>
-          </a:effectRef>
-          <a:fontRef idx="minor">
-            <a:schemeClr val="tx1"/>
-          </a:fontRef>
-        </p:style>
-      </p:cxnSp>
-      <p:cxnSp>
-        <p:nvCxnSpPr>
-          <p:cNvPr id="29" name="直線矢印コネクタ 28"/>
-          <p:cNvCxnSpPr>
-            <a:stCxn id="30" idx="3"/>
-          </p:cNvCxnSpPr>
-          <p:nvPr/>
-        </p:nvCxnSpPr>
-        <p:spPr>
-          <a:xfrm>
-            <a:off x="3718260" y="2810992"/>
-            <a:ext cx="386012" cy="176842"/>
-          </a:xfrm>
-          <a:prstGeom prst="straightConnector1">
-            <a:avLst/>
-          </a:prstGeom>
-          <a:ln w="12700">
-            <a:solidFill>
-              <a:schemeClr val="tx1"/>
-            </a:solidFill>
-            <a:tailEnd type="oval"/>
-          </a:ln>
-        </p:spPr>
-        <p:style>
-          <a:lnRef idx="1">
-            <a:schemeClr val="accent1"/>
-          </a:lnRef>
-          <a:fillRef idx="0">
-            <a:schemeClr val="accent1"/>
-          </a:fillRef>
-          <a:effectRef idx="0">
-            <a:schemeClr val="accent1"/>
-          </a:effectRef>
-          <a:fontRef idx="minor">
-            <a:schemeClr val="tx1"/>
-          </a:fontRef>
-        </p:style>
-      </p:cxnSp>
-      <p:sp>
-        <p:nvSpPr>
-          <p:cNvPr id="30" name="テキスト ボックス 29"/>
-          <p:cNvSpPr txBox="1"/>
-          <p:nvPr/>
-        </p:nvSpPr>
-        <p:spPr>
-          <a:xfrm>
-            <a:off x="1803786" y="2419455"/>
-            <a:ext cx="1914473" cy="783073"/>
-          </a:xfrm>
-          <a:prstGeom prst="rect">
-            <a:avLst/>
-          </a:prstGeom>
-          <a:solidFill>
-            <a:srgbClr val="00B0F0">
-              <a:alpha val="40000"/>
-            </a:srgbClr>
-          </a:solidFill>
-          <a:ln>
-            <a:solidFill>
-              <a:schemeClr val="tx1"/>
-            </a:solidFill>
-          </a:ln>
-        </p:spPr>
-        <p:txBody>
-          <a:bodyPr wrap="square" rtlCol="0">
-            <a:noAutofit/>
-          </a:bodyPr>
-          <a:lstStyle/>
-          <a:p>
-            <a:r>
-              <a:rPr lang="en-US" altLang="ja-JP" sz="907" dirty="0">
-                <a:latin typeface="ＭＳ Ｐゴシック" panose="020B0600070205080204" charset="-128"/>
-                <a:ea typeface="ＭＳ Ｐゴシック" panose="020B0600070205080204" charset="-128"/>
-                <a:cs typeface="Arial" panose="020B0604020202020204" pitchFamily="34" charset="0"/>
-              </a:rPr>
-              <a:t> Change upstream pressure of nozzle after remove of mass flow rate constraint in order to check constraint become invalid and area is fixed.</a:t>
-            </a:r>
-            <a:endParaRPr lang="ja-JP" altLang="en-US" sz="907" dirty="0">
-              <a:latin typeface="ＭＳ Ｐゴシック" panose="020B0600070205080204" charset="-128"/>
-              <a:ea typeface="ＭＳ Ｐゴシック" panose="020B0600070205080204" charset="-128"/>
-              <a:cs typeface="Arial" panose="020B0604020202020204" pitchFamily="34" charset="0"/>
-            </a:endParaRPr>
+              <a:t> It is kept constant while throat area multiplication factor is changed.</a:t>
+            </a:r>
           </a:p>
         </p:txBody>
       </p:sp>
@@ -5412,33 +5541,193 @@
         </p:blipFill>
         <p:spPr>
           <a:xfrm>
-            <a:off x="1736049" y="741702"/>
-            <a:ext cx="6531709" cy="4743336"/>
+            <a:off x="3151209" y="59299"/>
+            <a:ext cx="5712282" cy="4206317"/>
           </a:xfrm>
           <a:prstGeom prst="rect">
             <a:avLst/>
           </a:prstGeom>
         </p:spPr>
       </p:pic>
-      <p:sp>
-        <p:nvSpPr>
-          <p:cNvPr id="5" name="テキスト ボックス 4"/>
+      <p:pic>
+        <p:nvPicPr>
+          <p:cNvPr id="4" name="図 3"/>
+          <p:cNvPicPr>
+            <a:picLocks noChangeAspect="1"/>
+          </p:cNvPicPr>
+          <p:nvPr/>
+        </p:nvPicPr>
+        <p:blipFill rotWithShape="1">
+          <a:blip r:embed="rId3"/>
+          <a:srcRect l="40324" t="47469" r="38741"/>
+          <a:stretch>
+            <a:fillRect/>
+          </a:stretch>
+        </p:blipFill>
+        <p:spPr>
+          <a:xfrm>
+            <a:off x="4042824" y="4093871"/>
+            <a:ext cx="952420" cy="2460626"/>
+          </a:xfrm>
+          <a:prstGeom prst="rect">
+            <a:avLst/>
+          </a:prstGeom>
+        </p:spPr>
+      </p:pic>
+      <p:sp>
+        <p:nvSpPr>
+          <p:cNvPr id="5" name="四角形: 角を丸くする 4"/>
+          <p:cNvSpPr/>
+          <p:nvPr/>
+        </p:nvSpPr>
+        <p:spPr>
+          <a:xfrm>
+            <a:off x="5525219" y="3010875"/>
+            <a:ext cx="990824" cy="906335"/>
+          </a:xfrm>
+          <a:prstGeom prst="roundRect">
+            <a:avLst>
+              <a:gd name="adj" fmla="val 29379"/>
+            </a:avLst>
+          </a:prstGeom>
+          <a:noFill/>
+          <a:ln>
+            <a:solidFill>
+              <a:srgbClr val="FF0000"/>
+            </a:solidFill>
+          </a:ln>
+        </p:spPr>
+        <p:style>
+          <a:lnRef idx="2">
+            <a:schemeClr val="accent1">
+              <a:shade val="50000"/>
+            </a:schemeClr>
+          </a:lnRef>
+          <a:fillRef idx="1">
+            <a:schemeClr val="accent1"/>
+          </a:fillRef>
+          <a:effectRef idx="0">
+            <a:schemeClr val="accent1"/>
+          </a:effectRef>
+          <a:fontRef idx="minor">
+            <a:schemeClr val="lt1"/>
+          </a:fontRef>
+        </p:style>
+        <p:txBody>
+          <a:bodyPr rtlCol="0" anchor="ctr"/>
+          <a:lstStyle/>
+          <a:p>
+            <a:pPr algn="ctr"/>
+            <a:endParaRPr lang="ja-JP" altLang="en-US" sz="1633"/>
+          </a:p>
+        </p:txBody>
+      </p:sp>
+      <p:sp>
+        <p:nvSpPr>
+          <p:cNvPr id="6" name="四角形: 角を丸くする 5"/>
+          <p:cNvSpPr/>
+          <p:nvPr/>
+        </p:nvSpPr>
+        <p:spPr>
+          <a:xfrm>
+            <a:off x="3900383" y="4035190"/>
+            <a:ext cx="1198897" cy="2519307"/>
+          </a:xfrm>
+          <a:prstGeom prst="roundRect">
+            <a:avLst>
+              <a:gd name="adj" fmla="val 29379"/>
+            </a:avLst>
+          </a:prstGeom>
+          <a:noFill/>
+          <a:ln>
+            <a:solidFill>
+              <a:srgbClr val="FF0000"/>
+            </a:solidFill>
+          </a:ln>
+        </p:spPr>
+        <p:style>
+          <a:lnRef idx="2">
+            <a:schemeClr val="accent1">
+              <a:shade val="50000"/>
+            </a:schemeClr>
+          </a:lnRef>
+          <a:fillRef idx="1">
+            <a:schemeClr val="accent1"/>
+          </a:fillRef>
+          <a:effectRef idx="0">
+            <a:schemeClr val="accent1"/>
+          </a:effectRef>
+          <a:fontRef idx="minor">
+            <a:schemeClr val="lt1"/>
+          </a:fontRef>
+        </p:style>
+        <p:txBody>
+          <a:bodyPr rtlCol="0" anchor="ctr"/>
+          <a:lstStyle/>
+          <a:p>
+            <a:pPr algn="ctr"/>
+            <a:endParaRPr lang="ja-JP" altLang="en-US" sz="1633"/>
+          </a:p>
+        </p:txBody>
+      </p:sp>
+      <p:sp>
+        <p:nvSpPr>
+          <p:cNvPr id="8" name="矢印: 右 7"/>
+          <p:cNvSpPr/>
+          <p:nvPr/>
+        </p:nvSpPr>
+        <p:spPr>
+          <a:xfrm rot="19336682">
+            <a:off x="5213434" y="4092798"/>
+            <a:ext cx="660551" cy="345636"/>
+          </a:xfrm>
+          <a:prstGeom prst="rightArrow">
+            <a:avLst/>
+          </a:prstGeom>
+        </p:spPr>
+        <p:style>
+          <a:lnRef idx="2">
+            <a:schemeClr val="accent2">
+              <a:shade val="50000"/>
+            </a:schemeClr>
+          </a:lnRef>
+          <a:fillRef idx="1">
+            <a:schemeClr val="accent2"/>
+          </a:fillRef>
+          <a:effectRef idx="0">
+            <a:schemeClr val="accent2"/>
+          </a:effectRef>
+          <a:fontRef idx="minor">
+            <a:schemeClr val="lt1"/>
+          </a:fontRef>
+        </p:style>
+        <p:txBody>
+          <a:bodyPr rtlCol="0" anchor="ctr"/>
+          <a:lstStyle/>
+          <a:p>
+            <a:pPr algn="ctr"/>
+            <a:endParaRPr lang="ja-JP" altLang="en-US" sz="1633"/>
+          </a:p>
+        </p:txBody>
+      </p:sp>
+      <p:sp>
+        <p:nvSpPr>
+          <p:cNvPr id="9" name="テキスト ボックス 8"/>
           <p:cNvSpPr txBox="1"/>
           <p:nvPr/>
         </p:nvSpPr>
         <p:spPr>
           <a:xfrm>
-            <a:off x="2293835" y="1593288"/>
-            <a:ext cx="1914473" cy="468529"/>
+            <a:off x="6021736" y="4608431"/>
+            <a:ext cx="1914474" cy="677540"/>
           </a:xfrm>
           <a:prstGeom prst="rect">
             <a:avLst/>
           </a:prstGeom>
           <a:solidFill>
-            <a:schemeClr val="accent5">
-              <a:lumMod val="40000"/>
-              <a:lumOff val="60000"/>
-            </a:schemeClr>
+            <a:srgbClr val="92D050">
+              <a:alpha val="40000"/>
+            </a:srgbClr>
           </a:solidFill>
           <a:ln>
             <a:solidFill>
@@ -5458,17 +5747,7 @@
                 <a:ea typeface="ＭＳ Ｐゴシック" panose="020B0600070205080204" charset="-128"/>
                 <a:cs typeface="Arial" panose="020B0604020202020204" pitchFamily="34" charset="0"/>
               </a:rPr>
-              <a:t>Input: </a:t>
-            </a:r>
-          </a:p>
-          <a:p>
-            <a:r>
-              <a:rPr lang="en-US" altLang="ja-JP" sz="907" dirty="0">
-                <a:latin typeface="ＭＳ Ｐゴシック" panose="020B0600070205080204" charset="-128"/>
-                <a:ea typeface="ＭＳ Ｐゴシック" panose="020B0600070205080204" charset="-128"/>
-                <a:cs typeface="Arial" panose="020B0604020202020204" pitchFamily="34" charset="0"/>
-              </a:rPr>
-              <a:t> nozzle pressure ratio is increased</a:t>
+              <a:t> Components for design point constraint of mass flow rate is integrated into single component for easier handling.</a:t>
             </a:r>
             <a:endParaRPr lang="ja-JP" altLang="en-US" sz="907" dirty="0">
               <a:latin typeface="ＭＳ Ｐゴシック" panose="020B0600070205080204" charset="-128"/>
@@ -5478,44 +5757,6 @@
           </a:p>
         </p:txBody>
       </p:sp>
-      <p:cxnSp>
-        <p:nvCxnSpPr>
-          <p:cNvPr id="6" name="直線矢印コネクタ 5"/>
-          <p:cNvCxnSpPr>
-            <a:stCxn id="5" idx="2"/>
-          </p:cNvCxnSpPr>
-          <p:nvPr/>
-        </p:nvCxnSpPr>
-        <p:spPr>
-          <a:xfrm>
-            <a:off x="3251071" y="2061817"/>
-            <a:ext cx="845519" cy="767098"/>
-          </a:xfrm>
-          <a:prstGeom prst="straightConnector1">
-            <a:avLst/>
-          </a:prstGeom>
-          <a:ln w="12700">
-            <a:solidFill>
-              <a:schemeClr val="tx1"/>
-            </a:solidFill>
-            <a:tailEnd type="oval"/>
-          </a:ln>
-        </p:spPr>
-        <p:style>
-          <a:lnRef idx="1">
-            <a:schemeClr val="accent1"/>
-          </a:lnRef>
-          <a:fillRef idx="0">
-            <a:schemeClr val="accent1"/>
-          </a:fillRef>
-          <a:effectRef idx="0">
-            <a:schemeClr val="accent1"/>
-          </a:effectRef>
-          <a:fontRef idx="minor">
-            <a:schemeClr val="tx1"/>
-          </a:fontRef>
-        </p:style>
-      </p:cxnSp>
     </p:spTree>
   </p:cSld>
   <p:clrMapOvr>
@@ -5557,8 +5798,8 @@
         </p:blipFill>
         <p:spPr>
           <a:xfrm>
-            <a:off x="2660629" y="935031"/>
-            <a:ext cx="6531709" cy="4727207"/>
+            <a:off x="3921131" y="549291"/>
+            <a:ext cx="4549439" cy="4684106"/>
           </a:xfrm>
           <a:prstGeom prst="rect">
             <a:avLst/>
@@ -5573,14 +5814,16 @@
         </p:nvSpPr>
         <p:spPr>
           <a:xfrm>
-            <a:off x="5505265" y="2811175"/>
-            <a:ext cx="1333373" cy="658838"/>
+            <a:off x="3487274" y="3997205"/>
+            <a:ext cx="1914474" cy="801624"/>
           </a:xfrm>
           <a:prstGeom prst="rect">
             <a:avLst/>
           </a:prstGeom>
           <a:solidFill>
-            <a:srgbClr val="FFFF00"/>
+            <a:srgbClr val="92D050">
+              <a:alpha val="40000"/>
+            </a:srgbClr>
           </a:solidFill>
           <a:ln>
             <a:solidFill>
@@ -5595,30 +5838,28 @@
           <a:lstStyle/>
           <a:p>
             <a:r>
-              <a:rPr lang="en-US" altLang="ja-JP" sz="726" dirty="0">
-                <a:latin typeface="Arial" panose="020B0604020202020204" pitchFamily="34" charset="0"/>
+              <a:rPr lang="en-US" altLang="ja-JP" sz="907" dirty="0">
+                <a:latin typeface="ＭＳ Ｐゴシック" panose="020B0600070205080204" charset="-128"/>
+                <a:ea typeface="ＭＳ Ｐゴシック" panose="020B0600070205080204" charset="-128"/>
                 <a:cs typeface="Arial" panose="020B0604020202020204" pitchFamily="34" charset="0"/>
               </a:rPr>
-              <a:t>Output: </a:t>
-            </a:r>
-          </a:p>
-          <a:p>
-            <a:r>
-              <a:rPr lang="en-US" altLang="ja-JP" sz="726" dirty="0">
-                <a:latin typeface="Arial" panose="020B0604020202020204" pitchFamily="34" charset="0"/>
+              <a:t> Mass flow rate signal is constrained to the value input as signal.</a:t>
+            </a:r>
+          </a:p>
+          <a:p>
+            <a:r>
+              <a:rPr lang="en-US" altLang="ja-JP" sz="907" dirty="0">
+                <a:latin typeface="ＭＳ Ｐゴシック" panose="020B0600070205080204" charset="-128"/>
+                <a:ea typeface="ＭＳ Ｐゴシック" panose="020B0600070205080204" charset="-128"/>
                 <a:cs typeface="Arial" panose="020B0604020202020204" pitchFamily="34" charset="0"/>
               </a:rPr>
-              <a:t> mass flow rate through nozzle.</a:t>
-            </a:r>
-          </a:p>
-          <a:p>
-            <a:r>
-              <a:rPr lang="en-US" altLang="ja-JP" sz="726" dirty="0">
-                <a:latin typeface="Arial" panose="020B0604020202020204" pitchFamily="34" charset="0"/>
-                <a:cs typeface="Arial" panose="020B0604020202020204" pitchFamily="34" charset="0"/>
-              </a:rPr>
-              <a:t> It is increased as nozzle pressure ratio rises.</a:t>
-            </a:r>
+              <a:t>Constraint is kept until the time which is defined by “environment” block.</a:t>
+            </a:r>
+            <a:endParaRPr lang="ja-JP" altLang="en-US" sz="907" dirty="0">
+              <a:latin typeface="ＭＳ Ｐゴシック" panose="020B0600070205080204" charset="-128"/>
+              <a:ea typeface="ＭＳ Ｐゴシック" panose="020B0600070205080204" charset="-128"/>
+              <a:cs typeface="Arial" panose="020B0604020202020204" pitchFamily="34" charset="0"/>
+            </a:endParaRPr>
           </a:p>
         </p:txBody>
       </p:sp>
@@ -5626,14 +5867,14 @@
         <p:nvCxnSpPr>
           <p:cNvPr id="5" name="直線矢印コネクタ 4"/>
           <p:cNvCxnSpPr>
-            <a:stCxn id="7" idx="2"/>
+            <a:stCxn id="4" idx="3"/>
           </p:cNvCxnSpPr>
           <p:nvPr/>
         </p:nvCxnSpPr>
         <p:spPr>
-          <a:xfrm flipH="1">
-            <a:off x="6546768" y="4708334"/>
-            <a:ext cx="374062" cy="576060"/>
+          <a:xfrm flipV="1">
+            <a:off x="5401747" y="4186039"/>
+            <a:ext cx="607364" cy="211978"/>
           </a:xfrm>
           <a:prstGeom prst="straightConnector1">
             <a:avLst/>
@@ -5662,20 +5903,22 @@
       </p:cxnSp>
       <p:sp>
         <p:nvSpPr>
-          <p:cNvPr id="7" name="テキスト ボックス 6"/>
+          <p:cNvPr id="12" name="テキスト ボックス 11"/>
           <p:cNvSpPr txBox="1"/>
           <p:nvPr/>
         </p:nvSpPr>
         <p:spPr>
           <a:xfrm>
-            <a:off x="5881624" y="3871127"/>
-            <a:ext cx="2078412" cy="837207"/>
+            <a:off x="3594805" y="1535620"/>
+            <a:ext cx="1914474" cy="801624"/>
           </a:xfrm>
           <a:prstGeom prst="rect">
             <a:avLst/>
           </a:prstGeom>
           <a:solidFill>
-            <a:srgbClr val="FFFF00"/>
+            <a:srgbClr val="92D050">
+              <a:alpha val="40000"/>
+            </a:srgbClr>
           </a:solidFill>
           <a:ln>
             <a:solidFill>
@@ -5690,45 +5933,33 @@
           <a:lstStyle/>
           <a:p>
             <a:r>
-              <a:rPr lang="en-US" altLang="ja-JP" sz="726" dirty="0">
-                <a:latin typeface="Arial" panose="020B0604020202020204" pitchFamily="34" charset="0"/>
+              <a:rPr lang="en-US" altLang="ja-JP" sz="907" dirty="0">
+                <a:latin typeface="ＭＳ Ｐゴシック" panose="020B0600070205080204" charset="-128"/>
+                <a:ea typeface="ＭＳ Ｐゴシック" panose="020B0600070205080204" charset="-128"/>
                 <a:cs typeface="Arial" panose="020B0604020202020204" pitchFamily="34" charset="0"/>
               </a:rPr>
-              <a:t>Output: </a:t>
-            </a:r>
-          </a:p>
-          <a:p>
-            <a:r>
-              <a:rPr lang="en-US" altLang="ja-JP" sz="726" dirty="0">
-                <a:latin typeface="Arial" panose="020B0604020202020204" pitchFamily="34" charset="0"/>
-                <a:cs typeface="Arial" panose="020B0604020202020204" pitchFamily="34" charset="0"/>
-              </a:rPr>
-              <a:t> signal into constraint block which constrains mass flow rate.</a:t>
-            </a:r>
-          </a:p>
-          <a:p>
-            <a:r>
-              <a:rPr lang="en-US" altLang="ja-JP" sz="726" dirty="0">
-                <a:latin typeface="Arial" panose="020B0604020202020204" pitchFamily="34" charset="0"/>
-                <a:cs typeface="Arial" panose="020B0604020202020204" pitchFamily="34" charset="0"/>
-              </a:rPr>
-              <a:t> The value is fixed to 2 throughout the simulation, but does not affect on mass flow rate after constraint period.</a:t>
-            </a:r>
+              <a:t> This component defines the time when mass flow rate constraint is removed and mechanical cross sectional area of nozzle throat turns from output to input.</a:t>
+            </a:r>
+            <a:endParaRPr lang="ja-JP" altLang="en-US" sz="907" dirty="0">
+              <a:latin typeface="ＭＳ Ｐゴシック" panose="020B0600070205080204" charset="-128"/>
+              <a:ea typeface="ＭＳ Ｐゴシック" panose="020B0600070205080204" charset="-128"/>
+              <a:cs typeface="Arial" panose="020B0604020202020204" pitchFamily="34" charset="0"/>
+            </a:endParaRPr>
           </a:p>
         </p:txBody>
       </p:sp>
       <p:cxnSp>
         <p:nvCxnSpPr>
-          <p:cNvPr id="10" name="直線矢印コネクタ 9"/>
+          <p:cNvPr id="13" name="直線矢印コネクタ 12"/>
           <p:cNvCxnSpPr>
-            <a:stCxn id="4" idx="1"/>
+            <a:stCxn id="12" idx="0"/>
           </p:cNvCxnSpPr>
           <p:nvPr/>
         </p:nvCxnSpPr>
         <p:spPr>
-          <a:xfrm flipH="1">
-            <a:off x="5025967" y="3140595"/>
-            <a:ext cx="479297" cy="299278"/>
+          <a:xfrm flipV="1">
+            <a:off x="4552042" y="1205888"/>
+            <a:ext cx="619862" cy="329732"/>
           </a:xfrm>
           <a:prstGeom prst="straightConnector1">
             <a:avLst/>
@@ -5755,6 +5986,194 @@
           </a:fontRef>
         </p:style>
       </p:cxnSp>
+      <p:sp>
+        <p:nvSpPr>
+          <p:cNvPr id="17" name="テキスト ボックス 16"/>
+          <p:cNvSpPr txBox="1"/>
+          <p:nvPr/>
+        </p:nvSpPr>
+        <p:spPr>
+          <a:xfrm>
+            <a:off x="7015298" y="3932574"/>
+            <a:ext cx="2326712" cy="1129079"/>
+          </a:xfrm>
+          <a:prstGeom prst="rect">
+            <a:avLst/>
+          </a:prstGeom>
+          <a:solidFill>
+            <a:srgbClr val="92D050">
+              <a:alpha val="40000"/>
+            </a:srgbClr>
+          </a:solidFill>
+          <a:ln>
+            <a:solidFill>
+              <a:schemeClr val="tx1"/>
+            </a:solidFill>
+          </a:ln>
+        </p:spPr>
+        <p:txBody>
+          <a:bodyPr wrap="square" rtlCol="0">
+            <a:noAutofit/>
+          </a:bodyPr>
+          <a:lstStyle/>
+          <a:p>
+            <a:r>
+              <a:rPr lang="en-US" altLang="ja-JP" sz="907" dirty="0">
+                <a:latin typeface="ＭＳ Ｐゴシック" panose="020B0600070205080204" charset="-128"/>
+                <a:ea typeface="ＭＳ Ｐゴシック" panose="020B0600070205080204" charset="-128"/>
+                <a:cs typeface="Arial" panose="020B0604020202020204" pitchFamily="34" charset="0"/>
+              </a:rPr>
+              <a:t> Mechanical cross sectional area of throat is calculated variable when mass flow rate is constrained. “des” marked discrete variable stores that value.</a:t>
+            </a:r>
+          </a:p>
+          <a:p>
+            <a:r>
+              <a:rPr lang="ja-JP" altLang="en-US" sz="907" dirty="0">
+                <a:latin typeface="ＭＳ Ｐゴシック" panose="020B0600070205080204" charset="-128"/>
+                <a:ea typeface="ＭＳ Ｐゴシック" panose="020B0600070205080204" charset="-128"/>
+                <a:cs typeface="Arial" panose="020B0604020202020204" pitchFamily="34" charset="0"/>
+              </a:rPr>
+              <a:t> </a:t>
+            </a:r>
+            <a:r>
+              <a:rPr lang="en-US" altLang="ja-JP" sz="907" dirty="0">
+                <a:latin typeface="ＭＳ Ｐゴシック" panose="020B0600070205080204" charset="-128"/>
+                <a:ea typeface="ＭＳ Ｐゴシック" panose="020B0600070205080204" charset="-128"/>
+                <a:cs typeface="Arial" panose="020B0604020202020204" pitchFamily="34" charset="0"/>
+              </a:rPr>
+              <a:t>After Mass flow rate constraint is removed, the value of mechanical cross sectional area is input and mass flow is calculated variable.</a:t>
+            </a:r>
+            <a:endParaRPr lang="ja-JP" altLang="en-US" sz="907" dirty="0">
+              <a:latin typeface="ＭＳ Ｐゴシック" panose="020B0600070205080204" charset="-128"/>
+              <a:ea typeface="ＭＳ Ｐゴシック" panose="020B0600070205080204" charset="-128"/>
+              <a:cs typeface="Arial" panose="020B0604020202020204" pitchFamily="34" charset="0"/>
+            </a:endParaRPr>
+          </a:p>
+        </p:txBody>
+      </p:sp>
+      <p:cxnSp>
+        <p:nvCxnSpPr>
+          <p:cNvPr id="18" name="直線矢印コネクタ 17"/>
+          <p:cNvCxnSpPr>
+            <a:stCxn id="17" idx="0"/>
+          </p:cNvCxnSpPr>
+          <p:nvPr/>
+        </p:nvCxnSpPr>
+        <p:spPr>
+          <a:xfrm flipH="1" flipV="1">
+            <a:off x="7506869" y="3539777"/>
+            <a:ext cx="671784" cy="392797"/>
+          </a:xfrm>
+          <a:prstGeom prst="straightConnector1">
+            <a:avLst/>
+          </a:prstGeom>
+          <a:ln w="12700">
+            <a:solidFill>
+              <a:schemeClr val="tx1"/>
+            </a:solidFill>
+            <a:tailEnd type="oval"/>
+          </a:ln>
+        </p:spPr>
+        <p:style>
+          <a:lnRef idx="1">
+            <a:schemeClr val="accent1"/>
+          </a:lnRef>
+          <a:fillRef idx="0">
+            <a:schemeClr val="accent1"/>
+          </a:fillRef>
+          <a:effectRef idx="0">
+            <a:schemeClr val="accent1"/>
+          </a:effectRef>
+          <a:fontRef idx="minor">
+            <a:schemeClr val="tx1"/>
+          </a:fontRef>
+        </p:style>
+      </p:cxnSp>
+      <p:cxnSp>
+        <p:nvCxnSpPr>
+          <p:cNvPr id="29" name="直線矢印コネクタ 28"/>
+          <p:cNvCxnSpPr>
+            <a:stCxn id="30" idx="3"/>
+          </p:cNvCxnSpPr>
+          <p:nvPr/>
+        </p:nvCxnSpPr>
+        <p:spPr>
+          <a:xfrm>
+            <a:off x="3718260" y="2810992"/>
+            <a:ext cx="386012" cy="176842"/>
+          </a:xfrm>
+          <a:prstGeom prst="straightConnector1">
+            <a:avLst/>
+          </a:prstGeom>
+          <a:ln w="12700">
+            <a:solidFill>
+              <a:schemeClr val="tx1"/>
+            </a:solidFill>
+            <a:tailEnd type="oval"/>
+          </a:ln>
+        </p:spPr>
+        <p:style>
+          <a:lnRef idx="1">
+            <a:schemeClr val="accent1"/>
+          </a:lnRef>
+          <a:fillRef idx="0">
+            <a:schemeClr val="accent1"/>
+          </a:fillRef>
+          <a:effectRef idx="0">
+            <a:schemeClr val="accent1"/>
+          </a:effectRef>
+          <a:fontRef idx="minor">
+            <a:schemeClr val="tx1"/>
+          </a:fontRef>
+        </p:style>
+      </p:cxnSp>
+      <p:sp>
+        <p:nvSpPr>
+          <p:cNvPr id="30" name="テキスト ボックス 29"/>
+          <p:cNvSpPr txBox="1"/>
+          <p:nvPr/>
+        </p:nvSpPr>
+        <p:spPr>
+          <a:xfrm>
+            <a:off x="1803786" y="2419455"/>
+            <a:ext cx="1914473" cy="783073"/>
+          </a:xfrm>
+          <a:prstGeom prst="rect">
+            <a:avLst/>
+          </a:prstGeom>
+          <a:solidFill>
+            <a:srgbClr val="00B0F0">
+              <a:alpha val="40000"/>
+            </a:srgbClr>
+          </a:solidFill>
+          <a:ln>
+            <a:solidFill>
+              <a:schemeClr val="tx1"/>
+            </a:solidFill>
+          </a:ln>
+        </p:spPr>
+        <p:txBody>
+          <a:bodyPr wrap="square" rtlCol="0">
+            <a:noAutofit/>
+          </a:bodyPr>
+          <a:lstStyle/>
+          <a:p>
+            <a:r>
+              <a:rPr lang="en-US" altLang="ja-JP" sz="907" dirty="0">
+                <a:latin typeface="ＭＳ Ｐゴシック" panose="020B0600070205080204" charset="-128"/>
+                <a:ea typeface="ＭＳ Ｐゴシック" panose="020B0600070205080204" charset="-128"/>
+                <a:cs typeface="Arial" panose="020B0604020202020204" pitchFamily="34" charset="0"/>
+              </a:rPr>
+              <a:t> Change upstream pressure of nozzle after remove of mass flow rate constraint in order to check constraint become invalid and area is fixed.</a:t>
+            </a:r>
+            <a:endParaRPr lang="ja-JP" altLang="en-US" sz="907" dirty="0">
+              <a:latin typeface="ＭＳ Ｐゴシック" panose="020B0600070205080204" charset="-128"/>
+              <a:ea typeface="ＭＳ Ｐゴシック" panose="020B0600070205080204" charset="-128"/>
+              <a:cs typeface="Arial" panose="020B0604020202020204" pitchFamily="34" charset="0"/>
+            </a:endParaRPr>
+          </a:p>
+        </p:txBody>
+      </p:sp>
     </p:spTree>
   </p:cSld>
   <p:clrMapOvr>
@@ -5796,26 +6215,84 @@
         </p:blipFill>
         <p:spPr>
           <a:xfrm>
-            <a:off x="2972934" y="1181188"/>
-            <a:ext cx="6531709" cy="4701167"/>
+            <a:off x="1736049" y="741702"/>
+            <a:ext cx="6531709" cy="4743336"/>
           </a:xfrm>
           <a:prstGeom prst="rect">
             <a:avLst/>
           </a:prstGeom>
         </p:spPr>
       </p:pic>
+      <p:sp>
+        <p:nvSpPr>
+          <p:cNvPr id="5" name="テキスト ボックス 4"/>
+          <p:cNvSpPr txBox="1"/>
+          <p:nvPr/>
+        </p:nvSpPr>
+        <p:spPr>
+          <a:xfrm>
+            <a:off x="2293835" y="1593288"/>
+            <a:ext cx="1914473" cy="468529"/>
+          </a:xfrm>
+          <a:prstGeom prst="rect">
+            <a:avLst/>
+          </a:prstGeom>
+          <a:solidFill>
+            <a:schemeClr val="accent5">
+              <a:lumMod val="40000"/>
+              <a:lumOff val="60000"/>
+            </a:schemeClr>
+          </a:solidFill>
+          <a:ln>
+            <a:solidFill>
+              <a:schemeClr val="tx1"/>
+            </a:solidFill>
+          </a:ln>
+        </p:spPr>
+        <p:txBody>
+          <a:bodyPr wrap="square" rtlCol="0">
+            <a:noAutofit/>
+          </a:bodyPr>
+          <a:lstStyle/>
+          <a:p>
+            <a:r>
+              <a:rPr lang="en-US" altLang="ja-JP" sz="907" dirty="0">
+                <a:latin typeface="ＭＳ Ｐゴシック" panose="020B0600070205080204" charset="-128"/>
+                <a:ea typeface="ＭＳ Ｐゴシック" panose="020B0600070205080204" charset="-128"/>
+                <a:cs typeface="Arial" panose="020B0604020202020204" pitchFamily="34" charset="0"/>
+              </a:rPr>
+              <a:t>Input: </a:t>
+            </a:r>
+          </a:p>
+          <a:p>
+            <a:r>
+              <a:rPr lang="en-US" altLang="ja-JP" sz="907" dirty="0">
+                <a:latin typeface="ＭＳ Ｐゴシック" panose="020B0600070205080204" charset="-128"/>
+                <a:ea typeface="ＭＳ Ｐゴシック" panose="020B0600070205080204" charset="-128"/>
+                <a:cs typeface="Arial" panose="020B0604020202020204" pitchFamily="34" charset="0"/>
+              </a:rPr>
+              <a:t> nozzle pressure ratio is increased</a:t>
+            </a:r>
+            <a:endParaRPr lang="ja-JP" altLang="en-US" sz="907" dirty="0">
+              <a:latin typeface="ＭＳ Ｐゴシック" panose="020B0600070205080204" charset="-128"/>
+              <a:ea typeface="ＭＳ Ｐゴシック" panose="020B0600070205080204" charset="-128"/>
+              <a:cs typeface="Arial" panose="020B0604020202020204" pitchFamily="34" charset="0"/>
+            </a:endParaRPr>
+          </a:p>
+        </p:txBody>
+      </p:sp>
       <p:cxnSp>
         <p:nvCxnSpPr>
-          <p:cNvPr id="4" name="直線矢印コネクタ 3"/>
+          <p:cNvPr id="6" name="直線矢印コネクタ 5"/>
           <p:cNvCxnSpPr>
             <a:stCxn id="5" idx="2"/>
           </p:cNvCxnSpPr>
           <p:nvPr/>
         </p:nvCxnSpPr>
         <p:spPr>
-          <a:xfrm flipH="1">
-            <a:off x="6300982" y="2849579"/>
-            <a:ext cx="374062" cy="476210"/>
+          <a:xfrm>
+            <a:off x="3251071" y="2061817"/>
+            <a:ext cx="845519" cy="767098"/>
           </a:xfrm>
           <a:prstGeom prst="straightConnector1">
             <a:avLst/>
@@ -5842,72 +6319,6 @@
           </a:fontRef>
         </p:style>
       </p:cxnSp>
-      <p:sp>
-        <p:nvSpPr>
-          <p:cNvPr id="5" name="テキスト ボックス 4"/>
-          <p:cNvSpPr txBox="1"/>
-          <p:nvPr/>
-        </p:nvSpPr>
-        <p:spPr>
-          <a:xfrm>
-            <a:off x="5635838" y="1812671"/>
-            <a:ext cx="2078412" cy="1036908"/>
-          </a:xfrm>
-          <a:prstGeom prst="rect">
-            <a:avLst/>
-          </a:prstGeom>
-          <a:solidFill>
-            <a:srgbClr val="FFFF00"/>
-          </a:solidFill>
-          <a:ln>
-            <a:solidFill>
-              <a:schemeClr val="tx1"/>
-            </a:solidFill>
-          </a:ln>
-        </p:spPr>
-        <p:txBody>
-          <a:bodyPr wrap="square" rtlCol="0">
-            <a:noAutofit/>
-          </a:bodyPr>
-          <a:lstStyle/>
-          <a:p>
-            <a:r>
-              <a:rPr lang="en-US" altLang="ja-JP" sz="726" dirty="0">
-                <a:latin typeface="Arial" panose="020B0604020202020204" pitchFamily="34" charset="0"/>
-                <a:cs typeface="Arial" panose="020B0604020202020204" pitchFamily="34" charset="0"/>
-              </a:rPr>
-              <a:t>Output: </a:t>
-            </a:r>
-          </a:p>
-          <a:p>
-            <a:r>
-              <a:rPr lang="en-US" altLang="ja-JP" sz="726" dirty="0">
-                <a:latin typeface="Arial" panose="020B0604020202020204" pitchFamily="34" charset="0"/>
-                <a:cs typeface="Arial" panose="020B0604020202020204" pitchFamily="34" charset="0"/>
-              </a:rPr>
-              <a:t> mechanical cross sectional area of nozzle throat.</a:t>
-            </a:r>
-          </a:p>
-          <a:p>
-            <a:r>
-              <a:rPr lang="en-US" altLang="ja-JP" sz="726" dirty="0">
-                <a:latin typeface="Arial" panose="020B0604020202020204" pitchFamily="34" charset="0"/>
-                <a:cs typeface="Arial" panose="020B0604020202020204" pitchFamily="34" charset="0"/>
-              </a:rPr>
-              <a:t> It is calculated as output in period of mass flow constraint, and referred as input after constraint period.</a:t>
-            </a:r>
-          </a:p>
-          <a:p>
-            <a:r>
-              <a:rPr lang="en-US" altLang="ja-JP" sz="726" dirty="0">
-                <a:latin typeface="Arial" panose="020B0604020202020204" pitchFamily="34" charset="0"/>
-                <a:cs typeface="Arial" panose="020B0604020202020204" pitchFamily="34" charset="0"/>
-              </a:rPr>
-              <a:t> Therefore, the value does not change when nozzle pressure ratio is increased. </a:t>
-            </a:r>
-          </a:p>
-        </p:txBody>
-      </p:sp>
     </p:spTree>
   </p:cSld>
   <p:clrMapOvr>

--- a/docs/Examples/Elements/BasicElements/makeFig_BasicElements.pptx
+++ b/docs/Examples/Elements/BasicElements/makeFig_BasicElements.pptx
@@ -5,21 +5,23 @@
     <p:sldMasterId id="2147483648" r:id="rId1"/>
   </p:sldMasterIdLst>
   <p:sldIdLst>
-    <p:sldId id="292" r:id="rId2"/>
-    <p:sldId id="293" r:id="rId3"/>
-    <p:sldId id="288" r:id="rId4"/>
-    <p:sldId id="289" r:id="rId5"/>
-    <p:sldId id="290" r:id="rId6"/>
-    <p:sldId id="291" r:id="rId7"/>
-    <p:sldId id="287" r:id="rId8"/>
-    <p:sldId id="283" r:id="rId9"/>
-    <p:sldId id="284" r:id="rId10"/>
-    <p:sldId id="285" r:id="rId11"/>
-    <p:sldId id="286" r:id="rId12"/>
-    <p:sldId id="282" r:id="rId13"/>
-    <p:sldId id="269" r:id="rId14"/>
-    <p:sldId id="265" r:id="rId15"/>
-    <p:sldId id="275" r:id="rId16"/>
+    <p:sldId id="294" r:id="rId2"/>
+    <p:sldId id="295" r:id="rId3"/>
+    <p:sldId id="292" r:id="rId4"/>
+    <p:sldId id="293" r:id="rId5"/>
+    <p:sldId id="288" r:id="rId6"/>
+    <p:sldId id="289" r:id="rId7"/>
+    <p:sldId id="290" r:id="rId8"/>
+    <p:sldId id="291" r:id="rId9"/>
+    <p:sldId id="287" r:id="rId10"/>
+    <p:sldId id="283" r:id="rId11"/>
+    <p:sldId id="284" r:id="rId12"/>
+    <p:sldId id="285" r:id="rId13"/>
+    <p:sldId id="286" r:id="rId14"/>
+    <p:sldId id="282" r:id="rId15"/>
+    <p:sldId id="269" r:id="rId16"/>
+    <p:sldId id="265" r:id="rId17"/>
+    <p:sldId id="275" r:id="rId18"/>
   </p:sldIdLst>
   <p:sldSz cx="12192000" cy="6858000"/>
   <p:notesSz cx="6858000" cy="9144000"/>
@@ -121,6 +123,12 @@
   <p:extLst>
     <p:ext uri="{521415D9-36F7-43E2-AB2F-B90AF26B5E84}">
       <p14:sectionLst xmlns:p14="http://schemas.microsoft.com/office/powerpoint/2010/main">
+        <p14:section name="PistonCylinderIdealOttoMV01_ex02" id="{644A4BC1-EE10-4FBE-ABE8-F8216D2FF0B8}">
+          <p14:sldIdLst>
+            <p14:sldId id="294"/>
+            <p14:sldId id="295"/>
+          </p14:sldIdLst>
+        </p14:section>
         <p14:section name="PistonCylinderIdealOttoMV00_ex03" id="{7DAB9F9C-A6F9-43D9-9E37-995EAC421FE0}">
           <p14:sldIdLst>
             <p14:sldId id="292"/>
@@ -320,7 +328,7 @@
           <a:p>
             <a:fld id="{7A42870F-4E67-46E2-8F18-B2501CC1ED92}" type="datetimeFigureOut">
               <a:rPr kumimoji="1" lang="ja-JP" altLang="en-US" smtClean="0"/>
-              <a:t>2021/2/2</a:t>
+              <a:t>2021/3/4</a:t>
             </a:fld>
             <a:endParaRPr kumimoji="1" lang="ja-JP" altLang="en-US"/>
           </a:p>
@@ -550,7 +558,7 @@
           <a:p>
             <a:fld id="{7A42870F-4E67-46E2-8F18-B2501CC1ED92}" type="datetimeFigureOut">
               <a:rPr kumimoji="1" lang="ja-JP" altLang="en-US" smtClean="0"/>
-              <a:t>2021/2/2</a:t>
+              <a:t>2021/3/4</a:t>
             </a:fld>
             <a:endParaRPr kumimoji="1" lang="ja-JP" altLang="en-US"/>
           </a:p>
@@ -790,7 +798,7 @@
           <a:p>
             <a:fld id="{7A42870F-4E67-46E2-8F18-B2501CC1ED92}" type="datetimeFigureOut">
               <a:rPr kumimoji="1" lang="ja-JP" altLang="en-US" smtClean="0"/>
-              <a:t>2021/2/2</a:t>
+              <a:t>2021/3/4</a:t>
             </a:fld>
             <a:endParaRPr kumimoji="1" lang="ja-JP" altLang="en-US"/>
           </a:p>
@@ -1110,7 +1118,7 @@
           <a:p>
             <a:fld id="{7A42870F-4E67-46E2-8F18-B2501CC1ED92}" type="datetimeFigureOut">
               <a:rPr kumimoji="1" lang="ja-JP" altLang="en-US" smtClean="0"/>
-              <a:t>2021/2/2</a:t>
+              <a:t>2021/3/4</a:t>
             </a:fld>
             <a:endParaRPr kumimoji="1" lang="ja-JP" altLang="en-US"/>
           </a:p>
@@ -1385,7 +1393,7 @@
           <a:p>
             <a:fld id="{7A42870F-4E67-46E2-8F18-B2501CC1ED92}" type="datetimeFigureOut">
               <a:rPr kumimoji="1" lang="ja-JP" altLang="en-US" smtClean="0"/>
-              <a:t>2021/2/2</a:t>
+              <a:t>2021/3/4</a:t>
             </a:fld>
             <a:endParaRPr kumimoji="1" lang="ja-JP" altLang="en-US"/>
           </a:p>
@@ -1714,7 +1722,7 @@
           <a:p>
             <a:fld id="{7A42870F-4E67-46E2-8F18-B2501CC1ED92}" type="datetimeFigureOut">
               <a:rPr kumimoji="1" lang="ja-JP" altLang="en-US" smtClean="0"/>
-              <a:t>2021/2/2</a:t>
+              <a:t>2021/3/4</a:t>
             </a:fld>
             <a:endParaRPr kumimoji="1" lang="ja-JP" altLang="en-US"/>
           </a:p>
@@ -2190,7 +2198,7 @@
           <a:p>
             <a:fld id="{7A42870F-4E67-46E2-8F18-B2501CC1ED92}" type="datetimeFigureOut">
               <a:rPr kumimoji="1" lang="ja-JP" altLang="en-US" smtClean="0"/>
-              <a:t>2021/2/2</a:t>
+              <a:t>2021/3/4</a:t>
             </a:fld>
             <a:endParaRPr kumimoji="1" lang="ja-JP" altLang="en-US"/>
           </a:p>
@@ -2331,7 +2339,7 @@
           <a:p>
             <a:fld id="{7A42870F-4E67-46E2-8F18-B2501CC1ED92}" type="datetimeFigureOut">
               <a:rPr kumimoji="1" lang="ja-JP" altLang="en-US" smtClean="0"/>
-              <a:t>2021/2/2</a:t>
+              <a:t>2021/3/4</a:t>
             </a:fld>
             <a:endParaRPr kumimoji="1" lang="ja-JP" altLang="en-US"/>
           </a:p>
@@ -2444,7 +2452,7 @@
           <a:p>
             <a:fld id="{7A42870F-4E67-46E2-8F18-B2501CC1ED92}" type="datetimeFigureOut">
               <a:rPr kumimoji="1" lang="ja-JP" altLang="en-US" smtClean="0"/>
-              <a:t>2021/2/2</a:t>
+              <a:t>2021/3/4</a:t>
             </a:fld>
             <a:endParaRPr kumimoji="1" lang="ja-JP" altLang="en-US"/>
           </a:p>
@@ -2787,7 +2795,7 @@
           <a:p>
             <a:fld id="{7A42870F-4E67-46E2-8F18-B2501CC1ED92}" type="datetimeFigureOut">
               <a:rPr kumimoji="1" lang="ja-JP" altLang="en-US" smtClean="0"/>
-              <a:t>2021/2/2</a:t>
+              <a:t>2021/3/4</a:t>
             </a:fld>
             <a:endParaRPr kumimoji="1" lang="ja-JP" altLang="en-US"/>
           </a:p>
@@ -3075,7 +3083,7 @@
           <a:p>
             <a:fld id="{7A42870F-4E67-46E2-8F18-B2501CC1ED92}" type="datetimeFigureOut">
               <a:rPr kumimoji="1" lang="ja-JP" altLang="en-US" smtClean="0"/>
-              <a:t>2021/2/2</a:t>
+              <a:t>2021/3/4</a:t>
             </a:fld>
             <a:endParaRPr kumimoji="1" lang="ja-JP" altLang="en-US"/>
           </a:p>
@@ -3348,7 +3356,7 @@
           <a:p>
             <a:fld id="{7A42870F-4E67-46E2-8F18-B2501CC1ED92}" type="datetimeFigureOut">
               <a:rPr kumimoji="1" lang="ja-JP" altLang="en-US" smtClean="0"/>
-              <a:t>2021/2/2</a:t>
+              <a:t>2021/3/4</a:t>
             </a:fld>
             <a:endParaRPr kumimoji="1" lang="ja-JP" altLang="en-US"/>
           </a:p>
@@ -3771,7 +3779,7 @@
           <p:cNvPr id="3" name="図 2">
             <a:extLst>
               <a:ext uri="{FF2B5EF4-FFF2-40B4-BE49-F238E27FC236}">
-                <a16:creationId xmlns:a16="http://schemas.microsoft.com/office/drawing/2014/main" id="{CC3C43D7-3591-4EC0-8495-AE178F8DEE06}"/>
+                <a16:creationId xmlns:a16="http://schemas.microsoft.com/office/drawing/2014/main" id="{3E309A87-3AF0-45DB-A840-39D1297E480F}"/>
               </a:ext>
             </a:extLst>
           </p:cNvPr>
@@ -3788,8 +3796,8 @@
         </p:blipFill>
         <p:spPr>
           <a:xfrm>
-            <a:off x="2043619" y="576619"/>
-            <a:ext cx="8104762" cy="5704762"/>
+            <a:off x="1291238" y="81381"/>
+            <a:ext cx="9609524" cy="6695238"/>
           </a:xfrm>
           <a:prstGeom prst="rect">
             <a:avLst/>
@@ -3799,7 +3807,7 @@
     </p:spTree>
     <p:extLst>
       <p:ext uri="{BB962C8B-B14F-4D97-AF65-F5344CB8AC3E}">
-        <p14:creationId xmlns:p14="http://schemas.microsoft.com/office/powerpoint/2010/main" val="3455510197"/>
+        <p14:creationId xmlns:p14="http://schemas.microsoft.com/office/powerpoint/2010/main" val="2026782792"/>
       </p:ext>
     </p:extLst>
   </p:cSld>
@@ -3842,8 +3850,8 @@
         </p:blipFill>
         <p:spPr>
           <a:xfrm>
-            <a:off x="2660629" y="935031"/>
-            <a:ext cx="6531709" cy="4727207"/>
+            <a:off x="3921131" y="549291"/>
+            <a:ext cx="4549439" cy="4684106"/>
           </a:xfrm>
           <a:prstGeom prst="rect">
             <a:avLst/>
@@ -3858,14 +3866,16 @@
         </p:nvSpPr>
         <p:spPr>
           <a:xfrm>
-            <a:off x="5505265" y="2811175"/>
-            <a:ext cx="1333373" cy="658838"/>
+            <a:off x="3487274" y="3997205"/>
+            <a:ext cx="1914474" cy="801624"/>
           </a:xfrm>
           <a:prstGeom prst="rect">
             <a:avLst/>
           </a:prstGeom>
           <a:solidFill>
-            <a:srgbClr val="FFFF00"/>
+            <a:srgbClr val="92D050">
+              <a:alpha val="40000"/>
+            </a:srgbClr>
           </a:solidFill>
           <a:ln>
             <a:solidFill>
@@ -3880,30 +3890,28 @@
           <a:lstStyle/>
           <a:p>
             <a:r>
-              <a:rPr lang="en-US" altLang="ja-JP" sz="726" dirty="0">
-                <a:latin typeface="Arial" panose="020B0604020202020204" pitchFamily="34" charset="0"/>
+              <a:rPr lang="en-US" altLang="ja-JP" sz="907" dirty="0">
+                <a:latin typeface="ＭＳ Ｐゴシック" panose="020B0600070205080204" charset="-128"/>
+                <a:ea typeface="ＭＳ Ｐゴシック" panose="020B0600070205080204" charset="-128"/>
                 <a:cs typeface="Arial" panose="020B0604020202020204" pitchFamily="34" charset="0"/>
               </a:rPr>
-              <a:t>Output: </a:t>
-            </a:r>
-          </a:p>
-          <a:p>
-            <a:r>
-              <a:rPr lang="en-US" altLang="ja-JP" sz="726" dirty="0">
-                <a:latin typeface="Arial" panose="020B0604020202020204" pitchFamily="34" charset="0"/>
+              <a:t> Mass flow rate signal is constrained to the value input as signal.</a:t>
+            </a:r>
+          </a:p>
+          <a:p>
+            <a:r>
+              <a:rPr lang="en-US" altLang="ja-JP" sz="907" dirty="0">
+                <a:latin typeface="ＭＳ Ｐゴシック" panose="020B0600070205080204" charset="-128"/>
+                <a:ea typeface="ＭＳ Ｐゴシック" panose="020B0600070205080204" charset="-128"/>
                 <a:cs typeface="Arial" panose="020B0604020202020204" pitchFamily="34" charset="0"/>
               </a:rPr>
-              <a:t> mass flow rate through nozzle.</a:t>
-            </a:r>
-          </a:p>
-          <a:p>
-            <a:r>
-              <a:rPr lang="en-US" altLang="ja-JP" sz="726" dirty="0">
-                <a:latin typeface="Arial" panose="020B0604020202020204" pitchFamily="34" charset="0"/>
-                <a:cs typeface="Arial" panose="020B0604020202020204" pitchFamily="34" charset="0"/>
-              </a:rPr>
-              <a:t> It is increased as nozzle pressure ratio rises.</a:t>
-            </a:r>
+              <a:t>Constraint is kept until the time which is defined by “environment” block.</a:t>
+            </a:r>
+            <a:endParaRPr lang="ja-JP" altLang="en-US" sz="907" dirty="0">
+              <a:latin typeface="ＭＳ Ｐゴシック" panose="020B0600070205080204" charset="-128"/>
+              <a:ea typeface="ＭＳ Ｐゴシック" panose="020B0600070205080204" charset="-128"/>
+              <a:cs typeface="Arial" panose="020B0604020202020204" pitchFamily="34" charset="0"/>
+            </a:endParaRPr>
           </a:p>
         </p:txBody>
       </p:sp>
@@ -3911,14 +3919,14 @@
         <p:nvCxnSpPr>
           <p:cNvPr id="5" name="直線矢印コネクタ 4"/>
           <p:cNvCxnSpPr>
-            <a:stCxn id="7" idx="2"/>
+            <a:stCxn id="4" idx="3"/>
           </p:cNvCxnSpPr>
           <p:nvPr/>
         </p:nvCxnSpPr>
         <p:spPr>
-          <a:xfrm flipH="1">
-            <a:off x="6546768" y="4708334"/>
-            <a:ext cx="374062" cy="576060"/>
+          <a:xfrm flipV="1">
+            <a:off x="5401747" y="4186039"/>
+            <a:ext cx="607364" cy="211978"/>
           </a:xfrm>
           <a:prstGeom prst="straightConnector1">
             <a:avLst/>
@@ -3947,20 +3955,22 @@
       </p:cxnSp>
       <p:sp>
         <p:nvSpPr>
-          <p:cNvPr id="7" name="テキスト ボックス 6"/>
+          <p:cNvPr id="12" name="テキスト ボックス 11"/>
           <p:cNvSpPr txBox="1"/>
           <p:nvPr/>
         </p:nvSpPr>
         <p:spPr>
           <a:xfrm>
-            <a:off x="5881624" y="3871127"/>
-            <a:ext cx="2078412" cy="837207"/>
+            <a:off x="3594805" y="1535620"/>
+            <a:ext cx="1914474" cy="801624"/>
           </a:xfrm>
           <a:prstGeom prst="rect">
             <a:avLst/>
           </a:prstGeom>
           <a:solidFill>
-            <a:srgbClr val="FFFF00"/>
+            <a:srgbClr val="92D050">
+              <a:alpha val="40000"/>
+            </a:srgbClr>
           </a:solidFill>
           <a:ln>
             <a:solidFill>
@@ -3975,45 +3985,33 @@
           <a:lstStyle/>
           <a:p>
             <a:r>
-              <a:rPr lang="en-US" altLang="ja-JP" sz="726" dirty="0">
-                <a:latin typeface="Arial" panose="020B0604020202020204" pitchFamily="34" charset="0"/>
+              <a:rPr lang="en-US" altLang="ja-JP" sz="907" dirty="0">
+                <a:latin typeface="ＭＳ Ｐゴシック" panose="020B0600070205080204" charset="-128"/>
+                <a:ea typeface="ＭＳ Ｐゴシック" panose="020B0600070205080204" charset="-128"/>
                 <a:cs typeface="Arial" panose="020B0604020202020204" pitchFamily="34" charset="0"/>
               </a:rPr>
-              <a:t>Output: </a:t>
-            </a:r>
-          </a:p>
-          <a:p>
-            <a:r>
-              <a:rPr lang="en-US" altLang="ja-JP" sz="726" dirty="0">
-                <a:latin typeface="Arial" panose="020B0604020202020204" pitchFamily="34" charset="0"/>
-                <a:cs typeface="Arial" panose="020B0604020202020204" pitchFamily="34" charset="0"/>
-              </a:rPr>
-              <a:t> signal into constraint block which constrains mass flow rate.</a:t>
-            </a:r>
-          </a:p>
-          <a:p>
-            <a:r>
-              <a:rPr lang="en-US" altLang="ja-JP" sz="726" dirty="0">
-                <a:latin typeface="Arial" panose="020B0604020202020204" pitchFamily="34" charset="0"/>
-                <a:cs typeface="Arial" panose="020B0604020202020204" pitchFamily="34" charset="0"/>
-              </a:rPr>
-              <a:t> The value is fixed to 2 throughout the simulation, but does not affect on mass flow rate after constraint period.</a:t>
-            </a:r>
+              <a:t> This component defines the time when mass flow rate constraint is removed and mechanical cross sectional area of nozzle throat turns from output to input.</a:t>
+            </a:r>
+            <a:endParaRPr lang="ja-JP" altLang="en-US" sz="907" dirty="0">
+              <a:latin typeface="ＭＳ Ｐゴシック" panose="020B0600070205080204" charset="-128"/>
+              <a:ea typeface="ＭＳ Ｐゴシック" panose="020B0600070205080204" charset="-128"/>
+              <a:cs typeface="Arial" panose="020B0604020202020204" pitchFamily="34" charset="0"/>
+            </a:endParaRPr>
           </a:p>
         </p:txBody>
       </p:sp>
       <p:cxnSp>
         <p:nvCxnSpPr>
-          <p:cNvPr id="10" name="直線矢印コネクタ 9"/>
+          <p:cNvPr id="13" name="直線矢印コネクタ 12"/>
           <p:cNvCxnSpPr>
-            <a:stCxn id="4" idx="1"/>
+            <a:stCxn id="12" idx="0"/>
           </p:cNvCxnSpPr>
           <p:nvPr/>
         </p:nvCxnSpPr>
         <p:spPr>
-          <a:xfrm flipH="1">
-            <a:off x="5025967" y="3140595"/>
-            <a:ext cx="479297" cy="299278"/>
+          <a:xfrm flipV="1">
+            <a:off x="4552042" y="1205888"/>
+            <a:ext cx="619862" cy="329732"/>
           </a:xfrm>
           <a:prstGeom prst="straightConnector1">
             <a:avLst/>
@@ -4040,6 +4038,194 @@
           </a:fontRef>
         </p:style>
       </p:cxnSp>
+      <p:sp>
+        <p:nvSpPr>
+          <p:cNvPr id="17" name="テキスト ボックス 16"/>
+          <p:cNvSpPr txBox="1"/>
+          <p:nvPr/>
+        </p:nvSpPr>
+        <p:spPr>
+          <a:xfrm>
+            <a:off x="7015298" y="3932574"/>
+            <a:ext cx="2326712" cy="1129079"/>
+          </a:xfrm>
+          <a:prstGeom prst="rect">
+            <a:avLst/>
+          </a:prstGeom>
+          <a:solidFill>
+            <a:srgbClr val="92D050">
+              <a:alpha val="40000"/>
+            </a:srgbClr>
+          </a:solidFill>
+          <a:ln>
+            <a:solidFill>
+              <a:schemeClr val="tx1"/>
+            </a:solidFill>
+          </a:ln>
+        </p:spPr>
+        <p:txBody>
+          <a:bodyPr wrap="square" rtlCol="0">
+            <a:noAutofit/>
+          </a:bodyPr>
+          <a:lstStyle/>
+          <a:p>
+            <a:r>
+              <a:rPr lang="en-US" altLang="ja-JP" sz="907" dirty="0">
+                <a:latin typeface="ＭＳ Ｐゴシック" panose="020B0600070205080204" charset="-128"/>
+                <a:ea typeface="ＭＳ Ｐゴシック" panose="020B0600070205080204" charset="-128"/>
+                <a:cs typeface="Arial" panose="020B0604020202020204" pitchFamily="34" charset="0"/>
+              </a:rPr>
+              <a:t> Mechanical cross sectional area of throat is calculated variable when mass flow rate is constrained. “des” marked discrete variable stores that value.</a:t>
+            </a:r>
+          </a:p>
+          <a:p>
+            <a:r>
+              <a:rPr lang="ja-JP" altLang="en-US" sz="907" dirty="0">
+                <a:latin typeface="ＭＳ Ｐゴシック" panose="020B0600070205080204" charset="-128"/>
+                <a:ea typeface="ＭＳ Ｐゴシック" panose="020B0600070205080204" charset="-128"/>
+                <a:cs typeface="Arial" panose="020B0604020202020204" pitchFamily="34" charset="0"/>
+              </a:rPr>
+              <a:t> </a:t>
+            </a:r>
+            <a:r>
+              <a:rPr lang="en-US" altLang="ja-JP" sz="907" dirty="0">
+                <a:latin typeface="ＭＳ Ｐゴシック" panose="020B0600070205080204" charset="-128"/>
+                <a:ea typeface="ＭＳ Ｐゴシック" panose="020B0600070205080204" charset="-128"/>
+                <a:cs typeface="Arial" panose="020B0604020202020204" pitchFamily="34" charset="0"/>
+              </a:rPr>
+              <a:t>After Mass flow rate constraint is removed, the value of mechanical cross sectional area is input and mass flow is calculated variable.</a:t>
+            </a:r>
+            <a:endParaRPr lang="ja-JP" altLang="en-US" sz="907" dirty="0">
+              <a:latin typeface="ＭＳ Ｐゴシック" panose="020B0600070205080204" charset="-128"/>
+              <a:ea typeface="ＭＳ Ｐゴシック" panose="020B0600070205080204" charset="-128"/>
+              <a:cs typeface="Arial" panose="020B0604020202020204" pitchFamily="34" charset="0"/>
+            </a:endParaRPr>
+          </a:p>
+        </p:txBody>
+      </p:sp>
+      <p:cxnSp>
+        <p:nvCxnSpPr>
+          <p:cNvPr id="18" name="直線矢印コネクタ 17"/>
+          <p:cNvCxnSpPr>
+            <a:stCxn id="17" idx="0"/>
+          </p:cNvCxnSpPr>
+          <p:nvPr/>
+        </p:nvCxnSpPr>
+        <p:spPr>
+          <a:xfrm flipH="1" flipV="1">
+            <a:off x="7506869" y="3539777"/>
+            <a:ext cx="671784" cy="392797"/>
+          </a:xfrm>
+          <a:prstGeom prst="straightConnector1">
+            <a:avLst/>
+          </a:prstGeom>
+          <a:ln w="12700">
+            <a:solidFill>
+              <a:schemeClr val="tx1"/>
+            </a:solidFill>
+            <a:tailEnd type="oval"/>
+          </a:ln>
+        </p:spPr>
+        <p:style>
+          <a:lnRef idx="1">
+            <a:schemeClr val="accent1"/>
+          </a:lnRef>
+          <a:fillRef idx="0">
+            <a:schemeClr val="accent1"/>
+          </a:fillRef>
+          <a:effectRef idx="0">
+            <a:schemeClr val="accent1"/>
+          </a:effectRef>
+          <a:fontRef idx="minor">
+            <a:schemeClr val="tx1"/>
+          </a:fontRef>
+        </p:style>
+      </p:cxnSp>
+      <p:cxnSp>
+        <p:nvCxnSpPr>
+          <p:cNvPr id="29" name="直線矢印コネクタ 28"/>
+          <p:cNvCxnSpPr>
+            <a:stCxn id="30" idx="3"/>
+          </p:cNvCxnSpPr>
+          <p:nvPr/>
+        </p:nvCxnSpPr>
+        <p:spPr>
+          <a:xfrm>
+            <a:off x="3718260" y="2810992"/>
+            <a:ext cx="386012" cy="176842"/>
+          </a:xfrm>
+          <a:prstGeom prst="straightConnector1">
+            <a:avLst/>
+          </a:prstGeom>
+          <a:ln w="12700">
+            <a:solidFill>
+              <a:schemeClr val="tx1"/>
+            </a:solidFill>
+            <a:tailEnd type="oval"/>
+          </a:ln>
+        </p:spPr>
+        <p:style>
+          <a:lnRef idx="1">
+            <a:schemeClr val="accent1"/>
+          </a:lnRef>
+          <a:fillRef idx="0">
+            <a:schemeClr val="accent1"/>
+          </a:fillRef>
+          <a:effectRef idx="0">
+            <a:schemeClr val="accent1"/>
+          </a:effectRef>
+          <a:fontRef idx="minor">
+            <a:schemeClr val="tx1"/>
+          </a:fontRef>
+        </p:style>
+      </p:cxnSp>
+      <p:sp>
+        <p:nvSpPr>
+          <p:cNvPr id="30" name="テキスト ボックス 29"/>
+          <p:cNvSpPr txBox="1"/>
+          <p:nvPr/>
+        </p:nvSpPr>
+        <p:spPr>
+          <a:xfrm>
+            <a:off x="1803786" y="2419455"/>
+            <a:ext cx="1914473" cy="783073"/>
+          </a:xfrm>
+          <a:prstGeom prst="rect">
+            <a:avLst/>
+          </a:prstGeom>
+          <a:solidFill>
+            <a:srgbClr val="00B0F0">
+              <a:alpha val="40000"/>
+            </a:srgbClr>
+          </a:solidFill>
+          <a:ln>
+            <a:solidFill>
+              <a:schemeClr val="tx1"/>
+            </a:solidFill>
+          </a:ln>
+        </p:spPr>
+        <p:txBody>
+          <a:bodyPr wrap="square" rtlCol="0">
+            <a:noAutofit/>
+          </a:bodyPr>
+          <a:lstStyle/>
+          <a:p>
+            <a:r>
+              <a:rPr lang="en-US" altLang="ja-JP" sz="907" dirty="0">
+                <a:latin typeface="ＭＳ Ｐゴシック" panose="020B0600070205080204" charset="-128"/>
+                <a:ea typeface="ＭＳ Ｐゴシック" panose="020B0600070205080204" charset="-128"/>
+                <a:cs typeface="Arial" panose="020B0604020202020204" pitchFamily="34" charset="0"/>
+              </a:rPr>
+              <a:t> Change upstream pressure of nozzle after remove of mass flow rate constraint in order to check constraint become invalid and area is fixed.</a:t>
+            </a:r>
+            <a:endParaRPr lang="ja-JP" altLang="en-US" sz="907" dirty="0">
+              <a:latin typeface="ＭＳ Ｐゴシック" panose="020B0600070205080204" charset="-128"/>
+              <a:ea typeface="ＭＳ Ｐゴシック" panose="020B0600070205080204" charset="-128"/>
+              <a:cs typeface="Arial" panose="020B0604020202020204" pitchFamily="34" charset="0"/>
+            </a:endParaRPr>
+          </a:p>
+        </p:txBody>
+      </p:sp>
     </p:spTree>
   </p:cSld>
   <p:clrMapOvr>
@@ -4081,26 +4267,84 @@
         </p:blipFill>
         <p:spPr>
           <a:xfrm>
-            <a:off x="2972934" y="1181188"/>
-            <a:ext cx="6531709" cy="4701167"/>
+            <a:off x="1736049" y="741702"/>
+            <a:ext cx="6531709" cy="4743336"/>
           </a:xfrm>
           <a:prstGeom prst="rect">
             <a:avLst/>
           </a:prstGeom>
         </p:spPr>
       </p:pic>
+      <p:sp>
+        <p:nvSpPr>
+          <p:cNvPr id="5" name="テキスト ボックス 4"/>
+          <p:cNvSpPr txBox="1"/>
+          <p:nvPr/>
+        </p:nvSpPr>
+        <p:spPr>
+          <a:xfrm>
+            <a:off x="2293835" y="1593288"/>
+            <a:ext cx="1914473" cy="468529"/>
+          </a:xfrm>
+          <a:prstGeom prst="rect">
+            <a:avLst/>
+          </a:prstGeom>
+          <a:solidFill>
+            <a:schemeClr val="accent5">
+              <a:lumMod val="40000"/>
+              <a:lumOff val="60000"/>
+            </a:schemeClr>
+          </a:solidFill>
+          <a:ln>
+            <a:solidFill>
+              <a:schemeClr val="tx1"/>
+            </a:solidFill>
+          </a:ln>
+        </p:spPr>
+        <p:txBody>
+          <a:bodyPr wrap="square" rtlCol="0">
+            <a:noAutofit/>
+          </a:bodyPr>
+          <a:lstStyle/>
+          <a:p>
+            <a:r>
+              <a:rPr lang="en-US" altLang="ja-JP" sz="907" dirty="0">
+                <a:latin typeface="ＭＳ Ｐゴシック" panose="020B0600070205080204" charset="-128"/>
+                <a:ea typeface="ＭＳ Ｐゴシック" panose="020B0600070205080204" charset="-128"/>
+                <a:cs typeface="Arial" panose="020B0604020202020204" pitchFamily="34" charset="0"/>
+              </a:rPr>
+              <a:t>Input: </a:t>
+            </a:r>
+          </a:p>
+          <a:p>
+            <a:r>
+              <a:rPr lang="en-US" altLang="ja-JP" sz="907" dirty="0">
+                <a:latin typeface="ＭＳ Ｐゴシック" panose="020B0600070205080204" charset="-128"/>
+                <a:ea typeface="ＭＳ Ｐゴシック" panose="020B0600070205080204" charset="-128"/>
+                <a:cs typeface="Arial" panose="020B0604020202020204" pitchFamily="34" charset="0"/>
+              </a:rPr>
+              <a:t> nozzle pressure ratio is increased</a:t>
+            </a:r>
+            <a:endParaRPr lang="ja-JP" altLang="en-US" sz="907" dirty="0">
+              <a:latin typeface="ＭＳ Ｐゴシック" panose="020B0600070205080204" charset="-128"/>
+              <a:ea typeface="ＭＳ Ｐゴシック" panose="020B0600070205080204" charset="-128"/>
+              <a:cs typeface="Arial" panose="020B0604020202020204" pitchFamily="34" charset="0"/>
+            </a:endParaRPr>
+          </a:p>
+        </p:txBody>
+      </p:sp>
       <p:cxnSp>
         <p:nvCxnSpPr>
-          <p:cNvPr id="4" name="直線矢印コネクタ 3"/>
+          <p:cNvPr id="6" name="直線矢印コネクタ 5"/>
           <p:cNvCxnSpPr>
             <a:stCxn id="5" idx="2"/>
           </p:cNvCxnSpPr>
           <p:nvPr/>
         </p:nvCxnSpPr>
         <p:spPr>
-          <a:xfrm flipH="1">
-            <a:off x="6300982" y="2849579"/>
-            <a:ext cx="374062" cy="476210"/>
+          <a:xfrm>
+            <a:off x="3251071" y="2061817"/>
+            <a:ext cx="845519" cy="767098"/>
           </a:xfrm>
           <a:prstGeom prst="straightConnector1">
             <a:avLst/>
@@ -4127,72 +4371,6 @@
           </a:fontRef>
         </p:style>
       </p:cxnSp>
-      <p:sp>
-        <p:nvSpPr>
-          <p:cNvPr id="5" name="テキスト ボックス 4"/>
-          <p:cNvSpPr txBox="1"/>
-          <p:nvPr/>
-        </p:nvSpPr>
-        <p:spPr>
-          <a:xfrm>
-            <a:off x="5635838" y="1812671"/>
-            <a:ext cx="2078412" cy="1036908"/>
-          </a:xfrm>
-          <a:prstGeom prst="rect">
-            <a:avLst/>
-          </a:prstGeom>
-          <a:solidFill>
-            <a:srgbClr val="FFFF00"/>
-          </a:solidFill>
-          <a:ln>
-            <a:solidFill>
-              <a:schemeClr val="tx1"/>
-            </a:solidFill>
-          </a:ln>
-        </p:spPr>
-        <p:txBody>
-          <a:bodyPr wrap="square" rtlCol="0">
-            <a:noAutofit/>
-          </a:bodyPr>
-          <a:lstStyle/>
-          <a:p>
-            <a:r>
-              <a:rPr lang="en-US" altLang="ja-JP" sz="726" dirty="0">
-                <a:latin typeface="Arial" panose="020B0604020202020204" pitchFamily="34" charset="0"/>
-                <a:cs typeface="Arial" panose="020B0604020202020204" pitchFamily="34" charset="0"/>
-              </a:rPr>
-              <a:t>Output: </a:t>
-            </a:r>
-          </a:p>
-          <a:p>
-            <a:r>
-              <a:rPr lang="en-US" altLang="ja-JP" sz="726" dirty="0">
-                <a:latin typeface="Arial" panose="020B0604020202020204" pitchFamily="34" charset="0"/>
-                <a:cs typeface="Arial" panose="020B0604020202020204" pitchFamily="34" charset="0"/>
-              </a:rPr>
-              <a:t> mechanical cross sectional area of nozzle throat.</a:t>
-            </a:r>
-          </a:p>
-          <a:p>
-            <a:r>
-              <a:rPr lang="en-US" altLang="ja-JP" sz="726" dirty="0">
-                <a:latin typeface="Arial" panose="020B0604020202020204" pitchFamily="34" charset="0"/>
-                <a:cs typeface="Arial" panose="020B0604020202020204" pitchFamily="34" charset="0"/>
-              </a:rPr>
-              <a:t> It is calculated as output in period of mass flow constraint, and referred as input after constraint period.</a:t>
-            </a:r>
-          </a:p>
-          <a:p>
-            <a:r>
-              <a:rPr lang="en-US" altLang="ja-JP" sz="726" dirty="0">
-                <a:latin typeface="Arial" panose="020B0604020202020204" pitchFamily="34" charset="0"/>
-                <a:cs typeface="Arial" panose="020B0604020202020204" pitchFamily="34" charset="0"/>
-              </a:rPr>
-              <a:t> Therefore, the value does not change when nozzle pressure ratio is increased. </a:t>
-            </a:r>
-          </a:p>
-        </p:txBody>
-      </p:sp>
     </p:spTree>
   </p:cSld>
   <p:clrMapOvr>
@@ -4220,7 +4398,7 @@
       </p:grpSpPr>
       <p:pic>
         <p:nvPicPr>
-          <p:cNvPr id="2" name="図 1"/>
+          <p:cNvPr id="3" name="図 2"/>
           <p:cNvPicPr>
             <a:picLocks noChangeAspect="1"/>
           </p:cNvPicPr>
@@ -4234,38 +4412,204 @@
         </p:blipFill>
         <p:spPr>
           <a:xfrm>
-            <a:off x="1523520" y="1"/>
-            <a:ext cx="4072260" cy="3852797"/>
+            <a:off x="2660629" y="935031"/>
+            <a:ext cx="6531709" cy="4727207"/>
           </a:xfrm>
           <a:prstGeom prst="rect">
             <a:avLst/>
           </a:prstGeom>
         </p:spPr>
       </p:pic>
-      <p:pic>
-        <p:nvPicPr>
-          <p:cNvPr id="3" name="図 2"/>
-          <p:cNvPicPr>
-            <a:picLocks noChangeAspect="1"/>
-          </p:cNvPicPr>
+      <p:sp>
+        <p:nvSpPr>
+          <p:cNvPr id="4" name="テキスト ボックス 3"/>
+          <p:cNvSpPr txBox="1"/>
           <p:nvPr/>
-        </p:nvPicPr>
-        <p:blipFill>
-          <a:blip r:embed="rId3"/>
-          <a:stretch>
-            <a:fillRect/>
-          </a:stretch>
-        </p:blipFill>
-        <p:spPr>
-          <a:xfrm>
-            <a:off x="5778102" y="2799793"/>
-            <a:ext cx="4818435" cy="3852797"/>
+        </p:nvSpPr>
+        <p:spPr>
+          <a:xfrm>
+            <a:off x="5505265" y="2811175"/>
+            <a:ext cx="1333373" cy="658838"/>
           </a:xfrm>
           <a:prstGeom prst="rect">
             <a:avLst/>
           </a:prstGeom>
-        </p:spPr>
-      </p:pic>
+          <a:solidFill>
+            <a:srgbClr val="FFFF00"/>
+          </a:solidFill>
+          <a:ln>
+            <a:solidFill>
+              <a:schemeClr val="tx1"/>
+            </a:solidFill>
+          </a:ln>
+        </p:spPr>
+        <p:txBody>
+          <a:bodyPr wrap="square" rtlCol="0">
+            <a:noAutofit/>
+          </a:bodyPr>
+          <a:lstStyle/>
+          <a:p>
+            <a:r>
+              <a:rPr lang="en-US" altLang="ja-JP" sz="726" dirty="0">
+                <a:latin typeface="Arial" panose="020B0604020202020204" pitchFamily="34" charset="0"/>
+                <a:cs typeface="Arial" panose="020B0604020202020204" pitchFamily="34" charset="0"/>
+              </a:rPr>
+              <a:t>Output: </a:t>
+            </a:r>
+          </a:p>
+          <a:p>
+            <a:r>
+              <a:rPr lang="en-US" altLang="ja-JP" sz="726" dirty="0">
+                <a:latin typeface="Arial" panose="020B0604020202020204" pitchFamily="34" charset="0"/>
+                <a:cs typeface="Arial" panose="020B0604020202020204" pitchFamily="34" charset="0"/>
+              </a:rPr>
+              <a:t> mass flow rate through nozzle.</a:t>
+            </a:r>
+          </a:p>
+          <a:p>
+            <a:r>
+              <a:rPr lang="en-US" altLang="ja-JP" sz="726" dirty="0">
+                <a:latin typeface="Arial" panose="020B0604020202020204" pitchFamily="34" charset="0"/>
+                <a:cs typeface="Arial" panose="020B0604020202020204" pitchFamily="34" charset="0"/>
+              </a:rPr>
+              <a:t> It is increased as nozzle pressure ratio rises.</a:t>
+            </a:r>
+          </a:p>
+        </p:txBody>
+      </p:sp>
+      <p:cxnSp>
+        <p:nvCxnSpPr>
+          <p:cNvPr id="5" name="直線矢印コネクタ 4"/>
+          <p:cNvCxnSpPr>
+            <a:stCxn id="7" idx="2"/>
+          </p:cNvCxnSpPr>
+          <p:nvPr/>
+        </p:nvCxnSpPr>
+        <p:spPr>
+          <a:xfrm flipH="1">
+            <a:off x="6546768" y="4708334"/>
+            <a:ext cx="374062" cy="576060"/>
+          </a:xfrm>
+          <a:prstGeom prst="straightConnector1">
+            <a:avLst/>
+          </a:prstGeom>
+          <a:ln w="12700">
+            <a:solidFill>
+              <a:schemeClr val="tx1"/>
+            </a:solidFill>
+            <a:tailEnd type="oval"/>
+          </a:ln>
+        </p:spPr>
+        <p:style>
+          <a:lnRef idx="1">
+            <a:schemeClr val="accent1"/>
+          </a:lnRef>
+          <a:fillRef idx="0">
+            <a:schemeClr val="accent1"/>
+          </a:fillRef>
+          <a:effectRef idx="0">
+            <a:schemeClr val="accent1"/>
+          </a:effectRef>
+          <a:fontRef idx="minor">
+            <a:schemeClr val="tx1"/>
+          </a:fontRef>
+        </p:style>
+      </p:cxnSp>
+      <p:sp>
+        <p:nvSpPr>
+          <p:cNvPr id="7" name="テキスト ボックス 6"/>
+          <p:cNvSpPr txBox="1"/>
+          <p:nvPr/>
+        </p:nvSpPr>
+        <p:spPr>
+          <a:xfrm>
+            <a:off x="5881624" y="3871127"/>
+            <a:ext cx="2078412" cy="837207"/>
+          </a:xfrm>
+          <a:prstGeom prst="rect">
+            <a:avLst/>
+          </a:prstGeom>
+          <a:solidFill>
+            <a:srgbClr val="FFFF00"/>
+          </a:solidFill>
+          <a:ln>
+            <a:solidFill>
+              <a:schemeClr val="tx1"/>
+            </a:solidFill>
+          </a:ln>
+        </p:spPr>
+        <p:txBody>
+          <a:bodyPr wrap="square" rtlCol="0">
+            <a:noAutofit/>
+          </a:bodyPr>
+          <a:lstStyle/>
+          <a:p>
+            <a:r>
+              <a:rPr lang="en-US" altLang="ja-JP" sz="726" dirty="0">
+                <a:latin typeface="Arial" panose="020B0604020202020204" pitchFamily="34" charset="0"/>
+                <a:cs typeface="Arial" panose="020B0604020202020204" pitchFamily="34" charset="0"/>
+              </a:rPr>
+              <a:t>Output: </a:t>
+            </a:r>
+          </a:p>
+          <a:p>
+            <a:r>
+              <a:rPr lang="en-US" altLang="ja-JP" sz="726" dirty="0">
+                <a:latin typeface="Arial" panose="020B0604020202020204" pitchFamily="34" charset="0"/>
+                <a:cs typeface="Arial" panose="020B0604020202020204" pitchFamily="34" charset="0"/>
+              </a:rPr>
+              <a:t> signal into constraint block which constrains mass flow rate.</a:t>
+            </a:r>
+          </a:p>
+          <a:p>
+            <a:r>
+              <a:rPr lang="en-US" altLang="ja-JP" sz="726" dirty="0">
+                <a:latin typeface="Arial" panose="020B0604020202020204" pitchFamily="34" charset="0"/>
+                <a:cs typeface="Arial" panose="020B0604020202020204" pitchFamily="34" charset="0"/>
+              </a:rPr>
+              <a:t> The value is fixed to 2 throughout the simulation, but does not affect on mass flow rate after constraint period.</a:t>
+            </a:r>
+          </a:p>
+        </p:txBody>
+      </p:sp>
+      <p:cxnSp>
+        <p:nvCxnSpPr>
+          <p:cNvPr id="10" name="直線矢印コネクタ 9"/>
+          <p:cNvCxnSpPr>
+            <a:stCxn id="4" idx="1"/>
+          </p:cNvCxnSpPr>
+          <p:nvPr/>
+        </p:nvCxnSpPr>
+        <p:spPr>
+          <a:xfrm flipH="1">
+            <a:off x="5025967" y="3140595"/>
+            <a:ext cx="479297" cy="299278"/>
+          </a:xfrm>
+          <a:prstGeom prst="straightConnector1">
+            <a:avLst/>
+          </a:prstGeom>
+          <a:ln w="12700">
+            <a:solidFill>
+              <a:schemeClr val="tx1"/>
+            </a:solidFill>
+            <a:tailEnd type="oval"/>
+          </a:ln>
+        </p:spPr>
+        <p:style>
+          <a:lnRef idx="1">
+            <a:schemeClr val="accent1"/>
+          </a:lnRef>
+          <a:fillRef idx="0">
+            <a:schemeClr val="accent1"/>
+          </a:fillRef>
+          <a:effectRef idx="0">
+            <a:schemeClr val="accent1"/>
+          </a:effectRef>
+          <a:fontRef idx="minor">
+            <a:schemeClr val="tx1"/>
+          </a:fontRef>
+        </p:style>
+      </p:cxnSp>
     </p:spTree>
   </p:cSld>
   <p:clrMapOvr>
@@ -4293,7 +4637,7 @@
       </p:grpSpPr>
       <p:pic>
         <p:nvPicPr>
-          <p:cNvPr id="2" name="図 1"/>
+          <p:cNvPr id="3" name="図 2"/>
           <p:cNvPicPr>
             <a:picLocks noChangeAspect="1"/>
           </p:cNvPicPr>
@@ -4307,38 +4651,118 @@
         </p:blipFill>
         <p:spPr>
           <a:xfrm>
-            <a:off x="1523520" y="1"/>
-            <a:ext cx="4147895" cy="5011230"/>
+            <a:off x="2972934" y="1181188"/>
+            <a:ext cx="6531709" cy="4701167"/>
           </a:xfrm>
           <a:prstGeom prst="rect">
             <a:avLst/>
           </a:prstGeom>
         </p:spPr>
       </p:pic>
-      <p:pic>
-        <p:nvPicPr>
-          <p:cNvPr id="3" name="図 2"/>
-          <p:cNvPicPr>
-            <a:picLocks noChangeAspect="1"/>
-          </p:cNvPicPr>
+      <p:cxnSp>
+        <p:nvCxnSpPr>
+          <p:cNvPr id="4" name="直線矢印コネクタ 3"/>
+          <p:cNvCxnSpPr>
+            <a:stCxn id="5" idx="2"/>
+          </p:cNvCxnSpPr>
           <p:nvPr/>
-        </p:nvPicPr>
-        <p:blipFill>
-          <a:blip r:embed="rId3"/>
-          <a:stretch>
-            <a:fillRect/>
-          </a:stretch>
-        </p:blipFill>
-        <p:spPr>
-          <a:xfrm>
-            <a:off x="5880937" y="2379051"/>
-            <a:ext cx="4673686" cy="4478949"/>
+        </p:nvCxnSpPr>
+        <p:spPr>
+          <a:xfrm flipH="1">
+            <a:off x="6300982" y="2849579"/>
+            <a:ext cx="374062" cy="476210"/>
+          </a:xfrm>
+          <a:prstGeom prst="straightConnector1">
+            <a:avLst/>
+          </a:prstGeom>
+          <a:ln w="12700">
+            <a:solidFill>
+              <a:schemeClr val="tx1"/>
+            </a:solidFill>
+            <a:tailEnd type="oval"/>
+          </a:ln>
+        </p:spPr>
+        <p:style>
+          <a:lnRef idx="1">
+            <a:schemeClr val="accent1"/>
+          </a:lnRef>
+          <a:fillRef idx="0">
+            <a:schemeClr val="accent1"/>
+          </a:fillRef>
+          <a:effectRef idx="0">
+            <a:schemeClr val="accent1"/>
+          </a:effectRef>
+          <a:fontRef idx="minor">
+            <a:schemeClr val="tx1"/>
+          </a:fontRef>
+        </p:style>
+      </p:cxnSp>
+      <p:sp>
+        <p:nvSpPr>
+          <p:cNvPr id="5" name="テキスト ボックス 4"/>
+          <p:cNvSpPr txBox="1"/>
+          <p:nvPr/>
+        </p:nvSpPr>
+        <p:spPr>
+          <a:xfrm>
+            <a:off x="5635838" y="1812671"/>
+            <a:ext cx="2078412" cy="1036908"/>
           </a:xfrm>
           <a:prstGeom prst="rect">
             <a:avLst/>
           </a:prstGeom>
-        </p:spPr>
-      </p:pic>
+          <a:solidFill>
+            <a:srgbClr val="FFFF00"/>
+          </a:solidFill>
+          <a:ln>
+            <a:solidFill>
+              <a:schemeClr val="tx1"/>
+            </a:solidFill>
+          </a:ln>
+        </p:spPr>
+        <p:txBody>
+          <a:bodyPr wrap="square" rtlCol="0">
+            <a:noAutofit/>
+          </a:bodyPr>
+          <a:lstStyle/>
+          <a:p>
+            <a:r>
+              <a:rPr lang="en-US" altLang="ja-JP" sz="726" dirty="0">
+                <a:latin typeface="Arial" panose="020B0604020202020204" pitchFamily="34" charset="0"/>
+                <a:cs typeface="Arial" panose="020B0604020202020204" pitchFamily="34" charset="0"/>
+              </a:rPr>
+              <a:t>Output: </a:t>
+            </a:r>
+          </a:p>
+          <a:p>
+            <a:r>
+              <a:rPr lang="en-US" altLang="ja-JP" sz="726" dirty="0">
+                <a:latin typeface="Arial" panose="020B0604020202020204" pitchFamily="34" charset="0"/>
+                <a:cs typeface="Arial" panose="020B0604020202020204" pitchFamily="34" charset="0"/>
+              </a:rPr>
+              <a:t> mechanical cross sectional area of nozzle throat.</a:t>
+            </a:r>
+          </a:p>
+          <a:p>
+            <a:r>
+              <a:rPr lang="en-US" altLang="ja-JP" sz="726" dirty="0">
+                <a:latin typeface="Arial" panose="020B0604020202020204" pitchFamily="34" charset="0"/>
+                <a:cs typeface="Arial" panose="020B0604020202020204" pitchFamily="34" charset="0"/>
+              </a:rPr>
+              <a:t> It is calculated as output in period of mass flow constraint, and referred as input after constraint period.</a:t>
+            </a:r>
+          </a:p>
+          <a:p>
+            <a:r>
+              <a:rPr lang="en-US" altLang="ja-JP" sz="726" dirty="0">
+                <a:latin typeface="Arial" panose="020B0604020202020204" pitchFamily="34" charset="0"/>
+                <a:cs typeface="Arial" panose="020B0604020202020204" pitchFamily="34" charset="0"/>
+              </a:rPr>
+              <a:t> Therefore, the value does not change when nozzle pressure ratio is increased. </a:t>
+            </a:r>
+          </a:p>
+        </p:txBody>
+      </p:sp>
     </p:spTree>
   </p:cSld>
   <p:clrMapOvr>
@@ -4380,8 +4804,8 @@
         </p:blipFill>
         <p:spPr>
           <a:xfrm>
-            <a:off x="1523521" y="1"/>
-            <a:ext cx="4130783" cy="4231101"/>
+            <a:off x="1523520" y="1"/>
+            <a:ext cx="4072260" cy="3852797"/>
           </a:xfrm>
           <a:prstGeom prst="rect">
             <a:avLst/>
@@ -4390,7 +4814,7 @@
       </p:pic>
       <p:pic>
         <p:nvPicPr>
-          <p:cNvPr id="4" name="図 3"/>
+          <p:cNvPr id="3" name="図 2"/>
           <p:cNvPicPr>
             <a:picLocks noChangeAspect="1"/>
           </p:cNvPicPr>
@@ -4404,8 +4828,8 @@
         </p:blipFill>
         <p:spPr>
           <a:xfrm>
-            <a:off x="5822300" y="3053059"/>
-            <a:ext cx="4703191" cy="3593780"/>
+            <a:off x="5778102" y="2799793"/>
+            <a:ext cx="4818435" cy="3852797"/>
           </a:xfrm>
           <a:prstGeom prst="rect">
             <a:avLst/>
@@ -4453,6 +4877,152 @@
         </p:blipFill>
         <p:spPr>
           <a:xfrm>
+            <a:off x="1523520" y="1"/>
+            <a:ext cx="4147895" cy="5011230"/>
+          </a:xfrm>
+          <a:prstGeom prst="rect">
+            <a:avLst/>
+          </a:prstGeom>
+        </p:spPr>
+      </p:pic>
+      <p:pic>
+        <p:nvPicPr>
+          <p:cNvPr id="3" name="図 2"/>
+          <p:cNvPicPr>
+            <a:picLocks noChangeAspect="1"/>
+          </p:cNvPicPr>
+          <p:nvPr/>
+        </p:nvPicPr>
+        <p:blipFill>
+          <a:blip r:embed="rId3"/>
+          <a:stretch>
+            <a:fillRect/>
+          </a:stretch>
+        </p:blipFill>
+        <p:spPr>
+          <a:xfrm>
+            <a:off x="5880937" y="2379051"/>
+            <a:ext cx="4673686" cy="4478949"/>
+          </a:xfrm>
+          <a:prstGeom prst="rect">
+            <a:avLst/>
+          </a:prstGeom>
+        </p:spPr>
+      </p:pic>
+    </p:spTree>
+  </p:cSld>
+  <p:clrMapOvr>
+    <a:masterClrMapping/>
+  </p:clrMapOvr>
+</p:sld>
+</file>
+
+<file path=ppt/slides/slide16.xml><?xml version="1.0" encoding="utf-8"?>
+<p:sld xmlns:a="http://schemas.openxmlformats.org/drawingml/2006/main" xmlns:r="http://schemas.openxmlformats.org/officeDocument/2006/relationships" xmlns:p="http://schemas.openxmlformats.org/presentationml/2006/main">
+  <p:cSld>
+    <p:spTree>
+      <p:nvGrpSpPr>
+        <p:cNvPr id="1" name=""/>
+        <p:cNvGrpSpPr/>
+        <p:nvPr/>
+      </p:nvGrpSpPr>
+      <p:grpSpPr>
+        <a:xfrm>
+          <a:off x="0" y="0"/>
+          <a:ext cx="0" cy="0"/>
+          <a:chOff x="0" y="0"/>
+          <a:chExt cx="0" cy="0"/>
+        </a:xfrm>
+      </p:grpSpPr>
+      <p:pic>
+        <p:nvPicPr>
+          <p:cNvPr id="2" name="図 1"/>
+          <p:cNvPicPr>
+            <a:picLocks noChangeAspect="1"/>
+          </p:cNvPicPr>
+          <p:nvPr/>
+        </p:nvPicPr>
+        <p:blipFill>
+          <a:blip r:embed="rId2"/>
+          <a:stretch>
+            <a:fillRect/>
+          </a:stretch>
+        </p:blipFill>
+        <p:spPr>
+          <a:xfrm>
+            <a:off x="1523521" y="1"/>
+            <a:ext cx="4130783" cy="4231101"/>
+          </a:xfrm>
+          <a:prstGeom prst="rect">
+            <a:avLst/>
+          </a:prstGeom>
+        </p:spPr>
+      </p:pic>
+      <p:pic>
+        <p:nvPicPr>
+          <p:cNvPr id="4" name="図 3"/>
+          <p:cNvPicPr>
+            <a:picLocks noChangeAspect="1"/>
+          </p:cNvPicPr>
+          <p:nvPr/>
+        </p:nvPicPr>
+        <p:blipFill>
+          <a:blip r:embed="rId3"/>
+          <a:stretch>
+            <a:fillRect/>
+          </a:stretch>
+        </p:blipFill>
+        <p:spPr>
+          <a:xfrm>
+            <a:off x="5822300" y="3053059"/>
+            <a:ext cx="4703191" cy="3593780"/>
+          </a:xfrm>
+          <a:prstGeom prst="rect">
+            <a:avLst/>
+          </a:prstGeom>
+        </p:spPr>
+      </p:pic>
+    </p:spTree>
+  </p:cSld>
+  <p:clrMapOvr>
+    <a:masterClrMapping/>
+  </p:clrMapOvr>
+</p:sld>
+</file>
+
+<file path=ppt/slides/slide17.xml><?xml version="1.0" encoding="utf-8"?>
+<p:sld xmlns:a="http://schemas.openxmlformats.org/drawingml/2006/main" xmlns:r="http://schemas.openxmlformats.org/officeDocument/2006/relationships" xmlns:p="http://schemas.openxmlformats.org/presentationml/2006/main">
+  <p:cSld>
+    <p:spTree>
+      <p:nvGrpSpPr>
+        <p:cNvPr id="1" name=""/>
+        <p:cNvGrpSpPr/>
+        <p:nvPr/>
+      </p:nvGrpSpPr>
+      <p:grpSpPr>
+        <a:xfrm>
+          <a:off x="0" y="0"/>
+          <a:ext cx="0" cy="0"/>
+          <a:chOff x="0" y="0"/>
+          <a:chExt cx="0" cy="0"/>
+        </a:xfrm>
+      </p:grpSpPr>
+      <p:pic>
+        <p:nvPicPr>
+          <p:cNvPr id="2" name="図 1"/>
+          <p:cNvPicPr>
+            <a:picLocks noChangeAspect="1"/>
+          </p:cNvPicPr>
+          <p:nvPr/>
+        </p:nvPicPr>
+        <p:blipFill>
+          <a:blip r:embed="rId2"/>
+          <a:stretch>
+            <a:fillRect/>
+          </a:stretch>
+        </p:blipFill>
+        <p:spPr>
+          <a:xfrm>
             <a:off x="1523521" y="0"/>
             <a:ext cx="4316106" cy="3862550"/>
           </a:xfrm>
@@ -4512,10 +5082,10 @@
       </p:grpSpPr>
       <p:pic>
         <p:nvPicPr>
-          <p:cNvPr id="3" name="図 2">
-            <a:extLst>
-              <a:ext uri="{FF2B5EF4-FFF2-40B4-BE49-F238E27FC236}">
-                <a16:creationId xmlns:a16="http://schemas.microsoft.com/office/drawing/2014/main" id="{CC3C43D7-3591-4EC0-8495-AE178F8DEE06}"/>
+          <p:cNvPr id="2" name="図 1">
+            <a:extLst>
+              <a:ext uri="{FF2B5EF4-FFF2-40B4-BE49-F238E27FC236}">
+                <a16:creationId xmlns:a16="http://schemas.microsoft.com/office/drawing/2014/main" id="{C83BF3C9-1C50-4192-A647-99B602F17233}"/>
               </a:ext>
             </a:extLst>
           </p:cNvPr>
@@ -4532,8 +5102,8 @@
         </p:blipFill>
         <p:spPr>
           <a:xfrm>
-            <a:off x="2043619" y="576619"/>
-            <a:ext cx="8104762" cy="5704762"/>
+            <a:off x="1291238" y="81381"/>
+            <a:ext cx="9609524" cy="6695238"/>
           </a:xfrm>
           <a:prstGeom prst="rect">
             <a:avLst/>
@@ -4542,10 +5112,10 @@
       </p:pic>
       <p:sp>
         <p:nvSpPr>
-          <p:cNvPr id="4" name="テキスト ボックス 3">
-            <a:extLst>
-              <a:ext uri="{FF2B5EF4-FFF2-40B4-BE49-F238E27FC236}">
-                <a16:creationId xmlns:a16="http://schemas.microsoft.com/office/drawing/2014/main" id="{B7F7D6CD-773B-4EFF-B3A9-03908D501608}"/>
+          <p:cNvPr id="3" name="テキスト ボックス 2">
+            <a:extLst>
+              <a:ext uri="{FF2B5EF4-FFF2-40B4-BE49-F238E27FC236}">
+                <a16:creationId xmlns:a16="http://schemas.microsoft.com/office/drawing/2014/main" id="{22B41461-09A8-4081-9FD3-EED984DA3F0C}"/>
               </a:ext>
             </a:extLst>
           </p:cNvPr>
@@ -4554,8 +5124,273 @@
         </p:nvSpPr>
         <p:spPr>
           <a:xfrm>
-            <a:off x="8399327" y="2439785"/>
-            <a:ext cx="2326712" cy="834131"/>
+            <a:off x="173632" y="2856851"/>
+            <a:ext cx="1181344" cy="379205"/>
+          </a:xfrm>
+          <a:prstGeom prst="rect">
+            <a:avLst/>
+          </a:prstGeom>
+          <a:solidFill>
+            <a:srgbClr val="00B0F0">
+              <a:alpha val="40000"/>
+            </a:srgbClr>
+          </a:solidFill>
+          <a:ln>
+            <a:solidFill>
+              <a:schemeClr val="tx1"/>
+            </a:solidFill>
+          </a:ln>
+        </p:spPr>
+        <p:txBody>
+          <a:bodyPr wrap="square" rtlCol="0">
+            <a:noAutofit/>
+          </a:bodyPr>
+          <a:lstStyle/>
+          <a:p>
+            <a:r>
+              <a:rPr lang="en-US" altLang="ja-JP" sz="907" dirty="0">
+                <a:latin typeface="ＭＳ Ｐゴシック" panose="020B0600070205080204" charset="-128"/>
+                <a:ea typeface="ＭＳ Ｐゴシック" panose="020B0600070205080204" charset="-128"/>
+                <a:cs typeface="Arial" panose="020B0604020202020204" pitchFamily="34" charset="0"/>
+              </a:rPr>
+              <a:t> Input inlet fluid states, p and T.</a:t>
+            </a:r>
+            <a:endParaRPr lang="ja-JP" altLang="en-US" sz="907" dirty="0">
+              <a:latin typeface="ＭＳ Ｐゴシック" panose="020B0600070205080204" charset="-128"/>
+              <a:ea typeface="ＭＳ Ｐゴシック" panose="020B0600070205080204" charset="-128"/>
+              <a:cs typeface="Arial" panose="020B0604020202020204" pitchFamily="34" charset="0"/>
+            </a:endParaRPr>
+          </a:p>
+        </p:txBody>
+      </p:sp>
+      <p:sp>
+        <p:nvSpPr>
+          <p:cNvPr id="4" name="テキスト ボックス 3">
+            <a:extLst>
+              <a:ext uri="{FF2B5EF4-FFF2-40B4-BE49-F238E27FC236}">
+                <a16:creationId xmlns:a16="http://schemas.microsoft.com/office/drawing/2014/main" id="{A5FD7605-A72D-4D55-87CB-6C289623B9C2}"/>
+              </a:ext>
+            </a:extLst>
+          </p:cNvPr>
+          <p:cNvSpPr txBox="1"/>
+          <p:nvPr/>
+        </p:nvSpPr>
+        <p:spPr>
+          <a:xfrm>
+            <a:off x="9811791" y="4256116"/>
+            <a:ext cx="1720740" cy="274136"/>
+          </a:xfrm>
+          <a:prstGeom prst="rect">
+            <a:avLst/>
+          </a:prstGeom>
+          <a:solidFill>
+            <a:srgbClr val="00B0F0">
+              <a:alpha val="40000"/>
+            </a:srgbClr>
+          </a:solidFill>
+          <a:ln>
+            <a:solidFill>
+              <a:schemeClr val="tx1"/>
+            </a:solidFill>
+          </a:ln>
+        </p:spPr>
+        <p:txBody>
+          <a:bodyPr wrap="square" rtlCol="0">
+            <a:noAutofit/>
+          </a:bodyPr>
+          <a:lstStyle/>
+          <a:p>
+            <a:r>
+              <a:rPr lang="en-US" altLang="ja-JP" sz="907" dirty="0">
+                <a:latin typeface="ＭＳ Ｐゴシック" panose="020B0600070205080204" charset="-128"/>
+                <a:ea typeface="ＭＳ Ｐゴシック" panose="020B0600070205080204" charset="-128"/>
+                <a:cs typeface="Arial" panose="020B0604020202020204" pitchFamily="34" charset="0"/>
+              </a:rPr>
+              <a:t>Additional load can be applied.</a:t>
+            </a:r>
+            <a:endParaRPr lang="ja-JP" altLang="en-US" sz="907" dirty="0">
+              <a:latin typeface="ＭＳ Ｐゴシック" panose="020B0600070205080204" charset="-128"/>
+              <a:ea typeface="ＭＳ Ｐゴシック" panose="020B0600070205080204" charset="-128"/>
+              <a:cs typeface="Arial" panose="020B0604020202020204" pitchFamily="34" charset="0"/>
+            </a:endParaRPr>
+          </a:p>
+        </p:txBody>
+      </p:sp>
+      <p:sp>
+        <p:nvSpPr>
+          <p:cNvPr id="5" name="テキスト ボックス 4">
+            <a:extLst>
+              <a:ext uri="{FF2B5EF4-FFF2-40B4-BE49-F238E27FC236}">
+                <a16:creationId xmlns:a16="http://schemas.microsoft.com/office/drawing/2014/main" id="{9F39BD65-30B4-4B34-BDB3-948ED0A5CEDB}"/>
+              </a:ext>
+            </a:extLst>
+          </p:cNvPr>
+          <p:cNvSpPr txBox="1"/>
+          <p:nvPr/>
+        </p:nvSpPr>
+        <p:spPr>
+          <a:xfrm>
+            <a:off x="3081439" y="5644161"/>
+            <a:ext cx="1914473" cy="379205"/>
+          </a:xfrm>
+          <a:prstGeom prst="rect">
+            <a:avLst/>
+          </a:prstGeom>
+          <a:solidFill>
+            <a:srgbClr val="00B0F0">
+              <a:alpha val="40000"/>
+            </a:srgbClr>
+          </a:solidFill>
+          <a:ln>
+            <a:solidFill>
+              <a:schemeClr val="tx1"/>
+            </a:solidFill>
+          </a:ln>
+        </p:spPr>
+        <p:txBody>
+          <a:bodyPr wrap="square" rtlCol="0">
+            <a:noAutofit/>
+          </a:bodyPr>
+          <a:lstStyle/>
+          <a:p>
+            <a:r>
+              <a:rPr lang="en-US" altLang="ja-JP" sz="907" dirty="0">
+                <a:latin typeface="ＭＳ Ｐゴシック" panose="020B0600070205080204" charset="-128"/>
+                <a:ea typeface="ＭＳ Ｐゴシック" panose="020B0600070205080204" charset="-128"/>
+                <a:cs typeface="Arial" panose="020B0604020202020204" pitchFamily="34" charset="0"/>
+              </a:rPr>
+              <a:t> Input the fraction of fuel in in-taken air fuel mixture.</a:t>
+            </a:r>
+            <a:endParaRPr lang="ja-JP" altLang="en-US" sz="907" dirty="0">
+              <a:latin typeface="ＭＳ Ｐゴシック" panose="020B0600070205080204" charset="-128"/>
+              <a:ea typeface="ＭＳ Ｐゴシック" panose="020B0600070205080204" charset="-128"/>
+              <a:cs typeface="Arial" panose="020B0604020202020204" pitchFamily="34" charset="0"/>
+            </a:endParaRPr>
+          </a:p>
+        </p:txBody>
+      </p:sp>
+      <p:sp>
+        <p:nvSpPr>
+          <p:cNvPr id="6" name="テキスト ボックス 5">
+            <a:extLst>
+              <a:ext uri="{FF2B5EF4-FFF2-40B4-BE49-F238E27FC236}">
+                <a16:creationId xmlns:a16="http://schemas.microsoft.com/office/drawing/2014/main" id="{3F3A6576-484F-4288-BB2B-89E38D95D34C}"/>
+              </a:ext>
+            </a:extLst>
+          </p:cNvPr>
+          <p:cNvSpPr txBox="1"/>
+          <p:nvPr/>
+        </p:nvSpPr>
+        <p:spPr>
+          <a:xfrm>
+            <a:off x="6356469" y="1283415"/>
+            <a:ext cx="1515685" cy="379204"/>
+          </a:xfrm>
+          <a:prstGeom prst="rect">
+            <a:avLst/>
+          </a:prstGeom>
+          <a:solidFill>
+            <a:srgbClr val="00B0F0">
+              <a:alpha val="40000"/>
+            </a:srgbClr>
+          </a:solidFill>
+          <a:ln>
+            <a:solidFill>
+              <a:schemeClr val="tx1"/>
+            </a:solidFill>
+          </a:ln>
+        </p:spPr>
+        <p:txBody>
+          <a:bodyPr wrap="square" rtlCol="0">
+            <a:noAutofit/>
+          </a:bodyPr>
+          <a:lstStyle/>
+          <a:p>
+            <a:r>
+              <a:rPr lang="en-US" altLang="ja-JP" sz="907" dirty="0">
+                <a:latin typeface="ＭＳ Ｐゴシック" panose="020B0600070205080204" charset="-128"/>
+                <a:ea typeface="ＭＳ Ｐゴシック" panose="020B0600070205080204" charset="-128"/>
+                <a:cs typeface="Arial" panose="020B0604020202020204" pitchFamily="34" charset="0"/>
+              </a:rPr>
+              <a:t>Pressure loss coefficient of orifice.</a:t>
+            </a:r>
+            <a:endParaRPr lang="ja-JP" altLang="en-US" sz="907" dirty="0">
+              <a:latin typeface="ＭＳ Ｐゴシック" panose="020B0600070205080204" charset="-128"/>
+              <a:ea typeface="ＭＳ Ｐゴシック" panose="020B0600070205080204" charset="-128"/>
+              <a:cs typeface="Arial" panose="020B0604020202020204" pitchFamily="34" charset="0"/>
+            </a:endParaRPr>
+          </a:p>
+        </p:txBody>
+      </p:sp>
+      <p:sp>
+        <p:nvSpPr>
+          <p:cNvPr id="7" name="テキスト ボックス 6">
+            <a:extLst>
+              <a:ext uri="{FF2B5EF4-FFF2-40B4-BE49-F238E27FC236}">
+                <a16:creationId xmlns:a16="http://schemas.microsoft.com/office/drawing/2014/main" id="{9CDF0ECC-B4C0-43B9-9641-53646FC2F806}"/>
+              </a:ext>
+            </a:extLst>
+          </p:cNvPr>
+          <p:cNvSpPr txBox="1"/>
+          <p:nvPr/>
+        </p:nvSpPr>
+        <p:spPr>
+          <a:xfrm>
+            <a:off x="2144687" y="1285928"/>
+            <a:ext cx="1515685" cy="379204"/>
+          </a:xfrm>
+          <a:prstGeom prst="rect">
+            <a:avLst/>
+          </a:prstGeom>
+          <a:solidFill>
+            <a:srgbClr val="00B0F0">
+              <a:alpha val="40000"/>
+            </a:srgbClr>
+          </a:solidFill>
+          <a:ln>
+            <a:solidFill>
+              <a:schemeClr val="tx1"/>
+            </a:solidFill>
+          </a:ln>
+        </p:spPr>
+        <p:txBody>
+          <a:bodyPr wrap="square" rtlCol="0">
+            <a:noAutofit/>
+          </a:bodyPr>
+          <a:lstStyle/>
+          <a:p>
+            <a:r>
+              <a:rPr lang="en-US" altLang="ja-JP" sz="907" dirty="0">
+                <a:latin typeface="ＭＳ Ｐゴシック" panose="020B0600070205080204" charset="-128"/>
+                <a:ea typeface="ＭＳ Ｐゴシック" panose="020B0600070205080204" charset="-128"/>
+                <a:cs typeface="Arial" panose="020B0604020202020204" pitchFamily="34" charset="0"/>
+              </a:rPr>
+              <a:t>Pressure loss coefficient of orifice.</a:t>
+            </a:r>
+            <a:endParaRPr lang="ja-JP" altLang="en-US" sz="907" dirty="0">
+              <a:latin typeface="ＭＳ Ｐゴシック" panose="020B0600070205080204" charset="-128"/>
+              <a:ea typeface="ＭＳ Ｐゴシック" panose="020B0600070205080204" charset="-128"/>
+              <a:cs typeface="Arial" panose="020B0604020202020204" pitchFamily="34" charset="0"/>
+            </a:endParaRPr>
+          </a:p>
+        </p:txBody>
+      </p:sp>
+      <p:sp>
+        <p:nvSpPr>
+          <p:cNvPr id="8" name="テキスト ボックス 7">
+            <a:extLst>
+              <a:ext uri="{FF2B5EF4-FFF2-40B4-BE49-F238E27FC236}">
+                <a16:creationId xmlns:a16="http://schemas.microsoft.com/office/drawing/2014/main" id="{2E21EEB1-B430-4D2F-B68E-C0FD70409BC5}"/>
+              </a:ext>
+            </a:extLst>
+          </p:cNvPr>
+          <p:cNvSpPr txBox="1"/>
+          <p:nvPr/>
+        </p:nvSpPr>
+        <p:spPr>
+          <a:xfrm>
+            <a:off x="5370022" y="5727469"/>
+            <a:ext cx="2662694" cy="971290"/>
           </a:xfrm>
           <a:prstGeom prst="rect">
             <a:avLst/>
@@ -4583,7 +5418,7 @@
                 <a:ea typeface="ＭＳ Ｐゴシック" panose="020B0600070205080204" charset="-128"/>
                 <a:cs typeface="Arial" panose="020B0604020202020204" pitchFamily="34" charset="0"/>
               </a:rPr>
-              <a:t> Pressure remaining at the end of exhaust pipe is free-expanded to ambient static pressure, which generates reaction force.</a:t>
+              <a:t> Viscos friction. The friction torque is proportional to the shaft absolute angular velocity (shaft speed relative to fixed surrounding world) of shaft speed.</a:t>
             </a:r>
           </a:p>
           <a:p>
@@ -4593,35 +5428,30 @@
                 <a:ea typeface="ＭＳ Ｐゴシック" panose="020B0600070205080204" charset="-128"/>
                 <a:cs typeface="Arial" panose="020B0604020202020204" pitchFamily="34" charset="0"/>
               </a:rPr>
-              <a:t> It is assumed that discharge coefficient is 1. Choke-Non-Choke is not considered.</a:t>
-            </a:r>
-            <a:endParaRPr lang="ja-JP" altLang="en-US" sz="907" dirty="0">
-              <a:latin typeface="ＭＳ Ｐゴシック" panose="020B0600070205080204" charset="-128"/>
-              <a:ea typeface="ＭＳ Ｐゴシック" panose="020B0600070205080204" charset="-128"/>
-              <a:cs typeface="Arial" panose="020B0604020202020204" pitchFamily="34" charset="0"/>
-            </a:endParaRPr>
+              <a:t> Shaft rotation gets steady at the angular speed at which the engine torque output is in equilibrium with friction torque. </a:t>
+            </a:r>
           </a:p>
         </p:txBody>
       </p:sp>
       <p:cxnSp>
         <p:nvCxnSpPr>
-          <p:cNvPr id="6" name="直線矢印コネクタ 5">
-            <a:extLst>
-              <a:ext uri="{FF2B5EF4-FFF2-40B4-BE49-F238E27FC236}">
-                <a16:creationId xmlns:a16="http://schemas.microsoft.com/office/drawing/2014/main" id="{A75EA855-F541-4953-94E0-F20EDFE49E69}"/>
+          <p:cNvPr id="9" name="直線矢印コネクタ 8">
+            <a:extLst>
+              <a:ext uri="{FF2B5EF4-FFF2-40B4-BE49-F238E27FC236}">
+                <a16:creationId xmlns:a16="http://schemas.microsoft.com/office/drawing/2014/main" id="{3BDDDA34-1E97-40CE-B2C0-4A16D94E0629}"/>
               </a:ext>
             </a:extLst>
           </p:cNvPr>
           <p:cNvCxnSpPr>
             <a:cxnSpLocks/>
-            <a:stCxn id="4" idx="1"/>
+            <a:stCxn id="8" idx="3"/>
           </p:cNvCxnSpPr>
           <p:nvPr/>
         </p:nvCxnSpPr>
         <p:spPr>
-          <a:xfrm flipH="1">
-            <a:off x="7855527" y="2856851"/>
-            <a:ext cx="543800" cy="800749"/>
+          <a:xfrm flipV="1">
+            <a:off x="8032716" y="6010104"/>
+            <a:ext cx="895153" cy="203010"/>
           </a:xfrm>
           <a:prstGeom prst="straightConnector1">
             <a:avLst/>
@@ -4653,7 +5483,7 @@
           <p:cNvPr id="15" name="テキスト ボックス 14">
             <a:extLst>
               <a:ext uri="{FF2B5EF4-FFF2-40B4-BE49-F238E27FC236}">
-                <a16:creationId xmlns:a16="http://schemas.microsoft.com/office/drawing/2014/main" id="{45056F98-CFBA-420A-8951-E4E37A32AF8D}"/>
+                <a16:creationId xmlns:a16="http://schemas.microsoft.com/office/drawing/2014/main" id="{D1091DC9-3325-483B-BB69-3719FB542A2A}"/>
               </a:ext>
             </a:extLst>
           </p:cNvPr>
@@ -4662,14 +5492,14 @@
         </p:nvSpPr>
         <p:spPr>
           <a:xfrm>
-            <a:off x="173631" y="2856851"/>
-            <a:ext cx="1914473" cy="291783"/>
+            <a:off x="4206666" y="1812175"/>
+            <a:ext cx="2111007" cy="647094"/>
           </a:xfrm>
           <a:prstGeom prst="rect">
             <a:avLst/>
           </a:prstGeom>
           <a:solidFill>
-            <a:srgbClr val="00B0F0">
+            <a:srgbClr val="92D050">
               <a:alpha val="40000"/>
             </a:srgbClr>
           </a:solidFill>
@@ -4691,7 +5521,25 @@
                 <a:ea typeface="ＭＳ Ｐゴシック" panose="020B0600070205080204" charset="-128"/>
                 <a:cs typeface="Arial" panose="020B0604020202020204" pitchFamily="34" charset="0"/>
               </a:rPr>
-              <a:t> Input inlet fluid states, p and T.</a:t>
+              <a:t> Controllable flow restriction. </a:t>
+            </a:r>
+          </a:p>
+          <a:p>
+            <a:r>
+              <a:rPr lang="ja-JP" altLang="en-US" sz="907" dirty="0">
+                <a:latin typeface="ＭＳ Ｐゴシック" panose="020B0600070205080204" charset="-128"/>
+                <a:ea typeface="ＭＳ Ｐゴシック" panose="020B0600070205080204" charset="-128"/>
+                <a:cs typeface="Arial" panose="020B0604020202020204" pitchFamily="34" charset="0"/>
+              </a:rPr>
+              <a:t> </a:t>
+            </a:r>
+            <a:r>
+              <a:rPr lang="en-US" altLang="ja-JP" sz="907" dirty="0">
+                <a:latin typeface="ＭＳ Ｐゴシック" panose="020B0600070205080204" charset="-128"/>
+                <a:ea typeface="ＭＳ Ｐゴシック" panose="020B0600070205080204" charset="-128"/>
+                <a:cs typeface="Arial" panose="020B0604020202020204" pitchFamily="34" charset="0"/>
+              </a:rPr>
+              <a:t>The pressure loss coefficient can be manipulated by external real signal.</a:t>
             </a:r>
             <a:endParaRPr lang="ja-JP" altLang="en-US" sz="907" dirty="0">
               <a:latin typeface="ＭＳ Ｐゴシック" panose="020B0600070205080204" charset="-128"/>
@@ -4701,132 +5549,100 @@
           </a:p>
         </p:txBody>
       </p:sp>
-      <p:sp>
-        <p:nvSpPr>
-          <p:cNvPr id="17" name="テキスト ボックス 16">
-            <a:extLst>
-              <a:ext uri="{FF2B5EF4-FFF2-40B4-BE49-F238E27FC236}">
-                <a16:creationId xmlns:a16="http://schemas.microsoft.com/office/drawing/2014/main" id="{75DF5446-8B98-4439-978B-A97A8E5D4D27}"/>
-              </a:ext>
-            </a:extLst>
-          </p:cNvPr>
-          <p:cNvSpPr txBox="1"/>
+      <p:cxnSp>
+        <p:nvCxnSpPr>
+          <p:cNvPr id="16" name="直線矢印コネクタ 15">
+            <a:extLst>
+              <a:ext uri="{FF2B5EF4-FFF2-40B4-BE49-F238E27FC236}">
+                <a16:creationId xmlns:a16="http://schemas.microsoft.com/office/drawing/2014/main" id="{5583047B-D0A1-45EF-8182-CD228FF59620}"/>
+              </a:ext>
+            </a:extLst>
+          </p:cNvPr>
+          <p:cNvCxnSpPr>
+            <a:cxnSpLocks/>
+            <a:stCxn id="15" idx="2"/>
+          </p:cNvCxnSpPr>
           <p:nvPr/>
-        </p:nvSpPr>
-        <p:spPr>
-          <a:xfrm>
-            <a:off x="7101840" y="4696599"/>
-            <a:ext cx="1914473" cy="440483"/>
-          </a:xfrm>
-          <a:prstGeom prst="rect">
+        </p:nvCxnSpPr>
+        <p:spPr>
+          <a:xfrm>
+            <a:off x="5262170" y="2459269"/>
+            <a:ext cx="1852141" cy="969731"/>
+          </a:xfrm>
+          <a:prstGeom prst="straightConnector1">
             <a:avLst/>
           </a:prstGeom>
-          <a:solidFill>
-            <a:srgbClr val="00B0F0">
-              <a:alpha val="40000"/>
-            </a:srgbClr>
-          </a:solidFill>
-          <a:ln>
+          <a:ln w="12700">
             <a:solidFill>
               <a:schemeClr val="tx1"/>
             </a:solidFill>
+            <a:tailEnd type="oval"/>
           </a:ln>
         </p:spPr>
-        <p:txBody>
-          <a:bodyPr wrap="square" rtlCol="0">
-            <a:noAutofit/>
-          </a:bodyPr>
-          <a:lstStyle/>
-          <a:p>
-            <a:r>
-              <a:rPr lang="en-US" altLang="ja-JP" sz="907" dirty="0">
-                <a:latin typeface="ＭＳ Ｐゴシック" panose="020B0600070205080204" charset="-128"/>
-                <a:ea typeface="ＭＳ Ｐゴシック" panose="020B0600070205080204" charset="-128"/>
-                <a:cs typeface="Arial" panose="020B0604020202020204" pitchFamily="34" charset="0"/>
-              </a:rPr>
-              <a:t> Constrain the shaft speed, then torque is output of </a:t>
-            </a:r>
-            <a:r>
-              <a:rPr lang="en-US" altLang="ja-JP" sz="907" dirty="0" err="1">
-                <a:latin typeface="ＭＳ Ｐゴシック" panose="020B0600070205080204" charset="-128"/>
-                <a:ea typeface="ＭＳ Ｐゴシック" panose="020B0600070205080204" charset="-128"/>
-                <a:cs typeface="Arial" panose="020B0604020202020204" pitchFamily="34" charset="0"/>
-              </a:rPr>
-              <a:t>PistonCylinder</a:t>
-            </a:r>
-            <a:r>
-              <a:rPr lang="en-US" altLang="ja-JP" sz="907" dirty="0">
-                <a:latin typeface="ＭＳ Ｐゴシック" panose="020B0600070205080204" charset="-128"/>
-                <a:ea typeface="ＭＳ Ｐゴシック" panose="020B0600070205080204" charset="-128"/>
-                <a:cs typeface="Arial" panose="020B0604020202020204" pitchFamily="34" charset="0"/>
-              </a:rPr>
-              <a:t>.</a:t>
-            </a:r>
-            <a:endParaRPr lang="ja-JP" altLang="en-US" sz="907" dirty="0">
-              <a:latin typeface="ＭＳ Ｐゴシック" panose="020B0600070205080204" charset="-128"/>
-              <a:ea typeface="ＭＳ Ｐゴシック" panose="020B0600070205080204" charset="-128"/>
-              <a:cs typeface="Arial" panose="020B0604020202020204" pitchFamily="34" charset="0"/>
-            </a:endParaRPr>
-          </a:p>
-        </p:txBody>
-      </p:sp>
-      <p:sp>
-        <p:nvSpPr>
-          <p:cNvPr id="18" name="テキスト ボックス 17">
-            <a:extLst>
-              <a:ext uri="{FF2B5EF4-FFF2-40B4-BE49-F238E27FC236}">
-                <a16:creationId xmlns:a16="http://schemas.microsoft.com/office/drawing/2014/main" id="{185E905E-A7D6-4B5F-BC4C-1E04C5EFB375}"/>
-              </a:ext>
-            </a:extLst>
-          </p:cNvPr>
-          <p:cNvSpPr txBox="1"/>
+        <p:style>
+          <a:lnRef idx="1">
+            <a:schemeClr val="accent1"/>
+          </a:lnRef>
+          <a:fillRef idx="0">
+            <a:schemeClr val="accent1"/>
+          </a:fillRef>
+          <a:effectRef idx="0">
+            <a:schemeClr val="accent1"/>
+          </a:effectRef>
+          <a:fontRef idx="minor">
+            <a:schemeClr val="tx1"/>
+          </a:fontRef>
+        </p:style>
+      </p:cxnSp>
+      <p:cxnSp>
+        <p:nvCxnSpPr>
+          <p:cNvPr id="19" name="直線矢印コネクタ 18">
+            <a:extLst>
+              <a:ext uri="{FF2B5EF4-FFF2-40B4-BE49-F238E27FC236}">
+                <a16:creationId xmlns:a16="http://schemas.microsoft.com/office/drawing/2014/main" id="{D59E314C-1D7D-4BB7-B03D-20995B97F888}"/>
+              </a:ext>
+            </a:extLst>
+          </p:cNvPr>
+          <p:cNvCxnSpPr>
+            <a:cxnSpLocks/>
+            <a:stCxn id="15" idx="2"/>
+          </p:cNvCxnSpPr>
           <p:nvPr/>
-        </p:nvSpPr>
-        <p:spPr>
-          <a:xfrm>
-            <a:off x="874671" y="4625057"/>
-            <a:ext cx="1914473" cy="379205"/>
-          </a:xfrm>
-          <a:prstGeom prst="rect">
+        </p:nvCxnSpPr>
+        <p:spPr>
+          <a:xfrm flipH="1">
+            <a:off x="4336472" y="2459269"/>
+            <a:ext cx="925698" cy="521990"/>
+          </a:xfrm>
+          <a:prstGeom prst="straightConnector1">
             <a:avLst/>
           </a:prstGeom>
-          <a:solidFill>
-            <a:srgbClr val="00B0F0">
-              <a:alpha val="40000"/>
-            </a:srgbClr>
-          </a:solidFill>
-          <a:ln>
+          <a:ln w="12700">
             <a:solidFill>
               <a:schemeClr val="tx1"/>
             </a:solidFill>
+            <a:tailEnd type="oval"/>
           </a:ln>
         </p:spPr>
-        <p:txBody>
-          <a:bodyPr wrap="square" rtlCol="0">
-            <a:noAutofit/>
-          </a:bodyPr>
-          <a:lstStyle/>
-          <a:p>
-            <a:r>
-              <a:rPr lang="en-US" altLang="ja-JP" sz="907" dirty="0">
-                <a:latin typeface="ＭＳ Ｐゴシック" panose="020B0600070205080204" charset="-128"/>
-                <a:ea typeface="ＭＳ Ｐゴシック" panose="020B0600070205080204" charset="-128"/>
-                <a:cs typeface="Arial" panose="020B0604020202020204" pitchFamily="34" charset="0"/>
-              </a:rPr>
-              <a:t> Input the fraction of fuel in in-taken air fuel mixture.</a:t>
-            </a:r>
-            <a:endParaRPr lang="ja-JP" altLang="en-US" sz="907" dirty="0">
-              <a:latin typeface="ＭＳ Ｐゴシック" panose="020B0600070205080204" charset="-128"/>
-              <a:ea typeface="ＭＳ Ｐゴシック" panose="020B0600070205080204" charset="-128"/>
-              <a:cs typeface="Arial" panose="020B0604020202020204" pitchFamily="34" charset="0"/>
-            </a:endParaRPr>
-          </a:p>
-        </p:txBody>
-      </p:sp>
+        <p:style>
+          <a:lnRef idx="1">
+            <a:schemeClr val="accent1"/>
+          </a:lnRef>
+          <a:fillRef idx="0">
+            <a:schemeClr val="accent1"/>
+          </a:fillRef>
+          <a:effectRef idx="0">
+            <a:schemeClr val="accent1"/>
+          </a:effectRef>
+          <a:fontRef idx="minor">
+            <a:schemeClr val="tx1"/>
+          </a:fontRef>
+        </p:style>
+      </p:cxnSp>
     </p:spTree>
     <p:extLst>
       <p:ext uri="{BB962C8B-B14F-4D97-AF65-F5344CB8AC3E}">
-        <p14:creationId xmlns:p14="http://schemas.microsoft.com/office/powerpoint/2010/main" val="3531754289"/>
+        <p14:creationId xmlns:p14="http://schemas.microsoft.com/office/powerpoint/2010/main" val="1752535004"/>
       </p:ext>
     </p:extLst>
   </p:cSld>
@@ -4855,7 +5671,13 @@
       </p:grpSpPr>
       <p:pic>
         <p:nvPicPr>
-          <p:cNvPr id="3" name="図 2"/>
+          <p:cNvPr id="3" name="図 2">
+            <a:extLst>
+              <a:ext uri="{FF2B5EF4-FFF2-40B4-BE49-F238E27FC236}">
+                <a16:creationId xmlns:a16="http://schemas.microsoft.com/office/drawing/2014/main" id="{CC3C43D7-3591-4EC0-8495-AE178F8DEE06}"/>
+              </a:ext>
+            </a:extLst>
+          </p:cNvPr>
           <p:cNvPicPr>
             <a:picLocks noChangeAspect="1"/>
           </p:cNvPicPr>
@@ -4869,110 +5691,20 @@
         </p:blipFill>
         <p:spPr>
           <a:xfrm>
-            <a:off x="3803416" y="72670"/>
-            <a:ext cx="4585169" cy="4177992"/>
+            <a:off x="2043619" y="576619"/>
+            <a:ext cx="8104762" cy="5704762"/>
           </a:xfrm>
           <a:prstGeom prst="rect">
             <a:avLst/>
           </a:prstGeom>
         </p:spPr>
       </p:pic>
-      <p:sp>
-        <p:nvSpPr>
-          <p:cNvPr id="4" name="テキスト ボックス 3"/>
-          <p:cNvSpPr txBox="1"/>
-          <p:nvPr/>
-        </p:nvSpPr>
-        <p:spPr>
-          <a:xfrm>
-            <a:off x="4035144" y="3429000"/>
-            <a:ext cx="2326712" cy="821662"/>
-          </a:xfrm>
-          <a:prstGeom prst="rect">
-            <a:avLst/>
-          </a:prstGeom>
-          <a:solidFill>
-            <a:srgbClr val="92D050">
-              <a:alpha val="40000"/>
-            </a:srgbClr>
-          </a:solidFill>
-          <a:ln>
-            <a:solidFill>
-              <a:schemeClr val="tx1"/>
-            </a:solidFill>
-          </a:ln>
-        </p:spPr>
-        <p:txBody>
-          <a:bodyPr wrap="square" rtlCol="0">
-            <a:noAutofit/>
-          </a:bodyPr>
-          <a:lstStyle/>
-          <a:p>
-            <a:r>
-              <a:rPr lang="en-US" altLang="ja-JP" sz="907" dirty="0">
-                <a:latin typeface="ＭＳ Ｐゴシック" panose="020B0600070205080204" charset="-128"/>
-                <a:ea typeface="ＭＳ Ｐゴシック" panose="020B0600070205080204" charset="-128"/>
-                <a:cs typeface="Arial" panose="020B0604020202020204" pitchFamily="34" charset="0"/>
-              </a:rPr>
-              <a:t> Nozzle throat mechanical cross sectional area is “actuatable” by multiplication factor after constraint period.</a:t>
-            </a:r>
-          </a:p>
-          <a:p>
-            <a:r>
-              <a:rPr lang="en-US" altLang="ja-JP" sz="907" dirty="0">
-                <a:latin typeface="ＭＳ Ｐゴシック" panose="020B0600070205080204" charset="-128"/>
-                <a:ea typeface="ＭＳ Ｐゴシック" panose="020B0600070205080204" charset="-128"/>
-                <a:cs typeface="Arial" panose="020B0604020202020204" pitchFamily="34" charset="0"/>
-              </a:rPr>
-              <a:t> The area multiplication factor is changed from 1.0 to 0.9 gradually in this example.</a:t>
-            </a:r>
-            <a:endParaRPr lang="ja-JP" altLang="en-US" sz="907" dirty="0">
-              <a:latin typeface="ＭＳ Ｐゴシック" panose="020B0600070205080204" charset="-128"/>
-              <a:ea typeface="ＭＳ Ｐゴシック" panose="020B0600070205080204" charset="-128"/>
-              <a:cs typeface="Arial" panose="020B0604020202020204" pitchFamily="34" charset="0"/>
-            </a:endParaRPr>
-          </a:p>
-        </p:txBody>
-      </p:sp>
-      <p:cxnSp>
-        <p:nvCxnSpPr>
-          <p:cNvPr id="5" name="直線矢印コネクタ 4"/>
-          <p:cNvCxnSpPr>
-            <a:stCxn id="4" idx="3"/>
-          </p:cNvCxnSpPr>
-          <p:nvPr/>
-        </p:nvCxnSpPr>
-        <p:spPr>
-          <a:xfrm flipV="1">
-            <a:off x="6361856" y="3264344"/>
-            <a:ext cx="845461" cy="575487"/>
-          </a:xfrm>
-          <a:prstGeom prst="straightConnector1">
-            <a:avLst/>
-          </a:prstGeom>
-          <a:ln w="12700">
-            <a:solidFill>
-              <a:schemeClr val="tx1"/>
-            </a:solidFill>
-            <a:tailEnd type="oval"/>
-          </a:ln>
-        </p:spPr>
-        <p:style>
-          <a:lnRef idx="1">
-            <a:schemeClr val="accent1"/>
-          </a:lnRef>
-          <a:fillRef idx="0">
-            <a:schemeClr val="accent1"/>
-          </a:fillRef>
-          <a:effectRef idx="0">
-            <a:schemeClr val="accent1"/>
-          </a:effectRef>
-          <a:fontRef idx="minor">
-            <a:schemeClr val="tx1"/>
-          </a:fontRef>
-        </p:style>
-      </p:cxnSp>
     </p:spTree>
+    <p:extLst>
+      <p:ext uri="{BB962C8B-B14F-4D97-AF65-F5344CB8AC3E}">
+        <p14:creationId xmlns:p14="http://schemas.microsoft.com/office/powerpoint/2010/main" val="3455510197"/>
+      </p:ext>
+    </p:extLst>
   </p:cSld>
   <p:clrMapOvr>
     <a:masterClrMapping/>
@@ -4999,7 +5731,13 @@
       </p:grpSpPr>
       <p:pic>
         <p:nvPicPr>
-          <p:cNvPr id="3" name="図 2"/>
+          <p:cNvPr id="3" name="図 2">
+            <a:extLst>
+              <a:ext uri="{FF2B5EF4-FFF2-40B4-BE49-F238E27FC236}">
+                <a16:creationId xmlns:a16="http://schemas.microsoft.com/office/drawing/2014/main" id="{CC3C43D7-3591-4EC0-8495-AE178F8DEE06}"/>
+              </a:ext>
+            </a:extLst>
+          </p:cNvPr>
           <p:cNvPicPr>
             <a:picLocks noChangeAspect="1"/>
           </p:cNvPicPr>
@@ -5013,8 +5751,8 @@
         </p:blipFill>
         <p:spPr>
           <a:xfrm>
-            <a:off x="2293835" y="703882"/>
-            <a:ext cx="6531709" cy="4814424"/>
+            <a:off x="2043619" y="576619"/>
+            <a:ext cx="8104762" cy="5704762"/>
           </a:xfrm>
           <a:prstGeom prst="rect">
             <a:avLst/>
@@ -5023,23 +5761,28 @@
       </p:pic>
       <p:sp>
         <p:nvSpPr>
-          <p:cNvPr id="4" name="テキスト ボックス 3"/>
+          <p:cNvPr id="4" name="テキスト ボックス 3">
+            <a:extLst>
+              <a:ext uri="{FF2B5EF4-FFF2-40B4-BE49-F238E27FC236}">
+                <a16:creationId xmlns:a16="http://schemas.microsoft.com/office/drawing/2014/main" id="{B7F7D6CD-773B-4EFF-B3A9-03908D501608}"/>
+              </a:ext>
+            </a:extLst>
+          </p:cNvPr>
           <p:cNvSpPr txBox="1"/>
           <p:nvPr/>
         </p:nvSpPr>
         <p:spPr>
           <a:xfrm>
-            <a:off x="5227903" y="1493437"/>
-            <a:ext cx="1914473" cy="468529"/>
+            <a:off x="8399327" y="2439785"/>
+            <a:ext cx="2326712" cy="834131"/>
           </a:xfrm>
           <a:prstGeom prst="rect">
             <a:avLst/>
           </a:prstGeom>
           <a:solidFill>
-            <a:schemeClr val="accent5">
-              <a:lumMod val="40000"/>
-              <a:lumOff val="60000"/>
-            </a:schemeClr>
+            <a:srgbClr val="92D050">
+              <a:alpha val="40000"/>
+            </a:srgbClr>
           </a:solidFill>
           <a:ln>
             <a:solidFill>
@@ -5059,7 +5802,7 @@
                 <a:ea typeface="ＭＳ Ｐゴシック" panose="020B0600070205080204" charset="-128"/>
                 <a:cs typeface="Arial" panose="020B0604020202020204" pitchFamily="34" charset="0"/>
               </a:rPr>
-              <a:t>Input: </a:t>
+              <a:t> Pressure remaining at the end of exhaust pipe is free-expanded to ambient static pressure, which generates reaction force.</a:t>
             </a:r>
           </a:p>
           <a:p>
@@ -5069,7 +5812,7 @@
                 <a:ea typeface="ＭＳ Ｐゴシック" panose="020B0600070205080204" charset="-128"/>
                 <a:cs typeface="Arial" panose="020B0604020202020204" pitchFamily="34" charset="0"/>
               </a:rPr>
-              <a:t> nozzle pressure ratio is increased</a:t>
+              <a:t> It is assumed that discharge coefficient is 1. Choke-Non-Choke is not considered.</a:t>
             </a:r>
             <a:endParaRPr lang="ja-JP" altLang="en-US" sz="907" dirty="0">
               <a:latin typeface="ＭＳ Ｐゴシック" panose="020B0600070205080204" charset="-128"/>
@@ -5081,16 +5824,23 @@
       </p:sp>
       <p:cxnSp>
         <p:nvCxnSpPr>
-          <p:cNvPr id="5" name="直線矢印コネクタ 4"/>
+          <p:cNvPr id="6" name="直線矢印コネクタ 5">
+            <a:extLst>
+              <a:ext uri="{FF2B5EF4-FFF2-40B4-BE49-F238E27FC236}">
+                <a16:creationId xmlns:a16="http://schemas.microsoft.com/office/drawing/2014/main" id="{A75EA855-F541-4953-94E0-F20EDFE49E69}"/>
+              </a:ext>
+            </a:extLst>
+          </p:cNvPr>
           <p:cNvCxnSpPr>
-            <a:stCxn id="4" idx="2"/>
+            <a:cxnSpLocks/>
+            <a:stCxn id="4" idx="1"/>
           </p:cNvCxnSpPr>
           <p:nvPr/>
         </p:nvCxnSpPr>
         <p:spPr>
           <a:xfrm flipH="1">
-            <a:off x="5963027" y="1961967"/>
-            <a:ext cx="222113" cy="887613"/>
+            <a:off x="7855527" y="2856851"/>
+            <a:ext cx="543800" cy="800749"/>
           </a:xfrm>
           <a:prstGeom prst="straightConnector1">
             <a:avLst/>
@@ -5117,7 +5867,187 @@
           </a:fontRef>
         </p:style>
       </p:cxnSp>
+      <p:sp>
+        <p:nvSpPr>
+          <p:cNvPr id="15" name="テキスト ボックス 14">
+            <a:extLst>
+              <a:ext uri="{FF2B5EF4-FFF2-40B4-BE49-F238E27FC236}">
+                <a16:creationId xmlns:a16="http://schemas.microsoft.com/office/drawing/2014/main" id="{45056F98-CFBA-420A-8951-E4E37A32AF8D}"/>
+              </a:ext>
+            </a:extLst>
+          </p:cNvPr>
+          <p:cNvSpPr txBox="1"/>
+          <p:nvPr/>
+        </p:nvSpPr>
+        <p:spPr>
+          <a:xfrm>
+            <a:off x="173631" y="2856851"/>
+            <a:ext cx="1914473" cy="291783"/>
+          </a:xfrm>
+          <a:prstGeom prst="rect">
+            <a:avLst/>
+          </a:prstGeom>
+          <a:solidFill>
+            <a:srgbClr val="00B0F0">
+              <a:alpha val="40000"/>
+            </a:srgbClr>
+          </a:solidFill>
+          <a:ln>
+            <a:solidFill>
+              <a:schemeClr val="tx1"/>
+            </a:solidFill>
+          </a:ln>
+        </p:spPr>
+        <p:txBody>
+          <a:bodyPr wrap="square" rtlCol="0">
+            <a:noAutofit/>
+          </a:bodyPr>
+          <a:lstStyle/>
+          <a:p>
+            <a:r>
+              <a:rPr lang="en-US" altLang="ja-JP" sz="907" dirty="0">
+                <a:latin typeface="ＭＳ Ｐゴシック" panose="020B0600070205080204" charset="-128"/>
+                <a:ea typeface="ＭＳ Ｐゴシック" panose="020B0600070205080204" charset="-128"/>
+                <a:cs typeface="Arial" panose="020B0604020202020204" pitchFamily="34" charset="0"/>
+              </a:rPr>
+              <a:t> Input inlet fluid states, p and T.</a:t>
+            </a:r>
+            <a:endParaRPr lang="ja-JP" altLang="en-US" sz="907" dirty="0">
+              <a:latin typeface="ＭＳ Ｐゴシック" panose="020B0600070205080204" charset="-128"/>
+              <a:ea typeface="ＭＳ Ｐゴシック" panose="020B0600070205080204" charset="-128"/>
+              <a:cs typeface="Arial" panose="020B0604020202020204" pitchFamily="34" charset="0"/>
+            </a:endParaRPr>
+          </a:p>
+        </p:txBody>
+      </p:sp>
+      <p:sp>
+        <p:nvSpPr>
+          <p:cNvPr id="17" name="テキスト ボックス 16">
+            <a:extLst>
+              <a:ext uri="{FF2B5EF4-FFF2-40B4-BE49-F238E27FC236}">
+                <a16:creationId xmlns:a16="http://schemas.microsoft.com/office/drawing/2014/main" id="{75DF5446-8B98-4439-978B-A97A8E5D4D27}"/>
+              </a:ext>
+            </a:extLst>
+          </p:cNvPr>
+          <p:cNvSpPr txBox="1"/>
+          <p:nvPr/>
+        </p:nvSpPr>
+        <p:spPr>
+          <a:xfrm>
+            <a:off x="7101840" y="4696599"/>
+            <a:ext cx="1914473" cy="440483"/>
+          </a:xfrm>
+          <a:prstGeom prst="rect">
+            <a:avLst/>
+          </a:prstGeom>
+          <a:solidFill>
+            <a:srgbClr val="00B0F0">
+              <a:alpha val="40000"/>
+            </a:srgbClr>
+          </a:solidFill>
+          <a:ln>
+            <a:solidFill>
+              <a:schemeClr val="tx1"/>
+            </a:solidFill>
+          </a:ln>
+        </p:spPr>
+        <p:txBody>
+          <a:bodyPr wrap="square" rtlCol="0">
+            <a:noAutofit/>
+          </a:bodyPr>
+          <a:lstStyle/>
+          <a:p>
+            <a:r>
+              <a:rPr lang="en-US" altLang="ja-JP" sz="907" dirty="0">
+                <a:latin typeface="ＭＳ Ｐゴシック" panose="020B0600070205080204" charset="-128"/>
+                <a:ea typeface="ＭＳ Ｐゴシック" panose="020B0600070205080204" charset="-128"/>
+                <a:cs typeface="Arial" panose="020B0604020202020204" pitchFamily="34" charset="0"/>
+              </a:rPr>
+              <a:t> Constrain the shaft speed, then torque is output of </a:t>
+            </a:r>
+            <a:r>
+              <a:rPr lang="en-US" altLang="ja-JP" sz="907" dirty="0" err="1">
+                <a:latin typeface="ＭＳ Ｐゴシック" panose="020B0600070205080204" charset="-128"/>
+                <a:ea typeface="ＭＳ Ｐゴシック" panose="020B0600070205080204" charset="-128"/>
+                <a:cs typeface="Arial" panose="020B0604020202020204" pitchFamily="34" charset="0"/>
+              </a:rPr>
+              <a:t>PistonCylinder</a:t>
+            </a:r>
+            <a:r>
+              <a:rPr lang="en-US" altLang="ja-JP" sz="907" dirty="0">
+                <a:latin typeface="ＭＳ Ｐゴシック" panose="020B0600070205080204" charset="-128"/>
+                <a:ea typeface="ＭＳ Ｐゴシック" panose="020B0600070205080204" charset="-128"/>
+                <a:cs typeface="Arial" panose="020B0604020202020204" pitchFamily="34" charset="0"/>
+              </a:rPr>
+              <a:t>.</a:t>
+            </a:r>
+            <a:endParaRPr lang="ja-JP" altLang="en-US" sz="907" dirty="0">
+              <a:latin typeface="ＭＳ Ｐゴシック" panose="020B0600070205080204" charset="-128"/>
+              <a:ea typeface="ＭＳ Ｐゴシック" panose="020B0600070205080204" charset="-128"/>
+              <a:cs typeface="Arial" panose="020B0604020202020204" pitchFamily="34" charset="0"/>
+            </a:endParaRPr>
+          </a:p>
+        </p:txBody>
+      </p:sp>
+      <p:sp>
+        <p:nvSpPr>
+          <p:cNvPr id="18" name="テキスト ボックス 17">
+            <a:extLst>
+              <a:ext uri="{FF2B5EF4-FFF2-40B4-BE49-F238E27FC236}">
+                <a16:creationId xmlns:a16="http://schemas.microsoft.com/office/drawing/2014/main" id="{185E905E-A7D6-4B5F-BC4C-1E04C5EFB375}"/>
+              </a:ext>
+            </a:extLst>
+          </p:cNvPr>
+          <p:cNvSpPr txBox="1"/>
+          <p:nvPr/>
+        </p:nvSpPr>
+        <p:spPr>
+          <a:xfrm>
+            <a:off x="874671" y="4625057"/>
+            <a:ext cx="1914473" cy="379205"/>
+          </a:xfrm>
+          <a:prstGeom prst="rect">
+            <a:avLst/>
+          </a:prstGeom>
+          <a:solidFill>
+            <a:srgbClr val="00B0F0">
+              <a:alpha val="40000"/>
+            </a:srgbClr>
+          </a:solidFill>
+          <a:ln>
+            <a:solidFill>
+              <a:schemeClr val="tx1"/>
+            </a:solidFill>
+          </a:ln>
+        </p:spPr>
+        <p:txBody>
+          <a:bodyPr wrap="square" rtlCol="0">
+            <a:noAutofit/>
+          </a:bodyPr>
+          <a:lstStyle/>
+          <a:p>
+            <a:r>
+              <a:rPr lang="en-US" altLang="ja-JP" sz="907" dirty="0">
+                <a:latin typeface="ＭＳ Ｐゴシック" panose="020B0600070205080204" charset="-128"/>
+                <a:ea typeface="ＭＳ Ｐゴシック" panose="020B0600070205080204" charset="-128"/>
+                <a:cs typeface="Arial" panose="020B0604020202020204" pitchFamily="34" charset="0"/>
+              </a:rPr>
+              <a:t> Input the fraction of fuel in in-taken air fuel mixture.</a:t>
+            </a:r>
+            <a:endParaRPr lang="ja-JP" altLang="en-US" sz="907" dirty="0">
+              <a:latin typeface="ＭＳ Ｐゴシック" panose="020B0600070205080204" charset="-128"/>
+              <a:ea typeface="ＭＳ Ｐゴシック" panose="020B0600070205080204" charset="-128"/>
+              <a:cs typeface="Arial" panose="020B0604020202020204" pitchFamily="34" charset="0"/>
+            </a:endParaRPr>
+          </a:p>
+        </p:txBody>
+      </p:sp>
     </p:spTree>
+    <p:extLst>
+      <p:ext uri="{BB962C8B-B14F-4D97-AF65-F5344CB8AC3E}">
+        <p14:creationId xmlns:p14="http://schemas.microsoft.com/office/powerpoint/2010/main" val="3531754289"/>
+      </p:ext>
+    </p:extLst>
   </p:cSld>
   <p:clrMapOvr>
     <a:masterClrMapping/>
@@ -5158,26 +6088,83 @@
         </p:blipFill>
         <p:spPr>
           <a:xfrm>
-            <a:off x="2830146" y="786717"/>
-            <a:ext cx="6531709" cy="4739983"/>
+            <a:off x="3803416" y="72670"/>
+            <a:ext cx="4585169" cy="4177992"/>
           </a:xfrm>
           <a:prstGeom prst="rect">
             <a:avLst/>
           </a:prstGeom>
         </p:spPr>
       </p:pic>
+      <p:sp>
+        <p:nvSpPr>
+          <p:cNvPr id="4" name="テキスト ボックス 3"/>
+          <p:cNvSpPr txBox="1"/>
+          <p:nvPr/>
+        </p:nvSpPr>
+        <p:spPr>
+          <a:xfrm>
+            <a:off x="4035144" y="3429000"/>
+            <a:ext cx="2326712" cy="821662"/>
+          </a:xfrm>
+          <a:prstGeom prst="rect">
+            <a:avLst/>
+          </a:prstGeom>
+          <a:solidFill>
+            <a:srgbClr val="92D050">
+              <a:alpha val="40000"/>
+            </a:srgbClr>
+          </a:solidFill>
+          <a:ln>
+            <a:solidFill>
+              <a:schemeClr val="tx1"/>
+            </a:solidFill>
+          </a:ln>
+        </p:spPr>
+        <p:txBody>
+          <a:bodyPr wrap="square" rtlCol="0">
+            <a:noAutofit/>
+          </a:bodyPr>
+          <a:lstStyle/>
+          <a:p>
+            <a:r>
+              <a:rPr lang="en-US" altLang="ja-JP" sz="907" dirty="0">
+                <a:latin typeface="ＭＳ Ｐゴシック" panose="020B0600070205080204" charset="-128"/>
+                <a:ea typeface="ＭＳ Ｐゴシック" panose="020B0600070205080204" charset="-128"/>
+                <a:cs typeface="Arial" panose="020B0604020202020204" pitchFamily="34" charset="0"/>
+              </a:rPr>
+              <a:t> Nozzle throat mechanical cross sectional area is “actuatable” by multiplication factor after constraint period.</a:t>
+            </a:r>
+          </a:p>
+          <a:p>
+            <a:r>
+              <a:rPr lang="en-US" altLang="ja-JP" sz="907" dirty="0">
+                <a:latin typeface="ＭＳ Ｐゴシック" panose="020B0600070205080204" charset="-128"/>
+                <a:ea typeface="ＭＳ Ｐゴシック" panose="020B0600070205080204" charset="-128"/>
+                <a:cs typeface="Arial" panose="020B0604020202020204" pitchFamily="34" charset="0"/>
+              </a:rPr>
+              <a:t> The area multiplication factor is changed from 1.0 to 0.9 gradually in this example.</a:t>
+            </a:r>
+            <a:endParaRPr lang="ja-JP" altLang="en-US" sz="907" dirty="0">
+              <a:latin typeface="ＭＳ Ｐゴシック" panose="020B0600070205080204" charset="-128"/>
+              <a:ea typeface="ＭＳ Ｐゴシック" panose="020B0600070205080204" charset="-128"/>
+              <a:cs typeface="Arial" panose="020B0604020202020204" pitchFamily="34" charset="0"/>
+            </a:endParaRPr>
+          </a:p>
+        </p:txBody>
+      </p:sp>
       <p:cxnSp>
         <p:nvCxnSpPr>
-          <p:cNvPr id="4" name="直線矢印コネクタ 3"/>
+          <p:cNvPr id="5" name="直線矢印コネクタ 4"/>
           <p:cNvCxnSpPr>
-            <a:stCxn id="5" idx="0"/>
+            <a:stCxn id="4" idx="3"/>
           </p:cNvCxnSpPr>
           <p:nvPr/>
         </p:nvCxnSpPr>
         <p:spPr>
-          <a:xfrm flipH="1" flipV="1">
-            <a:off x="6500684" y="2081499"/>
-            <a:ext cx="243488" cy="606783"/>
+          <a:xfrm flipV="1">
+            <a:off x="6361856" y="3264344"/>
+            <a:ext cx="845461" cy="575487"/>
           </a:xfrm>
           <a:prstGeom prst="straightConnector1">
             <a:avLst/>
@@ -5204,63 +6191,6 @@
           </a:fontRef>
         </p:style>
       </p:cxnSp>
-      <p:sp>
-        <p:nvSpPr>
-          <p:cNvPr id="5" name="テキスト ボックス 4"/>
-          <p:cNvSpPr txBox="1"/>
-          <p:nvPr/>
-        </p:nvSpPr>
-        <p:spPr>
-          <a:xfrm>
-            <a:off x="5704965" y="2688283"/>
-            <a:ext cx="2078412" cy="576060"/>
-          </a:xfrm>
-          <a:prstGeom prst="rect">
-            <a:avLst/>
-          </a:prstGeom>
-          <a:solidFill>
-            <a:srgbClr val="FFFF00"/>
-          </a:solidFill>
-          <a:ln>
-            <a:solidFill>
-              <a:schemeClr val="tx1"/>
-            </a:solidFill>
-          </a:ln>
-        </p:spPr>
-        <p:txBody>
-          <a:bodyPr wrap="square" rtlCol="0">
-            <a:noAutofit/>
-          </a:bodyPr>
-          <a:lstStyle/>
-          <a:p>
-            <a:r>
-              <a:rPr lang="en-US" altLang="ja-JP" sz="726" dirty="0">
-                <a:latin typeface="Arial" panose="020B0604020202020204" pitchFamily="34" charset="0"/>
-                <a:cs typeface="Arial" panose="020B0604020202020204" pitchFamily="34" charset="0"/>
-              </a:rPr>
-              <a:t>Output: </a:t>
-            </a:r>
-          </a:p>
-          <a:p>
-            <a:r>
-              <a:rPr lang="en-US" altLang="ja-JP" sz="726" dirty="0">
-                <a:latin typeface="Arial" panose="020B0604020202020204" pitchFamily="34" charset="0"/>
-                <a:cs typeface="Arial" panose="020B0604020202020204" pitchFamily="34" charset="0"/>
-              </a:rPr>
-              <a:t> mass flow rate via nozzle.</a:t>
-            </a:r>
-          </a:p>
-          <a:p>
-            <a:r>
-              <a:rPr lang="en-US" altLang="ja-JP" sz="726" dirty="0">
-                <a:latin typeface="Arial" panose="020B0604020202020204" pitchFamily="34" charset="0"/>
-                <a:cs typeface="Arial" panose="020B0604020202020204" pitchFamily="34" charset="0"/>
-              </a:rPr>
-              <a:t> It decreases as throat area multiplication factor drops.</a:t>
-            </a:r>
-          </a:p>
-        </p:txBody>
-      </p:sp>
     </p:spTree>
   </p:cSld>
   <p:clrMapOvr>
@@ -5288,7 +6218,7 @@
       </p:grpSpPr>
       <p:pic>
         <p:nvPicPr>
-          <p:cNvPr id="5" name="図 4"/>
+          <p:cNvPr id="3" name="図 2"/>
           <p:cNvPicPr>
             <a:picLocks noChangeAspect="1"/>
           </p:cNvPicPr>
@@ -5302,26 +6232,84 @@
         </p:blipFill>
         <p:spPr>
           <a:xfrm>
-            <a:off x="2898385" y="488459"/>
-            <a:ext cx="6531709" cy="4803967"/>
+            <a:off x="2293835" y="703882"/>
+            <a:ext cx="6531709" cy="4814424"/>
           </a:xfrm>
           <a:prstGeom prst="rect">
             <a:avLst/>
           </a:prstGeom>
         </p:spPr>
       </p:pic>
+      <p:sp>
+        <p:nvSpPr>
+          <p:cNvPr id="4" name="テキスト ボックス 3"/>
+          <p:cNvSpPr txBox="1"/>
+          <p:nvPr/>
+        </p:nvSpPr>
+        <p:spPr>
+          <a:xfrm>
+            <a:off x="5227903" y="1493437"/>
+            <a:ext cx="1914473" cy="468529"/>
+          </a:xfrm>
+          <a:prstGeom prst="rect">
+            <a:avLst/>
+          </a:prstGeom>
+          <a:solidFill>
+            <a:schemeClr val="accent5">
+              <a:lumMod val="40000"/>
+              <a:lumOff val="60000"/>
+            </a:schemeClr>
+          </a:solidFill>
+          <a:ln>
+            <a:solidFill>
+              <a:schemeClr val="tx1"/>
+            </a:solidFill>
+          </a:ln>
+        </p:spPr>
+        <p:txBody>
+          <a:bodyPr wrap="square" rtlCol="0">
+            <a:noAutofit/>
+          </a:bodyPr>
+          <a:lstStyle/>
+          <a:p>
+            <a:r>
+              <a:rPr lang="en-US" altLang="ja-JP" sz="907" dirty="0">
+                <a:latin typeface="ＭＳ Ｐゴシック" panose="020B0600070205080204" charset="-128"/>
+                <a:ea typeface="ＭＳ Ｐゴシック" panose="020B0600070205080204" charset="-128"/>
+                <a:cs typeface="Arial" panose="020B0604020202020204" pitchFamily="34" charset="0"/>
+              </a:rPr>
+              <a:t>Input: </a:t>
+            </a:r>
+          </a:p>
+          <a:p>
+            <a:r>
+              <a:rPr lang="en-US" altLang="ja-JP" sz="907" dirty="0">
+                <a:latin typeface="ＭＳ Ｐゴシック" panose="020B0600070205080204" charset="-128"/>
+                <a:ea typeface="ＭＳ Ｐゴシック" panose="020B0600070205080204" charset="-128"/>
+                <a:cs typeface="Arial" panose="020B0604020202020204" pitchFamily="34" charset="0"/>
+              </a:rPr>
+              <a:t> nozzle pressure ratio is increased</a:t>
+            </a:r>
+            <a:endParaRPr lang="ja-JP" altLang="en-US" sz="907" dirty="0">
+              <a:latin typeface="ＭＳ Ｐゴシック" panose="020B0600070205080204" charset="-128"/>
+              <a:ea typeface="ＭＳ Ｐゴシック" panose="020B0600070205080204" charset="-128"/>
+              <a:cs typeface="Arial" panose="020B0604020202020204" pitchFamily="34" charset="0"/>
+            </a:endParaRPr>
+          </a:p>
+        </p:txBody>
+      </p:sp>
       <p:cxnSp>
         <p:nvCxnSpPr>
-          <p:cNvPr id="6" name="直線矢印コネクタ 5"/>
+          <p:cNvPr id="5" name="直線矢印コネクタ 4"/>
           <p:cNvCxnSpPr>
-            <a:stCxn id="7" idx="0"/>
+            <a:stCxn id="4" idx="2"/>
           </p:cNvCxnSpPr>
           <p:nvPr/>
         </p:nvCxnSpPr>
         <p:spPr>
-          <a:xfrm flipV="1">
-            <a:off x="5415393" y="2327285"/>
-            <a:ext cx="985440" cy="525655"/>
+          <a:xfrm flipH="1">
+            <a:off x="5963027" y="1961967"/>
+            <a:ext cx="222113" cy="887613"/>
           </a:xfrm>
           <a:prstGeom prst="straightConnector1">
             <a:avLst/>
@@ -5348,158 +6336,6 @@
           </a:fontRef>
         </p:style>
       </p:cxnSp>
-      <p:sp>
-        <p:nvSpPr>
-          <p:cNvPr id="7" name="テキスト ボックス 6"/>
-          <p:cNvSpPr txBox="1"/>
-          <p:nvPr/>
-        </p:nvSpPr>
-        <p:spPr>
-          <a:xfrm>
-            <a:off x="4376186" y="2852940"/>
-            <a:ext cx="2078412" cy="576060"/>
-          </a:xfrm>
-          <a:prstGeom prst="rect">
-            <a:avLst/>
-          </a:prstGeom>
-          <a:solidFill>
-            <a:srgbClr val="FFFF00"/>
-          </a:solidFill>
-          <a:ln>
-            <a:solidFill>
-              <a:schemeClr val="tx1"/>
-            </a:solidFill>
-          </a:ln>
-        </p:spPr>
-        <p:txBody>
-          <a:bodyPr wrap="square" rtlCol="0">
-            <a:noAutofit/>
-          </a:bodyPr>
-          <a:lstStyle/>
-          <a:p>
-            <a:r>
-              <a:rPr lang="en-US" altLang="ja-JP" sz="726" dirty="0">
-                <a:latin typeface="Arial" panose="020B0604020202020204" pitchFamily="34" charset="0"/>
-                <a:cs typeface="Arial" panose="020B0604020202020204" pitchFamily="34" charset="0"/>
-              </a:rPr>
-              <a:t>Output: </a:t>
-            </a:r>
-          </a:p>
-          <a:p>
-            <a:r>
-              <a:rPr lang="en-US" altLang="ja-JP" sz="726" dirty="0">
-                <a:latin typeface="Arial" panose="020B0604020202020204" pitchFamily="34" charset="0"/>
-                <a:cs typeface="Arial" panose="020B0604020202020204" pitchFamily="34" charset="0"/>
-              </a:rPr>
-              <a:t> throat mechanical cross sectional area.</a:t>
-            </a:r>
-          </a:p>
-          <a:p>
-            <a:r>
-              <a:rPr lang="en-US" altLang="ja-JP" sz="726" dirty="0">
-                <a:latin typeface="Arial" panose="020B0604020202020204" pitchFamily="34" charset="0"/>
-                <a:cs typeface="Arial" panose="020B0604020202020204" pitchFamily="34" charset="0"/>
-              </a:rPr>
-              <a:t> It decreases as throat area multiplication factor drops.</a:t>
-            </a:r>
-          </a:p>
-        </p:txBody>
-      </p:sp>
-      <p:cxnSp>
-        <p:nvCxnSpPr>
-          <p:cNvPr id="9" name="直線矢印コネクタ 8"/>
-          <p:cNvCxnSpPr>
-            <a:stCxn id="10" idx="0"/>
-          </p:cNvCxnSpPr>
-          <p:nvPr/>
-        </p:nvCxnSpPr>
-        <p:spPr>
-          <a:xfrm flipH="1" flipV="1">
-            <a:off x="8011509" y="1129079"/>
-            <a:ext cx="61443" cy="602461"/>
-          </a:xfrm>
-          <a:prstGeom prst="straightConnector1">
-            <a:avLst/>
-          </a:prstGeom>
-          <a:ln w="12700">
-            <a:solidFill>
-              <a:schemeClr val="tx1"/>
-            </a:solidFill>
-            <a:tailEnd type="oval"/>
-          </a:ln>
-        </p:spPr>
-        <p:style>
-          <a:lnRef idx="1">
-            <a:schemeClr val="accent1"/>
-          </a:lnRef>
-          <a:fillRef idx="0">
-            <a:schemeClr val="accent1"/>
-          </a:fillRef>
-          <a:effectRef idx="0">
-            <a:schemeClr val="accent1"/>
-          </a:effectRef>
-          <a:fontRef idx="minor">
-            <a:schemeClr val="tx1"/>
-          </a:fontRef>
-        </p:style>
-      </p:cxnSp>
-      <p:sp>
-        <p:nvSpPr>
-          <p:cNvPr id="10" name="テキスト ボックス 9"/>
-          <p:cNvSpPr txBox="1"/>
-          <p:nvPr/>
-        </p:nvSpPr>
-        <p:spPr>
-          <a:xfrm>
-            <a:off x="6972302" y="1731540"/>
-            <a:ext cx="2201301" cy="664872"/>
-          </a:xfrm>
-          <a:prstGeom prst="rect">
-            <a:avLst/>
-          </a:prstGeom>
-          <a:solidFill>
-            <a:srgbClr val="FFFF00"/>
-          </a:solidFill>
-          <a:ln>
-            <a:solidFill>
-              <a:schemeClr val="tx1"/>
-            </a:solidFill>
-          </a:ln>
-        </p:spPr>
-        <p:txBody>
-          <a:bodyPr wrap="square" rtlCol="0">
-            <a:noAutofit/>
-          </a:bodyPr>
-          <a:lstStyle/>
-          <a:p>
-            <a:r>
-              <a:rPr lang="en-US" altLang="ja-JP" sz="726" dirty="0">
-                <a:latin typeface="Arial" panose="020B0604020202020204" pitchFamily="34" charset="0"/>
-                <a:cs typeface="Arial" panose="020B0604020202020204" pitchFamily="34" charset="0"/>
-              </a:rPr>
-              <a:t>Output: </a:t>
-            </a:r>
-          </a:p>
-          <a:p>
-            <a:r>
-              <a:rPr lang="en-US" altLang="ja-JP" sz="726" dirty="0">
-                <a:latin typeface="Arial" panose="020B0604020202020204" pitchFamily="34" charset="0"/>
-                <a:cs typeface="Arial" panose="020B0604020202020204" pitchFamily="34" charset="0"/>
-              </a:rPr>
-              <a:t> “des” marked throat mechanical cross sectional area.</a:t>
-            </a:r>
-          </a:p>
-          <a:p>
-            <a:r>
-              <a:rPr lang="en-US" altLang="ja-JP" sz="726" dirty="0">
-                <a:latin typeface="Arial" panose="020B0604020202020204" pitchFamily="34" charset="0"/>
-                <a:cs typeface="Arial" panose="020B0604020202020204" pitchFamily="34" charset="0"/>
-              </a:rPr>
-              <a:t> It is kept constant while throat area multiplication factor is changed.</a:t>
-            </a:r>
-          </a:p>
-        </p:txBody>
-      </p:sp>
     </p:spTree>
   </p:cSld>
   <p:clrMapOvr>
@@ -5541,193 +6377,68 @@
         </p:blipFill>
         <p:spPr>
           <a:xfrm>
-            <a:off x="3151209" y="59299"/>
-            <a:ext cx="5712282" cy="4206317"/>
+            <a:off x="2830146" y="786717"/>
+            <a:ext cx="6531709" cy="4739983"/>
           </a:xfrm>
           <a:prstGeom prst="rect">
             <a:avLst/>
           </a:prstGeom>
         </p:spPr>
       </p:pic>
-      <p:pic>
-        <p:nvPicPr>
-          <p:cNvPr id="4" name="図 3"/>
-          <p:cNvPicPr>
-            <a:picLocks noChangeAspect="1"/>
-          </p:cNvPicPr>
+      <p:cxnSp>
+        <p:nvCxnSpPr>
+          <p:cNvPr id="4" name="直線矢印コネクタ 3"/>
+          <p:cNvCxnSpPr>
+            <a:stCxn id="5" idx="0"/>
+          </p:cNvCxnSpPr>
           <p:nvPr/>
-        </p:nvPicPr>
-        <p:blipFill rotWithShape="1">
-          <a:blip r:embed="rId3"/>
-          <a:srcRect l="40324" t="47469" r="38741"/>
-          <a:stretch>
-            <a:fillRect/>
-          </a:stretch>
-        </p:blipFill>
-        <p:spPr>
-          <a:xfrm>
-            <a:off x="4042824" y="4093871"/>
-            <a:ext cx="952420" cy="2460626"/>
-          </a:xfrm>
-          <a:prstGeom prst="rect">
+        </p:nvCxnSpPr>
+        <p:spPr>
+          <a:xfrm flipH="1" flipV="1">
+            <a:off x="6500684" y="2081499"/>
+            <a:ext cx="243488" cy="606783"/>
+          </a:xfrm>
+          <a:prstGeom prst="straightConnector1">
             <a:avLst/>
           </a:prstGeom>
-        </p:spPr>
-      </p:pic>
-      <p:sp>
-        <p:nvSpPr>
-          <p:cNvPr id="5" name="四角形: 角を丸くする 4"/>
-          <p:cNvSpPr/>
-          <p:nvPr/>
-        </p:nvSpPr>
-        <p:spPr>
-          <a:xfrm>
-            <a:off x="5525219" y="3010875"/>
-            <a:ext cx="990824" cy="906335"/>
-          </a:xfrm>
-          <a:prstGeom prst="roundRect">
-            <a:avLst>
-              <a:gd name="adj" fmla="val 29379"/>
-            </a:avLst>
-          </a:prstGeom>
-          <a:noFill/>
-          <a:ln>
+          <a:ln w="12700">
             <a:solidFill>
-              <a:srgbClr val="FF0000"/>
+              <a:schemeClr val="tx1"/>
             </a:solidFill>
+            <a:tailEnd type="oval"/>
           </a:ln>
         </p:spPr>
         <p:style>
-          <a:lnRef idx="2">
-            <a:schemeClr val="accent1">
-              <a:shade val="50000"/>
-            </a:schemeClr>
+          <a:lnRef idx="1">
+            <a:schemeClr val="accent1"/>
           </a:lnRef>
-          <a:fillRef idx="1">
+          <a:fillRef idx="0">
             <a:schemeClr val="accent1"/>
           </a:fillRef>
           <a:effectRef idx="0">
             <a:schemeClr val="accent1"/>
           </a:effectRef>
           <a:fontRef idx="minor">
-            <a:schemeClr val="lt1"/>
+            <a:schemeClr val="tx1"/>
           </a:fontRef>
         </p:style>
-        <p:txBody>
-          <a:bodyPr rtlCol="0" anchor="ctr"/>
-          <a:lstStyle/>
-          <a:p>
-            <a:pPr algn="ctr"/>
-            <a:endParaRPr lang="ja-JP" altLang="en-US" sz="1633"/>
-          </a:p>
-        </p:txBody>
-      </p:sp>
-      <p:sp>
-        <p:nvSpPr>
-          <p:cNvPr id="6" name="四角形: 角を丸くする 5"/>
-          <p:cNvSpPr/>
-          <p:nvPr/>
-        </p:nvSpPr>
-        <p:spPr>
-          <a:xfrm>
-            <a:off x="3900383" y="4035190"/>
-            <a:ext cx="1198897" cy="2519307"/>
-          </a:xfrm>
-          <a:prstGeom prst="roundRect">
-            <a:avLst>
-              <a:gd name="adj" fmla="val 29379"/>
-            </a:avLst>
-          </a:prstGeom>
-          <a:noFill/>
-          <a:ln>
-            <a:solidFill>
-              <a:srgbClr val="FF0000"/>
-            </a:solidFill>
-          </a:ln>
-        </p:spPr>
-        <p:style>
-          <a:lnRef idx="2">
-            <a:schemeClr val="accent1">
-              <a:shade val="50000"/>
-            </a:schemeClr>
-          </a:lnRef>
-          <a:fillRef idx="1">
-            <a:schemeClr val="accent1"/>
-          </a:fillRef>
-          <a:effectRef idx="0">
-            <a:schemeClr val="accent1"/>
-          </a:effectRef>
-          <a:fontRef idx="minor">
-            <a:schemeClr val="lt1"/>
-          </a:fontRef>
-        </p:style>
-        <p:txBody>
-          <a:bodyPr rtlCol="0" anchor="ctr"/>
-          <a:lstStyle/>
-          <a:p>
-            <a:pPr algn="ctr"/>
-            <a:endParaRPr lang="ja-JP" altLang="en-US" sz="1633"/>
-          </a:p>
-        </p:txBody>
-      </p:sp>
-      <p:sp>
-        <p:nvSpPr>
-          <p:cNvPr id="8" name="矢印: 右 7"/>
-          <p:cNvSpPr/>
-          <p:nvPr/>
-        </p:nvSpPr>
-        <p:spPr>
-          <a:xfrm rot="19336682">
-            <a:off x="5213434" y="4092798"/>
-            <a:ext cx="660551" cy="345636"/>
-          </a:xfrm>
-          <a:prstGeom prst="rightArrow">
-            <a:avLst/>
-          </a:prstGeom>
-        </p:spPr>
-        <p:style>
-          <a:lnRef idx="2">
-            <a:schemeClr val="accent2">
-              <a:shade val="50000"/>
-            </a:schemeClr>
-          </a:lnRef>
-          <a:fillRef idx="1">
-            <a:schemeClr val="accent2"/>
-          </a:fillRef>
-          <a:effectRef idx="0">
-            <a:schemeClr val="accent2"/>
-          </a:effectRef>
-          <a:fontRef idx="minor">
-            <a:schemeClr val="lt1"/>
-          </a:fontRef>
-        </p:style>
-        <p:txBody>
-          <a:bodyPr rtlCol="0" anchor="ctr"/>
-          <a:lstStyle/>
-          <a:p>
-            <a:pPr algn="ctr"/>
-            <a:endParaRPr lang="ja-JP" altLang="en-US" sz="1633"/>
-          </a:p>
-        </p:txBody>
-      </p:sp>
-      <p:sp>
-        <p:nvSpPr>
-          <p:cNvPr id="9" name="テキスト ボックス 8"/>
+      </p:cxnSp>
+      <p:sp>
+        <p:nvSpPr>
+          <p:cNvPr id="5" name="テキスト ボックス 4"/>
           <p:cNvSpPr txBox="1"/>
           <p:nvPr/>
         </p:nvSpPr>
         <p:spPr>
           <a:xfrm>
-            <a:off x="6021736" y="4608431"/>
-            <a:ext cx="1914474" cy="677540"/>
+            <a:off x="5704965" y="2688283"/>
+            <a:ext cx="2078412" cy="576060"/>
           </a:xfrm>
           <a:prstGeom prst="rect">
             <a:avLst/>
           </a:prstGeom>
           <a:solidFill>
-            <a:srgbClr val="92D050">
-              <a:alpha val="40000"/>
-            </a:srgbClr>
+            <a:srgbClr val="FFFF00"/>
           </a:solidFill>
           <a:ln>
             <a:solidFill>
@@ -5742,18 +6453,30 @@
           <a:lstStyle/>
           <a:p>
             <a:r>
-              <a:rPr lang="en-US" altLang="ja-JP" sz="907" dirty="0">
-                <a:latin typeface="ＭＳ Ｐゴシック" panose="020B0600070205080204" charset="-128"/>
-                <a:ea typeface="ＭＳ Ｐゴシック" panose="020B0600070205080204" charset="-128"/>
+              <a:rPr lang="en-US" altLang="ja-JP" sz="726" dirty="0">
+                <a:latin typeface="Arial" panose="020B0604020202020204" pitchFamily="34" charset="0"/>
                 <a:cs typeface="Arial" panose="020B0604020202020204" pitchFamily="34" charset="0"/>
               </a:rPr>
-              <a:t> Components for design point constraint of mass flow rate is integrated into single component for easier handling.</a:t>
-            </a:r>
-            <a:endParaRPr lang="ja-JP" altLang="en-US" sz="907" dirty="0">
-              <a:latin typeface="ＭＳ Ｐゴシック" panose="020B0600070205080204" charset="-128"/>
-              <a:ea typeface="ＭＳ Ｐゴシック" panose="020B0600070205080204" charset="-128"/>
-              <a:cs typeface="Arial" panose="020B0604020202020204" pitchFamily="34" charset="0"/>
-            </a:endParaRPr>
+              <a:t>Output: </a:t>
+            </a:r>
+          </a:p>
+          <a:p>
+            <a:r>
+              <a:rPr lang="en-US" altLang="ja-JP" sz="726" dirty="0">
+                <a:latin typeface="Arial" panose="020B0604020202020204" pitchFamily="34" charset="0"/>
+                <a:cs typeface="Arial" panose="020B0604020202020204" pitchFamily="34" charset="0"/>
+              </a:rPr>
+              <a:t> mass flow rate via nozzle.</a:t>
+            </a:r>
+          </a:p>
+          <a:p>
+            <a:r>
+              <a:rPr lang="en-US" altLang="ja-JP" sz="726" dirty="0">
+                <a:latin typeface="Arial" panose="020B0604020202020204" pitchFamily="34" charset="0"/>
+                <a:cs typeface="Arial" panose="020B0604020202020204" pitchFamily="34" charset="0"/>
+              </a:rPr>
+              <a:t> It decreases as throat area multiplication factor drops.</a:t>
+            </a:r>
           </a:p>
         </p:txBody>
       </p:sp>
@@ -5784,7 +6507,7 @@
       </p:grpSpPr>
       <p:pic>
         <p:nvPicPr>
-          <p:cNvPr id="3" name="図 2"/>
+          <p:cNvPr id="5" name="図 4"/>
           <p:cNvPicPr>
             <a:picLocks noChangeAspect="1"/>
           </p:cNvPicPr>
@@ -5798,83 +6521,26 @@
         </p:blipFill>
         <p:spPr>
           <a:xfrm>
-            <a:off x="3921131" y="549291"/>
-            <a:ext cx="4549439" cy="4684106"/>
+            <a:off x="2898385" y="488459"/>
+            <a:ext cx="6531709" cy="4803967"/>
           </a:xfrm>
           <a:prstGeom prst="rect">
             <a:avLst/>
           </a:prstGeom>
         </p:spPr>
       </p:pic>
-      <p:sp>
-        <p:nvSpPr>
-          <p:cNvPr id="4" name="テキスト ボックス 3"/>
-          <p:cNvSpPr txBox="1"/>
-          <p:nvPr/>
-        </p:nvSpPr>
-        <p:spPr>
-          <a:xfrm>
-            <a:off x="3487274" y="3997205"/>
-            <a:ext cx="1914474" cy="801624"/>
-          </a:xfrm>
-          <a:prstGeom prst="rect">
-            <a:avLst/>
-          </a:prstGeom>
-          <a:solidFill>
-            <a:srgbClr val="92D050">
-              <a:alpha val="40000"/>
-            </a:srgbClr>
-          </a:solidFill>
-          <a:ln>
-            <a:solidFill>
-              <a:schemeClr val="tx1"/>
-            </a:solidFill>
-          </a:ln>
-        </p:spPr>
-        <p:txBody>
-          <a:bodyPr wrap="square" rtlCol="0">
-            <a:noAutofit/>
-          </a:bodyPr>
-          <a:lstStyle/>
-          <a:p>
-            <a:r>
-              <a:rPr lang="en-US" altLang="ja-JP" sz="907" dirty="0">
-                <a:latin typeface="ＭＳ Ｐゴシック" panose="020B0600070205080204" charset="-128"/>
-                <a:ea typeface="ＭＳ Ｐゴシック" panose="020B0600070205080204" charset="-128"/>
-                <a:cs typeface="Arial" panose="020B0604020202020204" pitchFamily="34" charset="0"/>
-              </a:rPr>
-              <a:t> Mass flow rate signal is constrained to the value input as signal.</a:t>
-            </a:r>
-          </a:p>
-          <a:p>
-            <a:r>
-              <a:rPr lang="en-US" altLang="ja-JP" sz="907" dirty="0">
-                <a:latin typeface="ＭＳ Ｐゴシック" panose="020B0600070205080204" charset="-128"/>
-                <a:ea typeface="ＭＳ Ｐゴシック" panose="020B0600070205080204" charset="-128"/>
-                <a:cs typeface="Arial" panose="020B0604020202020204" pitchFamily="34" charset="0"/>
-              </a:rPr>
-              <a:t>Constraint is kept until the time which is defined by “environment” block.</a:t>
-            </a:r>
-            <a:endParaRPr lang="ja-JP" altLang="en-US" sz="907" dirty="0">
-              <a:latin typeface="ＭＳ Ｐゴシック" panose="020B0600070205080204" charset="-128"/>
-              <a:ea typeface="ＭＳ Ｐゴシック" panose="020B0600070205080204" charset="-128"/>
-              <a:cs typeface="Arial" panose="020B0604020202020204" pitchFamily="34" charset="0"/>
-            </a:endParaRPr>
-          </a:p>
-        </p:txBody>
-      </p:sp>
       <p:cxnSp>
         <p:nvCxnSpPr>
-          <p:cNvPr id="5" name="直線矢印コネクタ 4"/>
+          <p:cNvPr id="6" name="直線矢印コネクタ 5"/>
           <p:cNvCxnSpPr>
-            <a:stCxn id="4" idx="3"/>
+            <a:stCxn id="7" idx="0"/>
           </p:cNvCxnSpPr>
           <p:nvPr/>
         </p:nvCxnSpPr>
         <p:spPr>
           <a:xfrm flipV="1">
-            <a:off x="5401747" y="4186039"/>
-            <a:ext cx="607364" cy="211978"/>
+            <a:off x="5415393" y="2327285"/>
+            <a:ext cx="985440" cy="525655"/>
           </a:xfrm>
           <a:prstGeom prst="straightConnector1">
             <a:avLst/>
@@ -5903,22 +6569,20 @@
       </p:cxnSp>
       <p:sp>
         <p:nvSpPr>
-          <p:cNvPr id="12" name="テキスト ボックス 11"/>
+          <p:cNvPr id="7" name="テキスト ボックス 6"/>
           <p:cNvSpPr txBox="1"/>
           <p:nvPr/>
         </p:nvSpPr>
         <p:spPr>
           <a:xfrm>
-            <a:off x="3594805" y="1535620"/>
-            <a:ext cx="1914474" cy="801624"/>
+            <a:off x="4376186" y="2852940"/>
+            <a:ext cx="2078412" cy="576060"/>
           </a:xfrm>
           <a:prstGeom prst="rect">
             <a:avLst/>
           </a:prstGeom>
           <a:solidFill>
-            <a:srgbClr val="92D050">
-              <a:alpha val="40000"/>
-            </a:srgbClr>
+            <a:srgbClr val="FFFF00"/>
           </a:solidFill>
           <a:ln>
             <a:solidFill>
@@ -5933,33 +6597,45 @@
           <a:lstStyle/>
           <a:p>
             <a:r>
-              <a:rPr lang="en-US" altLang="ja-JP" sz="907" dirty="0">
-                <a:latin typeface="ＭＳ Ｐゴシック" panose="020B0600070205080204" charset="-128"/>
-                <a:ea typeface="ＭＳ Ｐゴシック" panose="020B0600070205080204" charset="-128"/>
+              <a:rPr lang="en-US" altLang="ja-JP" sz="726" dirty="0">
+                <a:latin typeface="Arial" panose="020B0604020202020204" pitchFamily="34" charset="0"/>
                 <a:cs typeface="Arial" panose="020B0604020202020204" pitchFamily="34" charset="0"/>
               </a:rPr>
-              <a:t> This component defines the time when mass flow rate constraint is removed and mechanical cross sectional area of nozzle throat turns from output to input.</a:t>
-            </a:r>
-            <a:endParaRPr lang="ja-JP" altLang="en-US" sz="907" dirty="0">
-              <a:latin typeface="ＭＳ Ｐゴシック" panose="020B0600070205080204" charset="-128"/>
-              <a:ea typeface="ＭＳ Ｐゴシック" panose="020B0600070205080204" charset="-128"/>
-              <a:cs typeface="Arial" panose="020B0604020202020204" pitchFamily="34" charset="0"/>
-            </a:endParaRPr>
+              <a:t>Output: </a:t>
+            </a:r>
+          </a:p>
+          <a:p>
+            <a:r>
+              <a:rPr lang="en-US" altLang="ja-JP" sz="726" dirty="0">
+                <a:latin typeface="Arial" panose="020B0604020202020204" pitchFamily="34" charset="0"/>
+                <a:cs typeface="Arial" panose="020B0604020202020204" pitchFamily="34" charset="0"/>
+              </a:rPr>
+              <a:t> throat mechanical cross sectional area.</a:t>
+            </a:r>
+          </a:p>
+          <a:p>
+            <a:r>
+              <a:rPr lang="en-US" altLang="ja-JP" sz="726" dirty="0">
+                <a:latin typeface="Arial" panose="020B0604020202020204" pitchFamily="34" charset="0"/>
+                <a:cs typeface="Arial" panose="020B0604020202020204" pitchFamily="34" charset="0"/>
+              </a:rPr>
+              <a:t> It decreases as throat area multiplication factor drops.</a:t>
+            </a:r>
           </a:p>
         </p:txBody>
       </p:sp>
       <p:cxnSp>
         <p:nvCxnSpPr>
-          <p:cNvPr id="13" name="直線矢印コネクタ 12"/>
+          <p:cNvPr id="9" name="直線矢印コネクタ 8"/>
           <p:cNvCxnSpPr>
-            <a:stCxn id="12" idx="0"/>
+            <a:stCxn id="10" idx="0"/>
           </p:cNvCxnSpPr>
           <p:nvPr/>
         </p:nvCxnSpPr>
         <p:spPr>
-          <a:xfrm flipV="1">
-            <a:off x="4552042" y="1205888"/>
-            <a:ext cx="619862" cy="329732"/>
+          <a:xfrm flipH="1" flipV="1">
+            <a:off x="8011509" y="1129079"/>
+            <a:ext cx="61443" cy="602461"/>
           </a:xfrm>
           <a:prstGeom prst="straightConnector1">
             <a:avLst/>
@@ -5988,22 +6664,20 @@
       </p:cxnSp>
       <p:sp>
         <p:nvSpPr>
-          <p:cNvPr id="17" name="テキスト ボックス 16"/>
+          <p:cNvPr id="10" name="テキスト ボックス 9"/>
           <p:cNvSpPr txBox="1"/>
           <p:nvPr/>
         </p:nvSpPr>
         <p:spPr>
           <a:xfrm>
-            <a:off x="7015298" y="3932574"/>
-            <a:ext cx="2326712" cy="1129079"/>
+            <a:off x="6972302" y="1731540"/>
+            <a:ext cx="2201301" cy="664872"/>
           </a:xfrm>
           <a:prstGeom prst="rect">
             <a:avLst/>
           </a:prstGeom>
           <a:solidFill>
-            <a:srgbClr val="92D050">
-              <a:alpha val="40000"/>
-            </a:srgbClr>
+            <a:srgbClr val="FFFF00"/>
           </a:solidFill>
           <a:ln>
             <a:solidFill>
@@ -6018,159 +6692,30 @@
           <a:lstStyle/>
           <a:p>
             <a:r>
-              <a:rPr lang="en-US" altLang="ja-JP" sz="907" dirty="0">
-                <a:latin typeface="ＭＳ Ｐゴシック" panose="020B0600070205080204" charset="-128"/>
-                <a:ea typeface="ＭＳ Ｐゴシック" panose="020B0600070205080204" charset="-128"/>
+              <a:rPr lang="en-US" altLang="ja-JP" sz="726" dirty="0">
+                <a:latin typeface="Arial" panose="020B0604020202020204" pitchFamily="34" charset="0"/>
                 <a:cs typeface="Arial" panose="020B0604020202020204" pitchFamily="34" charset="0"/>
               </a:rPr>
-              <a:t> Mechanical cross sectional area of throat is calculated variable when mass flow rate is constrained. “des” marked discrete variable stores that value.</a:t>
-            </a:r>
-          </a:p>
-          <a:p>
-            <a:r>
-              <a:rPr lang="ja-JP" altLang="en-US" sz="907" dirty="0">
-                <a:latin typeface="ＭＳ Ｐゴシック" panose="020B0600070205080204" charset="-128"/>
-                <a:ea typeface="ＭＳ Ｐゴシック" panose="020B0600070205080204" charset="-128"/>
+              <a:t>Output: </a:t>
+            </a:r>
+          </a:p>
+          <a:p>
+            <a:r>
+              <a:rPr lang="en-US" altLang="ja-JP" sz="726" dirty="0">
+                <a:latin typeface="Arial" panose="020B0604020202020204" pitchFamily="34" charset="0"/>
                 <a:cs typeface="Arial" panose="020B0604020202020204" pitchFamily="34" charset="0"/>
               </a:rPr>
-              <a:t> </a:t>
-            </a:r>
-            <a:r>
-              <a:rPr lang="en-US" altLang="ja-JP" sz="907" dirty="0">
-                <a:latin typeface="ＭＳ Ｐゴシック" panose="020B0600070205080204" charset="-128"/>
-                <a:ea typeface="ＭＳ Ｐゴシック" panose="020B0600070205080204" charset="-128"/>
+              <a:t> “des” marked throat mechanical cross sectional area.</a:t>
+            </a:r>
+          </a:p>
+          <a:p>
+            <a:r>
+              <a:rPr lang="en-US" altLang="ja-JP" sz="726" dirty="0">
+                <a:latin typeface="Arial" panose="020B0604020202020204" pitchFamily="34" charset="0"/>
                 <a:cs typeface="Arial" panose="020B0604020202020204" pitchFamily="34" charset="0"/>
               </a:rPr>
-              <a:t>After Mass flow rate constraint is removed, the value of mechanical cross sectional area is input and mass flow is calculated variable.</a:t>
-            </a:r>
-            <a:endParaRPr lang="ja-JP" altLang="en-US" sz="907" dirty="0">
-              <a:latin typeface="ＭＳ Ｐゴシック" panose="020B0600070205080204" charset="-128"/>
-              <a:ea typeface="ＭＳ Ｐゴシック" panose="020B0600070205080204" charset="-128"/>
-              <a:cs typeface="Arial" panose="020B0604020202020204" pitchFamily="34" charset="0"/>
-            </a:endParaRPr>
-          </a:p>
-        </p:txBody>
-      </p:sp>
-      <p:cxnSp>
-        <p:nvCxnSpPr>
-          <p:cNvPr id="18" name="直線矢印コネクタ 17"/>
-          <p:cNvCxnSpPr>
-            <a:stCxn id="17" idx="0"/>
-          </p:cNvCxnSpPr>
-          <p:nvPr/>
-        </p:nvCxnSpPr>
-        <p:spPr>
-          <a:xfrm flipH="1" flipV="1">
-            <a:off x="7506869" y="3539777"/>
-            <a:ext cx="671784" cy="392797"/>
-          </a:xfrm>
-          <a:prstGeom prst="straightConnector1">
-            <a:avLst/>
-          </a:prstGeom>
-          <a:ln w="12700">
-            <a:solidFill>
-              <a:schemeClr val="tx1"/>
-            </a:solidFill>
-            <a:tailEnd type="oval"/>
-          </a:ln>
-        </p:spPr>
-        <p:style>
-          <a:lnRef idx="1">
-            <a:schemeClr val="accent1"/>
-          </a:lnRef>
-          <a:fillRef idx="0">
-            <a:schemeClr val="accent1"/>
-          </a:fillRef>
-          <a:effectRef idx="0">
-            <a:schemeClr val="accent1"/>
-          </a:effectRef>
-          <a:fontRef idx="minor">
-            <a:schemeClr val="tx1"/>
-          </a:fontRef>
-        </p:style>
-      </p:cxnSp>
-      <p:cxnSp>
-        <p:nvCxnSpPr>
-          <p:cNvPr id="29" name="直線矢印コネクタ 28"/>
-          <p:cNvCxnSpPr>
-            <a:stCxn id="30" idx="3"/>
-          </p:cNvCxnSpPr>
-          <p:nvPr/>
-        </p:nvCxnSpPr>
-        <p:spPr>
-          <a:xfrm>
-            <a:off x="3718260" y="2810992"/>
-            <a:ext cx="386012" cy="176842"/>
-          </a:xfrm>
-          <a:prstGeom prst="straightConnector1">
-            <a:avLst/>
-          </a:prstGeom>
-          <a:ln w="12700">
-            <a:solidFill>
-              <a:schemeClr val="tx1"/>
-            </a:solidFill>
-            <a:tailEnd type="oval"/>
-          </a:ln>
-        </p:spPr>
-        <p:style>
-          <a:lnRef idx="1">
-            <a:schemeClr val="accent1"/>
-          </a:lnRef>
-          <a:fillRef idx="0">
-            <a:schemeClr val="accent1"/>
-          </a:fillRef>
-          <a:effectRef idx="0">
-            <a:schemeClr val="accent1"/>
-          </a:effectRef>
-          <a:fontRef idx="minor">
-            <a:schemeClr val="tx1"/>
-          </a:fontRef>
-        </p:style>
-      </p:cxnSp>
-      <p:sp>
-        <p:nvSpPr>
-          <p:cNvPr id="30" name="テキスト ボックス 29"/>
-          <p:cNvSpPr txBox="1"/>
-          <p:nvPr/>
-        </p:nvSpPr>
-        <p:spPr>
-          <a:xfrm>
-            <a:off x="1803786" y="2419455"/>
-            <a:ext cx="1914473" cy="783073"/>
-          </a:xfrm>
-          <a:prstGeom prst="rect">
-            <a:avLst/>
-          </a:prstGeom>
-          <a:solidFill>
-            <a:srgbClr val="00B0F0">
-              <a:alpha val="40000"/>
-            </a:srgbClr>
-          </a:solidFill>
-          <a:ln>
-            <a:solidFill>
-              <a:schemeClr val="tx1"/>
-            </a:solidFill>
-          </a:ln>
-        </p:spPr>
-        <p:txBody>
-          <a:bodyPr wrap="square" rtlCol="0">
-            <a:noAutofit/>
-          </a:bodyPr>
-          <a:lstStyle/>
-          <a:p>
-            <a:r>
-              <a:rPr lang="en-US" altLang="ja-JP" sz="907" dirty="0">
-                <a:latin typeface="ＭＳ Ｐゴシック" panose="020B0600070205080204" charset="-128"/>
-                <a:ea typeface="ＭＳ Ｐゴシック" panose="020B0600070205080204" charset="-128"/>
-                <a:cs typeface="Arial" panose="020B0604020202020204" pitchFamily="34" charset="0"/>
-              </a:rPr>
-              <a:t> Change upstream pressure of nozzle after remove of mass flow rate constraint in order to check constraint become invalid and area is fixed.</a:t>
-            </a:r>
-            <a:endParaRPr lang="ja-JP" altLang="en-US" sz="907" dirty="0">
-              <a:latin typeface="ＭＳ Ｐゴシック" panose="020B0600070205080204" charset="-128"/>
-              <a:ea typeface="ＭＳ Ｐゴシック" panose="020B0600070205080204" charset="-128"/>
-              <a:cs typeface="Arial" panose="020B0604020202020204" pitchFamily="34" charset="0"/>
-            </a:endParaRPr>
+              <a:t> It is kept constant while throat area multiplication factor is changed.</a:t>
+            </a:r>
           </a:p>
         </p:txBody>
       </p:sp>
@@ -6215,33 +6760,193 @@
         </p:blipFill>
         <p:spPr>
           <a:xfrm>
-            <a:off x="1736049" y="741702"/>
-            <a:ext cx="6531709" cy="4743336"/>
+            <a:off x="3151209" y="59299"/>
+            <a:ext cx="5712282" cy="4206317"/>
           </a:xfrm>
           <a:prstGeom prst="rect">
             <a:avLst/>
           </a:prstGeom>
         </p:spPr>
       </p:pic>
-      <p:sp>
-        <p:nvSpPr>
-          <p:cNvPr id="5" name="テキスト ボックス 4"/>
+      <p:pic>
+        <p:nvPicPr>
+          <p:cNvPr id="4" name="図 3"/>
+          <p:cNvPicPr>
+            <a:picLocks noChangeAspect="1"/>
+          </p:cNvPicPr>
+          <p:nvPr/>
+        </p:nvPicPr>
+        <p:blipFill rotWithShape="1">
+          <a:blip r:embed="rId3"/>
+          <a:srcRect l="40324" t="47469" r="38741"/>
+          <a:stretch>
+            <a:fillRect/>
+          </a:stretch>
+        </p:blipFill>
+        <p:spPr>
+          <a:xfrm>
+            <a:off x="4042824" y="4093871"/>
+            <a:ext cx="952420" cy="2460626"/>
+          </a:xfrm>
+          <a:prstGeom prst="rect">
+            <a:avLst/>
+          </a:prstGeom>
+        </p:spPr>
+      </p:pic>
+      <p:sp>
+        <p:nvSpPr>
+          <p:cNvPr id="5" name="四角形: 角を丸くする 4"/>
+          <p:cNvSpPr/>
+          <p:nvPr/>
+        </p:nvSpPr>
+        <p:spPr>
+          <a:xfrm>
+            <a:off x="5525219" y="3010875"/>
+            <a:ext cx="990824" cy="906335"/>
+          </a:xfrm>
+          <a:prstGeom prst="roundRect">
+            <a:avLst>
+              <a:gd name="adj" fmla="val 29379"/>
+            </a:avLst>
+          </a:prstGeom>
+          <a:noFill/>
+          <a:ln>
+            <a:solidFill>
+              <a:srgbClr val="FF0000"/>
+            </a:solidFill>
+          </a:ln>
+        </p:spPr>
+        <p:style>
+          <a:lnRef idx="2">
+            <a:schemeClr val="accent1">
+              <a:shade val="50000"/>
+            </a:schemeClr>
+          </a:lnRef>
+          <a:fillRef idx="1">
+            <a:schemeClr val="accent1"/>
+          </a:fillRef>
+          <a:effectRef idx="0">
+            <a:schemeClr val="accent1"/>
+          </a:effectRef>
+          <a:fontRef idx="minor">
+            <a:schemeClr val="lt1"/>
+          </a:fontRef>
+        </p:style>
+        <p:txBody>
+          <a:bodyPr rtlCol="0" anchor="ctr"/>
+          <a:lstStyle/>
+          <a:p>
+            <a:pPr algn="ctr"/>
+            <a:endParaRPr lang="ja-JP" altLang="en-US" sz="1633"/>
+          </a:p>
+        </p:txBody>
+      </p:sp>
+      <p:sp>
+        <p:nvSpPr>
+          <p:cNvPr id="6" name="四角形: 角を丸くする 5"/>
+          <p:cNvSpPr/>
+          <p:nvPr/>
+        </p:nvSpPr>
+        <p:spPr>
+          <a:xfrm>
+            <a:off x="3900383" y="4035190"/>
+            <a:ext cx="1198897" cy="2519307"/>
+          </a:xfrm>
+          <a:prstGeom prst="roundRect">
+            <a:avLst>
+              <a:gd name="adj" fmla="val 29379"/>
+            </a:avLst>
+          </a:prstGeom>
+          <a:noFill/>
+          <a:ln>
+            <a:solidFill>
+              <a:srgbClr val="FF0000"/>
+            </a:solidFill>
+          </a:ln>
+        </p:spPr>
+        <p:style>
+          <a:lnRef idx="2">
+            <a:schemeClr val="accent1">
+              <a:shade val="50000"/>
+            </a:schemeClr>
+          </a:lnRef>
+          <a:fillRef idx="1">
+            <a:schemeClr val="accent1"/>
+          </a:fillRef>
+          <a:effectRef idx="0">
+            <a:schemeClr val="accent1"/>
+          </a:effectRef>
+          <a:fontRef idx="minor">
+            <a:schemeClr val="lt1"/>
+          </a:fontRef>
+        </p:style>
+        <p:txBody>
+          <a:bodyPr rtlCol="0" anchor="ctr"/>
+          <a:lstStyle/>
+          <a:p>
+            <a:pPr algn="ctr"/>
+            <a:endParaRPr lang="ja-JP" altLang="en-US" sz="1633"/>
+          </a:p>
+        </p:txBody>
+      </p:sp>
+      <p:sp>
+        <p:nvSpPr>
+          <p:cNvPr id="8" name="矢印: 右 7"/>
+          <p:cNvSpPr/>
+          <p:nvPr/>
+        </p:nvSpPr>
+        <p:spPr>
+          <a:xfrm rot="19336682">
+            <a:off x="5213434" y="4092798"/>
+            <a:ext cx="660551" cy="345636"/>
+          </a:xfrm>
+          <a:prstGeom prst="rightArrow">
+            <a:avLst/>
+          </a:prstGeom>
+        </p:spPr>
+        <p:style>
+          <a:lnRef idx="2">
+            <a:schemeClr val="accent2">
+              <a:shade val="50000"/>
+            </a:schemeClr>
+          </a:lnRef>
+          <a:fillRef idx="1">
+            <a:schemeClr val="accent2"/>
+          </a:fillRef>
+          <a:effectRef idx="0">
+            <a:schemeClr val="accent2"/>
+          </a:effectRef>
+          <a:fontRef idx="minor">
+            <a:schemeClr val="lt1"/>
+          </a:fontRef>
+        </p:style>
+        <p:txBody>
+          <a:bodyPr rtlCol="0" anchor="ctr"/>
+          <a:lstStyle/>
+          <a:p>
+            <a:pPr algn="ctr"/>
+            <a:endParaRPr lang="ja-JP" altLang="en-US" sz="1633"/>
+          </a:p>
+        </p:txBody>
+      </p:sp>
+      <p:sp>
+        <p:nvSpPr>
+          <p:cNvPr id="9" name="テキスト ボックス 8"/>
           <p:cNvSpPr txBox="1"/>
           <p:nvPr/>
         </p:nvSpPr>
         <p:spPr>
           <a:xfrm>
-            <a:off x="2293835" y="1593288"/>
-            <a:ext cx="1914473" cy="468529"/>
+            <a:off x="6021736" y="4608431"/>
+            <a:ext cx="1914474" cy="677540"/>
           </a:xfrm>
           <a:prstGeom prst="rect">
             <a:avLst/>
           </a:prstGeom>
           <a:solidFill>
-            <a:schemeClr val="accent5">
-              <a:lumMod val="40000"/>
-              <a:lumOff val="60000"/>
-            </a:schemeClr>
+            <a:srgbClr val="92D050">
+              <a:alpha val="40000"/>
+            </a:srgbClr>
           </a:solidFill>
           <a:ln>
             <a:solidFill>
@@ -6261,17 +6966,7 @@
                 <a:ea typeface="ＭＳ Ｐゴシック" panose="020B0600070205080204" charset="-128"/>
                 <a:cs typeface="Arial" panose="020B0604020202020204" pitchFamily="34" charset="0"/>
               </a:rPr>
-              <a:t>Input: </a:t>
-            </a:r>
-          </a:p>
-          <a:p>
-            <a:r>
-              <a:rPr lang="en-US" altLang="ja-JP" sz="907" dirty="0">
-                <a:latin typeface="ＭＳ Ｐゴシック" panose="020B0600070205080204" charset="-128"/>
-                <a:ea typeface="ＭＳ Ｐゴシック" panose="020B0600070205080204" charset="-128"/>
-                <a:cs typeface="Arial" panose="020B0604020202020204" pitchFamily="34" charset="0"/>
-              </a:rPr>
-              <a:t> nozzle pressure ratio is increased</a:t>
+              <a:t> Components for design point constraint of mass flow rate is integrated into single component for easier handling.</a:t>
             </a:r>
             <a:endParaRPr lang="ja-JP" altLang="en-US" sz="907" dirty="0">
               <a:latin typeface="ＭＳ Ｐゴシック" panose="020B0600070205080204" charset="-128"/>
@@ -6281,44 +6976,6 @@
           </a:p>
         </p:txBody>
       </p:sp>
-      <p:cxnSp>
-        <p:nvCxnSpPr>
-          <p:cNvPr id="6" name="直線矢印コネクタ 5"/>
-          <p:cNvCxnSpPr>
-            <a:stCxn id="5" idx="2"/>
-          </p:cNvCxnSpPr>
-          <p:nvPr/>
-        </p:nvCxnSpPr>
-        <p:spPr>
-          <a:xfrm>
-            <a:off x="3251071" y="2061817"/>
-            <a:ext cx="845519" cy="767098"/>
-          </a:xfrm>
-          <a:prstGeom prst="straightConnector1">
-            <a:avLst/>
-          </a:prstGeom>
-          <a:ln w="12700">
-            <a:solidFill>
-              <a:schemeClr val="tx1"/>
-            </a:solidFill>
-            <a:tailEnd type="oval"/>
-          </a:ln>
-        </p:spPr>
-        <p:style>
-          <a:lnRef idx="1">
-            <a:schemeClr val="accent1"/>
-          </a:lnRef>
-          <a:fillRef idx="0">
-            <a:schemeClr val="accent1"/>
-          </a:fillRef>
-          <a:effectRef idx="0">
-            <a:schemeClr val="accent1"/>
-          </a:effectRef>
-          <a:fontRef idx="minor">
-            <a:schemeClr val="tx1"/>
-          </a:fontRef>
-        </p:style>
-      </p:cxnSp>
     </p:spTree>
   </p:cSld>
   <p:clrMapOvr>

--- a/docs/Examples/Elements/BasicElements/makeFig_BasicElements.pptx
+++ b/docs/Examples/Elements/BasicElements/makeFig_BasicElements.pptx
@@ -328,7 +328,7 @@
           <a:p>
             <a:fld id="{7A42870F-4E67-46E2-8F18-B2501CC1ED92}" type="datetimeFigureOut">
               <a:rPr kumimoji="1" lang="ja-JP" altLang="en-US" smtClean="0"/>
-              <a:t>2021/3/4</a:t>
+              <a:t>2021/3/11</a:t>
             </a:fld>
             <a:endParaRPr kumimoji="1" lang="ja-JP" altLang="en-US"/>
           </a:p>
@@ -558,7 +558,7 @@
           <a:p>
             <a:fld id="{7A42870F-4E67-46E2-8F18-B2501CC1ED92}" type="datetimeFigureOut">
               <a:rPr kumimoji="1" lang="ja-JP" altLang="en-US" smtClean="0"/>
-              <a:t>2021/3/4</a:t>
+              <a:t>2021/3/11</a:t>
             </a:fld>
             <a:endParaRPr kumimoji="1" lang="ja-JP" altLang="en-US"/>
           </a:p>
@@ -798,7 +798,7 @@
           <a:p>
             <a:fld id="{7A42870F-4E67-46E2-8F18-B2501CC1ED92}" type="datetimeFigureOut">
               <a:rPr kumimoji="1" lang="ja-JP" altLang="en-US" smtClean="0"/>
-              <a:t>2021/3/4</a:t>
+              <a:t>2021/3/11</a:t>
             </a:fld>
             <a:endParaRPr kumimoji="1" lang="ja-JP" altLang="en-US"/>
           </a:p>
@@ -1118,7 +1118,7 @@
           <a:p>
             <a:fld id="{7A42870F-4E67-46E2-8F18-B2501CC1ED92}" type="datetimeFigureOut">
               <a:rPr kumimoji="1" lang="ja-JP" altLang="en-US" smtClean="0"/>
-              <a:t>2021/3/4</a:t>
+              <a:t>2021/3/11</a:t>
             </a:fld>
             <a:endParaRPr kumimoji="1" lang="ja-JP" altLang="en-US"/>
           </a:p>
@@ -1393,7 +1393,7 @@
           <a:p>
             <a:fld id="{7A42870F-4E67-46E2-8F18-B2501CC1ED92}" type="datetimeFigureOut">
               <a:rPr kumimoji="1" lang="ja-JP" altLang="en-US" smtClean="0"/>
-              <a:t>2021/3/4</a:t>
+              <a:t>2021/3/11</a:t>
             </a:fld>
             <a:endParaRPr kumimoji="1" lang="ja-JP" altLang="en-US"/>
           </a:p>
@@ -1722,7 +1722,7 @@
           <a:p>
             <a:fld id="{7A42870F-4E67-46E2-8F18-B2501CC1ED92}" type="datetimeFigureOut">
               <a:rPr kumimoji="1" lang="ja-JP" altLang="en-US" smtClean="0"/>
-              <a:t>2021/3/4</a:t>
+              <a:t>2021/3/11</a:t>
             </a:fld>
             <a:endParaRPr kumimoji="1" lang="ja-JP" altLang="en-US"/>
           </a:p>
@@ -2198,7 +2198,7 @@
           <a:p>
             <a:fld id="{7A42870F-4E67-46E2-8F18-B2501CC1ED92}" type="datetimeFigureOut">
               <a:rPr kumimoji="1" lang="ja-JP" altLang="en-US" smtClean="0"/>
-              <a:t>2021/3/4</a:t>
+              <a:t>2021/3/11</a:t>
             </a:fld>
             <a:endParaRPr kumimoji="1" lang="ja-JP" altLang="en-US"/>
           </a:p>
@@ -2339,7 +2339,7 @@
           <a:p>
             <a:fld id="{7A42870F-4E67-46E2-8F18-B2501CC1ED92}" type="datetimeFigureOut">
               <a:rPr kumimoji="1" lang="ja-JP" altLang="en-US" smtClean="0"/>
-              <a:t>2021/3/4</a:t>
+              <a:t>2021/3/11</a:t>
             </a:fld>
             <a:endParaRPr kumimoji="1" lang="ja-JP" altLang="en-US"/>
           </a:p>
@@ -2452,7 +2452,7 @@
           <a:p>
             <a:fld id="{7A42870F-4E67-46E2-8F18-B2501CC1ED92}" type="datetimeFigureOut">
               <a:rPr kumimoji="1" lang="ja-JP" altLang="en-US" smtClean="0"/>
-              <a:t>2021/3/4</a:t>
+              <a:t>2021/3/11</a:t>
             </a:fld>
             <a:endParaRPr kumimoji="1" lang="ja-JP" altLang="en-US"/>
           </a:p>
@@ -2795,7 +2795,7 @@
           <a:p>
             <a:fld id="{7A42870F-4E67-46E2-8F18-B2501CC1ED92}" type="datetimeFigureOut">
               <a:rPr kumimoji="1" lang="ja-JP" altLang="en-US" smtClean="0"/>
-              <a:t>2021/3/4</a:t>
+              <a:t>2021/3/11</a:t>
             </a:fld>
             <a:endParaRPr kumimoji="1" lang="ja-JP" altLang="en-US"/>
           </a:p>
@@ -3083,7 +3083,7 @@
           <a:p>
             <a:fld id="{7A42870F-4E67-46E2-8F18-B2501CC1ED92}" type="datetimeFigureOut">
               <a:rPr kumimoji="1" lang="ja-JP" altLang="en-US" smtClean="0"/>
-              <a:t>2021/3/4</a:t>
+              <a:t>2021/3/11</a:t>
             </a:fld>
             <a:endParaRPr kumimoji="1" lang="ja-JP" altLang="en-US"/>
           </a:p>
@@ -3356,7 +3356,7 @@
           <a:p>
             <a:fld id="{7A42870F-4E67-46E2-8F18-B2501CC1ED92}" type="datetimeFigureOut">
               <a:rPr kumimoji="1" lang="ja-JP" altLang="en-US" smtClean="0"/>
-              <a:t>2021/3/4</a:t>
+              <a:t>2021/3/11</a:t>
             </a:fld>
             <a:endParaRPr kumimoji="1" lang="ja-JP" altLang="en-US"/>
           </a:p>

--- a/docs/Examples/Elements/BasicElements/makeFig_BasicElements.pptx
+++ b/docs/Examples/Elements/BasicElements/makeFig_BasicElements.pptx
@@ -5,23 +5,25 @@
     <p:sldMasterId id="2147483648" r:id="rId1"/>
   </p:sldMasterIdLst>
   <p:sldIdLst>
-    <p:sldId id="294" r:id="rId2"/>
-    <p:sldId id="295" r:id="rId3"/>
-    <p:sldId id="292" r:id="rId4"/>
-    <p:sldId id="293" r:id="rId5"/>
-    <p:sldId id="288" r:id="rId6"/>
-    <p:sldId id="289" r:id="rId7"/>
-    <p:sldId id="290" r:id="rId8"/>
-    <p:sldId id="291" r:id="rId9"/>
-    <p:sldId id="287" r:id="rId10"/>
-    <p:sldId id="283" r:id="rId11"/>
-    <p:sldId id="284" r:id="rId12"/>
-    <p:sldId id="285" r:id="rId13"/>
-    <p:sldId id="286" r:id="rId14"/>
-    <p:sldId id="282" r:id="rId15"/>
-    <p:sldId id="269" r:id="rId16"/>
-    <p:sldId id="265" r:id="rId17"/>
-    <p:sldId id="275" r:id="rId18"/>
+    <p:sldId id="296" r:id="rId2"/>
+    <p:sldId id="297" r:id="rId3"/>
+    <p:sldId id="294" r:id="rId4"/>
+    <p:sldId id="295" r:id="rId5"/>
+    <p:sldId id="292" r:id="rId6"/>
+    <p:sldId id="293" r:id="rId7"/>
+    <p:sldId id="288" r:id="rId8"/>
+    <p:sldId id="289" r:id="rId9"/>
+    <p:sldId id="290" r:id="rId10"/>
+    <p:sldId id="291" r:id="rId11"/>
+    <p:sldId id="287" r:id="rId12"/>
+    <p:sldId id="283" r:id="rId13"/>
+    <p:sldId id="284" r:id="rId14"/>
+    <p:sldId id="285" r:id="rId15"/>
+    <p:sldId id="286" r:id="rId16"/>
+    <p:sldId id="282" r:id="rId17"/>
+    <p:sldId id="269" r:id="rId18"/>
+    <p:sldId id="265" r:id="rId19"/>
+    <p:sldId id="275" r:id="rId20"/>
   </p:sldIdLst>
   <p:sldSz cx="12192000" cy="6858000"/>
   <p:notesSz cx="6858000" cy="9144000"/>
@@ -123,6 +125,12 @@
   <p:extLst>
     <p:ext uri="{521415D9-36F7-43E2-AB2F-B90AF26B5E84}">
       <p14:sectionLst xmlns:p14="http://schemas.microsoft.com/office/powerpoint/2010/main">
+        <p14:section name="PistonCylinderNonIdealOttoMV01_ex01" id="{6B690D0E-0492-4E7E-9F0D-4464CC80CCFB}">
+          <p14:sldIdLst>
+            <p14:sldId id="296"/>
+            <p14:sldId id="297"/>
+          </p14:sldIdLst>
+        </p14:section>
         <p14:section name="PistonCylinderIdealOttoMV01_ex02" id="{644A4BC1-EE10-4FBE-ABE8-F8216D2FF0B8}">
           <p14:sldIdLst>
             <p14:sldId id="294"/>
@@ -328,7 +336,7 @@
           <a:p>
             <a:fld id="{7A42870F-4E67-46E2-8F18-B2501CC1ED92}" type="datetimeFigureOut">
               <a:rPr kumimoji="1" lang="ja-JP" altLang="en-US" smtClean="0"/>
-              <a:t>2021/3/11</a:t>
+              <a:t>2021/7/21</a:t>
             </a:fld>
             <a:endParaRPr kumimoji="1" lang="ja-JP" altLang="en-US"/>
           </a:p>
@@ -558,7 +566,7 @@
           <a:p>
             <a:fld id="{7A42870F-4E67-46E2-8F18-B2501CC1ED92}" type="datetimeFigureOut">
               <a:rPr kumimoji="1" lang="ja-JP" altLang="en-US" smtClean="0"/>
-              <a:t>2021/3/11</a:t>
+              <a:t>2021/7/21</a:t>
             </a:fld>
             <a:endParaRPr kumimoji="1" lang="ja-JP" altLang="en-US"/>
           </a:p>
@@ -798,7 +806,7 @@
           <a:p>
             <a:fld id="{7A42870F-4E67-46E2-8F18-B2501CC1ED92}" type="datetimeFigureOut">
               <a:rPr kumimoji="1" lang="ja-JP" altLang="en-US" smtClean="0"/>
-              <a:t>2021/3/11</a:t>
+              <a:t>2021/7/21</a:t>
             </a:fld>
             <a:endParaRPr kumimoji="1" lang="ja-JP" altLang="en-US"/>
           </a:p>
@@ -1118,7 +1126,7 @@
           <a:p>
             <a:fld id="{7A42870F-4E67-46E2-8F18-B2501CC1ED92}" type="datetimeFigureOut">
               <a:rPr kumimoji="1" lang="ja-JP" altLang="en-US" smtClean="0"/>
-              <a:t>2021/3/11</a:t>
+              <a:t>2021/7/21</a:t>
             </a:fld>
             <a:endParaRPr kumimoji="1" lang="ja-JP" altLang="en-US"/>
           </a:p>
@@ -1393,7 +1401,7 @@
           <a:p>
             <a:fld id="{7A42870F-4E67-46E2-8F18-B2501CC1ED92}" type="datetimeFigureOut">
               <a:rPr kumimoji="1" lang="ja-JP" altLang="en-US" smtClean="0"/>
-              <a:t>2021/3/11</a:t>
+              <a:t>2021/7/21</a:t>
             </a:fld>
             <a:endParaRPr kumimoji="1" lang="ja-JP" altLang="en-US"/>
           </a:p>
@@ -1722,7 +1730,7 @@
           <a:p>
             <a:fld id="{7A42870F-4E67-46E2-8F18-B2501CC1ED92}" type="datetimeFigureOut">
               <a:rPr kumimoji="1" lang="ja-JP" altLang="en-US" smtClean="0"/>
-              <a:t>2021/3/11</a:t>
+              <a:t>2021/7/21</a:t>
             </a:fld>
             <a:endParaRPr kumimoji="1" lang="ja-JP" altLang="en-US"/>
           </a:p>
@@ -2198,7 +2206,7 @@
           <a:p>
             <a:fld id="{7A42870F-4E67-46E2-8F18-B2501CC1ED92}" type="datetimeFigureOut">
               <a:rPr kumimoji="1" lang="ja-JP" altLang="en-US" smtClean="0"/>
-              <a:t>2021/3/11</a:t>
+              <a:t>2021/7/21</a:t>
             </a:fld>
             <a:endParaRPr kumimoji="1" lang="ja-JP" altLang="en-US"/>
           </a:p>
@@ -2339,7 +2347,7 @@
           <a:p>
             <a:fld id="{7A42870F-4E67-46E2-8F18-B2501CC1ED92}" type="datetimeFigureOut">
               <a:rPr kumimoji="1" lang="ja-JP" altLang="en-US" smtClean="0"/>
-              <a:t>2021/3/11</a:t>
+              <a:t>2021/7/21</a:t>
             </a:fld>
             <a:endParaRPr kumimoji="1" lang="ja-JP" altLang="en-US"/>
           </a:p>
@@ -2452,7 +2460,7 @@
           <a:p>
             <a:fld id="{7A42870F-4E67-46E2-8F18-B2501CC1ED92}" type="datetimeFigureOut">
               <a:rPr kumimoji="1" lang="ja-JP" altLang="en-US" smtClean="0"/>
-              <a:t>2021/3/11</a:t>
+              <a:t>2021/7/21</a:t>
             </a:fld>
             <a:endParaRPr kumimoji="1" lang="ja-JP" altLang="en-US"/>
           </a:p>
@@ -2795,7 +2803,7 @@
           <a:p>
             <a:fld id="{7A42870F-4E67-46E2-8F18-B2501CC1ED92}" type="datetimeFigureOut">
               <a:rPr kumimoji="1" lang="ja-JP" altLang="en-US" smtClean="0"/>
-              <a:t>2021/3/11</a:t>
+              <a:t>2021/7/21</a:t>
             </a:fld>
             <a:endParaRPr kumimoji="1" lang="ja-JP" altLang="en-US"/>
           </a:p>
@@ -3083,7 +3091,7 @@
           <a:p>
             <a:fld id="{7A42870F-4E67-46E2-8F18-B2501CC1ED92}" type="datetimeFigureOut">
               <a:rPr kumimoji="1" lang="ja-JP" altLang="en-US" smtClean="0"/>
-              <a:t>2021/3/11</a:t>
+              <a:t>2021/7/21</a:t>
             </a:fld>
             <a:endParaRPr kumimoji="1" lang="ja-JP" altLang="en-US"/>
           </a:p>
@@ -3356,7 +3364,7 @@
           <a:p>
             <a:fld id="{7A42870F-4E67-46E2-8F18-B2501CC1ED92}" type="datetimeFigureOut">
               <a:rPr kumimoji="1" lang="ja-JP" altLang="en-US" smtClean="0"/>
-              <a:t>2021/3/11</a:t>
+              <a:t>2021/7/21</a:t>
             </a:fld>
             <a:endParaRPr kumimoji="1" lang="ja-JP" altLang="en-US"/>
           </a:p>
@@ -3776,10 +3784,10 @@
       </p:grpSpPr>
       <p:pic>
         <p:nvPicPr>
-          <p:cNvPr id="3" name="図 2">
-            <a:extLst>
-              <a:ext uri="{FF2B5EF4-FFF2-40B4-BE49-F238E27FC236}">
-                <a16:creationId xmlns:a16="http://schemas.microsoft.com/office/drawing/2014/main" id="{3E309A87-3AF0-45DB-A840-39D1297E480F}"/>
+          <p:cNvPr id="4" name="図 3">
+            <a:extLst>
+              <a:ext uri="{FF2B5EF4-FFF2-40B4-BE49-F238E27FC236}">
+                <a16:creationId xmlns:a16="http://schemas.microsoft.com/office/drawing/2014/main" id="{A85D58A0-C01B-4C0A-B0F4-C82C4995E6AE}"/>
               </a:ext>
             </a:extLst>
           </p:cNvPr>
@@ -3796,8 +3804,8 @@
         </p:blipFill>
         <p:spPr>
           <a:xfrm>
-            <a:off x="1291238" y="81381"/>
-            <a:ext cx="9609524" cy="6695238"/>
+            <a:off x="1338857" y="81381"/>
+            <a:ext cx="9514286" cy="6695238"/>
           </a:xfrm>
           <a:prstGeom prst="rect">
             <a:avLst/>
@@ -3807,7 +3815,7 @@
     </p:spTree>
     <p:extLst>
       <p:ext uri="{BB962C8B-B14F-4D97-AF65-F5344CB8AC3E}">
-        <p14:creationId xmlns:p14="http://schemas.microsoft.com/office/powerpoint/2010/main" val="2026782792"/>
+        <p14:creationId xmlns:p14="http://schemas.microsoft.com/office/powerpoint/2010/main" val="845331898"/>
       </p:ext>
     </p:extLst>
   </p:cSld>
@@ -3836,7 +3844,7 @@
       </p:grpSpPr>
       <p:pic>
         <p:nvPicPr>
-          <p:cNvPr id="3" name="図 2"/>
+          <p:cNvPr id="5" name="図 4"/>
           <p:cNvPicPr>
             <a:picLocks noChangeAspect="1"/>
           </p:cNvPicPr>
@@ -3850,83 +3858,26 @@
         </p:blipFill>
         <p:spPr>
           <a:xfrm>
-            <a:off x="3921131" y="549291"/>
-            <a:ext cx="4549439" cy="4684106"/>
+            <a:off x="2898385" y="488459"/>
+            <a:ext cx="6531709" cy="4803967"/>
           </a:xfrm>
           <a:prstGeom prst="rect">
             <a:avLst/>
           </a:prstGeom>
         </p:spPr>
       </p:pic>
-      <p:sp>
-        <p:nvSpPr>
-          <p:cNvPr id="4" name="テキスト ボックス 3"/>
-          <p:cNvSpPr txBox="1"/>
-          <p:nvPr/>
-        </p:nvSpPr>
-        <p:spPr>
-          <a:xfrm>
-            <a:off x="3487274" y="3997205"/>
-            <a:ext cx="1914474" cy="801624"/>
-          </a:xfrm>
-          <a:prstGeom prst="rect">
-            <a:avLst/>
-          </a:prstGeom>
-          <a:solidFill>
-            <a:srgbClr val="92D050">
-              <a:alpha val="40000"/>
-            </a:srgbClr>
-          </a:solidFill>
-          <a:ln>
-            <a:solidFill>
-              <a:schemeClr val="tx1"/>
-            </a:solidFill>
-          </a:ln>
-        </p:spPr>
-        <p:txBody>
-          <a:bodyPr wrap="square" rtlCol="0">
-            <a:noAutofit/>
-          </a:bodyPr>
-          <a:lstStyle/>
-          <a:p>
-            <a:r>
-              <a:rPr lang="en-US" altLang="ja-JP" sz="907" dirty="0">
-                <a:latin typeface="ＭＳ Ｐゴシック" panose="020B0600070205080204" charset="-128"/>
-                <a:ea typeface="ＭＳ Ｐゴシック" panose="020B0600070205080204" charset="-128"/>
-                <a:cs typeface="Arial" panose="020B0604020202020204" pitchFamily="34" charset="0"/>
-              </a:rPr>
-              <a:t> Mass flow rate signal is constrained to the value input as signal.</a:t>
-            </a:r>
-          </a:p>
-          <a:p>
-            <a:r>
-              <a:rPr lang="en-US" altLang="ja-JP" sz="907" dirty="0">
-                <a:latin typeface="ＭＳ Ｐゴシック" panose="020B0600070205080204" charset="-128"/>
-                <a:ea typeface="ＭＳ Ｐゴシック" panose="020B0600070205080204" charset="-128"/>
-                <a:cs typeface="Arial" panose="020B0604020202020204" pitchFamily="34" charset="0"/>
-              </a:rPr>
-              <a:t>Constraint is kept until the time which is defined by “environment” block.</a:t>
-            </a:r>
-            <a:endParaRPr lang="ja-JP" altLang="en-US" sz="907" dirty="0">
-              <a:latin typeface="ＭＳ Ｐゴシック" panose="020B0600070205080204" charset="-128"/>
-              <a:ea typeface="ＭＳ Ｐゴシック" panose="020B0600070205080204" charset="-128"/>
-              <a:cs typeface="Arial" panose="020B0604020202020204" pitchFamily="34" charset="0"/>
-            </a:endParaRPr>
-          </a:p>
-        </p:txBody>
-      </p:sp>
       <p:cxnSp>
         <p:nvCxnSpPr>
-          <p:cNvPr id="5" name="直線矢印コネクタ 4"/>
+          <p:cNvPr id="6" name="直線矢印コネクタ 5"/>
           <p:cNvCxnSpPr>
-            <a:stCxn id="4" idx="3"/>
+            <a:stCxn id="7" idx="0"/>
           </p:cNvCxnSpPr>
           <p:nvPr/>
         </p:nvCxnSpPr>
         <p:spPr>
           <a:xfrm flipV="1">
-            <a:off x="5401747" y="4186039"/>
-            <a:ext cx="607364" cy="211978"/>
+            <a:off x="5415393" y="2327285"/>
+            <a:ext cx="985440" cy="525655"/>
           </a:xfrm>
           <a:prstGeom prst="straightConnector1">
             <a:avLst/>
@@ -3955,22 +3906,20 @@
       </p:cxnSp>
       <p:sp>
         <p:nvSpPr>
-          <p:cNvPr id="12" name="テキスト ボックス 11"/>
+          <p:cNvPr id="7" name="テキスト ボックス 6"/>
           <p:cNvSpPr txBox="1"/>
           <p:nvPr/>
         </p:nvSpPr>
         <p:spPr>
           <a:xfrm>
-            <a:off x="3594805" y="1535620"/>
-            <a:ext cx="1914474" cy="801624"/>
+            <a:off x="4376186" y="2852940"/>
+            <a:ext cx="2078412" cy="576060"/>
           </a:xfrm>
           <a:prstGeom prst="rect">
             <a:avLst/>
           </a:prstGeom>
           <a:solidFill>
-            <a:srgbClr val="92D050">
-              <a:alpha val="40000"/>
-            </a:srgbClr>
+            <a:srgbClr val="FFFF00"/>
           </a:solidFill>
           <a:ln>
             <a:solidFill>
@@ -3985,33 +3934,45 @@
           <a:lstStyle/>
           <a:p>
             <a:r>
-              <a:rPr lang="en-US" altLang="ja-JP" sz="907" dirty="0">
-                <a:latin typeface="ＭＳ Ｐゴシック" panose="020B0600070205080204" charset="-128"/>
-                <a:ea typeface="ＭＳ Ｐゴシック" panose="020B0600070205080204" charset="-128"/>
+              <a:rPr lang="en-US" altLang="ja-JP" sz="726" dirty="0">
+                <a:latin typeface="Arial" panose="020B0604020202020204" pitchFamily="34" charset="0"/>
                 <a:cs typeface="Arial" panose="020B0604020202020204" pitchFamily="34" charset="0"/>
               </a:rPr>
-              <a:t> This component defines the time when mass flow rate constraint is removed and mechanical cross sectional area of nozzle throat turns from output to input.</a:t>
-            </a:r>
-            <a:endParaRPr lang="ja-JP" altLang="en-US" sz="907" dirty="0">
-              <a:latin typeface="ＭＳ Ｐゴシック" panose="020B0600070205080204" charset="-128"/>
-              <a:ea typeface="ＭＳ Ｐゴシック" panose="020B0600070205080204" charset="-128"/>
-              <a:cs typeface="Arial" panose="020B0604020202020204" pitchFamily="34" charset="0"/>
-            </a:endParaRPr>
+              <a:t>Output: </a:t>
+            </a:r>
+          </a:p>
+          <a:p>
+            <a:r>
+              <a:rPr lang="en-US" altLang="ja-JP" sz="726" dirty="0">
+                <a:latin typeface="Arial" panose="020B0604020202020204" pitchFamily="34" charset="0"/>
+                <a:cs typeface="Arial" panose="020B0604020202020204" pitchFamily="34" charset="0"/>
+              </a:rPr>
+              <a:t> throat mechanical cross sectional area.</a:t>
+            </a:r>
+          </a:p>
+          <a:p>
+            <a:r>
+              <a:rPr lang="en-US" altLang="ja-JP" sz="726" dirty="0">
+                <a:latin typeface="Arial" panose="020B0604020202020204" pitchFamily="34" charset="0"/>
+                <a:cs typeface="Arial" panose="020B0604020202020204" pitchFamily="34" charset="0"/>
+              </a:rPr>
+              <a:t> It decreases as throat area multiplication factor drops.</a:t>
+            </a:r>
           </a:p>
         </p:txBody>
       </p:sp>
       <p:cxnSp>
         <p:nvCxnSpPr>
-          <p:cNvPr id="13" name="直線矢印コネクタ 12"/>
+          <p:cNvPr id="9" name="直線矢印コネクタ 8"/>
           <p:cNvCxnSpPr>
-            <a:stCxn id="12" idx="0"/>
+            <a:stCxn id="10" idx="0"/>
           </p:cNvCxnSpPr>
           <p:nvPr/>
         </p:nvCxnSpPr>
         <p:spPr>
-          <a:xfrm flipV="1">
-            <a:off x="4552042" y="1205888"/>
-            <a:ext cx="619862" cy="329732"/>
+          <a:xfrm flipH="1" flipV="1">
+            <a:off x="8011509" y="1129079"/>
+            <a:ext cx="61443" cy="602461"/>
           </a:xfrm>
           <a:prstGeom prst="straightConnector1">
             <a:avLst/>
@@ -4040,22 +4001,20 @@
       </p:cxnSp>
       <p:sp>
         <p:nvSpPr>
-          <p:cNvPr id="17" name="テキスト ボックス 16"/>
+          <p:cNvPr id="10" name="テキスト ボックス 9"/>
           <p:cNvSpPr txBox="1"/>
           <p:nvPr/>
         </p:nvSpPr>
         <p:spPr>
           <a:xfrm>
-            <a:off x="7015298" y="3932574"/>
-            <a:ext cx="2326712" cy="1129079"/>
+            <a:off x="6972302" y="1731540"/>
+            <a:ext cx="2201301" cy="664872"/>
           </a:xfrm>
           <a:prstGeom prst="rect">
             <a:avLst/>
           </a:prstGeom>
           <a:solidFill>
-            <a:srgbClr val="92D050">
-              <a:alpha val="40000"/>
-            </a:srgbClr>
+            <a:srgbClr val="FFFF00"/>
           </a:solidFill>
           <a:ln>
             <a:solidFill>
@@ -4070,159 +4029,30 @@
           <a:lstStyle/>
           <a:p>
             <a:r>
-              <a:rPr lang="en-US" altLang="ja-JP" sz="907" dirty="0">
-                <a:latin typeface="ＭＳ Ｐゴシック" panose="020B0600070205080204" charset="-128"/>
-                <a:ea typeface="ＭＳ Ｐゴシック" panose="020B0600070205080204" charset="-128"/>
+              <a:rPr lang="en-US" altLang="ja-JP" sz="726" dirty="0">
+                <a:latin typeface="Arial" panose="020B0604020202020204" pitchFamily="34" charset="0"/>
                 <a:cs typeface="Arial" panose="020B0604020202020204" pitchFamily="34" charset="0"/>
               </a:rPr>
-              <a:t> Mechanical cross sectional area of throat is calculated variable when mass flow rate is constrained. “des” marked discrete variable stores that value.</a:t>
-            </a:r>
-          </a:p>
-          <a:p>
-            <a:r>
-              <a:rPr lang="ja-JP" altLang="en-US" sz="907" dirty="0">
-                <a:latin typeface="ＭＳ Ｐゴシック" panose="020B0600070205080204" charset="-128"/>
-                <a:ea typeface="ＭＳ Ｐゴシック" panose="020B0600070205080204" charset="-128"/>
+              <a:t>Output: </a:t>
+            </a:r>
+          </a:p>
+          <a:p>
+            <a:r>
+              <a:rPr lang="en-US" altLang="ja-JP" sz="726" dirty="0">
+                <a:latin typeface="Arial" panose="020B0604020202020204" pitchFamily="34" charset="0"/>
                 <a:cs typeface="Arial" panose="020B0604020202020204" pitchFamily="34" charset="0"/>
               </a:rPr>
-              <a:t> </a:t>
-            </a:r>
-            <a:r>
-              <a:rPr lang="en-US" altLang="ja-JP" sz="907" dirty="0">
-                <a:latin typeface="ＭＳ Ｐゴシック" panose="020B0600070205080204" charset="-128"/>
-                <a:ea typeface="ＭＳ Ｐゴシック" panose="020B0600070205080204" charset="-128"/>
+              <a:t> “des” marked throat mechanical cross sectional area.</a:t>
+            </a:r>
+          </a:p>
+          <a:p>
+            <a:r>
+              <a:rPr lang="en-US" altLang="ja-JP" sz="726" dirty="0">
+                <a:latin typeface="Arial" panose="020B0604020202020204" pitchFamily="34" charset="0"/>
                 <a:cs typeface="Arial" panose="020B0604020202020204" pitchFamily="34" charset="0"/>
               </a:rPr>
-              <a:t>After Mass flow rate constraint is removed, the value of mechanical cross sectional area is input and mass flow is calculated variable.</a:t>
-            </a:r>
-            <a:endParaRPr lang="ja-JP" altLang="en-US" sz="907" dirty="0">
-              <a:latin typeface="ＭＳ Ｐゴシック" panose="020B0600070205080204" charset="-128"/>
-              <a:ea typeface="ＭＳ Ｐゴシック" panose="020B0600070205080204" charset="-128"/>
-              <a:cs typeface="Arial" panose="020B0604020202020204" pitchFamily="34" charset="0"/>
-            </a:endParaRPr>
-          </a:p>
-        </p:txBody>
-      </p:sp>
-      <p:cxnSp>
-        <p:nvCxnSpPr>
-          <p:cNvPr id="18" name="直線矢印コネクタ 17"/>
-          <p:cNvCxnSpPr>
-            <a:stCxn id="17" idx="0"/>
-          </p:cNvCxnSpPr>
-          <p:nvPr/>
-        </p:nvCxnSpPr>
-        <p:spPr>
-          <a:xfrm flipH="1" flipV="1">
-            <a:off x="7506869" y="3539777"/>
-            <a:ext cx="671784" cy="392797"/>
-          </a:xfrm>
-          <a:prstGeom prst="straightConnector1">
-            <a:avLst/>
-          </a:prstGeom>
-          <a:ln w="12700">
-            <a:solidFill>
-              <a:schemeClr val="tx1"/>
-            </a:solidFill>
-            <a:tailEnd type="oval"/>
-          </a:ln>
-        </p:spPr>
-        <p:style>
-          <a:lnRef idx="1">
-            <a:schemeClr val="accent1"/>
-          </a:lnRef>
-          <a:fillRef idx="0">
-            <a:schemeClr val="accent1"/>
-          </a:fillRef>
-          <a:effectRef idx="0">
-            <a:schemeClr val="accent1"/>
-          </a:effectRef>
-          <a:fontRef idx="minor">
-            <a:schemeClr val="tx1"/>
-          </a:fontRef>
-        </p:style>
-      </p:cxnSp>
-      <p:cxnSp>
-        <p:nvCxnSpPr>
-          <p:cNvPr id="29" name="直線矢印コネクタ 28"/>
-          <p:cNvCxnSpPr>
-            <a:stCxn id="30" idx="3"/>
-          </p:cNvCxnSpPr>
-          <p:nvPr/>
-        </p:nvCxnSpPr>
-        <p:spPr>
-          <a:xfrm>
-            <a:off x="3718260" y="2810992"/>
-            <a:ext cx="386012" cy="176842"/>
-          </a:xfrm>
-          <a:prstGeom prst="straightConnector1">
-            <a:avLst/>
-          </a:prstGeom>
-          <a:ln w="12700">
-            <a:solidFill>
-              <a:schemeClr val="tx1"/>
-            </a:solidFill>
-            <a:tailEnd type="oval"/>
-          </a:ln>
-        </p:spPr>
-        <p:style>
-          <a:lnRef idx="1">
-            <a:schemeClr val="accent1"/>
-          </a:lnRef>
-          <a:fillRef idx="0">
-            <a:schemeClr val="accent1"/>
-          </a:fillRef>
-          <a:effectRef idx="0">
-            <a:schemeClr val="accent1"/>
-          </a:effectRef>
-          <a:fontRef idx="minor">
-            <a:schemeClr val="tx1"/>
-          </a:fontRef>
-        </p:style>
-      </p:cxnSp>
-      <p:sp>
-        <p:nvSpPr>
-          <p:cNvPr id="30" name="テキスト ボックス 29"/>
-          <p:cNvSpPr txBox="1"/>
-          <p:nvPr/>
-        </p:nvSpPr>
-        <p:spPr>
-          <a:xfrm>
-            <a:off x="1803786" y="2419455"/>
-            <a:ext cx="1914473" cy="783073"/>
-          </a:xfrm>
-          <a:prstGeom prst="rect">
-            <a:avLst/>
-          </a:prstGeom>
-          <a:solidFill>
-            <a:srgbClr val="00B0F0">
-              <a:alpha val="40000"/>
-            </a:srgbClr>
-          </a:solidFill>
-          <a:ln>
-            <a:solidFill>
-              <a:schemeClr val="tx1"/>
-            </a:solidFill>
-          </a:ln>
-        </p:spPr>
-        <p:txBody>
-          <a:bodyPr wrap="square" rtlCol="0">
-            <a:noAutofit/>
-          </a:bodyPr>
-          <a:lstStyle/>
-          <a:p>
-            <a:r>
-              <a:rPr lang="en-US" altLang="ja-JP" sz="907" dirty="0">
-                <a:latin typeface="ＭＳ Ｐゴシック" panose="020B0600070205080204" charset="-128"/>
-                <a:ea typeface="ＭＳ Ｐゴシック" panose="020B0600070205080204" charset="-128"/>
-                <a:cs typeface="Arial" panose="020B0604020202020204" pitchFamily="34" charset="0"/>
-              </a:rPr>
-              <a:t> Change upstream pressure of nozzle after remove of mass flow rate constraint in order to check constraint become invalid and area is fixed.</a:t>
-            </a:r>
-            <a:endParaRPr lang="ja-JP" altLang="en-US" sz="907" dirty="0">
-              <a:latin typeface="ＭＳ Ｐゴシック" panose="020B0600070205080204" charset="-128"/>
-              <a:ea typeface="ＭＳ Ｐゴシック" panose="020B0600070205080204" charset="-128"/>
-              <a:cs typeface="Arial" panose="020B0604020202020204" pitchFamily="34" charset="0"/>
-            </a:endParaRPr>
+              <a:t> It is kept constant while throat area multiplication factor is changed.</a:t>
+            </a:r>
           </a:p>
         </p:txBody>
       </p:sp>
@@ -4267,33 +4097,193 @@
         </p:blipFill>
         <p:spPr>
           <a:xfrm>
-            <a:off x="1736049" y="741702"/>
-            <a:ext cx="6531709" cy="4743336"/>
+            <a:off x="3151209" y="59299"/>
+            <a:ext cx="5712282" cy="4206317"/>
           </a:xfrm>
           <a:prstGeom prst="rect">
             <a:avLst/>
           </a:prstGeom>
         </p:spPr>
       </p:pic>
-      <p:sp>
-        <p:nvSpPr>
-          <p:cNvPr id="5" name="テキスト ボックス 4"/>
+      <p:pic>
+        <p:nvPicPr>
+          <p:cNvPr id="4" name="図 3"/>
+          <p:cNvPicPr>
+            <a:picLocks noChangeAspect="1"/>
+          </p:cNvPicPr>
+          <p:nvPr/>
+        </p:nvPicPr>
+        <p:blipFill rotWithShape="1">
+          <a:blip r:embed="rId3"/>
+          <a:srcRect l="40324" t="47469" r="38741"/>
+          <a:stretch>
+            <a:fillRect/>
+          </a:stretch>
+        </p:blipFill>
+        <p:spPr>
+          <a:xfrm>
+            <a:off x="4042824" y="4093871"/>
+            <a:ext cx="952420" cy="2460626"/>
+          </a:xfrm>
+          <a:prstGeom prst="rect">
+            <a:avLst/>
+          </a:prstGeom>
+        </p:spPr>
+      </p:pic>
+      <p:sp>
+        <p:nvSpPr>
+          <p:cNvPr id="5" name="四角形: 角を丸くする 4"/>
+          <p:cNvSpPr/>
+          <p:nvPr/>
+        </p:nvSpPr>
+        <p:spPr>
+          <a:xfrm>
+            <a:off x="5525219" y="3010875"/>
+            <a:ext cx="990824" cy="906335"/>
+          </a:xfrm>
+          <a:prstGeom prst="roundRect">
+            <a:avLst>
+              <a:gd name="adj" fmla="val 29379"/>
+            </a:avLst>
+          </a:prstGeom>
+          <a:noFill/>
+          <a:ln>
+            <a:solidFill>
+              <a:srgbClr val="FF0000"/>
+            </a:solidFill>
+          </a:ln>
+        </p:spPr>
+        <p:style>
+          <a:lnRef idx="2">
+            <a:schemeClr val="accent1">
+              <a:shade val="50000"/>
+            </a:schemeClr>
+          </a:lnRef>
+          <a:fillRef idx="1">
+            <a:schemeClr val="accent1"/>
+          </a:fillRef>
+          <a:effectRef idx="0">
+            <a:schemeClr val="accent1"/>
+          </a:effectRef>
+          <a:fontRef idx="minor">
+            <a:schemeClr val="lt1"/>
+          </a:fontRef>
+        </p:style>
+        <p:txBody>
+          <a:bodyPr rtlCol="0" anchor="ctr"/>
+          <a:lstStyle/>
+          <a:p>
+            <a:pPr algn="ctr"/>
+            <a:endParaRPr lang="ja-JP" altLang="en-US" sz="1633"/>
+          </a:p>
+        </p:txBody>
+      </p:sp>
+      <p:sp>
+        <p:nvSpPr>
+          <p:cNvPr id="6" name="四角形: 角を丸くする 5"/>
+          <p:cNvSpPr/>
+          <p:nvPr/>
+        </p:nvSpPr>
+        <p:spPr>
+          <a:xfrm>
+            <a:off x="3900383" y="4035190"/>
+            <a:ext cx="1198897" cy="2519307"/>
+          </a:xfrm>
+          <a:prstGeom prst="roundRect">
+            <a:avLst>
+              <a:gd name="adj" fmla="val 29379"/>
+            </a:avLst>
+          </a:prstGeom>
+          <a:noFill/>
+          <a:ln>
+            <a:solidFill>
+              <a:srgbClr val="FF0000"/>
+            </a:solidFill>
+          </a:ln>
+        </p:spPr>
+        <p:style>
+          <a:lnRef idx="2">
+            <a:schemeClr val="accent1">
+              <a:shade val="50000"/>
+            </a:schemeClr>
+          </a:lnRef>
+          <a:fillRef idx="1">
+            <a:schemeClr val="accent1"/>
+          </a:fillRef>
+          <a:effectRef idx="0">
+            <a:schemeClr val="accent1"/>
+          </a:effectRef>
+          <a:fontRef idx="minor">
+            <a:schemeClr val="lt1"/>
+          </a:fontRef>
+        </p:style>
+        <p:txBody>
+          <a:bodyPr rtlCol="0" anchor="ctr"/>
+          <a:lstStyle/>
+          <a:p>
+            <a:pPr algn="ctr"/>
+            <a:endParaRPr lang="ja-JP" altLang="en-US" sz="1633"/>
+          </a:p>
+        </p:txBody>
+      </p:sp>
+      <p:sp>
+        <p:nvSpPr>
+          <p:cNvPr id="8" name="矢印: 右 7"/>
+          <p:cNvSpPr/>
+          <p:nvPr/>
+        </p:nvSpPr>
+        <p:spPr>
+          <a:xfrm rot="19336682">
+            <a:off x="5213434" y="4092798"/>
+            <a:ext cx="660551" cy="345636"/>
+          </a:xfrm>
+          <a:prstGeom prst="rightArrow">
+            <a:avLst/>
+          </a:prstGeom>
+        </p:spPr>
+        <p:style>
+          <a:lnRef idx="2">
+            <a:schemeClr val="accent2">
+              <a:shade val="50000"/>
+            </a:schemeClr>
+          </a:lnRef>
+          <a:fillRef idx="1">
+            <a:schemeClr val="accent2"/>
+          </a:fillRef>
+          <a:effectRef idx="0">
+            <a:schemeClr val="accent2"/>
+          </a:effectRef>
+          <a:fontRef idx="minor">
+            <a:schemeClr val="lt1"/>
+          </a:fontRef>
+        </p:style>
+        <p:txBody>
+          <a:bodyPr rtlCol="0" anchor="ctr"/>
+          <a:lstStyle/>
+          <a:p>
+            <a:pPr algn="ctr"/>
+            <a:endParaRPr lang="ja-JP" altLang="en-US" sz="1633"/>
+          </a:p>
+        </p:txBody>
+      </p:sp>
+      <p:sp>
+        <p:nvSpPr>
+          <p:cNvPr id="9" name="テキスト ボックス 8"/>
           <p:cNvSpPr txBox="1"/>
           <p:nvPr/>
         </p:nvSpPr>
         <p:spPr>
           <a:xfrm>
-            <a:off x="2293835" y="1593288"/>
-            <a:ext cx="1914473" cy="468529"/>
+            <a:off x="6021736" y="4608431"/>
+            <a:ext cx="1914474" cy="677540"/>
           </a:xfrm>
           <a:prstGeom prst="rect">
             <a:avLst/>
           </a:prstGeom>
           <a:solidFill>
-            <a:schemeClr val="accent5">
-              <a:lumMod val="40000"/>
-              <a:lumOff val="60000"/>
-            </a:schemeClr>
+            <a:srgbClr val="92D050">
+              <a:alpha val="40000"/>
+            </a:srgbClr>
           </a:solidFill>
           <a:ln>
             <a:solidFill>
@@ -4313,17 +4303,7 @@
                 <a:ea typeface="ＭＳ Ｐゴシック" panose="020B0600070205080204" charset="-128"/>
                 <a:cs typeface="Arial" panose="020B0604020202020204" pitchFamily="34" charset="0"/>
               </a:rPr>
-              <a:t>Input: </a:t>
-            </a:r>
-          </a:p>
-          <a:p>
-            <a:r>
-              <a:rPr lang="en-US" altLang="ja-JP" sz="907" dirty="0">
-                <a:latin typeface="ＭＳ Ｐゴシック" panose="020B0600070205080204" charset="-128"/>
-                <a:ea typeface="ＭＳ Ｐゴシック" panose="020B0600070205080204" charset="-128"/>
-                <a:cs typeface="Arial" panose="020B0604020202020204" pitchFamily="34" charset="0"/>
-              </a:rPr>
-              <a:t> nozzle pressure ratio is increased</a:t>
+              <a:t> Components for design point constraint of mass flow rate is integrated into single component for easier handling.</a:t>
             </a:r>
             <a:endParaRPr lang="ja-JP" altLang="en-US" sz="907" dirty="0">
               <a:latin typeface="ＭＳ Ｐゴシック" panose="020B0600070205080204" charset="-128"/>
@@ -4333,44 +4313,6 @@
           </a:p>
         </p:txBody>
       </p:sp>
-      <p:cxnSp>
-        <p:nvCxnSpPr>
-          <p:cNvPr id="6" name="直線矢印コネクタ 5"/>
-          <p:cNvCxnSpPr>
-            <a:stCxn id="5" idx="2"/>
-          </p:cNvCxnSpPr>
-          <p:nvPr/>
-        </p:nvCxnSpPr>
-        <p:spPr>
-          <a:xfrm>
-            <a:off x="3251071" y="2061817"/>
-            <a:ext cx="845519" cy="767098"/>
-          </a:xfrm>
-          <a:prstGeom prst="straightConnector1">
-            <a:avLst/>
-          </a:prstGeom>
-          <a:ln w="12700">
-            <a:solidFill>
-              <a:schemeClr val="tx1"/>
-            </a:solidFill>
-            <a:tailEnd type="oval"/>
-          </a:ln>
-        </p:spPr>
-        <p:style>
-          <a:lnRef idx="1">
-            <a:schemeClr val="accent1"/>
-          </a:lnRef>
-          <a:fillRef idx="0">
-            <a:schemeClr val="accent1"/>
-          </a:fillRef>
-          <a:effectRef idx="0">
-            <a:schemeClr val="accent1"/>
-          </a:effectRef>
-          <a:fontRef idx="minor">
-            <a:schemeClr val="tx1"/>
-          </a:fontRef>
-        </p:style>
-      </p:cxnSp>
     </p:spTree>
   </p:cSld>
   <p:clrMapOvr>
@@ -4412,8 +4354,8 @@
         </p:blipFill>
         <p:spPr>
           <a:xfrm>
-            <a:off x="2660629" y="935031"/>
-            <a:ext cx="6531709" cy="4727207"/>
+            <a:off x="3921131" y="549291"/>
+            <a:ext cx="4549439" cy="4684106"/>
           </a:xfrm>
           <a:prstGeom prst="rect">
             <a:avLst/>
@@ -4428,14 +4370,16 @@
         </p:nvSpPr>
         <p:spPr>
           <a:xfrm>
-            <a:off x="5505265" y="2811175"/>
-            <a:ext cx="1333373" cy="658838"/>
+            <a:off x="3487274" y="3997205"/>
+            <a:ext cx="1914474" cy="801624"/>
           </a:xfrm>
           <a:prstGeom prst="rect">
             <a:avLst/>
           </a:prstGeom>
           <a:solidFill>
-            <a:srgbClr val="FFFF00"/>
+            <a:srgbClr val="92D050">
+              <a:alpha val="40000"/>
+            </a:srgbClr>
           </a:solidFill>
           <a:ln>
             <a:solidFill>
@@ -4450,30 +4394,28 @@
           <a:lstStyle/>
           <a:p>
             <a:r>
-              <a:rPr lang="en-US" altLang="ja-JP" sz="726" dirty="0">
-                <a:latin typeface="Arial" panose="020B0604020202020204" pitchFamily="34" charset="0"/>
+              <a:rPr lang="en-US" altLang="ja-JP" sz="907" dirty="0">
+                <a:latin typeface="ＭＳ Ｐゴシック" panose="020B0600070205080204" charset="-128"/>
+                <a:ea typeface="ＭＳ Ｐゴシック" panose="020B0600070205080204" charset="-128"/>
                 <a:cs typeface="Arial" panose="020B0604020202020204" pitchFamily="34" charset="0"/>
               </a:rPr>
-              <a:t>Output: </a:t>
-            </a:r>
-          </a:p>
-          <a:p>
-            <a:r>
-              <a:rPr lang="en-US" altLang="ja-JP" sz="726" dirty="0">
-                <a:latin typeface="Arial" panose="020B0604020202020204" pitchFamily="34" charset="0"/>
+              <a:t> Mass flow rate signal is constrained to the value input as signal.</a:t>
+            </a:r>
+          </a:p>
+          <a:p>
+            <a:r>
+              <a:rPr lang="en-US" altLang="ja-JP" sz="907" dirty="0">
+                <a:latin typeface="ＭＳ Ｐゴシック" panose="020B0600070205080204" charset="-128"/>
+                <a:ea typeface="ＭＳ Ｐゴシック" panose="020B0600070205080204" charset="-128"/>
                 <a:cs typeface="Arial" panose="020B0604020202020204" pitchFamily="34" charset="0"/>
               </a:rPr>
-              <a:t> mass flow rate through nozzle.</a:t>
-            </a:r>
-          </a:p>
-          <a:p>
-            <a:r>
-              <a:rPr lang="en-US" altLang="ja-JP" sz="726" dirty="0">
-                <a:latin typeface="Arial" panose="020B0604020202020204" pitchFamily="34" charset="0"/>
-                <a:cs typeface="Arial" panose="020B0604020202020204" pitchFamily="34" charset="0"/>
-              </a:rPr>
-              <a:t> It is increased as nozzle pressure ratio rises.</a:t>
-            </a:r>
+              <a:t>Constraint is kept until the time which is defined by “environment” block.</a:t>
+            </a:r>
+            <a:endParaRPr lang="ja-JP" altLang="en-US" sz="907" dirty="0">
+              <a:latin typeface="ＭＳ Ｐゴシック" panose="020B0600070205080204" charset="-128"/>
+              <a:ea typeface="ＭＳ Ｐゴシック" panose="020B0600070205080204" charset="-128"/>
+              <a:cs typeface="Arial" panose="020B0604020202020204" pitchFamily="34" charset="0"/>
+            </a:endParaRPr>
           </a:p>
         </p:txBody>
       </p:sp>
@@ -4481,14 +4423,14 @@
         <p:nvCxnSpPr>
           <p:cNvPr id="5" name="直線矢印コネクタ 4"/>
           <p:cNvCxnSpPr>
-            <a:stCxn id="7" idx="2"/>
+            <a:stCxn id="4" idx="3"/>
           </p:cNvCxnSpPr>
           <p:nvPr/>
         </p:nvCxnSpPr>
         <p:spPr>
-          <a:xfrm flipH="1">
-            <a:off x="6546768" y="4708334"/>
-            <a:ext cx="374062" cy="576060"/>
+          <a:xfrm flipV="1">
+            <a:off x="5401747" y="4186039"/>
+            <a:ext cx="607364" cy="211978"/>
           </a:xfrm>
           <a:prstGeom prst="straightConnector1">
             <a:avLst/>
@@ -4517,20 +4459,22 @@
       </p:cxnSp>
       <p:sp>
         <p:nvSpPr>
-          <p:cNvPr id="7" name="テキスト ボックス 6"/>
+          <p:cNvPr id="12" name="テキスト ボックス 11"/>
           <p:cNvSpPr txBox="1"/>
           <p:nvPr/>
         </p:nvSpPr>
         <p:spPr>
           <a:xfrm>
-            <a:off x="5881624" y="3871127"/>
-            <a:ext cx="2078412" cy="837207"/>
+            <a:off x="3594805" y="1535620"/>
+            <a:ext cx="1914474" cy="801624"/>
           </a:xfrm>
           <a:prstGeom prst="rect">
             <a:avLst/>
           </a:prstGeom>
           <a:solidFill>
-            <a:srgbClr val="FFFF00"/>
+            <a:srgbClr val="92D050">
+              <a:alpha val="40000"/>
+            </a:srgbClr>
           </a:solidFill>
           <a:ln>
             <a:solidFill>
@@ -4545,45 +4489,33 @@
           <a:lstStyle/>
           <a:p>
             <a:r>
-              <a:rPr lang="en-US" altLang="ja-JP" sz="726" dirty="0">
-                <a:latin typeface="Arial" panose="020B0604020202020204" pitchFamily="34" charset="0"/>
+              <a:rPr lang="en-US" altLang="ja-JP" sz="907" dirty="0">
+                <a:latin typeface="ＭＳ Ｐゴシック" panose="020B0600070205080204" charset="-128"/>
+                <a:ea typeface="ＭＳ Ｐゴシック" panose="020B0600070205080204" charset="-128"/>
                 <a:cs typeface="Arial" panose="020B0604020202020204" pitchFamily="34" charset="0"/>
               </a:rPr>
-              <a:t>Output: </a:t>
-            </a:r>
-          </a:p>
-          <a:p>
-            <a:r>
-              <a:rPr lang="en-US" altLang="ja-JP" sz="726" dirty="0">
-                <a:latin typeface="Arial" panose="020B0604020202020204" pitchFamily="34" charset="0"/>
-                <a:cs typeface="Arial" panose="020B0604020202020204" pitchFamily="34" charset="0"/>
-              </a:rPr>
-              <a:t> signal into constraint block which constrains mass flow rate.</a:t>
-            </a:r>
-          </a:p>
-          <a:p>
-            <a:r>
-              <a:rPr lang="en-US" altLang="ja-JP" sz="726" dirty="0">
-                <a:latin typeface="Arial" panose="020B0604020202020204" pitchFamily="34" charset="0"/>
-                <a:cs typeface="Arial" panose="020B0604020202020204" pitchFamily="34" charset="0"/>
-              </a:rPr>
-              <a:t> The value is fixed to 2 throughout the simulation, but does not affect on mass flow rate after constraint period.</a:t>
-            </a:r>
+              <a:t> This component defines the time when mass flow rate constraint is removed and mechanical cross sectional area of nozzle throat turns from output to input.</a:t>
+            </a:r>
+            <a:endParaRPr lang="ja-JP" altLang="en-US" sz="907" dirty="0">
+              <a:latin typeface="ＭＳ Ｐゴシック" panose="020B0600070205080204" charset="-128"/>
+              <a:ea typeface="ＭＳ Ｐゴシック" panose="020B0600070205080204" charset="-128"/>
+              <a:cs typeface="Arial" panose="020B0604020202020204" pitchFamily="34" charset="0"/>
+            </a:endParaRPr>
           </a:p>
         </p:txBody>
       </p:sp>
       <p:cxnSp>
         <p:nvCxnSpPr>
-          <p:cNvPr id="10" name="直線矢印コネクタ 9"/>
+          <p:cNvPr id="13" name="直線矢印コネクタ 12"/>
           <p:cNvCxnSpPr>
-            <a:stCxn id="4" idx="1"/>
+            <a:stCxn id="12" idx="0"/>
           </p:cNvCxnSpPr>
           <p:nvPr/>
         </p:nvCxnSpPr>
         <p:spPr>
-          <a:xfrm flipH="1">
-            <a:off x="5025967" y="3140595"/>
-            <a:ext cx="479297" cy="299278"/>
+          <a:xfrm flipV="1">
+            <a:off x="4552042" y="1205888"/>
+            <a:ext cx="619862" cy="329732"/>
           </a:xfrm>
           <a:prstGeom prst="straightConnector1">
             <a:avLst/>
@@ -4610,6 +4542,194 @@
           </a:fontRef>
         </p:style>
       </p:cxnSp>
+      <p:sp>
+        <p:nvSpPr>
+          <p:cNvPr id="17" name="テキスト ボックス 16"/>
+          <p:cNvSpPr txBox="1"/>
+          <p:nvPr/>
+        </p:nvSpPr>
+        <p:spPr>
+          <a:xfrm>
+            <a:off x="7015298" y="3932574"/>
+            <a:ext cx="2326712" cy="1129079"/>
+          </a:xfrm>
+          <a:prstGeom prst="rect">
+            <a:avLst/>
+          </a:prstGeom>
+          <a:solidFill>
+            <a:srgbClr val="92D050">
+              <a:alpha val="40000"/>
+            </a:srgbClr>
+          </a:solidFill>
+          <a:ln>
+            <a:solidFill>
+              <a:schemeClr val="tx1"/>
+            </a:solidFill>
+          </a:ln>
+        </p:spPr>
+        <p:txBody>
+          <a:bodyPr wrap="square" rtlCol="0">
+            <a:noAutofit/>
+          </a:bodyPr>
+          <a:lstStyle/>
+          <a:p>
+            <a:r>
+              <a:rPr lang="en-US" altLang="ja-JP" sz="907" dirty="0">
+                <a:latin typeface="ＭＳ Ｐゴシック" panose="020B0600070205080204" charset="-128"/>
+                <a:ea typeface="ＭＳ Ｐゴシック" panose="020B0600070205080204" charset="-128"/>
+                <a:cs typeface="Arial" panose="020B0604020202020204" pitchFamily="34" charset="0"/>
+              </a:rPr>
+              <a:t> Mechanical cross sectional area of throat is calculated variable when mass flow rate is constrained. “des” marked discrete variable stores that value.</a:t>
+            </a:r>
+          </a:p>
+          <a:p>
+            <a:r>
+              <a:rPr lang="ja-JP" altLang="en-US" sz="907" dirty="0">
+                <a:latin typeface="ＭＳ Ｐゴシック" panose="020B0600070205080204" charset="-128"/>
+                <a:ea typeface="ＭＳ Ｐゴシック" panose="020B0600070205080204" charset="-128"/>
+                <a:cs typeface="Arial" panose="020B0604020202020204" pitchFamily="34" charset="0"/>
+              </a:rPr>
+              <a:t> </a:t>
+            </a:r>
+            <a:r>
+              <a:rPr lang="en-US" altLang="ja-JP" sz="907" dirty="0">
+                <a:latin typeface="ＭＳ Ｐゴシック" panose="020B0600070205080204" charset="-128"/>
+                <a:ea typeface="ＭＳ Ｐゴシック" panose="020B0600070205080204" charset="-128"/>
+                <a:cs typeface="Arial" panose="020B0604020202020204" pitchFamily="34" charset="0"/>
+              </a:rPr>
+              <a:t>After Mass flow rate constraint is removed, the value of mechanical cross sectional area is input and mass flow is calculated variable.</a:t>
+            </a:r>
+            <a:endParaRPr lang="ja-JP" altLang="en-US" sz="907" dirty="0">
+              <a:latin typeface="ＭＳ Ｐゴシック" panose="020B0600070205080204" charset="-128"/>
+              <a:ea typeface="ＭＳ Ｐゴシック" panose="020B0600070205080204" charset="-128"/>
+              <a:cs typeface="Arial" panose="020B0604020202020204" pitchFamily="34" charset="0"/>
+            </a:endParaRPr>
+          </a:p>
+        </p:txBody>
+      </p:sp>
+      <p:cxnSp>
+        <p:nvCxnSpPr>
+          <p:cNvPr id="18" name="直線矢印コネクタ 17"/>
+          <p:cNvCxnSpPr>
+            <a:stCxn id="17" idx="0"/>
+          </p:cNvCxnSpPr>
+          <p:nvPr/>
+        </p:nvCxnSpPr>
+        <p:spPr>
+          <a:xfrm flipH="1" flipV="1">
+            <a:off x="7506869" y="3539777"/>
+            <a:ext cx="671784" cy="392797"/>
+          </a:xfrm>
+          <a:prstGeom prst="straightConnector1">
+            <a:avLst/>
+          </a:prstGeom>
+          <a:ln w="12700">
+            <a:solidFill>
+              <a:schemeClr val="tx1"/>
+            </a:solidFill>
+            <a:tailEnd type="oval"/>
+          </a:ln>
+        </p:spPr>
+        <p:style>
+          <a:lnRef idx="1">
+            <a:schemeClr val="accent1"/>
+          </a:lnRef>
+          <a:fillRef idx="0">
+            <a:schemeClr val="accent1"/>
+          </a:fillRef>
+          <a:effectRef idx="0">
+            <a:schemeClr val="accent1"/>
+          </a:effectRef>
+          <a:fontRef idx="minor">
+            <a:schemeClr val="tx1"/>
+          </a:fontRef>
+        </p:style>
+      </p:cxnSp>
+      <p:cxnSp>
+        <p:nvCxnSpPr>
+          <p:cNvPr id="29" name="直線矢印コネクタ 28"/>
+          <p:cNvCxnSpPr>
+            <a:stCxn id="30" idx="3"/>
+          </p:cNvCxnSpPr>
+          <p:nvPr/>
+        </p:nvCxnSpPr>
+        <p:spPr>
+          <a:xfrm>
+            <a:off x="3718260" y="2810992"/>
+            <a:ext cx="386012" cy="176842"/>
+          </a:xfrm>
+          <a:prstGeom prst="straightConnector1">
+            <a:avLst/>
+          </a:prstGeom>
+          <a:ln w="12700">
+            <a:solidFill>
+              <a:schemeClr val="tx1"/>
+            </a:solidFill>
+            <a:tailEnd type="oval"/>
+          </a:ln>
+        </p:spPr>
+        <p:style>
+          <a:lnRef idx="1">
+            <a:schemeClr val="accent1"/>
+          </a:lnRef>
+          <a:fillRef idx="0">
+            <a:schemeClr val="accent1"/>
+          </a:fillRef>
+          <a:effectRef idx="0">
+            <a:schemeClr val="accent1"/>
+          </a:effectRef>
+          <a:fontRef idx="minor">
+            <a:schemeClr val="tx1"/>
+          </a:fontRef>
+        </p:style>
+      </p:cxnSp>
+      <p:sp>
+        <p:nvSpPr>
+          <p:cNvPr id="30" name="テキスト ボックス 29"/>
+          <p:cNvSpPr txBox="1"/>
+          <p:nvPr/>
+        </p:nvSpPr>
+        <p:spPr>
+          <a:xfrm>
+            <a:off x="1803786" y="2419455"/>
+            <a:ext cx="1914473" cy="783073"/>
+          </a:xfrm>
+          <a:prstGeom prst="rect">
+            <a:avLst/>
+          </a:prstGeom>
+          <a:solidFill>
+            <a:srgbClr val="00B0F0">
+              <a:alpha val="40000"/>
+            </a:srgbClr>
+          </a:solidFill>
+          <a:ln>
+            <a:solidFill>
+              <a:schemeClr val="tx1"/>
+            </a:solidFill>
+          </a:ln>
+        </p:spPr>
+        <p:txBody>
+          <a:bodyPr wrap="square" rtlCol="0">
+            <a:noAutofit/>
+          </a:bodyPr>
+          <a:lstStyle/>
+          <a:p>
+            <a:r>
+              <a:rPr lang="en-US" altLang="ja-JP" sz="907" dirty="0">
+                <a:latin typeface="ＭＳ Ｐゴシック" panose="020B0600070205080204" charset="-128"/>
+                <a:ea typeface="ＭＳ Ｐゴシック" panose="020B0600070205080204" charset="-128"/>
+                <a:cs typeface="Arial" panose="020B0604020202020204" pitchFamily="34" charset="0"/>
+              </a:rPr>
+              <a:t> Change upstream pressure of nozzle after remove of mass flow rate constraint in order to check constraint become invalid and area is fixed.</a:t>
+            </a:r>
+            <a:endParaRPr lang="ja-JP" altLang="en-US" sz="907" dirty="0">
+              <a:latin typeface="ＭＳ Ｐゴシック" panose="020B0600070205080204" charset="-128"/>
+              <a:ea typeface="ＭＳ Ｐゴシック" panose="020B0600070205080204" charset="-128"/>
+              <a:cs typeface="Arial" panose="020B0604020202020204" pitchFamily="34" charset="0"/>
+            </a:endParaRPr>
+          </a:p>
+        </p:txBody>
+      </p:sp>
     </p:spTree>
   </p:cSld>
   <p:clrMapOvr>
@@ -4651,26 +4771,84 @@
         </p:blipFill>
         <p:spPr>
           <a:xfrm>
-            <a:off x="2972934" y="1181188"/>
-            <a:ext cx="6531709" cy="4701167"/>
+            <a:off x="1736049" y="741702"/>
+            <a:ext cx="6531709" cy="4743336"/>
           </a:xfrm>
           <a:prstGeom prst="rect">
             <a:avLst/>
           </a:prstGeom>
         </p:spPr>
       </p:pic>
+      <p:sp>
+        <p:nvSpPr>
+          <p:cNvPr id="5" name="テキスト ボックス 4"/>
+          <p:cNvSpPr txBox="1"/>
+          <p:nvPr/>
+        </p:nvSpPr>
+        <p:spPr>
+          <a:xfrm>
+            <a:off x="2293835" y="1593288"/>
+            <a:ext cx="1914473" cy="468529"/>
+          </a:xfrm>
+          <a:prstGeom prst="rect">
+            <a:avLst/>
+          </a:prstGeom>
+          <a:solidFill>
+            <a:schemeClr val="accent5">
+              <a:lumMod val="40000"/>
+              <a:lumOff val="60000"/>
+            </a:schemeClr>
+          </a:solidFill>
+          <a:ln>
+            <a:solidFill>
+              <a:schemeClr val="tx1"/>
+            </a:solidFill>
+          </a:ln>
+        </p:spPr>
+        <p:txBody>
+          <a:bodyPr wrap="square" rtlCol="0">
+            <a:noAutofit/>
+          </a:bodyPr>
+          <a:lstStyle/>
+          <a:p>
+            <a:r>
+              <a:rPr lang="en-US" altLang="ja-JP" sz="907" dirty="0">
+                <a:latin typeface="ＭＳ Ｐゴシック" panose="020B0600070205080204" charset="-128"/>
+                <a:ea typeface="ＭＳ Ｐゴシック" panose="020B0600070205080204" charset="-128"/>
+                <a:cs typeface="Arial" panose="020B0604020202020204" pitchFamily="34" charset="0"/>
+              </a:rPr>
+              <a:t>Input: </a:t>
+            </a:r>
+          </a:p>
+          <a:p>
+            <a:r>
+              <a:rPr lang="en-US" altLang="ja-JP" sz="907" dirty="0">
+                <a:latin typeface="ＭＳ Ｐゴシック" panose="020B0600070205080204" charset="-128"/>
+                <a:ea typeface="ＭＳ Ｐゴシック" panose="020B0600070205080204" charset="-128"/>
+                <a:cs typeface="Arial" panose="020B0604020202020204" pitchFamily="34" charset="0"/>
+              </a:rPr>
+              <a:t> nozzle pressure ratio is increased</a:t>
+            </a:r>
+            <a:endParaRPr lang="ja-JP" altLang="en-US" sz="907" dirty="0">
+              <a:latin typeface="ＭＳ Ｐゴシック" panose="020B0600070205080204" charset="-128"/>
+              <a:ea typeface="ＭＳ Ｐゴシック" panose="020B0600070205080204" charset="-128"/>
+              <a:cs typeface="Arial" panose="020B0604020202020204" pitchFamily="34" charset="0"/>
+            </a:endParaRPr>
+          </a:p>
+        </p:txBody>
+      </p:sp>
       <p:cxnSp>
         <p:nvCxnSpPr>
-          <p:cNvPr id="4" name="直線矢印コネクタ 3"/>
+          <p:cNvPr id="6" name="直線矢印コネクタ 5"/>
           <p:cNvCxnSpPr>
             <a:stCxn id="5" idx="2"/>
           </p:cNvCxnSpPr>
           <p:nvPr/>
         </p:nvCxnSpPr>
         <p:spPr>
-          <a:xfrm flipH="1">
-            <a:off x="6300982" y="2849579"/>
-            <a:ext cx="374062" cy="476210"/>
+          <a:xfrm>
+            <a:off x="3251071" y="2061817"/>
+            <a:ext cx="845519" cy="767098"/>
           </a:xfrm>
           <a:prstGeom prst="straightConnector1">
             <a:avLst/>
@@ -4697,72 +4875,6 @@
           </a:fontRef>
         </p:style>
       </p:cxnSp>
-      <p:sp>
-        <p:nvSpPr>
-          <p:cNvPr id="5" name="テキスト ボックス 4"/>
-          <p:cNvSpPr txBox="1"/>
-          <p:nvPr/>
-        </p:nvSpPr>
-        <p:spPr>
-          <a:xfrm>
-            <a:off x="5635838" y="1812671"/>
-            <a:ext cx="2078412" cy="1036908"/>
-          </a:xfrm>
-          <a:prstGeom prst="rect">
-            <a:avLst/>
-          </a:prstGeom>
-          <a:solidFill>
-            <a:srgbClr val="FFFF00"/>
-          </a:solidFill>
-          <a:ln>
-            <a:solidFill>
-              <a:schemeClr val="tx1"/>
-            </a:solidFill>
-          </a:ln>
-        </p:spPr>
-        <p:txBody>
-          <a:bodyPr wrap="square" rtlCol="0">
-            <a:noAutofit/>
-          </a:bodyPr>
-          <a:lstStyle/>
-          <a:p>
-            <a:r>
-              <a:rPr lang="en-US" altLang="ja-JP" sz="726" dirty="0">
-                <a:latin typeface="Arial" panose="020B0604020202020204" pitchFamily="34" charset="0"/>
-                <a:cs typeface="Arial" panose="020B0604020202020204" pitchFamily="34" charset="0"/>
-              </a:rPr>
-              <a:t>Output: </a:t>
-            </a:r>
-          </a:p>
-          <a:p>
-            <a:r>
-              <a:rPr lang="en-US" altLang="ja-JP" sz="726" dirty="0">
-                <a:latin typeface="Arial" panose="020B0604020202020204" pitchFamily="34" charset="0"/>
-                <a:cs typeface="Arial" panose="020B0604020202020204" pitchFamily="34" charset="0"/>
-              </a:rPr>
-              <a:t> mechanical cross sectional area of nozzle throat.</a:t>
-            </a:r>
-          </a:p>
-          <a:p>
-            <a:r>
-              <a:rPr lang="en-US" altLang="ja-JP" sz="726" dirty="0">
-                <a:latin typeface="Arial" panose="020B0604020202020204" pitchFamily="34" charset="0"/>
-                <a:cs typeface="Arial" panose="020B0604020202020204" pitchFamily="34" charset="0"/>
-              </a:rPr>
-              <a:t> It is calculated as output in period of mass flow constraint, and referred as input after constraint period.</a:t>
-            </a:r>
-          </a:p>
-          <a:p>
-            <a:r>
-              <a:rPr lang="en-US" altLang="ja-JP" sz="726" dirty="0">
-                <a:latin typeface="Arial" panose="020B0604020202020204" pitchFamily="34" charset="0"/>
-                <a:cs typeface="Arial" panose="020B0604020202020204" pitchFamily="34" charset="0"/>
-              </a:rPr>
-              <a:t> Therefore, the value does not change when nozzle pressure ratio is increased. </a:t>
-            </a:r>
-          </a:p>
-        </p:txBody>
-      </p:sp>
     </p:spTree>
   </p:cSld>
   <p:clrMapOvr>
@@ -4790,7 +4902,7 @@
       </p:grpSpPr>
       <p:pic>
         <p:nvPicPr>
-          <p:cNvPr id="2" name="図 1"/>
+          <p:cNvPr id="3" name="図 2"/>
           <p:cNvPicPr>
             <a:picLocks noChangeAspect="1"/>
           </p:cNvPicPr>
@@ -4804,38 +4916,204 @@
         </p:blipFill>
         <p:spPr>
           <a:xfrm>
-            <a:off x="1523520" y="1"/>
-            <a:ext cx="4072260" cy="3852797"/>
+            <a:off x="2660629" y="935031"/>
+            <a:ext cx="6531709" cy="4727207"/>
           </a:xfrm>
           <a:prstGeom prst="rect">
             <a:avLst/>
           </a:prstGeom>
         </p:spPr>
       </p:pic>
-      <p:pic>
-        <p:nvPicPr>
-          <p:cNvPr id="3" name="図 2"/>
-          <p:cNvPicPr>
-            <a:picLocks noChangeAspect="1"/>
-          </p:cNvPicPr>
+      <p:sp>
+        <p:nvSpPr>
+          <p:cNvPr id="4" name="テキスト ボックス 3"/>
+          <p:cNvSpPr txBox="1"/>
           <p:nvPr/>
-        </p:nvPicPr>
-        <p:blipFill>
-          <a:blip r:embed="rId3"/>
-          <a:stretch>
-            <a:fillRect/>
-          </a:stretch>
-        </p:blipFill>
-        <p:spPr>
-          <a:xfrm>
-            <a:off x="5778102" y="2799793"/>
-            <a:ext cx="4818435" cy="3852797"/>
+        </p:nvSpPr>
+        <p:spPr>
+          <a:xfrm>
+            <a:off x="5505265" y="2811175"/>
+            <a:ext cx="1333373" cy="658838"/>
           </a:xfrm>
           <a:prstGeom prst="rect">
             <a:avLst/>
           </a:prstGeom>
-        </p:spPr>
-      </p:pic>
+          <a:solidFill>
+            <a:srgbClr val="FFFF00"/>
+          </a:solidFill>
+          <a:ln>
+            <a:solidFill>
+              <a:schemeClr val="tx1"/>
+            </a:solidFill>
+          </a:ln>
+        </p:spPr>
+        <p:txBody>
+          <a:bodyPr wrap="square" rtlCol="0">
+            <a:noAutofit/>
+          </a:bodyPr>
+          <a:lstStyle/>
+          <a:p>
+            <a:r>
+              <a:rPr lang="en-US" altLang="ja-JP" sz="726" dirty="0">
+                <a:latin typeface="Arial" panose="020B0604020202020204" pitchFamily="34" charset="0"/>
+                <a:cs typeface="Arial" panose="020B0604020202020204" pitchFamily="34" charset="0"/>
+              </a:rPr>
+              <a:t>Output: </a:t>
+            </a:r>
+          </a:p>
+          <a:p>
+            <a:r>
+              <a:rPr lang="en-US" altLang="ja-JP" sz="726" dirty="0">
+                <a:latin typeface="Arial" panose="020B0604020202020204" pitchFamily="34" charset="0"/>
+                <a:cs typeface="Arial" panose="020B0604020202020204" pitchFamily="34" charset="0"/>
+              </a:rPr>
+              <a:t> mass flow rate through nozzle.</a:t>
+            </a:r>
+          </a:p>
+          <a:p>
+            <a:r>
+              <a:rPr lang="en-US" altLang="ja-JP" sz="726" dirty="0">
+                <a:latin typeface="Arial" panose="020B0604020202020204" pitchFamily="34" charset="0"/>
+                <a:cs typeface="Arial" panose="020B0604020202020204" pitchFamily="34" charset="0"/>
+              </a:rPr>
+              <a:t> It is increased as nozzle pressure ratio rises.</a:t>
+            </a:r>
+          </a:p>
+        </p:txBody>
+      </p:sp>
+      <p:cxnSp>
+        <p:nvCxnSpPr>
+          <p:cNvPr id="5" name="直線矢印コネクタ 4"/>
+          <p:cNvCxnSpPr>
+            <a:stCxn id="7" idx="2"/>
+          </p:cNvCxnSpPr>
+          <p:nvPr/>
+        </p:nvCxnSpPr>
+        <p:spPr>
+          <a:xfrm flipH="1">
+            <a:off x="6546768" y="4708334"/>
+            <a:ext cx="374062" cy="576060"/>
+          </a:xfrm>
+          <a:prstGeom prst="straightConnector1">
+            <a:avLst/>
+          </a:prstGeom>
+          <a:ln w="12700">
+            <a:solidFill>
+              <a:schemeClr val="tx1"/>
+            </a:solidFill>
+            <a:tailEnd type="oval"/>
+          </a:ln>
+        </p:spPr>
+        <p:style>
+          <a:lnRef idx="1">
+            <a:schemeClr val="accent1"/>
+          </a:lnRef>
+          <a:fillRef idx="0">
+            <a:schemeClr val="accent1"/>
+          </a:fillRef>
+          <a:effectRef idx="0">
+            <a:schemeClr val="accent1"/>
+          </a:effectRef>
+          <a:fontRef idx="minor">
+            <a:schemeClr val="tx1"/>
+          </a:fontRef>
+        </p:style>
+      </p:cxnSp>
+      <p:sp>
+        <p:nvSpPr>
+          <p:cNvPr id="7" name="テキスト ボックス 6"/>
+          <p:cNvSpPr txBox="1"/>
+          <p:nvPr/>
+        </p:nvSpPr>
+        <p:spPr>
+          <a:xfrm>
+            <a:off x="5881624" y="3871127"/>
+            <a:ext cx="2078412" cy="837207"/>
+          </a:xfrm>
+          <a:prstGeom prst="rect">
+            <a:avLst/>
+          </a:prstGeom>
+          <a:solidFill>
+            <a:srgbClr val="FFFF00"/>
+          </a:solidFill>
+          <a:ln>
+            <a:solidFill>
+              <a:schemeClr val="tx1"/>
+            </a:solidFill>
+          </a:ln>
+        </p:spPr>
+        <p:txBody>
+          <a:bodyPr wrap="square" rtlCol="0">
+            <a:noAutofit/>
+          </a:bodyPr>
+          <a:lstStyle/>
+          <a:p>
+            <a:r>
+              <a:rPr lang="en-US" altLang="ja-JP" sz="726" dirty="0">
+                <a:latin typeface="Arial" panose="020B0604020202020204" pitchFamily="34" charset="0"/>
+                <a:cs typeface="Arial" panose="020B0604020202020204" pitchFamily="34" charset="0"/>
+              </a:rPr>
+              <a:t>Output: </a:t>
+            </a:r>
+          </a:p>
+          <a:p>
+            <a:r>
+              <a:rPr lang="en-US" altLang="ja-JP" sz="726" dirty="0">
+                <a:latin typeface="Arial" panose="020B0604020202020204" pitchFamily="34" charset="0"/>
+                <a:cs typeface="Arial" panose="020B0604020202020204" pitchFamily="34" charset="0"/>
+              </a:rPr>
+              <a:t> signal into constraint block which constrains mass flow rate.</a:t>
+            </a:r>
+          </a:p>
+          <a:p>
+            <a:r>
+              <a:rPr lang="en-US" altLang="ja-JP" sz="726" dirty="0">
+                <a:latin typeface="Arial" panose="020B0604020202020204" pitchFamily="34" charset="0"/>
+                <a:cs typeface="Arial" panose="020B0604020202020204" pitchFamily="34" charset="0"/>
+              </a:rPr>
+              <a:t> The value is fixed to 2 throughout the simulation, but does not affect on mass flow rate after constraint period.</a:t>
+            </a:r>
+          </a:p>
+        </p:txBody>
+      </p:sp>
+      <p:cxnSp>
+        <p:nvCxnSpPr>
+          <p:cNvPr id="10" name="直線矢印コネクタ 9"/>
+          <p:cNvCxnSpPr>
+            <a:stCxn id="4" idx="1"/>
+          </p:cNvCxnSpPr>
+          <p:nvPr/>
+        </p:nvCxnSpPr>
+        <p:spPr>
+          <a:xfrm flipH="1">
+            <a:off x="5025967" y="3140595"/>
+            <a:ext cx="479297" cy="299278"/>
+          </a:xfrm>
+          <a:prstGeom prst="straightConnector1">
+            <a:avLst/>
+          </a:prstGeom>
+          <a:ln w="12700">
+            <a:solidFill>
+              <a:schemeClr val="tx1"/>
+            </a:solidFill>
+            <a:tailEnd type="oval"/>
+          </a:ln>
+        </p:spPr>
+        <p:style>
+          <a:lnRef idx="1">
+            <a:schemeClr val="accent1"/>
+          </a:lnRef>
+          <a:fillRef idx="0">
+            <a:schemeClr val="accent1"/>
+          </a:fillRef>
+          <a:effectRef idx="0">
+            <a:schemeClr val="accent1"/>
+          </a:effectRef>
+          <a:fontRef idx="minor">
+            <a:schemeClr val="tx1"/>
+          </a:fontRef>
+        </p:style>
+      </p:cxnSp>
     </p:spTree>
   </p:cSld>
   <p:clrMapOvr>
@@ -4863,7 +5141,7 @@
       </p:grpSpPr>
       <p:pic>
         <p:nvPicPr>
-          <p:cNvPr id="2" name="図 1"/>
+          <p:cNvPr id="3" name="図 2"/>
           <p:cNvPicPr>
             <a:picLocks noChangeAspect="1"/>
           </p:cNvPicPr>
@@ -4877,38 +5155,118 @@
         </p:blipFill>
         <p:spPr>
           <a:xfrm>
-            <a:off x="1523520" y="1"/>
-            <a:ext cx="4147895" cy="5011230"/>
+            <a:off x="2972934" y="1181188"/>
+            <a:ext cx="6531709" cy="4701167"/>
           </a:xfrm>
           <a:prstGeom prst="rect">
             <a:avLst/>
           </a:prstGeom>
         </p:spPr>
       </p:pic>
-      <p:pic>
-        <p:nvPicPr>
-          <p:cNvPr id="3" name="図 2"/>
-          <p:cNvPicPr>
-            <a:picLocks noChangeAspect="1"/>
-          </p:cNvPicPr>
+      <p:cxnSp>
+        <p:nvCxnSpPr>
+          <p:cNvPr id="4" name="直線矢印コネクタ 3"/>
+          <p:cNvCxnSpPr>
+            <a:stCxn id="5" idx="2"/>
+          </p:cNvCxnSpPr>
           <p:nvPr/>
-        </p:nvPicPr>
-        <p:blipFill>
-          <a:blip r:embed="rId3"/>
-          <a:stretch>
-            <a:fillRect/>
-          </a:stretch>
-        </p:blipFill>
-        <p:spPr>
-          <a:xfrm>
-            <a:off x="5880937" y="2379051"/>
-            <a:ext cx="4673686" cy="4478949"/>
+        </p:nvCxnSpPr>
+        <p:spPr>
+          <a:xfrm flipH="1">
+            <a:off x="6300982" y="2849579"/>
+            <a:ext cx="374062" cy="476210"/>
+          </a:xfrm>
+          <a:prstGeom prst="straightConnector1">
+            <a:avLst/>
+          </a:prstGeom>
+          <a:ln w="12700">
+            <a:solidFill>
+              <a:schemeClr val="tx1"/>
+            </a:solidFill>
+            <a:tailEnd type="oval"/>
+          </a:ln>
+        </p:spPr>
+        <p:style>
+          <a:lnRef idx="1">
+            <a:schemeClr val="accent1"/>
+          </a:lnRef>
+          <a:fillRef idx="0">
+            <a:schemeClr val="accent1"/>
+          </a:fillRef>
+          <a:effectRef idx="0">
+            <a:schemeClr val="accent1"/>
+          </a:effectRef>
+          <a:fontRef idx="minor">
+            <a:schemeClr val="tx1"/>
+          </a:fontRef>
+        </p:style>
+      </p:cxnSp>
+      <p:sp>
+        <p:nvSpPr>
+          <p:cNvPr id="5" name="テキスト ボックス 4"/>
+          <p:cNvSpPr txBox="1"/>
+          <p:nvPr/>
+        </p:nvSpPr>
+        <p:spPr>
+          <a:xfrm>
+            <a:off x="5635838" y="1812671"/>
+            <a:ext cx="2078412" cy="1036908"/>
           </a:xfrm>
           <a:prstGeom prst="rect">
             <a:avLst/>
           </a:prstGeom>
-        </p:spPr>
-      </p:pic>
+          <a:solidFill>
+            <a:srgbClr val="FFFF00"/>
+          </a:solidFill>
+          <a:ln>
+            <a:solidFill>
+              <a:schemeClr val="tx1"/>
+            </a:solidFill>
+          </a:ln>
+        </p:spPr>
+        <p:txBody>
+          <a:bodyPr wrap="square" rtlCol="0">
+            <a:noAutofit/>
+          </a:bodyPr>
+          <a:lstStyle/>
+          <a:p>
+            <a:r>
+              <a:rPr lang="en-US" altLang="ja-JP" sz="726" dirty="0">
+                <a:latin typeface="Arial" panose="020B0604020202020204" pitchFamily="34" charset="0"/>
+                <a:cs typeface="Arial" panose="020B0604020202020204" pitchFamily="34" charset="0"/>
+              </a:rPr>
+              <a:t>Output: </a:t>
+            </a:r>
+          </a:p>
+          <a:p>
+            <a:r>
+              <a:rPr lang="en-US" altLang="ja-JP" sz="726" dirty="0">
+                <a:latin typeface="Arial" panose="020B0604020202020204" pitchFamily="34" charset="0"/>
+                <a:cs typeface="Arial" panose="020B0604020202020204" pitchFamily="34" charset="0"/>
+              </a:rPr>
+              <a:t> mechanical cross sectional area of nozzle throat.</a:t>
+            </a:r>
+          </a:p>
+          <a:p>
+            <a:r>
+              <a:rPr lang="en-US" altLang="ja-JP" sz="726" dirty="0">
+                <a:latin typeface="Arial" panose="020B0604020202020204" pitchFamily="34" charset="0"/>
+                <a:cs typeface="Arial" panose="020B0604020202020204" pitchFamily="34" charset="0"/>
+              </a:rPr>
+              <a:t> It is calculated as output in period of mass flow constraint, and referred as input after constraint period.</a:t>
+            </a:r>
+          </a:p>
+          <a:p>
+            <a:r>
+              <a:rPr lang="en-US" altLang="ja-JP" sz="726" dirty="0">
+                <a:latin typeface="Arial" panose="020B0604020202020204" pitchFamily="34" charset="0"/>
+                <a:cs typeface="Arial" panose="020B0604020202020204" pitchFamily="34" charset="0"/>
+              </a:rPr>
+              <a:t> Therefore, the value does not change when nozzle pressure ratio is increased. </a:t>
+            </a:r>
+          </a:p>
+        </p:txBody>
+      </p:sp>
     </p:spTree>
   </p:cSld>
   <p:clrMapOvr>
@@ -4950,8 +5308,8 @@
         </p:blipFill>
         <p:spPr>
           <a:xfrm>
-            <a:off x="1523521" y="1"/>
-            <a:ext cx="4130783" cy="4231101"/>
+            <a:off x="1523520" y="1"/>
+            <a:ext cx="4072260" cy="3852797"/>
           </a:xfrm>
           <a:prstGeom prst="rect">
             <a:avLst/>
@@ -4960,7 +5318,7 @@
       </p:pic>
       <p:pic>
         <p:nvPicPr>
-          <p:cNvPr id="4" name="図 3"/>
+          <p:cNvPr id="3" name="図 2"/>
           <p:cNvPicPr>
             <a:picLocks noChangeAspect="1"/>
           </p:cNvPicPr>
@@ -4974,8 +5332,8 @@
         </p:blipFill>
         <p:spPr>
           <a:xfrm>
-            <a:off x="5822300" y="3053059"/>
-            <a:ext cx="4703191" cy="3593780"/>
+            <a:off x="5778102" y="2799793"/>
+            <a:ext cx="4818435" cy="3852797"/>
           </a:xfrm>
           <a:prstGeom prst="rect">
             <a:avLst/>
@@ -5023,6 +5381,152 @@
         </p:blipFill>
         <p:spPr>
           <a:xfrm>
+            <a:off x="1523520" y="1"/>
+            <a:ext cx="4147895" cy="5011230"/>
+          </a:xfrm>
+          <a:prstGeom prst="rect">
+            <a:avLst/>
+          </a:prstGeom>
+        </p:spPr>
+      </p:pic>
+      <p:pic>
+        <p:nvPicPr>
+          <p:cNvPr id="3" name="図 2"/>
+          <p:cNvPicPr>
+            <a:picLocks noChangeAspect="1"/>
+          </p:cNvPicPr>
+          <p:nvPr/>
+        </p:nvPicPr>
+        <p:blipFill>
+          <a:blip r:embed="rId3"/>
+          <a:stretch>
+            <a:fillRect/>
+          </a:stretch>
+        </p:blipFill>
+        <p:spPr>
+          <a:xfrm>
+            <a:off x="5880937" y="2379051"/>
+            <a:ext cx="4673686" cy="4478949"/>
+          </a:xfrm>
+          <a:prstGeom prst="rect">
+            <a:avLst/>
+          </a:prstGeom>
+        </p:spPr>
+      </p:pic>
+    </p:spTree>
+  </p:cSld>
+  <p:clrMapOvr>
+    <a:masterClrMapping/>
+  </p:clrMapOvr>
+</p:sld>
+</file>
+
+<file path=ppt/slides/slide18.xml><?xml version="1.0" encoding="utf-8"?>
+<p:sld xmlns:a="http://schemas.openxmlformats.org/drawingml/2006/main" xmlns:r="http://schemas.openxmlformats.org/officeDocument/2006/relationships" xmlns:p="http://schemas.openxmlformats.org/presentationml/2006/main">
+  <p:cSld>
+    <p:spTree>
+      <p:nvGrpSpPr>
+        <p:cNvPr id="1" name=""/>
+        <p:cNvGrpSpPr/>
+        <p:nvPr/>
+      </p:nvGrpSpPr>
+      <p:grpSpPr>
+        <a:xfrm>
+          <a:off x="0" y="0"/>
+          <a:ext cx="0" cy="0"/>
+          <a:chOff x="0" y="0"/>
+          <a:chExt cx="0" cy="0"/>
+        </a:xfrm>
+      </p:grpSpPr>
+      <p:pic>
+        <p:nvPicPr>
+          <p:cNvPr id="2" name="図 1"/>
+          <p:cNvPicPr>
+            <a:picLocks noChangeAspect="1"/>
+          </p:cNvPicPr>
+          <p:nvPr/>
+        </p:nvPicPr>
+        <p:blipFill>
+          <a:blip r:embed="rId2"/>
+          <a:stretch>
+            <a:fillRect/>
+          </a:stretch>
+        </p:blipFill>
+        <p:spPr>
+          <a:xfrm>
+            <a:off x="1523521" y="1"/>
+            <a:ext cx="4130783" cy="4231101"/>
+          </a:xfrm>
+          <a:prstGeom prst="rect">
+            <a:avLst/>
+          </a:prstGeom>
+        </p:spPr>
+      </p:pic>
+      <p:pic>
+        <p:nvPicPr>
+          <p:cNvPr id="4" name="図 3"/>
+          <p:cNvPicPr>
+            <a:picLocks noChangeAspect="1"/>
+          </p:cNvPicPr>
+          <p:nvPr/>
+        </p:nvPicPr>
+        <p:blipFill>
+          <a:blip r:embed="rId3"/>
+          <a:stretch>
+            <a:fillRect/>
+          </a:stretch>
+        </p:blipFill>
+        <p:spPr>
+          <a:xfrm>
+            <a:off x="5822300" y="3053059"/>
+            <a:ext cx="4703191" cy="3593780"/>
+          </a:xfrm>
+          <a:prstGeom prst="rect">
+            <a:avLst/>
+          </a:prstGeom>
+        </p:spPr>
+      </p:pic>
+    </p:spTree>
+  </p:cSld>
+  <p:clrMapOvr>
+    <a:masterClrMapping/>
+  </p:clrMapOvr>
+</p:sld>
+</file>
+
+<file path=ppt/slides/slide19.xml><?xml version="1.0" encoding="utf-8"?>
+<p:sld xmlns:a="http://schemas.openxmlformats.org/drawingml/2006/main" xmlns:r="http://schemas.openxmlformats.org/officeDocument/2006/relationships" xmlns:p="http://schemas.openxmlformats.org/presentationml/2006/main">
+  <p:cSld>
+    <p:spTree>
+      <p:nvGrpSpPr>
+        <p:cNvPr id="1" name=""/>
+        <p:cNvGrpSpPr/>
+        <p:nvPr/>
+      </p:nvGrpSpPr>
+      <p:grpSpPr>
+        <a:xfrm>
+          <a:off x="0" y="0"/>
+          <a:ext cx="0" cy="0"/>
+          <a:chOff x="0" y="0"/>
+          <a:chExt cx="0" cy="0"/>
+        </a:xfrm>
+      </p:grpSpPr>
+      <p:pic>
+        <p:nvPicPr>
+          <p:cNvPr id="2" name="図 1"/>
+          <p:cNvPicPr>
+            <a:picLocks noChangeAspect="1"/>
+          </p:cNvPicPr>
+          <p:nvPr/>
+        </p:nvPicPr>
+        <p:blipFill>
+          <a:blip r:embed="rId2"/>
+          <a:stretch>
+            <a:fillRect/>
+          </a:stretch>
+        </p:blipFill>
+        <p:spPr>
+          <a:xfrm>
             <a:off x="1523521" y="0"/>
             <a:ext cx="4316106" cy="3862550"/>
           </a:xfrm>
@@ -5082,10 +5586,10 @@
       </p:grpSpPr>
       <p:pic>
         <p:nvPicPr>
-          <p:cNvPr id="2" name="図 1">
-            <a:extLst>
-              <a:ext uri="{FF2B5EF4-FFF2-40B4-BE49-F238E27FC236}">
-                <a16:creationId xmlns:a16="http://schemas.microsoft.com/office/drawing/2014/main" id="{C83BF3C9-1C50-4192-A647-99B602F17233}"/>
+          <p:cNvPr id="11" name="図 10">
+            <a:extLst>
+              <a:ext uri="{FF2B5EF4-FFF2-40B4-BE49-F238E27FC236}">
+                <a16:creationId xmlns:a16="http://schemas.microsoft.com/office/drawing/2014/main" id="{4CA52F75-2917-44B1-8363-71870003AFD2}"/>
               </a:ext>
             </a:extLst>
           </p:cNvPr>
@@ -5102,8 +5606,8 @@
         </p:blipFill>
         <p:spPr>
           <a:xfrm>
-            <a:off x="1291238" y="81381"/>
-            <a:ext cx="9609524" cy="6695238"/>
+            <a:off x="1338857" y="81381"/>
+            <a:ext cx="9514286" cy="6695238"/>
           </a:xfrm>
           <a:prstGeom prst="rect">
             <a:avLst/>
@@ -5230,7 +5734,7 @@
         </p:nvSpPr>
         <p:spPr>
           <a:xfrm>
-            <a:off x="3081439" y="5644161"/>
+            <a:off x="173632" y="5348264"/>
             <a:ext cx="1914473" cy="379205"/>
           </a:xfrm>
           <a:prstGeom prst="rect">
@@ -5259,7 +5763,7 @@
                 <a:ea typeface="ＭＳ Ｐゴシック" panose="020B0600070205080204" charset="-128"/>
                 <a:cs typeface="Arial" panose="020B0604020202020204" pitchFamily="34" charset="0"/>
               </a:rPr>
-              <a:t> Input the fraction of fuel in in-taken air fuel mixture.</a:t>
+              <a:t> Input the fraction of air and fuel in in-taken air fuel mixture.</a:t>
             </a:r>
             <a:endParaRPr lang="ja-JP" altLang="en-US" sz="907" dirty="0">
               <a:latin typeface="ＭＳ Ｐゴシック" panose="020B0600070205080204" charset="-128"/>
@@ -5493,7 +5997,7 @@
         <p:spPr>
           <a:xfrm>
             <a:off x="4206666" y="1812175"/>
-            <a:ext cx="2111007" cy="647094"/>
+            <a:ext cx="2111007" cy="573578"/>
           </a:xfrm>
           <a:prstGeom prst="rect">
             <a:avLst/>
@@ -5566,8 +6070,8 @@
         </p:nvCxnSpPr>
         <p:spPr>
           <a:xfrm>
-            <a:off x="5262170" y="2459269"/>
-            <a:ext cx="1852141" cy="969731"/>
+            <a:off x="5262170" y="2385753"/>
+            <a:ext cx="1852141" cy="1043247"/>
           </a:xfrm>
           <a:prstGeom prst="straightConnector1">
             <a:avLst/>
@@ -5611,8 +6115,8 @@
         </p:nvCxnSpPr>
         <p:spPr>
           <a:xfrm flipH="1">
-            <a:off x="4336472" y="2459269"/>
-            <a:ext cx="925698" cy="521990"/>
+            <a:off x="4336472" y="2385753"/>
+            <a:ext cx="925698" cy="595506"/>
           </a:xfrm>
           <a:prstGeom prst="straightConnector1">
             <a:avLst/>
@@ -5642,7 +6146,7 @@
     </p:spTree>
     <p:extLst>
       <p:ext uri="{BB962C8B-B14F-4D97-AF65-F5344CB8AC3E}">
-        <p14:creationId xmlns:p14="http://schemas.microsoft.com/office/powerpoint/2010/main" val="1752535004"/>
+        <p14:creationId xmlns:p14="http://schemas.microsoft.com/office/powerpoint/2010/main" val="3324919470"/>
       </p:ext>
     </p:extLst>
   </p:cSld>
@@ -5674,7 +6178,7 @@
           <p:cNvPr id="3" name="図 2">
             <a:extLst>
               <a:ext uri="{FF2B5EF4-FFF2-40B4-BE49-F238E27FC236}">
-                <a16:creationId xmlns:a16="http://schemas.microsoft.com/office/drawing/2014/main" id="{CC3C43D7-3591-4EC0-8495-AE178F8DEE06}"/>
+                <a16:creationId xmlns:a16="http://schemas.microsoft.com/office/drawing/2014/main" id="{3E309A87-3AF0-45DB-A840-39D1297E480F}"/>
               </a:ext>
             </a:extLst>
           </p:cNvPr>
@@ -5691,8 +6195,8 @@
         </p:blipFill>
         <p:spPr>
           <a:xfrm>
-            <a:off x="2043619" y="576619"/>
-            <a:ext cx="8104762" cy="5704762"/>
+            <a:off x="1291238" y="81381"/>
+            <a:ext cx="9609524" cy="6695238"/>
           </a:xfrm>
           <a:prstGeom prst="rect">
             <a:avLst/>
@@ -5702,7 +6206,7 @@
     </p:spTree>
     <p:extLst>
       <p:ext uri="{BB962C8B-B14F-4D97-AF65-F5344CB8AC3E}">
-        <p14:creationId xmlns:p14="http://schemas.microsoft.com/office/powerpoint/2010/main" val="3455510197"/>
+        <p14:creationId xmlns:p14="http://schemas.microsoft.com/office/powerpoint/2010/main" val="2026782792"/>
       </p:ext>
     </p:extLst>
   </p:cSld>
@@ -5731,10 +6235,10 @@
       </p:grpSpPr>
       <p:pic>
         <p:nvPicPr>
-          <p:cNvPr id="3" name="図 2">
-            <a:extLst>
-              <a:ext uri="{FF2B5EF4-FFF2-40B4-BE49-F238E27FC236}">
-                <a16:creationId xmlns:a16="http://schemas.microsoft.com/office/drawing/2014/main" id="{CC3C43D7-3591-4EC0-8495-AE178F8DEE06}"/>
+          <p:cNvPr id="2" name="図 1">
+            <a:extLst>
+              <a:ext uri="{FF2B5EF4-FFF2-40B4-BE49-F238E27FC236}">
+                <a16:creationId xmlns:a16="http://schemas.microsoft.com/office/drawing/2014/main" id="{C83BF3C9-1C50-4192-A647-99B602F17233}"/>
               </a:ext>
             </a:extLst>
           </p:cNvPr>
@@ -5751,8 +6255,8 @@
         </p:blipFill>
         <p:spPr>
           <a:xfrm>
-            <a:off x="2043619" y="576619"/>
-            <a:ext cx="8104762" cy="5704762"/>
+            <a:off x="1291238" y="81381"/>
+            <a:ext cx="9609524" cy="6695238"/>
           </a:xfrm>
           <a:prstGeom prst="rect">
             <a:avLst/>
@@ -5761,10 +6265,10 @@
       </p:pic>
       <p:sp>
         <p:nvSpPr>
-          <p:cNvPr id="4" name="テキスト ボックス 3">
-            <a:extLst>
-              <a:ext uri="{FF2B5EF4-FFF2-40B4-BE49-F238E27FC236}">
-                <a16:creationId xmlns:a16="http://schemas.microsoft.com/office/drawing/2014/main" id="{B7F7D6CD-773B-4EFF-B3A9-03908D501608}"/>
+          <p:cNvPr id="3" name="テキスト ボックス 2">
+            <a:extLst>
+              <a:ext uri="{FF2B5EF4-FFF2-40B4-BE49-F238E27FC236}">
+                <a16:creationId xmlns:a16="http://schemas.microsoft.com/office/drawing/2014/main" id="{22B41461-09A8-4081-9FD3-EED984DA3F0C}"/>
               </a:ext>
             </a:extLst>
           </p:cNvPr>
@@ -5773,8 +6277,273 @@
         </p:nvSpPr>
         <p:spPr>
           <a:xfrm>
-            <a:off x="8399327" y="2439785"/>
-            <a:ext cx="2326712" cy="834131"/>
+            <a:off x="173632" y="2856851"/>
+            <a:ext cx="1181344" cy="379205"/>
+          </a:xfrm>
+          <a:prstGeom prst="rect">
+            <a:avLst/>
+          </a:prstGeom>
+          <a:solidFill>
+            <a:srgbClr val="00B0F0">
+              <a:alpha val="40000"/>
+            </a:srgbClr>
+          </a:solidFill>
+          <a:ln>
+            <a:solidFill>
+              <a:schemeClr val="tx1"/>
+            </a:solidFill>
+          </a:ln>
+        </p:spPr>
+        <p:txBody>
+          <a:bodyPr wrap="square" rtlCol="0">
+            <a:noAutofit/>
+          </a:bodyPr>
+          <a:lstStyle/>
+          <a:p>
+            <a:r>
+              <a:rPr lang="en-US" altLang="ja-JP" sz="907" dirty="0">
+                <a:latin typeface="ＭＳ Ｐゴシック" panose="020B0600070205080204" charset="-128"/>
+                <a:ea typeface="ＭＳ Ｐゴシック" panose="020B0600070205080204" charset="-128"/>
+                <a:cs typeface="Arial" panose="020B0604020202020204" pitchFamily="34" charset="0"/>
+              </a:rPr>
+              <a:t> Input inlet fluid states, p and T.</a:t>
+            </a:r>
+            <a:endParaRPr lang="ja-JP" altLang="en-US" sz="907" dirty="0">
+              <a:latin typeface="ＭＳ Ｐゴシック" panose="020B0600070205080204" charset="-128"/>
+              <a:ea typeface="ＭＳ Ｐゴシック" panose="020B0600070205080204" charset="-128"/>
+              <a:cs typeface="Arial" panose="020B0604020202020204" pitchFamily="34" charset="0"/>
+            </a:endParaRPr>
+          </a:p>
+        </p:txBody>
+      </p:sp>
+      <p:sp>
+        <p:nvSpPr>
+          <p:cNvPr id="4" name="テキスト ボックス 3">
+            <a:extLst>
+              <a:ext uri="{FF2B5EF4-FFF2-40B4-BE49-F238E27FC236}">
+                <a16:creationId xmlns:a16="http://schemas.microsoft.com/office/drawing/2014/main" id="{A5FD7605-A72D-4D55-87CB-6C289623B9C2}"/>
+              </a:ext>
+            </a:extLst>
+          </p:cNvPr>
+          <p:cNvSpPr txBox="1"/>
+          <p:nvPr/>
+        </p:nvSpPr>
+        <p:spPr>
+          <a:xfrm>
+            <a:off x="9811791" y="4256116"/>
+            <a:ext cx="1720740" cy="274136"/>
+          </a:xfrm>
+          <a:prstGeom prst="rect">
+            <a:avLst/>
+          </a:prstGeom>
+          <a:solidFill>
+            <a:srgbClr val="00B0F0">
+              <a:alpha val="40000"/>
+            </a:srgbClr>
+          </a:solidFill>
+          <a:ln>
+            <a:solidFill>
+              <a:schemeClr val="tx1"/>
+            </a:solidFill>
+          </a:ln>
+        </p:spPr>
+        <p:txBody>
+          <a:bodyPr wrap="square" rtlCol="0">
+            <a:noAutofit/>
+          </a:bodyPr>
+          <a:lstStyle/>
+          <a:p>
+            <a:r>
+              <a:rPr lang="en-US" altLang="ja-JP" sz="907" dirty="0">
+                <a:latin typeface="ＭＳ Ｐゴシック" panose="020B0600070205080204" charset="-128"/>
+                <a:ea typeface="ＭＳ Ｐゴシック" panose="020B0600070205080204" charset="-128"/>
+                <a:cs typeface="Arial" panose="020B0604020202020204" pitchFamily="34" charset="0"/>
+              </a:rPr>
+              <a:t>Additional load can be applied.</a:t>
+            </a:r>
+            <a:endParaRPr lang="ja-JP" altLang="en-US" sz="907" dirty="0">
+              <a:latin typeface="ＭＳ Ｐゴシック" panose="020B0600070205080204" charset="-128"/>
+              <a:ea typeface="ＭＳ Ｐゴシック" panose="020B0600070205080204" charset="-128"/>
+              <a:cs typeface="Arial" panose="020B0604020202020204" pitchFamily="34" charset="0"/>
+            </a:endParaRPr>
+          </a:p>
+        </p:txBody>
+      </p:sp>
+      <p:sp>
+        <p:nvSpPr>
+          <p:cNvPr id="5" name="テキスト ボックス 4">
+            <a:extLst>
+              <a:ext uri="{FF2B5EF4-FFF2-40B4-BE49-F238E27FC236}">
+                <a16:creationId xmlns:a16="http://schemas.microsoft.com/office/drawing/2014/main" id="{9F39BD65-30B4-4B34-BDB3-948ED0A5CEDB}"/>
+              </a:ext>
+            </a:extLst>
+          </p:cNvPr>
+          <p:cNvSpPr txBox="1"/>
+          <p:nvPr/>
+        </p:nvSpPr>
+        <p:spPr>
+          <a:xfrm>
+            <a:off x="3081439" y="5644161"/>
+            <a:ext cx="1914473" cy="379205"/>
+          </a:xfrm>
+          <a:prstGeom prst="rect">
+            <a:avLst/>
+          </a:prstGeom>
+          <a:solidFill>
+            <a:srgbClr val="00B0F0">
+              <a:alpha val="40000"/>
+            </a:srgbClr>
+          </a:solidFill>
+          <a:ln>
+            <a:solidFill>
+              <a:schemeClr val="tx1"/>
+            </a:solidFill>
+          </a:ln>
+        </p:spPr>
+        <p:txBody>
+          <a:bodyPr wrap="square" rtlCol="0">
+            <a:noAutofit/>
+          </a:bodyPr>
+          <a:lstStyle/>
+          <a:p>
+            <a:r>
+              <a:rPr lang="en-US" altLang="ja-JP" sz="907" dirty="0">
+                <a:latin typeface="ＭＳ Ｐゴシック" panose="020B0600070205080204" charset="-128"/>
+                <a:ea typeface="ＭＳ Ｐゴシック" panose="020B0600070205080204" charset="-128"/>
+                <a:cs typeface="Arial" panose="020B0604020202020204" pitchFamily="34" charset="0"/>
+              </a:rPr>
+              <a:t> Input the fraction of fuel in in-taken air fuel mixture.</a:t>
+            </a:r>
+            <a:endParaRPr lang="ja-JP" altLang="en-US" sz="907" dirty="0">
+              <a:latin typeface="ＭＳ Ｐゴシック" panose="020B0600070205080204" charset="-128"/>
+              <a:ea typeface="ＭＳ Ｐゴシック" panose="020B0600070205080204" charset="-128"/>
+              <a:cs typeface="Arial" panose="020B0604020202020204" pitchFamily="34" charset="0"/>
+            </a:endParaRPr>
+          </a:p>
+        </p:txBody>
+      </p:sp>
+      <p:sp>
+        <p:nvSpPr>
+          <p:cNvPr id="6" name="テキスト ボックス 5">
+            <a:extLst>
+              <a:ext uri="{FF2B5EF4-FFF2-40B4-BE49-F238E27FC236}">
+                <a16:creationId xmlns:a16="http://schemas.microsoft.com/office/drawing/2014/main" id="{3F3A6576-484F-4288-BB2B-89E38D95D34C}"/>
+              </a:ext>
+            </a:extLst>
+          </p:cNvPr>
+          <p:cNvSpPr txBox="1"/>
+          <p:nvPr/>
+        </p:nvSpPr>
+        <p:spPr>
+          <a:xfrm>
+            <a:off x="6356469" y="1283415"/>
+            <a:ext cx="1515685" cy="379204"/>
+          </a:xfrm>
+          <a:prstGeom prst="rect">
+            <a:avLst/>
+          </a:prstGeom>
+          <a:solidFill>
+            <a:srgbClr val="00B0F0">
+              <a:alpha val="40000"/>
+            </a:srgbClr>
+          </a:solidFill>
+          <a:ln>
+            <a:solidFill>
+              <a:schemeClr val="tx1"/>
+            </a:solidFill>
+          </a:ln>
+        </p:spPr>
+        <p:txBody>
+          <a:bodyPr wrap="square" rtlCol="0">
+            <a:noAutofit/>
+          </a:bodyPr>
+          <a:lstStyle/>
+          <a:p>
+            <a:r>
+              <a:rPr lang="en-US" altLang="ja-JP" sz="907" dirty="0">
+                <a:latin typeface="ＭＳ Ｐゴシック" panose="020B0600070205080204" charset="-128"/>
+                <a:ea typeface="ＭＳ Ｐゴシック" panose="020B0600070205080204" charset="-128"/>
+                <a:cs typeface="Arial" panose="020B0604020202020204" pitchFamily="34" charset="0"/>
+              </a:rPr>
+              <a:t>Pressure loss coefficient of orifice.</a:t>
+            </a:r>
+            <a:endParaRPr lang="ja-JP" altLang="en-US" sz="907" dirty="0">
+              <a:latin typeface="ＭＳ Ｐゴシック" panose="020B0600070205080204" charset="-128"/>
+              <a:ea typeface="ＭＳ Ｐゴシック" panose="020B0600070205080204" charset="-128"/>
+              <a:cs typeface="Arial" panose="020B0604020202020204" pitchFamily="34" charset="0"/>
+            </a:endParaRPr>
+          </a:p>
+        </p:txBody>
+      </p:sp>
+      <p:sp>
+        <p:nvSpPr>
+          <p:cNvPr id="7" name="テキスト ボックス 6">
+            <a:extLst>
+              <a:ext uri="{FF2B5EF4-FFF2-40B4-BE49-F238E27FC236}">
+                <a16:creationId xmlns:a16="http://schemas.microsoft.com/office/drawing/2014/main" id="{9CDF0ECC-B4C0-43B9-9641-53646FC2F806}"/>
+              </a:ext>
+            </a:extLst>
+          </p:cNvPr>
+          <p:cNvSpPr txBox="1"/>
+          <p:nvPr/>
+        </p:nvSpPr>
+        <p:spPr>
+          <a:xfrm>
+            <a:off x="2144687" y="1285928"/>
+            <a:ext cx="1515685" cy="379204"/>
+          </a:xfrm>
+          <a:prstGeom prst="rect">
+            <a:avLst/>
+          </a:prstGeom>
+          <a:solidFill>
+            <a:srgbClr val="00B0F0">
+              <a:alpha val="40000"/>
+            </a:srgbClr>
+          </a:solidFill>
+          <a:ln>
+            <a:solidFill>
+              <a:schemeClr val="tx1"/>
+            </a:solidFill>
+          </a:ln>
+        </p:spPr>
+        <p:txBody>
+          <a:bodyPr wrap="square" rtlCol="0">
+            <a:noAutofit/>
+          </a:bodyPr>
+          <a:lstStyle/>
+          <a:p>
+            <a:r>
+              <a:rPr lang="en-US" altLang="ja-JP" sz="907" dirty="0">
+                <a:latin typeface="ＭＳ Ｐゴシック" panose="020B0600070205080204" charset="-128"/>
+                <a:ea typeface="ＭＳ Ｐゴシック" panose="020B0600070205080204" charset="-128"/>
+                <a:cs typeface="Arial" panose="020B0604020202020204" pitchFamily="34" charset="0"/>
+              </a:rPr>
+              <a:t>Pressure loss coefficient of orifice.</a:t>
+            </a:r>
+            <a:endParaRPr lang="ja-JP" altLang="en-US" sz="907" dirty="0">
+              <a:latin typeface="ＭＳ Ｐゴシック" panose="020B0600070205080204" charset="-128"/>
+              <a:ea typeface="ＭＳ Ｐゴシック" panose="020B0600070205080204" charset="-128"/>
+              <a:cs typeface="Arial" panose="020B0604020202020204" pitchFamily="34" charset="0"/>
+            </a:endParaRPr>
+          </a:p>
+        </p:txBody>
+      </p:sp>
+      <p:sp>
+        <p:nvSpPr>
+          <p:cNvPr id="8" name="テキスト ボックス 7">
+            <a:extLst>
+              <a:ext uri="{FF2B5EF4-FFF2-40B4-BE49-F238E27FC236}">
+                <a16:creationId xmlns:a16="http://schemas.microsoft.com/office/drawing/2014/main" id="{2E21EEB1-B430-4D2F-B68E-C0FD70409BC5}"/>
+              </a:ext>
+            </a:extLst>
+          </p:cNvPr>
+          <p:cNvSpPr txBox="1"/>
+          <p:nvPr/>
+        </p:nvSpPr>
+        <p:spPr>
+          <a:xfrm>
+            <a:off x="5370022" y="5727469"/>
+            <a:ext cx="2662694" cy="971290"/>
           </a:xfrm>
           <a:prstGeom prst="rect">
             <a:avLst/>
@@ -5802,7 +6571,7 @@
                 <a:ea typeface="ＭＳ Ｐゴシック" panose="020B0600070205080204" charset="-128"/>
                 <a:cs typeface="Arial" panose="020B0604020202020204" pitchFamily="34" charset="0"/>
               </a:rPr>
-              <a:t> Pressure remaining at the end of exhaust pipe is free-expanded to ambient static pressure, which generates reaction force.</a:t>
+              <a:t> Viscos friction. The friction torque is proportional to the shaft absolute angular velocity (shaft speed relative to fixed surrounding world) of shaft speed.</a:t>
             </a:r>
           </a:p>
           <a:p>
@@ -5812,35 +6581,30 @@
                 <a:ea typeface="ＭＳ Ｐゴシック" panose="020B0600070205080204" charset="-128"/>
                 <a:cs typeface="Arial" panose="020B0604020202020204" pitchFamily="34" charset="0"/>
               </a:rPr>
-              <a:t> It is assumed that discharge coefficient is 1. Choke-Non-Choke is not considered.</a:t>
-            </a:r>
-            <a:endParaRPr lang="ja-JP" altLang="en-US" sz="907" dirty="0">
-              <a:latin typeface="ＭＳ Ｐゴシック" panose="020B0600070205080204" charset="-128"/>
-              <a:ea typeface="ＭＳ Ｐゴシック" panose="020B0600070205080204" charset="-128"/>
-              <a:cs typeface="Arial" panose="020B0604020202020204" pitchFamily="34" charset="0"/>
-            </a:endParaRPr>
+              <a:t> Shaft rotation gets steady at the angular speed at which the engine torque output is in equilibrium with friction torque. </a:t>
+            </a:r>
           </a:p>
         </p:txBody>
       </p:sp>
       <p:cxnSp>
         <p:nvCxnSpPr>
-          <p:cNvPr id="6" name="直線矢印コネクタ 5">
-            <a:extLst>
-              <a:ext uri="{FF2B5EF4-FFF2-40B4-BE49-F238E27FC236}">
-                <a16:creationId xmlns:a16="http://schemas.microsoft.com/office/drawing/2014/main" id="{A75EA855-F541-4953-94E0-F20EDFE49E69}"/>
+          <p:cNvPr id="9" name="直線矢印コネクタ 8">
+            <a:extLst>
+              <a:ext uri="{FF2B5EF4-FFF2-40B4-BE49-F238E27FC236}">
+                <a16:creationId xmlns:a16="http://schemas.microsoft.com/office/drawing/2014/main" id="{3BDDDA34-1E97-40CE-B2C0-4A16D94E0629}"/>
               </a:ext>
             </a:extLst>
           </p:cNvPr>
           <p:cNvCxnSpPr>
             <a:cxnSpLocks/>
-            <a:stCxn id="4" idx="1"/>
+            <a:stCxn id="8" idx="3"/>
           </p:cNvCxnSpPr>
           <p:nvPr/>
         </p:nvCxnSpPr>
         <p:spPr>
-          <a:xfrm flipH="1">
-            <a:off x="7855527" y="2856851"/>
-            <a:ext cx="543800" cy="800749"/>
+          <a:xfrm flipV="1">
+            <a:off x="8032716" y="6010104"/>
+            <a:ext cx="895153" cy="203010"/>
           </a:xfrm>
           <a:prstGeom prst="straightConnector1">
             <a:avLst/>
@@ -5872,7 +6636,7 @@
           <p:cNvPr id="15" name="テキスト ボックス 14">
             <a:extLst>
               <a:ext uri="{FF2B5EF4-FFF2-40B4-BE49-F238E27FC236}">
-                <a16:creationId xmlns:a16="http://schemas.microsoft.com/office/drawing/2014/main" id="{45056F98-CFBA-420A-8951-E4E37A32AF8D}"/>
+                <a16:creationId xmlns:a16="http://schemas.microsoft.com/office/drawing/2014/main" id="{D1091DC9-3325-483B-BB69-3719FB542A2A}"/>
               </a:ext>
             </a:extLst>
           </p:cNvPr>
@@ -5881,14 +6645,14 @@
         </p:nvSpPr>
         <p:spPr>
           <a:xfrm>
-            <a:off x="173631" y="2856851"/>
-            <a:ext cx="1914473" cy="291783"/>
+            <a:off x="4206666" y="1812175"/>
+            <a:ext cx="2111007" cy="647094"/>
           </a:xfrm>
           <a:prstGeom prst="rect">
             <a:avLst/>
           </a:prstGeom>
           <a:solidFill>
-            <a:srgbClr val="00B0F0">
+            <a:srgbClr val="92D050">
               <a:alpha val="40000"/>
             </a:srgbClr>
           </a:solidFill>
@@ -5910,7 +6674,25 @@
                 <a:ea typeface="ＭＳ Ｐゴシック" panose="020B0600070205080204" charset="-128"/>
                 <a:cs typeface="Arial" panose="020B0604020202020204" pitchFamily="34" charset="0"/>
               </a:rPr>
-              <a:t> Input inlet fluid states, p and T.</a:t>
+              <a:t> Controllable flow restriction. </a:t>
+            </a:r>
+          </a:p>
+          <a:p>
+            <a:r>
+              <a:rPr lang="ja-JP" altLang="en-US" sz="907" dirty="0">
+                <a:latin typeface="ＭＳ Ｐゴシック" panose="020B0600070205080204" charset="-128"/>
+                <a:ea typeface="ＭＳ Ｐゴシック" panose="020B0600070205080204" charset="-128"/>
+                <a:cs typeface="Arial" panose="020B0604020202020204" pitchFamily="34" charset="0"/>
+              </a:rPr>
+              <a:t> </a:t>
+            </a:r>
+            <a:r>
+              <a:rPr lang="en-US" altLang="ja-JP" sz="907" dirty="0">
+                <a:latin typeface="ＭＳ Ｐゴシック" panose="020B0600070205080204" charset="-128"/>
+                <a:ea typeface="ＭＳ Ｐゴシック" panose="020B0600070205080204" charset="-128"/>
+                <a:cs typeface="Arial" panose="020B0604020202020204" pitchFamily="34" charset="0"/>
+              </a:rPr>
+              <a:t>The pressure loss coefficient can be manipulated by external real signal.</a:t>
             </a:r>
             <a:endParaRPr lang="ja-JP" altLang="en-US" sz="907" dirty="0">
               <a:latin typeface="ＭＳ Ｐゴシック" panose="020B0600070205080204" charset="-128"/>
@@ -5920,132 +6702,100 @@
           </a:p>
         </p:txBody>
       </p:sp>
-      <p:sp>
-        <p:nvSpPr>
-          <p:cNvPr id="17" name="テキスト ボックス 16">
-            <a:extLst>
-              <a:ext uri="{FF2B5EF4-FFF2-40B4-BE49-F238E27FC236}">
-                <a16:creationId xmlns:a16="http://schemas.microsoft.com/office/drawing/2014/main" id="{75DF5446-8B98-4439-978B-A97A8E5D4D27}"/>
-              </a:ext>
-            </a:extLst>
-          </p:cNvPr>
-          <p:cNvSpPr txBox="1"/>
+      <p:cxnSp>
+        <p:nvCxnSpPr>
+          <p:cNvPr id="16" name="直線矢印コネクタ 15">
+            <a:extLst>
+              <a:ext uri="{FF2B5EF4-FFF2-40B4-BE49-F238E27FC236}">
+                <a16:creationId xmlns:a16="http://schemas.microsoft.com/office/drawing/2014/main" id="{5583047B-D0A1-45EF-8182-CD228FF59620}"/>
+              </a:ext>
+            </a:extLst>
+          </p:cNvPr>
+          <p:cNvCxnSpPr>
+            <a:cxnSpLocks/>
+            <a:stCxn id="15" idx="2"/>
+          </p:cNvCxnSpPr>
           <p:nvPr/>
-        </p:nvSpPr>
-        <p:spPr>
-          <a:xfrm>
-            <a:off x="7101840" y="4696599"/>
-            <a:ext cx="1914473" cy="440483"/>
-          </a:xfrm>
-          <a:prstGeom prst="rect">
-            <a:avLst/>
-          </a:prstGeom>
-          <a:solidFill>
-            <a:srgbClr val="00B0F0">
-              <a:alpha val="40000"/>
-            </a:srgbClr>
-          </a:solidFill>
-          <a:ln>
+        </p:nvCxnSpPr>
+        <p:spPr>
+          <a:xfrm>
+            <a:off x="5262170" y="2459269"/>
+            <a:ext cx="1852141" cy="969731"/>
+          </a:xfrm>
+          <a:prstGeom prst="straightConnector1">
+            <a:avLst/>
+          </a:prstGeom>
+          <a:ln w="12700">
             <a:solidFill>
               <a:schemeClr val="tx1"/>
             </a:solidFill>
+            <a:tailEnd type="oval"/>
           </a:ln>
         </p:spPr>
-        <p:txBody>
-          <a:bodyPr wrap="square" rtlCol="0">
-            <a:noAutofit/>
-          </a:bodyPr>
-          <a:lstStyle/>
-          <a:p>
-            <a:r>
-              <a:rPr lang="en-US" altLang="ja-JP" sz="907" dirty="0">
-                <a:latin typeface="ＭＳ Ｐゴシック" panose="020B0600070205080204" charset="-128"/>
-                <a:ea typeface="ＭＳ Ｐゴシック" panose="020B0600070205080204" charset="-128"/>
-                <a:cs typeface="Arial" panose="020B0604020202020204" pitchFamily="34" charset="0"/>
-              </a:rPr>
-              <a:t> Constrain the shaft speed, then torque is output of </a:t>
-            </a:r>
-            <a:r>
-              <a:rPr lang="en-US" altLang="ja-JP" sz="907" dirty="0" err="1">
-                <a:latin typeface="ＭＳ Ｐゴシック" panose="020B0600070205080204" charset="-128"/>
-                <a:ea typeface="ＭＳ Ｐゴシック" panose="020B0600070205080204" charset="-128"/>
-                <a:cs typeface="Arial" panose="020B0604020202020204" pitchFamily="34" charset="0"/>
-              </a:rPr>
-              <a:t>PistonCylinder</a:t>
-            </a:r>
-            <a:r>
-              <a:rPr lang="en-US" altLang="ja-JP" sz="907" dirty="0">
-                <a:latin typeface="ＭＳ Ｐゴシック" panose="020B0600070205080204" charset="-128"/>
-                <a:ea typeface="ＭＳ Ｐゴシック" panose="020B0600070205080204" charset="-128"/>
-                <a:cs typeface="Arial" panose="020B0604020202020204" pitchFamily="34" charset="0"/>
-              </a:rPr>
-              <a:t>.</a:t>
-            </a:r>
-            <a:endParaRPr lang="ja-JP" altLang="en-US" sz="907" dirty="0">
-              <a:latin typeface="ＭＳ Ｐゴシック" panose="020B0600070205080204" charset="-128"/>
-              <a:ea typeface="ＭＳ Ｐゴシック" panose="020B0600070205080204" charset="-128"/>
-              <a:cs typeface="Arial" panose="020B0604020202020204" pitchFamily="34" charset="0"/>
-            </a:endParaRPr>
-          </a:p>
-        </p:txBody>
-      </p:sp>
-      <p:sp>
-        <p:nvSpPr>
-          <p:cNvPr id="18" name="テキスト ボックス 17">
-            <a:extLst>
-              <a:ext uri="{FF2B5EF4-FFF2-40B4-BE49-F238E27FC236}">
-                <a16:creationId xmlns:a16="http://schemas.microsoft.com/office/drawing/2014/main" id="{185E905E-A7D6-4B5F-BC4C-1E04C5EFB375}"/>
-              </a:ext>
-            </a:extLst>
-          </p:cNvPr>
-          <p:cNvSpPr txBox="1"/>
+        <p:style>
+          <a:lnRef idx="1">
+            <a:schemeClr val="accent1"/>
+          </a:lnRef>
+          <a:fillRef idx="0">
+            <a:schemeClr val="accent1"/>
+          </a:fillRef>
+          <a:effectRef idx="0">
+            <a:schemeClr val="accent1"/>
+          </a:effectRef>
+          <a:fontRef idx="minor">
+            <a:schemeClr val="tx1"/>
+          </a:fontRef>
+        </p:style>
+      </p:cxnSp>
+      <p:cxnSp>
+        <p:nvCxnSpPr>
+          <p:cNvPr id="19" name="直線矢印コネクタ 18">
+            <a:extLst>
+              <a:ext uri="{FF2B5EF4-FFF2-40B4-BE49-F238E27FC236}">
+                <a16:creationId xmlns:a16="http://schemas.microsoft.com/office/drawing/2014/main" id="{D59E314C-1D7D-4BB7-B03D-20995B97F888}"/>
+              </a:ext>
+            </a:extLst>
+          </p:cNvPr>
+          <p:cNvCxnSpPr>
+            <a:cxnSpLocks/>
+            <a:stCxn id="15" idx="2"/>
+          </p:cNvCxnSpPr>
           <p:nvPr/>
-        </p:nvSpPr>
-        <p:spPr>
-          <a:xfrm>
-            <a:off x="874671" y="4625057"/>
-            <a:ext cx="1914473" cy="379205"/>
-          </a:xfrm>
-          <a:prstGeom prst="rect">
-            <a:avLst/>
-          </a:prstGeom>
-          <a:solidFill>
-            <a:srgbClr val="00B0F0">
-              <a:alpha val="40000"/>
-            </a:srgbClr>
-          </a:solidFill>
-          <a:ln>
+        </p:nvCxnSpPr>
+        <p:spPr>
+          <a:xfrm flipH="1">
+            <a:off x="4336472" y="2459269"/>
+            <a:ext cx="925698" cy="521990"/>
+          </a:xfrm>
+          <a:prstGeom prst="straightConnector1">
+            <a:avLst/>
+          </a:prstGeom>
+          <a:ln w="12700">
             <a:solidFill>
               <a:schemeClr val="tx1"/>
             </a:solidFill>
+            <a:tailEnd type="oval"/>
           </a:ln>
         </p:spPr>
-        <p:txBody>
-          <a:bodyPr wrap="square" rtlCol="0">
-            <a:noAutofit/>
-          </a:bodyPr>
-          <a:lstStyle/>
-          <a:p>
-            <a:r>
-              <a:rPr lang="en-US" altLang="ja-JP" sz="907" dirty="0">
-                <a:latin typeface="ＭＳ Ｐゴシック" panose="020B0600070205080204" charset="-128"/>
-                <a:ea typeface="ＭＳ Ｐゴシック" panose="020B0600070205080204" charset="-128"/>
-                <a:cs typeface="Arial" panose="020B0604020202020204" pitchFamily="34" charset="0"/>
-              </a:rPr>
-              <a:t> Input the fraction of fuel in in-taken air fuel mixture.</a:t>
-            </a:r>
-            <a:endParaRPr lang="ja-JP" altLang="en-US" sz="907" dirty="0">
-              <a:latin typeface="ＭＳ Ｐゴシック" panose="020B0600070205080204" charset="-128"/>
-              <a:ea typeface="ＭＳ Ｐゴシック" panose="020B0600070205080204" charset="-128"/>
-              <a:cs typeface="Arial" panose="020B0604020202020204" pitchFamily="34" charset="0"/>
-            </a:endParaRPr>
-          </a:p>
-        </p:txBody>
-      </p:sp>
+        <p:style>
+          <a:lnRef idx="1">
+            <a:schemeClr val="accent1"/>
+          </a:lnRef>
+          <a:fillRef idx="0">
+            <a:schemeClr val="accent1"/>
+          </a:fillRef>
+          <a:effectRef idx="0">
+            <a:schemeClr val="accent1"/>
+          </a:effectRef>
+          <a:fontRef idx="minor">
+            <a:schemeClr val="tx1"/>
+          </a:fontRef>
+        </p:style>
+      </p:cxnSp>
     </p:spTree>
     <p:extLst>
       <p:ext uri="{BB962C8B-B14F-4D97-AF65-F5344CB8AC3E}">
-        <p14:creationId xmlns:p14="http://schemas.microsoft.com/office/powerpoint/2010/main" val="3531754289"/>
+        <p14:creationId xmlns:p14="http://schemas.microsoft.com/office/powerpoint/2010/main" val="1752535004"/>
       </p:ext>
     </p:extLst>
   </p:cSld>
@@ -6074,7 +6824,13 @@
       </p:grpSpPr>
       <p:pic>
         <p:nvPicPr>
-          <p:cNvPr id="3" name="図 2"/>
+          <p:cNvPr id="3" name="図 2">
+            <a:extLst>
+              <a:ext uri="{FF2B5EF4-FFF2-40B4-BE49-F238E27FC236}">
+                <a16:creationId xmlns:a16="http://schemas.microsoft.com/office/drawing/2014/main" id="{CC3C43D7-3591-4EC0-8495-AE178F8DEE06}"/>
+              </a:ext>
+            </a:extLst>
+          </p:cNvPr>
           <p:cNvPicPr>
             <a:picLocks noChangeAspect="1"/>
           </p:cNvPicPr>
@@ -6088,110 +6844,20 @@
         </p:blipFill>
         <p:spPr>
           <a:xfrm>
-            <a:off x="3803416" y="72670"/>
-            <a:ext cx="4585169" cy="4177992"/>
+            <a:off x="2043619" y="576619"/>
+            <a:ext cx="8104762" cy="5704762"/>
           </a:xfrm>
           <a:prstGeom prst="rect">
             <a:avLst/>
           </a:prstGeom>
         </p:spPr>
       </p:pic>
-      <p:sp>
-        <p:nvSpPr>
-          <p:cNvPr id="4" name="テキスト ボックス 3"/>
-          <p:cNvSpPr txBox="1"/>
-          <p:nvPr/>
-        </p:nvSpPr>
-        <p:spPr>
-          <a:xfrm>
-            <a:off x="4035144" y="3429000"/>
-            <a:ext cx="2326712" cy="821662"/>
-          </a:xfrm>
-          <a:prstGeom prst="rect">
-            <a:avLst/>
-          </a:prstGeom>
-          <a:solidFill>
-            <a:srgbClr val="92D050">
-              <a:alpha val="40000"/>
-            </a:srgbClr>
-          </a:solidFill>
-          <a:ln>
-            <a:solidFill>
-              <a:schemeClr val="tx1"/>
-            </a:solidFill>
-          </a:ln>
-        </p:spPr>
-        <p:txBody>
-          <a:bodyPr wrap="square" rtlCol="0">
-            <a:noAutofit/>
-          </a:bodyPr>
-          <a:lstStyle/>
-          <a:p>
-            <a:r>
-              <a:rPr lang="en-US" altLang="ja-JP" sz="907" dirty="0">
-                <a:latin typeface="ＭＳ Ｐゴシック" panose="020B0600070205080204" charset="-128"/>
-                <a:ea typeface="ＭＳ Ｐゴシック" panose="020B0600070205080204" charset="-128"/>
-                <a:cs typeface="Arial" panose="020B0604020202020204" pitchFamily="34" charset="0"/>
-              </a:rPr>
-              <a:t> Nozzle throat mechanical cross sectional area is “actuatable” by multiplication factor after constraint period.</a:t>
-            </a:r>
-          </a:p>
-          <a:p>
-            <a:r>
-              <a:rPr lang="en-US" altLang="ja-JP" sz="907" dirty="0">
-                <a:latin typeface="ＭＳ Ｐゴシック" panose="020B0600070205080204" charset="-128"/>
-                <a:ea typeface="ＭＳ Ｐゴシック" panose="020B0600070205080204" charset="-128"/>
-                <a:cs typeface="Arial" panose="020B0604020202020204" pitchFamily="34" charset="0"/>
-              </a:rPr>
-              <a:t> The area multiplication factor is changed from 1.0 to 0.9 gradually in this example.</a:t>
-            </a:r>
-            <a:endParaRPr lang="ja-JP" altLang="en-US" sz="907" dirty="0">
-              <a:latin typeface="ＭＳ Ｐゴシック" panose="020B0600070205080204" charset="-128"/>
-              <a:ea typeface="ＭＳ Ｐゴシック" panose="020B0600070205080204" charset="-128"/>
-              <a:cs typeface="Arial" panose="020B0604020202020204" pitchFamily="34" charset="0"/>
-            </a:endParaRPr>
-          </a:p>
-        </p:txBody>
-      </p:sp>
-      <p:cxnSp>
-        <p:nvCxnSpPr>
-          <p:cNvPr id="5" name="直線矢印コネクタ 4"/>
-          <p:cNvCxnSpPr>
-            <a:stCxn id="4" idx="3"/>
-          </p:cNvCxnSpPr>
-          <p:nvPr/>
-        </p:nvCxnSpPr>
-        <p:spPr>
-          <a:xfrm flipV="1">
-            <a:off x="6361856" y="3264344"/>
-            <a:ext cx="845461" cy="575487"/>
-          </a:xfrm>
-          <a:prstGeom prst="straightConnector1">
-            <a:avLst/>
-          </a:prstGeom>
-          <a:ln w="12700">
-            <a:solidFill>
-              <a:schemeClr val="tx1"/>
-            </a:solidFill>
-            <a:tailEnd type="oval"/>
-          </a:ln>
-        </p:spPr>
-        <p:style>
-          <a:lnRef idx="1">
-            <a:schemeClr val="accent1"/>
-          </a:lnRef>
-          <a:fillRef idx="0">
-            <a:schemeClr val="accent1"/>
-          </a:fillRef>
-          <a:effectRef idx="0">
-            <a:schemeClr val="accent1"/>
-          </a:effectRef>
-          <a:fontRef idx="minor">
-            <a:schemeClr val="tx1"/>
-          </a:fontRef>
-        </p:style>
-      </p:cxnSp>
     </p:spTree>
+    <p:extLst>
+      <p:ext uri="{BB962C8B-B14F-4D97-AF65-F5344CB8AC3E}">
+        <p14:creationId xmlns:p14="http://schemas.microsoft.com/office/powerpoint/2010/main" val="3455510197"/>
+      </p:ext>
+    </p:extLst>
   </p:cSld>
   <p:clrMapOvr>
     <a:masterClrMapping/>
@@ -6218,7 +6884,13 @@
       </p:grpSpPr>
       <p:pic>
         <p:nvPicPr>
-          <p:cNvPr id="3" name="図 2"/>
+          <p:cNvPr id="3" name="図 2">
+            <a:extLst>
+              <a:ext uri="{FF2B5EF4-FFF2-40B4-BE49-F238E27FC236}">
+                <a16:creationId xmlns:a16="http://schemas.microsoft.com/office/drawing/2014/main" id="{CC3C43D7-3591-4EC0-8495-AE178F8DEE06}"/>
+              </a:ext>
+            </a:extLst>
+          </p:cNvPr>
           <p:cNvPicPr>
             <a:picLocks noChangeAspect="1"/>
           </p:cNvPicPr>
@@ -6232,8 +6904,8 @@
         </p:blipFill>
         <p:spPr>
           <a:xfrm>
-            <a:off x="2293835" y="703882"/>
-            <a:ext cx="6531709" cy="4814424"/>
+            <a:off x="2043619" y="576619"/>
+            <a:ext cx="8104762" cy="5704762"/>
           </a:xfrm>
           <a:prstGeom prst="rect">
             <a:avLst/>
@@ -6242,23 +6914,28 @@
       </p:pic>
       <p:sp>
         <p:nvSpPr>
-          <p:cNvPr id="4" name="テキスト ボックス 3"/>
+          <p:cNvPr id="4" name="テキスト ボックス 3">
+            <a:extLst>
+              <a:ext uri="{FF2B5EF4-FFF2-40B4-BE49-F238E27FC236}">
+                <a16:creationId xmlns:a16="http://schemas.microsoft.com/office/drawing/2014/main" id="{B7F7D6CD-773B-4EFF-B3A9-03908D501608}"/>
+              </a:ext>
+            </a:extLst>
+          </p:cNvPr>
           <p:cNvSpPr txBox="1"/>
           <p:nvPr/>
         </p:nvSpPr>
         <p:spPr>
           <a:xfrm>
-            <a:off x="5227903" y="1493437"/>
-            <a:ext cx="1914473" cy="468529"/>
+            <a:off x="8399327" y="2439785"/>
+            <a:ext cx="2326712" cy="834131"/>
           </a:xfrm>
           <a:prstGeom prst="rect">
             <a:avLst/>
           </a:prstGeom>
           <a:solidFill>
-            <a:schemeClr val="accent5">
-              <a:lumMod val="40000"/>
-              <a:lumOff val="60000"/>
-            </a:schemeClr>
+            <a:srgbClr val="92D050">
+              <a:alpha val="40000"/>
+            </a:srgbClr>
           </a:solidFill>
           <a:ln>
             <a:solidFill>
@@ -6278,7 +6955,7 @@
                 <a:ea typeface="ＭＳ Ｐゴシック" panose="020B0600070205080204" charset="-128"/>
                 <a:cs typeface="Arial" panose="020B0604020202020204" pitchFamily="34" charset="0"/>
               </a:rPr>
-              <a:t>Input: </a:t>
+              <a:t> Pressure remaining at the end of exhaust pipe is free-expanded to ambient static pressure, which generates reaction force.</a:t>
             </a:r>
           </a:p>
           <a:p>
@@ -6288,7 +6965,7 @@
                 <a:ea typeface="ＭＳ Ｐゴシック" panose="020B0600070205080204" charset="-128"/>
                 <a:cs typeface="Arial" panose="020B0604020202020204" pitchFamily="34" charset="0"/>
               </a:rPr>
-              <a:t> nozzle pressure ratio is increased</a:t>
+              <a:t> It is assumed that discharge coefficient is 1. Choke-Non-Choke is not considered.</a:t>
             </a:r>
             <a:endParaRPr lang="ja-JP" altLang="en-US" sz="907" dirty="0">
               <a:latin typeface="ＭＳ Ｐゴシック" panose="020B0600070205080204" charset="-128"/>
@@ -6300,16 +6977,23 @@
       </p:sp>
       <p:cxnSp>
         <p:nvCxnSpPr>
-          <p:cNvPr id="5" name="直線矢印コネクタ 4"/>
+          <p:cNvPr id="6" name="直線矢印コネクタ 5">
+            <a:extLst>
+              <a:ext uri="{FF2B5EF4-FFF2-40B4-BE49-F238E27FC236}">
+                <a16:creationId xmlns:a16="http://schemas.microsoft.com/office/drawing/2014/main" id="{A75EA855-F541-4953-94E0-F20EDFE49E69}"/>
+              </a:ext>
+            </a:extLst>
+          </p:cNvPr>
           <p:cNvCxnSpPr>
-            <a:stCxn id="4" idx="2"/>
+            <a:cxnSpLocks/>
+            <a:stCxn id="4" idx="1"/>
           </p:cNvCxnSpPr>
           <p:nvPr/>
         </p:nvCxnSpPr>
         <p:spPr>
           <a:xfrm flipH="1">
-            <a:off x="5963027" y="1961967"/>
-            <a:ext cx="222113" cy="887613"/>
+            <a:off x="7855527" y="2856851"/>
+            <a:ext cx="543800" cy="800749"/>
           </a:xfrm>
           <a:prstGeom prst="straightConnector1">
             <a:avLst/>
@@ -6336,7 +7020,187 @@
           </a:fontRef>
         </p:style>
       </p:cxnSp>
+      <p:sp>
+        <p:nvSpPr>
+          <p:cNvPr id="15" name="テキスト ボックス 14">
+            <a:extLst>
+              <a:ext uri="{FF2B5EF4-FFF2-40B4-BE49-F238E27FC236}">
+                <a16:creationId xmlns:a16="http://schemas.microsoft.com/office/drawing/2014/main" id="{45056F98-CFBA-420A-8951-E4E37A32AF8D}"/>
+              </a:ext>
+            </a:extLst>
+          </p:cNvPr>
+          <p:cNvSpPr txBox="1"/>
+          <p:nvPr/>
+        </p:nvSpPr>
+        <p:spPr>
+          <a:xfrm>
+            <a:off x="173631" y="2856851"/>
+            <a:ext cx="1914473" cy="291783"/>
+          </a:xfrm>
+          <a:prstGeom prst="rect">
+            <a:avLst/>
+          </a:prstGeom>
+          <a:solidFill>
+            <a:srgbClr val="00B0F0">
+              <a:alpha val="40000"/>
+            </a:srgbClr>
+          </a:solidFill>
+          <a:ln>
+            <a:solidFill>
+              <a:schemeClr val="tx1"/>
+            </a:solidFill>
+          </a:ln>
+        </p:spPr>
+        <p:txBody>
+          <a:bodyPr wrap="square" rtlCol="0">
+            <a:noAutofit/>
+          </a:bodyPr>
+          <a:lstStyle/>
+          <a:p>
+            <a:r>
+              <a:rPr lang="en-US" altLang="ja-JP" sz="907" dirty="0">
+                <a:latin typeface="ＭＳ Ｐゴシック" panose="020B0600070205080204" charset="-128"/>
+                <a:ea typeface="ＭＳ Ｐゴシック" panose="020B0600070205080204" charset="-128"/>
+                <a:cs typeface="Arial" panose="020B0604020202020204" pitchFamily="34" charset="0"/>
+              </a:rPr>
+              <a:t> Input inlet fluid states, p and T.</a:t>
+            </a:r>
+            <a:endParaRPr lang="ja-JP" altLang="en-US" sz="907" dirty="0">
+              <a:latin typeface="ＭＳ Ｐゴシック" panose="020B0600070205080204" charset="-128"/>
+              <a:ea typeface="ＭＳ Ｐゴシック" panose="020B0600070205080204" charset="-128"/>
+              <a:cs typeface="Arial" panose="020B0604020202020204" pitchFamily="34" charset="0"/>
+            </a:endParaRPr>
+          </a:p>
+        </p:txBody>
+      </p:sp>
+      <p:sp>
+        <p:nvSpPr>
+          <p:cNvPr id="17" name="テキスト ボックス 16">
+            <a:extLst>
+              <a:ext uri="{FF2B5EF4-FFF2-40B4-BE49-F238E27FC236}">
+                <a16:creationId xmlns:a16="http://schemas.microsoft.com/office/drawing/2014/main" id="{75DF5446-8B98-4439-978B-A97A8E5D4D27}"/>
+              </a:ext>
+            </a:extLst>
+          </p:cNvPr>
+          <p:cNvSpPr txBox="1"/>
+          <p:nvPr/>
+        </p:nvSpPr>
+        <p:spPr>
+          <a:xfrm>
+            <a:off x="7101840" y="4696599"/>
+            <a:ext cx="1914473" cy="440483"/>
+          </a:xfrm>
+          <a:prstGeom prst="rect">
+            <a:avLst/>
+          </a:prstGeom>
+          <a:solidFill>
+            <a:srgbClr val="00B0F0">
+              <a:alpha val="40000"/>
+            </a:srgbClr>
+          </a:solidFill>
+          <a:ln>
+            <a:solidFill>
+              <a:schemeClr val="tx1"/>
+            </a:solidFill>
+          </a:ln>
+        </p:spPr>
+        <p:txBody>
+          <a:bodyPr wrap="square" rtlCol="0">
+            <a:noAutofit/>
+          </a:bodyPr>
+          <a:lstStyle/>
+          <a:p>
+            <a:r>
+              <a:rPr lang="en-US" altLang="ja-JP" sz="907" dirty="0">
+                <a:latin typeface="ＭＳ Ｐゴシック" panose="020B0600070205080204" charset="-128"/>
+                <a:ea typeface="ＭＳ Ｐゴシック" panose="020B0600070205080204" charset="-128"/>
+                <a:cs typeface="Arial" panose="020B0604020202020204" pitchFamily="34" charset="0"/>
+              </a:rPr>
+              <a:t> Constrain the shaft speed, then torque is output of </a:t>
+            </a:r>
+            <a:r>
+              <a:rPr lang="en-US" altLang="ja-JP" sz="907" dirty="0" err="1">
+                <a:latin typeface="ＭＳ Ｐゴシック" panose="020B0600070205080204" charset="-128"/>
+                <a:ea typeface="ＭＳ Ｐゴシック" panose="020B0600070205080204" charset="-128"/>
+                <a:cs typeface="Arial" panose="020B0604020202020204" pitchFamily="34" charset="0"/>
+              </a:rPr>
+              <a:t>PistonCylinder</a:t>
+            </a:r>
+            <a:r>
+              <a:rPr lang="en-US" altLang="ja-JP" sz="907" dirty="0">
+                <a:latin typeface="ＭＳ Ｐゴシック" panose="020B0600070205080204" charset="-128"/>
+                <a:ea typeface="ＭＳ Ｐゴシック" panose="020B0600070205080204" charset="-128"/>
+                <a:cs typeface="Arial" panose="020B0604020202020204" pitchFamily="34" charset="0"/>
+              </a:rPr>
+              <a:t>.</a:t>
+            </a:r>
+            <a:endParaRPr lang="ja-JP" altLang="en-US" sz="907" dirty="0">
+              <a:latin typeface="ＭＳ Ｐゴシック" panose="020B0600070205080204" charset="-128"/>
+              <a:ea typeface="ＭＳ Ｐゴシック" panose="020B0600070205080204" charset="-128"/>
+              <a:cs typeface="Arial" panose="020B0604020202020204" pitchFamily="34" charset="0"/>
+            </a:endParaRPr>
+          </a:p>
+        </p:txBody>
+      </p:sp>
+      <p:sp>
+        <p:nvSpPr>
+          <p:cNvPr id="18" name="テキスト ボックス 17">
+            <a:extLst>
+              <a:ext uri="{FF2B5EF4-FFF2-40B4-BE49-F238E27FC236}">
+                <a16:creationId xmlns:a16="http://schemas.microsoft.com/office/drawing/2014/main" id="{185E905E-A7D6-4B5F-BC4C-1E04C5EFB375}"/>
+              </a:ext>
+            </a:extLst>
+          </p:cNvPr>
+          <p:cNvSpPr txBox="1"/>
+          <p:nvPr/>
+        </p:nvSpPr>
+        <p:spPr>
+          <a:xfrm>
+            <a:off x="874671" y="4625057"/>
+            <a:ext cx="1914473" cy="379205"/>
+          </a:xfrm>
+          <a:prstGeom prst="rect">
+            <a:avLst/>
+          </a:prstGeom>
+          <a:solidFill>
+            <a:srgbClr val="00B0F0">
+              <a:alpha val="40000"/>
+            </a:srgbClr>
+          </a:solidFill>
+          <a:ln>
+            <a:solidFill>
+              <a:schemeClr val="tx1"/>
+            </a:solidFill>
+          </a:ln>
+        </p:spPr>
+        <p:txBody>
+          <a:bodyPr wrap="square" rtlCol="0">
+            <a:noAutofit/>
+          </a:bodyPr>
+          <a:lstStyle/>
+          <a:p>
+            <a:r>
+              <a:rPr lang="en-US" altLang="ja-JP" sz="907" dirty="0">
+                <a:latin typeface="ＭＳ Ｐゴシック" panose="020B0600070205080204" charset="-128"/>
+                <a:ea typeface="ＭＳ Ｐゴシック" panose="020B0600070205080204" charset="-128"/>
+                <a:cs typeface="Arial" panose="020B0604020202020204" pitchFamily="34" charset="0"/>
+              </a:rPr>
+              <a:t> Input the fraction of fuel in in-taken air fuel mixture.</a:t>
+            </a:r>
+            <a:endParaRPr lang="ja-JP" altLang="en-US" sz="907" dirty="0">
+              <a:latin typeface="ＭＳ Ｐゴシック" panose="020B0600070205080204" charset="-128"/>
+              <a:ea typeface="ＭＳ Ｐゴシック" panose="020B0600070205080204" charset="-128"/>
+              <a:cs typeface="Arial" panose="020B0604020202020204" pitchFamily="34" charset="0"/>
+            </a:endParaRPr>
+          </a:p>
+        </p:txBody>
+      </p:sp>
     </p:spTree>
+    <p:extLst>
+      <p:ext uri="{BB962C8B-B14F-4D97-AF65-F5344CB8AC3E}">
+        <p14:creationId xmlns:p14="http://schemas.microsoft.com/office/powerpoint/2010/main" val="3531754289"/>
+      </p:ext>
+    </p:extLst>
   </p:cSld>
   <p:clrMapOvr>
     <a:masterClrMapping/>
@@ -6377,26 +7241,83 @@
         </p:blipFill>
         <p:spPr>
           <a:xfrm>
-            <a:off x="2830146" y="786717"/>
-            <a:ext cx="6531709" cy="4739983"/>
+            <a:off x="3803416" y="72670"/>
+            <a:ext cx="4585169" cy="4177992"/>
           </a:xfrm>
           <a:prstGeom prst="rect">
             <a:avLst/>
           </a:prstGeom>
         </p:spPr>
       </p:pic>
+      <p:sp>
+        <p:nvSpPr>
+          <p:cNvPr id="4" name="テキスト ボックス 3"/>
+          <p:cNvSpPr txBox="1"/>
+          <p:nvPr/>
+        </p:nvSpPr>
+        <p:spPr>
+          <a:xfrm>
+            <a:off x="4035144" y="3429000"/>
+            <a:ext cx="2326712" cy="821662"/>
+          </a:xfrm>
+          <a:prstGeom prst="rect">
+            <a:avLst/>
+          </a:prstGeom>
+          <a:solidFill>
+            <a:srgbClr val="92D050">
+              <a:alpha val="40000"/>
+            </a:srgbClr>
+          </a:solidFill>
+          <a:ln>
+            <a:solidFill>
+              <a:schemeClr val="tx1"/>
+            </a:solidFill>
+          </a:ln>
+        </p:spPr>
+        <p:txBody>
+          <a:bodyPr wrap="square" rtlCol="0">
+            <a:noAutofit/>
+          </a:bodyPr>
+          <a:lstStyle/>
+          <a:p>
+            <a:r>
+              <a:rPr lang="en-US" altLang="ja-JP" sz="907" dirty="0">
+                <a:latin typeface="ＭＳ Ｐゴシック" panose="020B0600070205080204" charset="-128"/>
+                <a:ea typeface="ＭＳ Ｐゴシック" panose="020B0600070205080204" charset="-128"/>
+                <a:cs typeface="Arial" panose="020B0604020202020204" pitchFamily="34" charset="0"/>
+              </a:rPr>
+              <a:t> Nozzle throat mechanical cross sectional area is “actuatable” by multiplication factor after constraint period.</a:t>
+            </a:r>
+          </a:p>
+          <a:p>
+            <a:r>
+              <a:rPr lang="en-US" altLang="ja-JP" sz="907" dirty="0">
+                <a:latin typeface="ＭＳ Ｐゴシック" panose="020B0600070205080204" charset="-128"/>
+                <a:ea typeface="ＭＳ Ｐゴシック" panose="020B0600070205080204" charset="-128"/>
+                <a:cs typeface="Arial" panose="020B0604020202020204" pitchFamily="34" charset="0"/>
+              </a:rPr>
+              <a:t> The area multiplication factor is changed from 1.0 to 0.9 gradually in this example.</a:t>
+            </a:r>
+            <a:endParaRPr lang="ja-JP" altLang="en-US" sz="907" dirty="0">
+              <a:latin typeface="ＭＳ Ｐゴシック" panose="020B0600070205080204" charset="-128"/>
+              <a:ea typeface="ＭＳ Ｐゴシック" panose="020B0600070205080204" charset="-128"/>
+              <a:cs typeface="Arial" panose="020B0604020202020204" pitchFamily="34" charset="0"/>
+            </a:endParaRPr>
+          </a:p>
+        </p:txBody>
+      </p:sp>
       <p:cxnSp>
         <p:nvCxnSpPr>
-          <p:cNvPr id="4" name="直線矢印コネクタ 3"/>
+          <p:cNvPr id="5" name="直線矢印コネクタ 4"/>
           <p:cNvCxnSpPr>
-            <a:stCxn id="5" idx="0"/>
+            <a:stCxn id="4" idx="3"/>
           </p:cNvCxnSpPr>
           <p:nvPr/>
         </p:nvCxnSpPr>
         <p:spPr>
-          <a:xfrm flipH="1" flipV="1">
-            <a:off x="6500684" y="2081499"/>
-            <a:ext cx="243488" cy="606783"/>
+          <a:xfrm flipV="1">
+            <a:off x="6361856" y="3264344"/>
+            <a:ext cx="845461" cy="575487"/>
           </a:xfrm>
           <a:prstGeom prst="straightConnector1">
             <a:avLst/>
@@ -6423,63 +7344,6 @@
           </a:fontRef>
         </p:style>
       </p:cxnSp>
-      <p:sp>
-        <p:nvSpPr>
-          <p:cNvPr id="5" name="テキスト ボックス 4"/>
-          <p:cNvSpPr txBox="1"/>
-          <p:nvPr/>
-        </p:nvSpPr>
-        <p:spPr>
-          <a:xfrm>
-            <a:off x="5704965" y="2688283"/>
-            <a:ext cx="2078412" cy="576060"/>
-          </a:xfrm>
-          <a:prstGeom prst="rect">
-            <a:avLst/>
-          </a:prstGeom>
-          <a:solidFill>
-            <a:srgbClr val="FFFF00"/>
-          </a:solidFill>
-          <a:ln>
-            <a:solidFill>
-              <a:schemeClr val="tx1"/>
-            </a:solidFill>
-          </a:ln>
-        </p:spPr>
-        <p:txBody>
-          <a:bodyPr wrap="square" rtlCol="0">
-            <a:noAutofit/>
-          </a:bodyPr>
-          <a:lstStyle/>
-          <a:p>
-            <a:r>
-              <a:rPr lang="en-US" altLang="ja-JP" sz="726" dirty="0">
-                <a:latin typeface="Arial" panose="020B0604020202020204" pitchFamily="34" charset="0"/>
-                <a:cs typeface="Arial" panose="020B0604020202020204" pitchFamily="34" charset="0"/>
-              </a:rPr>
-              <a:t>Output: </a:t>
-            </a:r>
-          </a:p>
-          <a:p>
-            <a:r>
-              <a:rPr lang="en-US" altLang="ja-JP" sz="726" dirty="0">
-                <a:latin typeface="Arial" panose="020B0604020202020204" pitchFamily="34" charset="0"/>
-                <a:cs typeface="Arial" panose="020B0604020202020204" pitchFamily="34" charset="0"/>
-              </a:rPr>
-              <a:t> mass flow rate via nozzle.</a:t>
-            </a:r>
-          </a:p>
-          <a:p>
-            <a:r>
-              <a:rPr lang="en-US" altLang="ja-JP" sz="726" dirty="0">
-                <a:latin typeface="Arial" panose="020B0604020202020204" pitchFamily="34" charset="0"/>
-                <a:cs typeface="Arial" panose="020B0604020202020204" pitchFamily="34" charset="0"/>
-              </a:rPr>
-              <a:t> It decreases as throat area multiplication factor drops.</a:t>
-            </a:r>
-          </a:p>
-        </p:txBody>
-      </p:sp>
     </p:spTree>
   </p:cSld>
   <p:clrMapOvr>
@@ -6507,7 +7371,7 @@
       </p:grpSpPr>
       <p:pic>
         <p:nvPicPr>
-          <p:cNvPr id="5" name="図 4"/>
+          <p:cNvPr id="3" name="図 2"/>
           <p:cNvPicPr>
             <a:picLocks noChangeAspect="1"/>
           </p:cNvPicPr>
@@ -6521,26 +7385,84 @@
         </p:blipFill>
         <p:spPr>
           <a:xfrm>
-            <a:off x="2898385" y="488459"/>
-            <a:ext cx="6531709" cy="4803967"/>
+            <a:off x="2293835" y="703882"/>
+            <a:ext cx="6531709" cy="4814424"/>
           </a:xfrm>
           <a:prstGeom prst="rect">
             <a:avLst/>
           </a:prstGeom>
         </p:spPr>
       </p:pic>
+      <p:sp>
+        <p:nvSpPr>
+          <p:cNvPr id="4" name="テキスト ボックス 3"/>
+          <p:cNvSpPr txBox="1"/>
+          <p:nvPr/>
+        </p:nvSpPr>
+        <p:spPr>
+          <a:xfrm>
+            <a:off x="5227903" y="1493437"/>
+            <a:ext cx="1914473" cy="468529"/>
+          </a:xfrm>
+          <a:prstGeom prst="rect">
+            <a:avLst/>
+          </a:prstGeom>
+          <a:solidFill>
+            <a:schemeClr val="accent5">
+              <a:lumMod val="40000"/>
+              <a:lumOff val="60000"/>
+            </a:schemeClr>
+          </a:solidFill>
+          <a:ln>
+            <a:solidFill>
+              <a:schemeClr val="tx1"/>
+            </a:solidFill>
+          </a:ln>
+        </p:spPr>
+        <p:txBody>
+          <a:bodyPr wrap="square" rtlCol="0">
+            <a:noAutofit/>
+          </a:bodyPr>
+          <a:lstStyle/>
+          <a:p>
+            <a:r>
+              <a:rPr lang="en-US" altLang="ja-JP" sz="907" dirty="0">
+                <a:latin typeface="ＭＳ Ｐゴシック" panose="020B0600070205080204" charset="-128"/>
+                <a:ea typeface="ＭＳ Ｐゴシック" panose="020B0600070205080204" charset="-128"/>
+                <a:cs typeface="Arial" panose="020B0604020202020204" pitchFamily="34" charset="0"/>
+              </a:rPr>
+              <a:t>Input: </a:t>
+            </a:r>
+          </a:p>
+          <a:p>
+            <a:r>
+              <a:rPr lang="en-US" altLang="ja-JP" sz="907" dirty="0">
+                <a:latin typeface="ＭＳ Ｐゴシック" panose="020B0600070205080204" charset="-128"/>
+                <a:ea typeface="ＭＳ Ｐゴシック" panose="020B0600070205080204" charset="-128"/>
+                <a:cs typeface="Arial" panose="020B0604020202020204" pitchFamily="34" charset="0"/>
+              </a:rPr>
+              <a:t> nozzle pressure ratio is increased</a:t>
+            </a:r>
+            <a:endParaRPr lang="ja-JP" altLang="en-US" sz="907" dirty="0">
+              <a:latin typeface="ＭＳ Ｐゴシック" panose="020B0600070205080204" charset="-128"/>
+              <a:ea typeface="ＭＳ Ｐゴシック" panose="020B0600070205080204" charset="-128"/>
+              <a:cs typeface="Arial" panose="020B0604020202020204" pitchFamily="34" charset="0"/>
+            </a:endParaRPr>
+          </a:p>
+        </p:txBody>
+      </p:sp>
       <p:cxnSp>
         <p:nvCxnSpPr>
-          <p:cNvPr id="6" name="直線矢印コネクタ 5"/>
+          <p:cNvPr id="5" name="直線矢印コネクタ 4"/>
           <p:cNvCxnSpPr>
-            <a:stCxn id="7" idx="0"/>
+            <a:stCxn id="4" idx="2"/>
           </p:cNvCxnSpPr>
           <p:nvPr/>
         </p:nvCxnSpPr>
         <p:spPr>
-          <a:xfrm flipV="1">
-            <a:off x="5415393" y="2327285"/>
-            <a:ext cx="985440" cy="525655"/>
+          <a:xfrm flipH="1">
+            <a:off x="5963027" y="1961967"/>
+            <a:ext cx="222113" cy="887613"/>
           </a:xfrm>
           <a:prstGeom prst="straightConnector1">
             <a:avLst/>
@@ -6567,158 +7489,6 @@
           </a:fontRef>
         </p:style>
       </p:cxnSp>
-      <p:sp>
-        <p:nvSpPr>
-          <p:cNvPr id="7" name="テキスト ボックス 6"/>
-          <p:cNvSpPr txBox="1"/>
-          <p:nvPr/>
-        </p:nvSpPr>
-        <p:spPr>
-          <a:xfrm>
-            <a:off x="4376186" y="2852940"/>
-            <a:ext cx="2078412" cy="576060"/>
-          </a:xfrm>
-          <a:prstGeom prst="rect">
-            <a:avLst/>
-          </a:prstGeom>
-          <a:solidFill>
-            <a:srgbClr val="FFFF00"/>
-          </a:solidFill>
-          <a:ln>
-            <a:solidFill>
-              <a:schemeClr val="tx1"/>
-            </a:solidFill>
-          </a:ln>
-        </p:spPr>
-        <p:txBody>
-          <a:bodyPr wrap="square" rtlCol="0">
-            <a:noAutofit/>
-          </a:bodyPr>
-          <a:lstStyle/>
-          <a:p>
-            <a:r>
-              <a:rPr lang="en-US" altLang="ja-JP" sz="726" dirty="0">
-                <a:latin typeface="Arial" panose="020B0604020202020204" pitchFamily="34" charset="0"/>
-                <a:cs typeface="Arial" panose="020B0604020202020204" pitchFamily="34" charset="0"/>
-              </a:rPr>
-              <a:t>Output: </a:t>
-            </a:r>
-          </a:p>
-          <a:p>
-            <a:r>
-              <a:rPr lang="en-US" altLang="ja-JP" sz="726" dirty="0">
-                <a:latin typeface="Arial" panose="020B0604020202020204" pitchFamily="34" charset="0"/>
-                <a:cs typeface="Arial" panose="020B0604020202020204" pitchFamily="34" charset="0"/>
-              </a:rPr>
-              <a:t> throat mechanical cross sectional area.</a:t>
-            </a:r>
-          </a:p>
-          <a:p>
-            <a:r>
-              <a:rPr lang="en-US" altLang="ja-JP" sz="726" dirty="0">
-                <a:latin typeface="Arial" panose="020B0604020202020204" pitchFamily="34" charset="0"/>
-                <a:cs typeface="Arial" panose="020B0604020202020204" pitchFamily="34" charset="0"/>
-              </a:rPr>
-              <a:t> It decreases as throat area multiplication factor drops.</a:t>
-            </a:r>
-          </a:p>
-        </p:txBody>
-      </p:sp>
-      <p:cxnSp>
-        <p:nvCxnSpPr>
-          <p:cNvPr id="9" name="直線矢印コネクタ 8"/>
-          <p:cNvCxnSpPr>
-            <a:stCxn id="10" idx="0"/>
-          </p:cNvCxnSpPr>
-          <p:nvPr/>
-        </p:nvCxnSpPr>
-        <p:spPr>
-          <a:xfrm flipH="1" flipV="1">
-            <a:off x="8011509" y="1129079"/>
-            <a:ext cx="61443" cy="602461"/>
-          </a:xfrm>
-          <a:prstGeom prst="straightConnector1">
-            <a:avLst/>
-          </a:prstGeom>
-          <a:ln w="12700">
-            <a:solidFill>
-              <a:schemeClr val="tx1"/>
-            </a:solidFill>
-            <a:tailEnd type="oval"/>
-          </a:ln>
-        </p:spPr>
-        <p:style>
-          <a:lnRef idx="1">
-            <a:schemeClr val="accent1"/>
-          </a:lnRef>
-          <a:fillRef idx="0">
-            <a:schemeClr val="accent1"/>
-          </a:fillRef>
-          <a:effectRef idx="0">
-            <a:schemeClr val="accent1"/>
-          </a:effectRef>
-          <a:fontRef idx="minor">
-            <a:schemeClr val="tx1"/>
-          </a:fontRef>
-        </p:style>
-      </p:cxnSp>
-      <p:sp>
-        <p:nvSpPr>
-          <p:cNvPr id="10" name="テキスト ボックス 9"/>
-          <p:cNvSpPr txBox="1"/>
-          <p:nvPr/>
-        </p:nvSpPr>
-        <p:spPr>
-          <a:xfrm>
-            <a:off x="6972302" y="1731540"/>
-            <a:ext cx="2201301" cy="664872"/>
-          </a:xfrm>
-          <a:prstGeom prst="rect">
-            <a:avLst/>
-          </a:prstGeom>
-          <a:solidFill>
-            <a:srgbClr val="FFFF00"/>
-          </a:solidFill>
-          <a:ln>
-            <a:solidFill>
-              <a:schemeClr val="tx1"/>
-            </a:solidFill>
-          </a:ln>
-        </p:spPr>
-        <p:txBody>
-          <a:bodyPr wrap="square" rtlCol="0">
-            <a:noAutofit/>
-          </a:bodyPr>
-          <a:lstStyle/>
-          <a:p>
-            <a:r>
-              <a:rPr lang="en-US" altLang="ja-JP" sz="726" dirty="0">
-                <a:latin typeface="Arial" panose="020B0604020202020204" pitchFamily="34" charset="0"/>
-                <a:cs typeface="Arial" panose="020B0604020202020204" pitchFamily="34" charset="0"/>
-              </a:rPr>
-              <a:t>Output: </a:t>
-            </a:r>
-          </a:p>
-          <a:p>
-            <a:r>
-              <a:rPr lang="en-US" altLang="ja-JP" sz="726" dirty="0">
-                <a:latin typeface="Arial" panose="020B0604020202020204" pitchFamily="34" charset="0"/>
-                <a:cs typeface="Arial" panose="020B0604020202020204" pitchFamily="34" charset="0"/>
-              </a:rPr>
-              <a:t> “des” marked throat mechanical cross sectional area.</a:t>
-            </a:r>
-          </a:p>
-          <a:p>
-            <a:r>
-              <a:rPr lang="en-US" altLang="ja-JP" sz="726" dirty="0">
-                <a:latin typeface="Arial" panose="020B0604020202020204" pitchFamily="34" charset="0"/>
-                <a:cs typeface="Arial" panose="020B0604020202020204" pitchFamily="34" charset="0"/>
-              </a:rPr>
-              <a:t> It is kept constant while throat area multiplication factor is changed.</a:t>
-            </a:r>
-          </a:p>
-        </p:txBody>
-      </p:sp>
     </p:spTree>
   </p:cSld>
   <p:clrMapOvr>
@@ -6760,193 +7530,68 @@
         </p:blipFill>
         <p:spPr>
           <a:xfrm>
-            <a:off x="3151209" y="59299"/>
-            <a:ext cx="5712282" cy="4206317"/>
+            <a:off x="2830146" y="786717"/>
+            <a:ext cx="6531709" cy="4739983"/>
           </a:xfrm>
           <a:prstGeom prst="rect">
             <a:avLst/>
           </a:prstGeom>
         </p:spPr>
       </p:pic>
-      <p:pic>
-        <p:nvPicPr>
-          <p:cNvPr id="4" name="図 3"/>
-          <p:cNvPicPr>
-            <a:picLocks noChangeAspect="1"/>
-          </p:cNvPicPr>
+      <p:cxnSp>
+        <p:nvCxnSpPr>
+          <p:cNvPr id="4" name="直線矢印コネクタ 3"/>
+          <p:cNvCxnSpPr>
+            <a:stCxn id="5" idx="0"/>
+          </p:cNvCxnSpPr>
           <p:nvPr/>
-        </p:nvPicPr>
-        <p:blipFill rotWithShape="1">
-          <a:blip r:embed="rId3"/>
-          <a:srcRect l="40324" t="47469" r="38741"/>
-          <a:stretch>
-            <a:fillRect/>
-          </a:stretch>
-        </p:blipFill>
-        <p:spPr>
-          <a:xfrm>
-            <a:off x="4042824" y="4093871"/>
-            <a:ext cx="952420" cy="2460626"/>
-          </a:xfrm>
-          <a:prstGeom prst="rect">
-            <a:avLst/>
-          </a:prstGeom>
-        </p:spPr>
-      </p:pic>
-      <p:sp>
-        <p:nvSpPr>
-          <p:cNvPr id="5" name="四角形: 角を丸くする 4"/>
-          <p:cNvSpPr/>
-          <p:nvPr/>
-        </p:nvSpPr>
-        <p:spPr>
-          <a:xfrm>
-            <a:off x="5525219" y="3010875"/>
-            <a:ext cx="990824" cy="906335"/>
-          </a:xfrm>
-          <a:prstGeom prst="roundRect">
-            <a:avLst>
-              <a:gd name="adj" fmla="val 29379"/>
-            </a:avLst>
-          </a:prstGeom>
-          <a:noFill/>
-          <a:ln>
+        </p:nvCxnSpPr>
+        <p:spPr>
+          <a:xfrm flipH="1" flipV="1">
+            <a:off x="6500684" y="2081499"/>
+            <a:ext cx="243488" cy="606783"/>
+          </a:xfrm>
+          <a:prstGeom prst="straightConnector1">
+            <a:avLst/>
+          </a:prstGeom>
+          <a:ln w="12700">
             <a:solidFill>
-              <a:srgbClr val="FF0000"/>
+              <a:schemeClr val="tx1"/>
             </a:solidFill>
+            <a:tailEnd type="oval"/>
           </a:ln>
         </p:spPr>
         <p:style>
-          <a:lnRef idx="2">
-            <a:schemeClr val="accent1">
-              <a:shade val="50000"/>
-            </a:schemeClr>
+          <a:lnRef idx="1">
+            <a:schemeClr val="accent1"/>
           </a:lnRef>
-          <a:fillRef idx="1">
+          <a:fillRef idx="0">
             <a:schemeClr val="accent1"/>
           </a:fillRef>
           <a:effectRef idx="0">
             <a:schemeClr val="accent1"/>
           </a:effectRef>
           <a:fontRef idx="minor">
-            <a:schemeClr val="lt1"/>
+            <a:schemeClr val="tx1"/>
           </a:fontRef>
         </p:style>
-        <p:txBody>
-          <a:bodyPr rtlCol="0" anchor="ctr"/>
-          <a:lstStyle/>
-          <a:p>
-            <a:pPr algn="ctr"/>
-            <a:endParaRPr lang="ja-JP" altLang="en-US" sz="1633"/>
-          </a:p>
-        </p:txBody>
-      </p:sp>
-      <p:sp>
-        <p:nvSpPr>
-          <p:cNvPr id="6" name="四角形: 角を丸くする 5"/>
-          <p:cNvSpPr/>
-          <p:nvPr/>
-        </p:nvSpPr>
-        <p:spPr>
-          <a:xfrm>
-            <a:off x="3900383" y="4035190"/>
-            <a:ext cx="1198897" cy="2519307"/>
-          </a:xfrm>
-          <a:prstGeom prst="roundRect">
-            <a:avLst>
-              <a:gd name="adj" fmla="val 29379"/>
-            </a:avLst>
-          </a:prstGeom>
-          <a:noFill/>
-          <a:ln>
-            <a:solidFill>
-              <a:srgbClr val="FF0000"/>
-            </a:solidFill>
-          </a:ln>
-        </p:spPr>
-        <p:style>
-          <a:lnRef idx="2">
-            <a:schemeClr val="accent1">
-              <a:shade val="50000"/>
-            </a:schemeClr>
-          </a:lnRef>
-          <a:fillRef idx="1">
-            <a:schemeClr val="accent1"/>
-          </a:fillRef>
-          <a:effectRef idx="0">
-            <a:schemeClr val="accent1"/>
-          </a:effectRef>
-          <a:fontRef idx="minor">
-            <a:schemeClr val="lt1"/>
-          </a:fontRef>
-        </p:style>
-        <p:txBody>
-          <a:bodyPr rtlCol="0" anchor="ctr"/>
-          <a:lstStyle/>
-          <a:p>
-            <a:pPr algn="ctr"/>
-            <a:endParaRPr lang="ja-JP" altLang="en-US" sz="1633"/>
-          </a:p>
-        </p:txBody>
-      </p:sp>
-      <p:sp>
-        <p:nvSpPr>
-          <p:cNvPr id="8" name="矢印: 右 7"/>
-          <p:cNvSpPr/>
-          <p:nvPr/>
-        </p:nvSpPr>
-        <p:spPr>
-          <a:xfrm rot="19336682">
-            <a:off x="5213434" y="4092798"/>
-            <a:ext cx="660551" cy="345636"/>
-          </a:xfrm>
-          <a:prstGeom prst="rightArrow">
-            <a:avLst/>
-          </a:prstGeom>
-        </p:spPr>
-        <p:style>
-          <a:lnRef idx="2">
-            <a:schemeClr val="accent2">
-              <a:shade val="50000"/>
-            </a:schemeClr>
-          </a:lnRef>
-          <a:fillRef idx="1">
-            <a:schemeClr val="accent2"/>
-          </a:fillRef>
-          <a:effectRef idx="0">
-            <a:schemeClr val="accent2"/>
-          </a:effectRef>
-          <a:fontRef idx="minor">
-            <a:schemeClr val="lt1"/>
-          </a:fontRef>
-        </p:style>
-        <p:txBody>
-          <a:bodyPr rtlCol="0" anchor="ctr"/>
-          <a:lstStyle/>
-          <a:p>
-            <a:pPr algn="ctr"/>
-            <a:endParaRPr lang="ja-JP" altLang="en-US" sz="1633"/>
-          </a:p>
-        </p:txBody>
-      </p:sp>
-      <p:sp>
-        <p:nvSpPr>
-          <p:cNvPr id="9" name="テキスト ボックス 8"/>
+      </p:cxnSp>
+      <p:sp>
+        <p:nvSpPr>
+          <p:cNvPr id="5" name="テキスト ボックス 4"/>
           <p:cNvSpPr txBox="1"/>
           <p:nvPr/>
         </p:nvSpPr>
         <p:spPr>
           <a:xfrm>
-            <a:off x="6021736" y="4608431"/>
-            <a:ext cx="1914474" cy="677540"/>
+            <a:off x="5704965" y="2688283"/>
+            <a:ext cx="2078412" cy="576060"/>
           </a:xfrm>
           <a:prstGeom prst="rect">
             <a:avLst/>
           </a:prstGeom>
           <a:solidFill>
-            <a:srgbClr val="92D050">
-              <a:alpha val="40000"/>
-            </a:srgbClr>
+            <a:srgbClr val="FFFF00"/>
           </a:solidFill>
           <a:ln>
             <a:solidFill>
@@ -6961,18 +7606,30 @@
           <a:lstStyle/>
           <a:p>
             <a:r>
-              <a:rPr lang="en-US" altLang="ja-JP" sz="907" dirty="0">
-                <a:latin typeface="ＭＳ Ｐゴシック" panose="020B0600070205080204" charset="-128"/>
-                <a:ea typeface="ＭＳ Ｐゴシック" panose="020B0600070205080204" charset="-128"/>
+              <a:rPr lang="en-US" altLang="ja-JP" sz="726" dirty="0">
+                <a:latin typeface="Arial" panose="020B0604020202020204" pitchFamily="34" charset="0"/>
                 <a:cs typeface="Arial" panose="020B0604020202020204" pitchFamily="34" charset="0"/>
               </a:rPr>
-              <a:t> Components for design point constraint of mass flow rate is integrated into single component for easier handling.</a:t>
-            </a:r>
-            <a:endParaRPr lang="ja-JP" altLang="en-US" sz="907" dirty="0">
-              <a:latin typeface="ＭＳ Ｐゴシック" panose="020B0600070205080204" charset="-128"/>
-              <a:ea typeface="ＭＳ Ｐゴシック" panose="020B0600070205080204" charset="-128"/>
-              <a:cs typeface="Arial" panose="020B0604020202020204" pitchFamily="34" charset="0"/>
-            </a:endParaRPr>
+              <a:t>Output: </a:t>
+            </a:r>
+          </a:p>
+          <a:p>
+            <a:r>
+              <a:rPr lang="en-US" altLang="ja-JP" sz="726" dirty="0">
+                <a:latin typeface="Arial" panose="020B0604020202020204" pitchFamily="34" charset="0"/>
+                <a:cs typeface="Arial" panose="020B0604020202020204" pitchFamily="34" charset="0"/>
+              </a:rPr>
+              <a:t> mass flow rate via nozzle.</a:t>
+            </a:r>
+          </a:p>
+          <a:p>
+            <a:r>
+              <a:rPr lang="en-US" altLang="ja-JP" sz="726" dirty="0">
+                <a:latin typeface="Arial" panose="020B0604020202020204" pitchFamily="34" charset="0"/>
+                <a:cs typeface="Arial" panose="020B0604020202020204" pitchFamily="34" charset="0"/>
+              </a:rPr>
+              <a:t> It decreases as throat area multiplication factor drops.</a:t>
+            </a:r>
           </a:p>
         </p:txBody>
       </p:sp>
